--- a/icons.pptx
+++ b/icons.pptx
@@ -117,318 +117,8 @@
 </p:presentation>
 </file>
 
-<file path=ppt/changesInfos/changesInfo1.xml><?xml version="1.0" encoding="utf-8"?>
-<pc:chgInfo xmlns:a="http://schemas.openxmlformats.org/drawingml/2006/main" xmlns:r="http://schemas.openxmlformats.org/officeDocument/2006/relationships" xmlns:ac="http://schemas.microsoft.com/office/drawing/2013/main/command" xmlns:pc="http://schemas.microsoft.com/office/powerpoint/2013/main/command">
-  <pc:docChgLst>
-    <pc:chgData name="Isaac Valdez" userId="13e1ca45-44f1-4a8d-b954-611b20158646" providerId="ADAL" clId="{8F213521-C329-4D6F-8F55-1296599CF7D9}"/>
-    <pc:docChg chg="custSel addSld modSld">
-      <pc:chgData name="Isaac Valdez" userId="13e1ca45-44f1-4a8d-b954-611b20158646" providerId="ADAL" clId="{8F213521-C329-4D6F-8F55-1296599CF7D9}" dt="2017-09-21T13:55:23.554" v="197"/>
-      <pc:docMkLst>
-        <pc:docMk/>
-      </pc:docMkLst>
-      <pc:sldChg chg="addSp delSp modSp add">
-        <pc:chgData name="Isaac Valdez" userId="13e1ca45-44f1-4a8d-b954-611b20158646" providerId="ADAL" clId="{8F213521-C329-4D6F-8F55-1296599CF7D9}" dt="2017-09-19T13:47:25.900" v="42" actId="1076"/>
-        <pc:sldMkLst>
-          <pc:docMk/>
-          <pc:sldMk cId="31380459" sldId="258"/>
-        </pc:sldMkLst>
-        <pc:spChg chg="add mod">
-          <ac:chgData name="Isaac Valdez" userId="13e1ca45-44f1-4a8d-b954-611b20158646" providerId="ADAL" clId="{8F213521-C329-4D6F-8F55-1296599CF7D9}" dt="2017-09-19T13:47:17.962" v="38" actId="2085"/>
-          <ac:spMkLst>
-            <pc:docMk/>
-            <pc:sldMk cId="31380459" sldId="258"/>
-            <ac:spMk id="2" creationId="{24F64642-F443-4DF4-9EB0-92A8ED345A8F}"/>
-          </ac:spMkLst>
-        </pc:spChg>
-        <pc:spChg chg="add del">
-          <ac:chgData name="Isaac Valdez" userId="13e1ca45-44f1-4a8d-b954-611b20158646" providerId="ADAL" clId="{8F213521-C329-4D6F-8F55-1296599CF7D9}" dt="2017-09-19T13:47:24.384" v="40" actId="1076"/>
-          <ac:spMkLst>
-            <pc:docMk/>
-            <pc:sldMk cId="31380459" sldId="258"/>
-            <ac:spMk id="3" creationId="{C5E66179-BEF3-4756-86E5-D04213C55DB6}"/>
-          </ac:spMkLst>
-        </pc:spChg>
-        <pc:picChg chg="add mod">
-          <ac:chgData name="Isaac Valdez" userId="13e1ca45-44f1-4a8d-b954-611b20158646" providerId="ADAL" clId="{8F213521-C329-4D6F-8F55-1296599CF7D9}" dt="2017-09-19T13:47:25.900" v="42" actId="1076"/>
-          <ac:picMkLst>
-            <pc:docMk/>
-            <pc:sldMk cId="31380459" sldId="258"/>
-            <ac:picMk id="4" creationId="{E76A1A43-7E4C-42E1-96C4-99A14C417E38}"/>
-          </ac:picMkLst>
-        </pc:picChg>
-      </pc:sldChg>
-      <pc:sldChg chg="addSp delSp modSp add">
-        <pc:chgData name="Isaac Valdez" userId="13e1ca45-44f1-4a8d-b954-611b20158646" providerId="ADAL" clId="{8F213521-C329-4D6F-8F55-1296599CF7D9}" dt="2017-09-19T14:16:35.907" v="74" actId="1076"/>
-        <pc:sldMkLst>
-          <pc:docMk/>
-          <pc:sldMk cId="2565339153" sldId="259"/>
-        </pc:sldMkLst>
-        <pc:spChg chg="add mod">
-          <ac:chgData name="Isaac Valdez" userId="13e1ca45-44f1-4a8d-b954-611b20158646" providerId="ADAL" clId="{8F213521-C329-4D6F-8F55-1296599CF7D9}" dt="2017-09-19T14:15:50.797" v="59" actId="2085"/>
-          <ac:spMkLst>
-            <pc:docMk/>
-            <pc:sldMk cId="2565339153" sldId="259"/>
-            <ac:spMk id="2" creationId="{3924AF56-469D-4254-A0A1-E453592C244E}"/>
-          </ac:spMkLst>
-        </pc:spChg>
-        <pc:spChg chg="add mod">
-          <ac:chgData name="Isaac Valdez" userId="13e1ca45-44f1-4a8d-b954-611b20158646" providerId="ADAL" clId="{8F213521-C329-4D6F-8F55-1296599CF7D9}" dt="2017-09-19T14:15:47.269" v="58" actId="1076"/>
-          <ac:spMkLst>
-            <pc:docMk/>
-            <pc:sldMk cId="2565339153" sldId="259"/>
-            <ac:spMk id="3" creationId="{C3A60458-DD1A-424B-98DB-0B4D217DD8DA}"/>
-          </ac:spMkLst>
-        </pc:spChg>
-        <pc:spChg chg="add mod">
-          <ac:chgData name="Isaac Valdez" userId="13e1ca45-44f1-4a8d-b954-611b20158646" providerId="ADAL" clId="{8F213521-C329-4D6F-8F55-1296599CF7D9}" dt="2017-09-19T14:15:47.269" v="58" actId="1076"/>
-          <ac:spMkLst>
-            <pc:docMk/>
-            <pc:sldMk cId="2565339153" sldId="259"/>
-            <ac:spMk id="4" creationId="{0F7B2149-D0C5-4F18-9B46-F80C4BA49618}"/>
-          </ac:spMkLst>
-        </pc:spChg>
-        <pc:spChg chg="add mod">
-          <ac:chgData name="Isaac Valdez" userId="13e1ca45-44f1-4a8d-b954-611b20158646" providerId="ADAL" clId="{8F213521-C329-4D6F-8F55-1296599CF7D9}" dt="2017-09-19T14:15:47.269" v="58" actId="1076"/>
-          <ac:spMkLst>
-            <pc:docMk/>
-            <pc:sldMk cId="2565339153" sldId="259"/>
-            <ac:spMk id="5" creationId="{45811FDA-AA74-48F3-98B8-8B48E8FE4CD5}"/>
-          </ac:spMkLst>
-        </pc:spChg>
-        <pc:spChg chg="add del mod">
-          <ac:chgData name="Isaac Valdez" userId="13e1ca45-44f1-4a8d-b954-611b20158646" providerId="ADAL" clId="{8F213521-C329-4D6F-8F55-1296599CF7D9}" dt="2017-09-19T14:16:12.491" v="63" actId="478"/>
-          <ac:spMkLst>
-            <pc:docMk/>
-            <pc:sldMk cId="2565339153" sldId="259"/>
-            <ac:spMk id="6" creationId="{2348C144-BFC0-406F-A92F-4FC96813E442}"/>
-          </ac:spMkLst>
-        </pc:spChg>
-        <pc:spChg chg="add mod">
-          <ac:chgData name="Isaac Valdez" userId="13e1ca45-44f1-4a8d-b954-611b20158646" providerId="ADAL" clId="{8F213521-C329-4D6F-8F55-1296599CF7D9}" dt="2017-09-19T14:16:29.116" v="70" actId="1076"/>
-          <ac:spMkLst>
-            <pc:docMk/>
-            <pc:sldMk cId="2565339153" sldId="259"/>
-            <ac:spMk id="7" creationId="{50E4B0C5-0417-4E57-98B8-52D0B2DECA1D}"/>
-          </ac:spMkLst>
-        </pc:spChg>
-        <pc:spChg chg="add del">
-          <ac:chgData name="Isaac Valdez" userId="13e1ca45-44f1-4a8d-b954-611b20158646" providerId="ADAL" clId="{8F213521-C329-4D6F-8F55-1296599CF7D9}" dt="2017-09-19T14:16:34.461" v="72" actId="1076"/>
-          <ac:spMkLst>
-            <pc:docMk/>
-            <pc:sldMk cId="2565339153" sldId="259"/>
-            <ac:spMk id="8" creationId="{55E1AD91-CAA4-4B2F-958F-7EAEEB4BC0C8}"/>
-          </ac:spMkLst>
-        </pc:spChg>
-        <pc:spChg chg="add del">
-          <ac:chgData name="Isaac Valdez" userId="13e1ca45-44f1-4a8d-b954-611b20158646" providerId="ADAL" clId="{8F213521-C329-4D6F-8F55-1296599CF7D9}" dt="2017-09-19T14:16:34.461" v="72" actId="1076"/>
-          <ac:spMkLst>
-            <pc:docMk/>
-            <pc:sldMk cId="2565339153" sldId="259"/>
-            <ac:spMk id="9" creationId="{50C4EEC6-A838-470E-973B-225EF7EEB0D4}"/>
-          </ac:spMkLst>
-        </pc:spChg>
-        <pc:spChg chg="add del">
-          <ac:chgData name="Isaac Valdez" userId="13e1ca45-44f1-4a8d-b954-611b20158646" providerId="ADAL" clId="{8F213521-C329-4D6F-8F55-1296599CF7D9}" dt="2017-09-19T14:16:34.461" v="72" actId="1076"/>
-          <ac:spMkLst>
-            <pc:docMk/>
-            <pc:sldMk cId="2565339153" sldId="259"/>
-            <ac:spMk id="10" creationId="{A507FC4A-DB99-4A60-8C7E-51A85D63B218}"/>
-          </ac:spMkLst>
-        </pc:spChg>
-        <pc:spChg chg="add del">
-          <ac:chgData name="Isaac Valdez" userId="13e1ca45-44f1-4a8d-b954-611b20158646" providerId="ADAL" clId="{8F213521-C329-4D6F-8F55-1296599CF7D9}" dt="2017-09-19T14:16:34.461" v="72" actId="1076"/>
-          <ac:spMkLst>
-            <pc:docMk/>
-            <pc:sldMk cId="2565339153" sldId="259"/>
-            <ac:spMk id="11" creationId="{8EA441D6-9493-44B5-AECE-5E4A74826C5E}"/>
-          </ac:spMkLst>
-        </pc:spChg>
-        <pc:spChg chg="add del">
-          <ac:chgData name="Isaac Valdez" userId="13e1ca45-44f1-4a8d-b954-611b20158646" providerId="ADAL" clId="{8F213521-C329-4D6F-8F55-1296599CF7D9}" dt="2017-09-19T14:16:34.461" v="72" actId="1076"/>
-          <ac:spMkLst>
-            <pc:docMk/>
-            <pc:sldMk cId="2565339153" sldId="259"/>
-            <ac:spMk id="12" creationId="{572A9D39-D1E6-41F9-AF3B-EB2844336531}"/>
-          </ac:spMkLst>
-        </pc:spChg>
-        <pc:picChg chg="add mod">
-          <ac:chgData name="Isaac Valdez" userId="13e1ca45-44f1-4a8d-b954-611b20158646" providerId="ADAL" clId="{8F213521-C329-4D6F-8F55-1296599CF7D9}" dt="2017-09-19T14:16:35.907" v="74" actId="1076"/>
-          <ac:picMkLst>
-            <pc:docMk/>
-            <pc:sldMk cId="2565339153" sldId="259"/>
-            <ac:picMk id="13" creationId="{0BE16900-9C11-4837-9F5A-8A04029A0207}"/>
-          </ac:picMkLst>
-        </pc:picChg>
-      </pc:sldChg>
-      <pc:sldChg chg="addSp delSp modSp add">
-        <pc:chgData name="Isaac Valdez" userId="13e1ca45-44f1-4a8d-b954-611b20158646" providerId="ADAL" clId="{8F213521-C329-4D6F-8F55-1296599CF7D9}" dt="2017-09-21T13:26:07.200" v="133" actId="1076"/>
-        <pc:sldMkLst>
-          <pc:docMk/>
-          <pc:sldMk cId="2230733315" sldId="260"/>
-        </pc:sldMkLst>
-        <pc:spChg chg="add del mod">
-          <ac:chgData name="Isaac Valdez" userId="13e1ca45-44f1-4a8d-b954-611b20158646" providerId="ADAL" clId="{8F213521-C329-4D6F-8F55-1296599CF7D9}" dt="2017-09-21T13:24:52.558" v="114"/>
-          <ac:spMkLst>
-            <pc:docMk/>
-            <pc:sldMk cId="2230733315" sldId="260"/>
-            <ac:spMk id="2" creationId="{3A237E70-323B-494C-8AB2-513D7F24B865}"/>
-          </ac:spMkLst>
-        </pc:spChg>
-        <pc:spChg chg="add del mod">
-          <ac:chgData name="Isaac Valdez" userId="13e1ca45-44f1-4a8d-b954-611b20158646" providerId="ADAL" clId="{8F213521-C329-4D6F-8F55-1296599CF7D9}" dt="2017-09-21T13:22:52.345" v="80" actId="478"/>
-          <ac:spMkLst>
-            <pc:docMk/>
-            <pc:sldMk cId="2230733315" sldId="260"/>
-            <ac:spMk id="3" creationId="{087FF508-580A-4F10-8463-87BFBEB5D30F}"/>
-          </ac:spMkLst>
-        </pc:spChg>
-        <pc:spChg chg="add del mod">
-          <ac:chgData name="Isaac Valdez" userId="13e1ca45-44f1-4a8d-b954-611b20158646" providerId="ADAL" clId="{8F213521-C329-4D6F-8F55-1296599CF7D9}" dt="2017-09-21T13:24:52.558" v="114"/>
-          <ac:spMkLst>
-            <pc:docMk/>
-            <pc:sldMk cId="2230733315" sldId="260"/>
-            <ac:spMk id="4" creationId="{B6D35235-67E9-4350-9A18-41C47D8614EC}"/>
-          </ac:spMkLst>
-        </pc:spChg>
-        <pc:spChg chg="add del mod">
-          <ac:chgData name="Isaac Valdez" userId="13e1ca45-44f1-4a8d-b954-611b20158646" providerId="ADAL" clId="{8F213521-C329-4D6F-8F55-1296599CF7D9}" dt="2017-09-21T13:24:52.558" v="114"/>
-          <ac:spMkLst>
-            <pc:docMk/>
-            <pc:sldMk cId="2230733315" sldId="260"/>
-            <ac:spMk id="5" creationId="{53B91528-99FC-463F-B151-CA634A1EB2D0}"/>
-          </ac:spMkLst>
-        </pc:spChg>
-        <pc:spChg chg="add del mod">
-          <ac:chgData name="Isaac Valdez" userId="13e1ca45-44f1-4a8d-b954-611b20158646" providerId="ADAL" clId="{8F213521-C329-4D6F-8F55-1296599CF7D9}" dt="2017-09-21T13:25:14.319" v="119"/>
-          <ac:spMkLst>
-            <pc:docMk/>
-            <pc:sldMk cId="2230733315" sldId="260"/>
-            <ac:spMk id="6" creationId="{BAC6821A-EB83-4C7A-B413-4DBDF6A24C3F}"/>
-          </ac:spMkLst>
-        </pc:spChg>
-        <pc:spChg chg="add del mod">
-          <ac:chgData name="Isaac Valdez" userId="13e1ca45-44f1-4a8d-b954-611b20158646" providerId="ADAL" clId="{8F213521-C329-4D6F-8F55-1296599CF7D9}" dt="2017-09-21T13:25:14.319" v="119"/>
-          <ac:spMkLst>
-            <pc:docMk/>
-            <pc:sldMk cId="2230733315" sldId="260"/>
-            <ac:spMk id="7" creationId="{089D488E-C378-4BFF-8A8E-8AF0A6CB73B2}"/>
-          </ac:spMkLst>
-        </pc:spChg>
-        <pc:spChg chg="mod">
-          <ac:chgData name="Isaac Valdez" userId="13e1ca45-44f1-4a8d-b954-611b20158646" providerId="ADAL" clId="{8F213521-C329-4D6F-8F55-1296599CF7D9}" dt="2017-09-21T13:25:08.616" v="117"/>
-          <ac:spMkLst>
-            <pc:docMk/>
-            <pc:sldMk cId="2230733315" sldId="260"/>
-            <ac:spMk id="8" creationId="{FA1CD71A-8507-4606-99C0-A2056AAF616E}"/>
-          </ac:spMkLst>
-        </pc:spChg>
-        <pc:spChg chg="mod">
-          <ac:chgData name="Isaac Valdez" userId="13e1ca45-44f1-4a8d-b954-611b20158646" providerId="ADAL" clId="{8F213521-C329-4D6F-8F55-1296599CF7D9}" dt="2017-09-21T13:26:02.093" v="129" actId="688"/>
-          <ac:spMkLst>
-            <pc:docMk/>
-            <pc:sldMk cId="2230733315" sldId="260"/>
-            <ac:spMk id="9" creationId="{BE022264-1190-4D90-8547-1A6D9794E2A5}"/>
-          </ac:spMkLst>
-        </pc:spChg>
-        <pc:spChg chg="add del">
-          <ac:chgData name="Isaac Valdez" userId="13e1ca45-44f1-4a8d-b954-611b20158646" providerId="ADAL" clId="{8F213521-C329-4D6F-8F55-1296599CF7D9}" dt="2017-09-21T13:25:36.222" v="125"/>
-          <ac:spMkLst>
-            <pc:docMk/>
-            <pc:sldMk cId="2230733315" sldId="260"/>
-            <ac:spMk id="10" creationId="{6F9916C3-963F-4EF1-9BD2-E56824AC08F8}"/>
-          </ac:spMkLst>
-        </pc:spChg>
-        <pc:spChg chg="add del">
-          <ac:chgData name="Isaac Valdez" userId="13e1ca45-44f1-4a8d-b954-611b20158646" providerId="ADAL" clId="{8F213521-C329-4D6F-8F55-1296599CF7D9}" dt="2017-09-21T13:26:05.950" v="131"/>
-          <ac:spMkLst>
-            <pc:docMk/>
-            <pc:sldMk cId="2230733315" sldId="260"/>
-            <ac:spMk id="12" creationId="{4072763D-4505-4CF7-A623-533BCA2566A7}"/>
-          </ac:spMkLst>
-        </pc:spChg>
-        <pc:picChg chg="add del mod">
-          <ac:chgData name="Isaac Valdez" userId="13e1ca45-44f1-4a8d-b954-611b20158646" providerId="ADAL" clId="{8F213521-C329-4D6F-8F55-1296599CF7D9}" dt="2017-09-21T13:25:59.074" v="128" actId="478"/>
-          <ac:picMkLst>
-            <pc:docMk/>
-            <pc:sldMk cId="2230733315" sldId="260"/>
-            <ac:picMk id="11" creationId="{33DB5E8A-C8D6-4DBB-9B50-3F0982860F36}"/>
-          </ac:picMkLst>
-        </pc:picChg>
-        <pc:picChg chg="add mod">
-          <ac:chgData name="Isaac Valdez" userId="13e1ca45-44f1-4a8d-b954-611b20158646" providerId="ADAL" clId="{8F213521-C329-4D6F-8F55-1296599CF7D9}" dt="2017-09-21T13:26:07.200" v="133" actId="1076"/>
-          <ac:picMkLst>
-            <pc:docMk/>
-            <pc:sldMk cId="2230733315" sldId="260"/>
-            <ac:picMk id="13" creationId="{C0B33FE2-568A-4FB6-A1C2-11A020EC3C71}"/>
-          </ac:picMkLst>
-        </pc:picChg>
-      </pc:sldChg>
-      <pc:sldChg chg="addSp delSp modSp add">
-        <pc:chgData name="Isaac Valdez" userId="13e1ca45-44f1-4a8d-b954-611b20158646" providerId="ADAL" clId="{8F213521-C329-4D6F-8F55-1296599CF7D9}" dt="2017-09-21T13:55:23.554" v="197"/>
-        <pc:sldMkLst>
-          <pc:docMk/>
-          <pc:sldMk cId="3418709821" sldId="261"/>
-        </pc:sldMkLst>
-        <pc:spChg chg="add mod">
-          <ac:chgData name="Isaac Valdez" userId="13e1ca45-44f1-4a8d-b954-611b20158646" providerId="ADAL" clId="{8F213521-C329-4D6F-8F55-1296599CF7D9}" dt="2017-09-21T13:43:17.970" v="183" actId="1076"/>
-          <ac:spMkLst>
-            <pc:docMk/>
-            <pc:sldMk cId="3418709821" sldId="261"/>
-            <ac:spMk id="2" creationId="{5BA3CF29-DD89-4757-9DBA-1D06C8795E9D}"/>
-          </ac:spMkLst>
-        </pc:spChg>
-        <pc:spChg chg="add del">
-          <ac:chgData name="Isaac Valdez" userId="13e1ca45-44f1-4a8d-b954-611b20158646" providerId="ADAL" clId="{8F213521-C329-4D6F-8F55-1296599CF7D9}" dt="2017-09-21T13:43:19.642" v="185"/>
-          <ac:spMkLst>
-            <pc:docMk/>
-            <pc:sldMk cId="3418709821" sldId="261"/>
-            <ac:spMk id="3" creationId="{7BBD26B8-CA31-432C-8DFD-68BF8FB95C21}"/>
-          </ac:spMkLst>
-        </pc:spChg>
-        <pc:spChg chg="add del">
-          <ac:chgData name="Isaac Valdez" userId="13e1ca45-44f1-4a8d-b954-611b20158646" providerId="ADAL" clId="{8F213521-C329-4D6F-8F55-1296599CF7D9}" dt="2017-09-21T13:53:37.860" v="189"/>
-          <ac:spMkLst>
-            <pc:docMk/>
-            <pc:sldMk cId="3418709821" sldId="261"/>
-            <ac:spMk id="5" creationId="{37268DFA-33E6-434B-AF2D-466BCCD63AD2}"/>
-          </ac:spMkLst>
-        </pc:spChg>
-        <pc:spChg chg="add del">
-          <ac:chgData name="Isaac Valdez" userId="13e1ca45-44f1-4a8d-b954-611b20158646" providerId="ADAL" clId="{8F213521-C329-4D6F-8F55-1296599CF7D9}" dt="2017-09-21T13:55:22.256" v="195"/>
-          <ac:spMkLst>
-            <pc:docMk/>
-            <pc:sldMk cId="3418709821" sldId="261"/>
-            <ac:spMk id="7" creationId="{17165F56-172F-4558-AEAC-A9669084765B}"/>
-          </ac:spMkLst>
-        </pc:spChg>
-        <pc:picChg chg="add mod">
-          <ac:chgData name="Isaac Valdez" userId="13e1ca45-44f1-4a8d-b954-611b20158646" providerId="ADAL" clId="{8F213521-C329-4D6F-8F55-1296599CF7D9}" dt="2017-09-21T13:43:20.635" v="187" actId="1076"/>
-          <ac:picMkLst>
-            <pc:docMk/>
-            <pc:sldMk cId="3418709821" sldId="261"/>
-            <ac:picMk id="4" creationId="{90DE4FBB-EEF8-45CC-8161-26B51237381A}"/>
-          </ac:picMkLst>
-        </pc:picChg>
-        <pc:picChg chg="add del mod">
-          <ac:chgData name="Isaac Valdez" userId="13e1ca45-44f1-4a8d-b954-611b20158646" providerId="ADAL" clId="{8F213521-C329-4D6F-8F55-1296599CF7D9}" dt="2017-09-21T13:53:43.805" v="193"/>
-          <ac:picMkLst>
-            <pc:docMk/>
-            <pc:sldMk cId="3418709821" sldId="261"/>
-            <ac:picMk id="6" creationId="{CFAC7824-2850-4BD5-874B-7921F5593B95}"/>
-          </ac:picMkLst>
-        </pc:picChg>
-        <pc:picChg chg="add del">
-          <ac:chgData name="Isaac Valdez" userId="13e1ca45-44f1-4a8d-b954-611b20158646" providerId="ADAL" clId="{8F213521-C329-4D6F-8F55-1296599CF7D9}" dt="2017-09-21T13:55:23.554" v="197"/>
-          <ac:picMkLst>
-            <pc:docMk/>
-            <pc:sldMk cId="3418709821" sldId="261"/>
-            <ac:picMk id="8" creationId="{3AF802EB-A282-423C-B38B-29759F38523D}"/>
-          </ac:picMkLst>
-        </pc:picChg>
-      </pc:sldChg>
-    </pc:docChg>
-  </pc:docChgLst>
-</pc:chgInfo>
+<file path=ppt/revisionInfo.xml><?xml version="1.0" encoding="utf-8"?>
+<p1510:revInfo xmlns:a="http://schemas.openxmlformats.org/drawingml/2006/main" xmlns:r="http://schemas.openxmlformats.org/officeDocument/2006/relationships" xmlns:p1510="http://schemas.microsoft.com/office/powerpoint/2015/10/main"/>
 </file>
 
 <file path=ppt/slideLayouts/slideLayout1.xml><?xml version="1.0" encoding="utf-8"?>
@@ -562,7 +252,7 @@
           <a:p>
             <a:fld id="{DB8B00E8-0936-42EF-92DC-A9F9B96C46C8}" type="datetimeFigureOut">
               <a:rPr lang="en-US" smtClean="0"/>
-              <a:t>9/21/2017</a:t>
+              <a:t>11/9/2017</a:t>
             </a:fld>
             <a:endParaRPr lang="en-US"/>
           </a:p>
@@ -732,7 +422,7 @@
           <a:p>
             <a:fld id="{DB8B00E8-0936-42EF-92DC-A9F9B96C46C8}" type="datetimeFigureOut">
               <a:rPr lang="en-US" smtClean="0"/>
-              <a:t>9/21/2017</a:t>
+              <a:t>11/9/2017</a:t>
             </a:fld>
             <a:endParaRPr lang="en-US"/>
           </a:p>
@@ -912,7 +602,7 @@
           <a:p>
             <a:fld id="{DB8B00E8-0936-42EF-92DC-A9F9B96C46C8}" type="datetimeFigureOut">
               <a:rPr lang="en-US" smtClean="0"/>
-              <a:t>9/21/2017</a:t>
+              <a:t>11/9/2017</a:t>
             </a:fld>
             <a:endParaRPr lang="en-US"/>
           </a:p>
@@ -1082,7 +772,7 @@
           <a:p>
             <a:fld id="{DB8B00E8-0936-42EF-92DC-A9F9B96C46C8}" type="datetimeFigureOut">
               <a:rPr lang="en-US" smtClean="0"/>
-              <a:t>9/21/2017</a:t>
+              <a:t>11/9/2017</a:t>
             </a:fld>
             <a:endParaRPr lang="en-US"/>
           </a:p>
@@ -1326,7 +1016,7 @@
           <a:p>
             <a:fld id="{DB8B00E8-0936-42EF-92DC-A9F9B96C46C8}" type="datetimeFigureOut">
               <a:rPr lang="en-US" smtClean="0"/>
-              <a:t>9/21/2017</a:t>
+              <a:t>11/9/2017</a:t>
             </a:fld>
             <a:endParaRPr lang="en-US"/>
           </a:p>
@@ -1558,7 +1248,7 @@
           <a:p>
             <a:fld id="{DB8B00E8-0936-42EF-92DC-A9F9B96C46C8}" type="datetimeFigureOut">
               <a:rPr lang="en-US" smtClean="0"/>
-              <a:t>9/21/2017</a:t>
+              <a:t>11/9/2017</a:t>
             </a:fld>
             <a:endParaRPr lang="en-US"/>
           </a:p>
@@ -1925,7 +1615,7 @@
           <a:p>
             <a:fld id="{DB8B00E8-0936-42EF-92DC-A9F9B96C46C8}" type="datetimeFigureOut">
               <a:rPr lang="en-US" smtClean="0"/>
-              <a:t>9/21/2017</a:t>
+              <a:t>11/9/2017</a:t>
             </a:fld>
             <a:endParaRPr lang="en-US"/>
           </a:p>
@@ -2043,7 +1733,7 @@
           <a:p>
             <a:fld id="{DB8B00E8-0936-42EF-92DC-A9F9B96C46C8}" type="datetimeFigureOut">
               <a:rPr lang="en-US" smtClean="0"/>
-              <a:t>9/21/2017</a:t>
+              <a:t>11/9/2017</a:t>
             </a:fld>
             <a:endParaRPr lang="en-US"/>
           </a:p>
@@ -2138,7 +1828,7 @@
           <a:p>
             <a:fld id="{DB8B00E8-0936-42EF-92DC-A9F9B96C46C8}" type="datetimeFigureOut">
               <a:rPr lang="en-US" smtClean="0"/>
-              <a:t>9/21/2017</a:t>
+              <a:t>11/9/2017</a:t>
             </a:fld>
             <a:endParaRPr lang="en-US"/>
           </a:p>
@@ -2415,7 +2105,7 @@
           <a:p>
             <a:fld id="{DB8B00E8-0936-42EF-92DC-A9F9B96C46C8}" type="datetimeFigureOut">
               <a:rPr lang="en-US" smtClean="0"/>
-              <a:t>9/21/2017</a:t>
+              <a:t>11/9/2017</a:t>
             </a:fld>
             <a:endParaRPr lang="en-US"/>
           </a:p>
@@ -2672,7 +2362,7 @@
           <a:p>
             <a:fld id="{DB8B00E8-0936-42EF-92DC-A9F9B96C46C8}" type="datetimeFigureOut">
               <a:rPr lang="en-US" smtClean="0"/>
-              <a:t>9/21/2017</a:t>
+              <a:t>11/9/2017</a:t>
             </a:fld>
             <a:endParaRPr lang="en-US"/>
           </a:p>
@@ -2885,7 +2575,7 @@
           <a:p>
             <a:fld id="{DB8B00E8-0936-42EF-92DC-A9F9B96C46C8}" type="datetimeFigureOut">
               <a:rPr lang="en-US" smtClean="0"/>
-              <a:t>9/21/2017</a:t>
+              <a:t>11/9/2017</a:t>
             </a:fld>
             <a:endParaRPr lang="en-US"/>
           </a:p>
@@ -3523,16 +3213,14 @@
       </p:sp>
       <p:pic>
         <p:nvPicPr>
-          <p:cNvPr id="9" name="Picture 8">
+          <p:cNvPr id="4" name="Picture 3">
             <a:extLst>
               <a:ext uri="{FF2B5EF4-FFF2-40B4-BE49-F238E27FC236}">
                 <a16:creationId xmlns:a16="http://schemas.microsoft.com/office/drawing/2014/main" id="{7C61364C-5425-4773-9632-1B1B61BC2BF7}"/>
               </a:ext>
             </a:extLst>
           </p:cNvPr>
-          <p:cNvPicPr>
-            <a:picLocks noChangeAspect="1"/>
-          </p:cNvPicPr>
+          <p:cNvPicPr/>
           <p:nvPr/>
         </p:nvPicPr>
         <p:blipFill>
@@ -3543,8 +3231,8 @@
         </p:blipFill>
         <p:spPr>
           <a:xfrm>
-            <a:off x="4424129" y="2667000"/>
-            <a:ext cx="981541" cy="957155"/>
+            <a:off x="4303911" y="2667000"/>
+            <a:ext cx="212725" cy="212725"/>
           </a:xfrm>
           <a:prstGeom prst="rect">
             <a:avLst/>
@@ -4106,16 +3794,14 @@
       </mc:AlternateContent>
       <p:pic>
         <p:nvPicPr>
-          <p:cNvPr id="4" name="Picture 3">
+          <p:cNvPr id="5" name="Picture 4">
             <a:extLst>
               <a:ext uri="{FF2B5EF4-FFF2-40B4-BE49-F238E27FC236}">
                 <a16:creationId xmlns:a16="http://schemas.microsoft.com/office/drawing/2014/main" id="{E76A1A43-7E4C-42E1-96C4-99A14C417E38}"/>
               </a:ext>
             </a:extLst>
           </p:cNvPr>
-          <p:cNvPicPr>
-            <a:picLocks noChangeAspect="1"/>
-          </p:cNvPicPr>
+          <p:cNvPicPr/>
           <p:nvPr/>
         </p:nvPicPr>
         <p:blipFill>
@@ -4126,8 +3812,8 @@
         </p:blipFill>
         <p:spPr>
           <a:xfrm>
-            <a:off x="5367098" y="2164328"/>
-            <a:ext cx="3535986" cy="3529890"/>
+            <a:off x="6009525" y="3827433"/>
+            <a:ext cx="200660" cy="200660"/>
           </a:xfrm>
           <a:prstGeom prst="rect">
             <a:avLst/>
@@ -4422,10 +4108,10 @@
       </p:sp>
       <p:pic>
         <p:nvPicPr>
-          <p:cNvPr id="13" name="Picture 12">
+          <p:cNvPr id="8" name="Picture 7">
             <a:extLst>
               <a:ext uri="{FF2B5EF4-FFF2-40B4-BE49-F238E27FC236}">
-                <a16:creationId xmlns:a16="http://schemas.microsoft.com/office/drawing/2014/main" id="{0BE16900-9C11-4837-9F5A-8A04029A0207}"/>
+                <a16:creationId xmlns:a16="http://schemas.microsoft.com/office/drawing/2014/main" id="{68B08C94-07FF-4FF4-89D3-A5B2B990EBAC}"/>
               </a:ext>
             </a:extLst>
           </p:cNvPr>
@@ -4442,8 +4128,8 @@
         </p:blipFill>
         <p:spPr>
           <a:xfrm>
-            <a:off x="5367660" y="2687656"/>
-            <a:ext cx="3340898" cy="2895851"/>
+            <a:off x="6469900" y="3539838"/>
+            <a:ext cx="200660" cy="173930"/>
           </a:xfrm>
           <a:prstGeom prst="rect">
             <a:avLst/>
@@ -4756,16 +4442,14 @@
       </p:sp>
       <p:pic>
         <p:nvPicPr>
-          <p:cNvPr id="13" name="Picture 12">
+          <p:cNvPr id="5" name="Picture 4">
             <a:extLst>
               <a:ext uri="{FF2B5EF4-FFF2-40B4-BE49-F238E27FC236}">
-                <a16:creationId xmlns:a16="http://schemas.microsoft.com/office/drawing/2014/main" id="{C0B33FE2-568A-4FB6-A1C2-11A020EC3C71}"/>
+                <a16:creationId xmlns:a16="http://schemas.microsoft.com/office/drawing/2014/main" id="{65422750-3155-4E11-9F42-9450A04FD397}"/>
               </a:ext>
             </a:extLst>
           </p:cNvPr>
-          <p:cNvPicPr>
-            <a:picLocks noChangeAspect="1"/>
-          </p:cNvPicPr>
+          <p:cNvPicPr/>
           <p:nvPr/>
         </p:nvPicPr>
         <p:blipFill>
@@ -4776,8 +4460,8 @@
         </p:blipFill>
         <p:spPr>
           <a:xfrm>
-            <a:off x="5938411" y="2244226"/>
-            <a:ext cx="2499577" cy="2725148"/>
+            <a:off x="6334760" y="3684270"/>
+            <a:ext cx="182880" cy="200660"/>
           </a:xfrm>
           <a:prstGeom prst="rect">
             <a:avLst/>
@@ -4814,8 +4498,8 @@
           <a:chExt cx="0" cy="0"/>
         </a:xfrm>
       </p:grpSpPr>
-      <mc:AlternateContent xmlns:mc="http://schemas.openxmlformats.org/markup-compatibility/2006">
-        <mc:Choice xmlns:a14="http://schemas.microsoft.com/office/drawing/2010/main" Requires="a14">
+      <mc:AlternateContent xmlns:mc="http://schemas.openxmlformats.org/markup-compatibility/2006" xmlns:a14="http://schemas.microsoft.com/office/drawing/2010/main">
+        <mc:Choice Requires="a14">
           <p:sp>
             <p:nvSpPr>
               <p:cNvPr id="2" name="Isosceles Triangle 1">
@@ -4881,7 +4565,7 @@
             </p:txBody>
           </p:sp>
         </mc:Choice>
-        <mc:Fallback>
+        <mc:Fallback xmlns="">
           <p:sp>
             <p:nvSpPr>
               <p:cNvPr id="2" name="Isosceles Triangle 1">
@@ -4931,10 +4615,10 @@
       </mc:AlternateContent>
       <p:pic>
         <p:nvPicPr>
-          <p:cNvPr id="4" name="Picture 3">
+          <p:cNvPr id="5" name="Picture 4">
             <a:extLst>
               <a:ext uri="{FF2B5EF4-FFF2-40B4-BE49-F238E27FC236}">
-                <a16:creationId xmlns:a16="http://schemas.microsoft.com/office/drawing/2014/main" id="{90DE4FBB-EEF8-45CC-8161-26B51237381A}"/>
+                <a16:creationId xmlns:a16="http://schemas.microsoft.com/office/drawing/2014/main" id="{ADFFC97B-E475-4E57-93C4-0AB623CFF11A}"/>
               </a:ext>
             </a:extLst>
           </p:cNvPr>
@@ -4951,8 +4635,8 @@
         </p:blipFill>
         <p:spPr>
           <a:xfrm>
-            <a:off x="4125820" y="2305678"/>
-            <a:ext cx="3584759" cy="3084843"/>
+            <a:off x="6009526" y="3827433"/>
+            <a:ext cx="233178" cy="200660"/>
           </a:xfrm>
           <a:prstGeom prst="rect">
             <a:avLst/>

--- a/icons.pptx
+++ b/icons.pptx
@@ -11,6 +11,10 @@
     <p:sldId id="259" r:id="rId5"/>
     <p:sldId id="260" r:id="rId6"/>
     <p:sldId id="261" r:id="rId7"/>
+    <p:sldId id="262" r:id="rId8"/>
+    <p:sldId id="263" r:id="rId9"/>
+    <p:sldId id="264" r:id="rId10"/>
+    <p:sldId id="265" r:id="rId11"/>
   </p:sldIdLst>
   <p:sldSz cx="10058400" cy="7772400"/>
   <p:notesSz cx="6858000" cy="9144000"/>
@@ -252,7 +256,7 @@
           <a:p>
             <a:fld id="{DB8B00E8-0936-42EF-92DC-A9F9B96C46C8}" type="datetimeFigureOut">
               <a:rPr lang="en-US" smtClean="0"/>
-              <a:t>11/9/2017</a:t>
+              <a:t>1/26/2018</a:t>
             </a:fld>
             <a:endParaRPr lang="en-US"/>
           </a:p>
@@ -422,7 +426,7 @@
           <a:p>
             <a:fld id="{DB8B00E8-0936-42EF-92DC-A9F9B96C46C8}" type="datetimeFigureOut">
               <a:rPr lang="en-US" smtClean="0"/>
-              <a:t>11/9/2017</a:t>
+              <a:t>1/26/2018</a:t>
             </a:fld>
             <a:endParaRPr lang="en-US"/>
           </a:p>
@@ -602,7 +606,7 @@
           <a:p>
             <a:fld id="{DB8B00E8-0936-42EF-92DC-A9F9B96C46C8}" type="datetimeFigureOut">
               <a:rPr lang="en-US" smtClean="0"/>
-              <a:t>11/9/2017</a:t>
+              <a:t>1/26/2018</a:t>
             </a:fld>
             <a:endParaRPr lang="en-US"/>
           </a:p>
@@ -772,7 +776,7 @@
           <a:p>
             <a:fld id="{DB8B00E8-0936-42EF-92DC-A9F9B96C46C8}" type="datetimeFigureOut">
               <a:rPr lang="en-US" smtClean="0"/>
-              <a:t>11/9/2017</a:t>
+              <a:t>1/26/2018</a:t>
             </a:fld>
             <a:endParaRPr lang="en-US"/>
           </a:p>
@@ -1016,7 +1020,7 @@
           <a:p>
             <a:fld id="{DB8B00E8-0936-42EF-92DC-A9F9B96C46C8}" type="datetimeFigureOut">
               <a:rPr lang="en-US" smtClean="0"/>
-              <a:t>11/9/2017</a:t>
+              <a:t>1/26/2018</a:t>
             </a:fld>
             <a:endParaRPr lang="en-US"/>
           </a:p>
@@ -1248,7 +1252,7 @@
           <a:p>
             <a:fld id="{DB8B00E8-0936-42EF-92DC-A9F9B96C46C8}" type="datetimeFigureOut">
               <a:rPr lang="en-US" smtClean="0"/>
-              <a:t>11/9/2017</a:t>
+              <a:t>1/26/2018</a:t>
             </a:fld>
             <a:endParaRPr lang="en-US"/>
           </a:p>
@@ -1615,7 +1619,7 @@
           <a:p>
             <a:fld id="{DB8B00E8-0936-42EF-92DC-A9F9B96C46C8}" type="datetimeFigureOut">
               <a:rPr lang="en-US" smtClean="0"/>
-              <a:t>11/9/2017</a:t>
+              <a:t>1/26/2018</a:t>
             </a:fld>
             <a:endParaRPr lang="en-US"/>
           </a:p>
@@ -1733,7 +1737,7 @@
           <a:p>
             <a:fld id="{DB8B00E8-0936-42EF-92DC-A9F9B96C46C8}" type="datetimeFigureOut">
               <a:rPr lang="en-US" smtClean="0"/>
-              <a:t>11/9/2017</a:t>
+              <a:t>1/26/2018</a:t>
             </a:fld>
             <a:endParaRPr lang="en-US"/>
           </a:p>
@@ -1828,7 +1832,7 @@
           <a:p>
             <a:fld id="{DB8B00E8-0936-42EF-92DC-A9F9B96C46C8}" type="datetimeFigureOut">
               <a:rPr lang="en-US" smtClean="0"/>
-              <a:t>11/9/2017</a:t>
+              <a:t>1/26/2018</a:t>
             </a:fld>
             <a:endParaRPr lang="en-US"/>
           </a:p>
@@ -2105,7 +2109,7 @@
           <a:p>
             <a:fld id="{DB8B00E8-0936-42EF-92DC-A9F9B96C46C8}" type="datetimeFigureOut">
               <a:rPr lang="en-US" smtClean="0"/>
-              <a:t>11/9/2017</a:t>
+              <a:t>1/26/2018</a:t>
             </a:fld>
             <a:endParaRPr lang="en-US"/>
           </a:p>
@@ -2362,7 +2366,7 @@
           <a:p>
             <a:fld id="{DB8B00E8-0936-42EF-92DC-A9F9B96C46C8}" type="datetimeFigureOut">
               <a:rPr lang="en-US" smtClean="0"/>
-              <a:t>11/9/2017</a:t>
+              <a:t>1/26/2018</a:t>
             </a:fld>
             <a:endParaRPr lang="en-US"/>
           </a:p>
@@ -2575,7 +2579,7 @@
           <a:p>
             <a:fld id="{DB8B00E8-0936-42EF-92DC-A9F9B96C46C8}" type="datetimeFigureOut">
               <a:rPr lang="en-US" smtClean="0"/>
-              <a:t>11/9/2017</a:t>
+              <a:t>1/26/2018</a:t>
             </a:fld>
             <a:endParaRPr lang="en-US"/>
           </a:p>
@@ -3175,6 +3179,9 @@
               </a:path>
             </a:pathLst>
           </a:custGeom>
+          <a:solidFill>
+            <a:srgbClr val="3259A0"/>
+          </a:solidFill>
         </p:spPr>
         <p:style>
           <a:lnRef idx="2">
@@ -3224,15 +3231,21 @@
           <p:nvPr/>
         </p:nvPicPr>
         <p:blipFill>
-          <a:blip r:embed="rId2"/>
+          <a:blip r:embed="rId2">
+            <a:extLst>
+              <a:ext uri="{28A0092B-C50C-407E-A947-70E740481C1C}">
+                <a14:useLocalDpi xmlns:a14="http://schemas.microsoft.com/office/drawing/2010/main" val="0"/>
+              </a:ext>
+            </a:extLst>
+          </a:blip>
           <a:stretch>
             <a:fillRect/>
           </a:stretch>
         </p:blipFill>
         <p:spPr>
           <a:xfrm>
-            <a:off x="4303911" y="2667000"/>
-            <a:ext cx="212725" cy="212725"/>
+            <a:off x="4303911" y="2669643"/>
+            <a:ext cx="212725" cy="207439"/>
           </a:xfrm>
           <a:prstGeom prst="rect">
             <a:avLst/>
@@ -3243,6 +3256,170 @@
     <p:extLst>
       <p:ext uri="{BB962C8B-B14F-4D97-AF65-F5344CB8AC3E}">
         <p14:creationId xmlns:p14="http://schemas.microsoft.com/office/powerpoint/2010/main" val="2936518171"/>
+      </p:ext>
+    </p:extLst>
+  </p:cSld>
+  <p:clrMapOvr>
+    <a:masterClrMapping/>
+  </p:clrMapOvr>
+</p:sld>
+</file>
+
+<file path=ppt/slides/slide10.xml><?xml version="1.0" encoding="utf-8"?>
+<p:sld xmlns:a="http://schemas.openxmlformats.org/drawingml/2006/main" xmlns:r="http://schemas.openxmlformats.org/officeDocument/2006/relationships" xmlns:p="http://schemas.openxmlformats.org/presentationml/2006/main">
+  <p:cSld>
+    <p:spTree>
+      <p:nvGrpSpPr>
+        <p:cNvPr id="1" name=""/>
+        <p:cNvGrpSpPr/>
+        <p:nvPr/>
+      </p:nvGrpSpPr>
+      <p:grpSpPr>
+        <a:xfrm>
+          <a:off x="0" y="0"/>
+          <a:ext cx="0" cy="0"/>
+          <a:chOff x="0" y="0"/>
+          <a:chExt cx="0" cy="0"/>
+        </a:xfrm>
+      </p:grpSpPr>
+      <p:sp>
+        <p:nvSpPr>
+          <p:cNvPr id="2" name="Arrow: Right 1">
+            <a:extLst>
+              <a:ext uri="{FF2B5EF4-FFF2-40B4-BE49-F238E27FC236}">
+                <a16:creationId xmlns:a16="http://schemas.microsoft.com/office/drawing/2014/main" id="{E6C0A94A-1342-4F51-8B4A-62BBBBE2C262}"/>
+              </a:ext>
+            </a:extLst>
+          </p:cNvPr>
+          <p:cNvSpPr/>
+          <p:nvPr/>
+        </p:nvSpPr>
+        <p:spPr>
+          <a:xfrm>
+            <a:off x="1378635" y="2222696"/>
+            <a:ext cx="2940148" cy="1456335"/>
+          </a:xfrm>
+          <a:prstGeom prst="rightArrow">
+            <a:avLst/>
+          </a:prstGeom>
+          <a:solidFill>
+            <a:srgbClr val="3259A0"/>
+          </a:solidFill>
+          <a:ln>
+            <a:noFill/>
+          </a:ln>
+        </p:spPr>
+        <p:style>
+          <a:lnRef idx="2">
+            <a:schemeClr val="accent1">
+              <a:shade val="50000"/>
+            </a:schemeClr>
+          </a:lnRef>
+          <a:fillRef idx="1">
+            <a:schemeClr val="accent1"/>
+          </a:fillRef>
+          <a:effectRef idx="0">
+            <a:schemeClr val="accent1"/>
+          </a:effectRef>
+          <a:fontRef idx="minor">
+            <a:schemeClr val="lt1"/>
+          </a:fontRef>
+        </p:style>
+        <p:txBody>
+          <a:bodyPr rtlCol="0" anchor="ctr"/>
+          <a:lstStyle/>
+          <a:p>
+            <a:pPr algn="ctr"/>
+            <a:endParaRPr lang="en-US"/>
+          </a:p>
+        </p:txBody>
+      </p:sp>
+      <p:sp>
+        <p:nvSpPr>
+          <p:cNvPr id="3" name="Arrow: Right 2">
+            <a:extLst>
+              <a:ext uri="{FF2B5EF4-FFF2-40B4-BE49-F238E27FC236}">
+                <a16:creationId xmlns:a16="http://schemas.microsoft.com/office/drawing/2014/main" id="{FD1E54C8-CB13-4911-A3E7-D97DE2D51F6D}"/>
+              </a:ext>
+            </a:extLst>
+          </p:cNvPr>
+          <p:cNvSpPr/>
+          <p:nvPr/>
+        </p:nvSpPr>
+        <p:spPr>
+          <a:xfrm flipH="1">
+            <a:off x="1378635" y="3679031"/>
+            <a:ext cx="2940148" cy="1456335"/>
+          </a:xfrm>
+          <a:prstGeom prst="rightArrow">
+            <a:avLst/>
+          </a:prstGeom>
+          <a:solidFill>
+            <a:srgbClr val="3259A0"/>
+          </a:solidFill>
+          <a:ln>
+            <a:noFill/>
+          </a:ln>
+        </p:spPr>
+        <p:style>
+          <a:lnRef idx="2">
+            <a:schemeClr val="accent1">
+              <a:shade val="50000"/>
+            </a:schemeClr>
+          </a:lnRef>
+          <a:fillRef idx="1">
+            <a:schemeClr val="accent1"/>
+          </a:fillRef>
+          <a:effectRef idx="0">
+            <a:schemeClr val="accent1"/>
+          </a:effectRef>
+          <a:fontRef idx="minor">
+            <a:schemeClr val="lt1"/>
+          </a:fontRef>
+        </p:style>
+        <p:txBody>
+          <a:bodyPr rtlCol="0" anchor="ctr"/>
+          <a:lstStyle/>
+          <a:p>
+            <a:pPr algn="ctr"/>
+            <a:endParaRPr lang="en-US"/>
+          </a:p>
+        </p:txBody>
+      </p:sp>
+      <p:pic>
+        <p:nvPicPr>
+          <p:cNvPr id="6" name="Picture 5">
+            <a:extLst>
+              <a:ext uri="{FF2B5EF4-FFF2-40B4-BE49-F238E27FC236}">
+                <a16:creationId xmlns:a16="http://schemas.microsoft.com/office/drawing/2014/main" id="{767DA930-F505-4B36-A56F-C0AF05DD7B02}"/>
+              </a:ext>
+            </a:extLst>
+          </p:cNvPr>
+          <p:cNvPicPr>
+            <a:picLocks noChangeAspect="1"/>
+          </p:cNvPicPr>
+          <p:nvPr/>
+        </p:nvPicPr>
+        <p:blipFill>
+          <a:blip r:embed="rId2"/>
+          <a:stretch>
+            <a:fillRect/>
+          </a:stretch>
+        </p:blipFill>
+        <p:spPr>
+          <a:xfrm>
+            <a:off x="6542287" y="2905308"/>
+            <a:ext cx="203277" cy="201168"/>
+          </a:xfrm>
+          <a:prstGeom prst="rect">
+            <a:avLst/>
+          </a:prstGeom>
+        </p:spPr>
+      </p:pic>
+    </p:spTree>
+    <p:extLst>
+      <p:ext uri="{BB962C8B-B14F-4D97-AF65-F5344CB8AC3E}">
+        <p14:creationId xmlns:p14="http://schemas.microsoft.com/office/powerpoint/2010/main" val="344547113"/>
       </p:ext>
     </p:extLst>
   </p:cSld>
@@ -3699,6 +3876,9 @@
               <a:prstGeom prst="ellipse">
                 <a:avLst/>
               </a:prstGeom>
+              <a:solidFill>
+                <a:srgbClr val="3259A0"/>
+              </a:solidFill>
               <a:ln>
                 <a:noFill/>
               </a:ln>
@@ -3805,15 +3985,21 @@
           <p:nvPr/>
         </p:nvPicPr>
         <p:blipFill>
-          <a:blip r:embed="rId3"/>
+          <a:blip r:embed="rId3">
+            <a:extLst>
+              <a:ext uri="{28A0092B-C50C-407E-A947-70E740481C1C}">
+                <a14:useLocalDpi xmlns:a14="http://schemas.microsoft.com/office/drawing/2010/main" val="0"/>
+              </a:ext>
+            </a:extLst>
+          </a:blip>
           <a:stretch>
             <a:fillRect/>
           </a:stretch>
         </p:blipFill>
         <p:spPr>
           <a:xfrm>
-            <a:off x="6009525" y="3827433"/>
-            <a:ext cx="200660" cy="200660"/>
+            <a:off x="6009525" y="3827606"/>
+            <a:ext cx="200660" cy="200314"/>
           </a:xfrm>
           <a:prstGeom prst="rect">
             <a:avLst/>
@@ -3872,6 +4058,9 @@
               <a:gd name="adj" fmla="val 36785"/>
             </a:avLst>
           </a:prstGeom>
+          <a:solidFill>
+            <a:srgbClr val="3259A0"/>
+          </a:solidFill>
           <a:ln>
             <a:noFill/>
           </a:ln>
@@ -4077,6 +4266,9 @@
           <a:prstGeom prst="triangle">
             <a:avLst/>
           </a:prstGeom>
+          <a:solidFill>
+            <a:srgbClr val="3259A0"/>
+          </a:solidFill>
           <a:ln>
             <a:noFill/>
           </a:ln>
@@ -4121,7 +4313,13 @@
           <p:nvPr/>
         </p:nvPicPr>
         <p:blipFill>
-          <a:blip r:embed="rId2"/>
+          <a:blip r:embed="rId2">
+            <a:extLst>
+              <a:ext uri="{28A0092B-C50C-407E-A947-70E740481C1C}">
+                <a14:useLocalDpi xmlns:a14="http://schemas.microsoft.com/office/drawing/2010/main" val="0"/>
+              </a:ext>
+            </a:extLst>
+          </a:blip>
           <a:stretch>
             <a:fillRect/>
           </a:stretch>
@@ -4129,7 +4327,7 @@
         <p:spPr>
           <a:xfrm>
             <a:off x="6469900" y="3539838"/>
-            <a:ext cx="200660" cy="173930"/>
+            <a:ext cx="200660" cy="173929"/>
           </a:xfrm>
           <a:prstGeom prst="rect">
             <a:avLst/>
@@ -4411,6 +4609,9 @@
               </a:path>
             </a:pathLst>
           </a:custGeom>
+          <a:solidFill>
+            <a:srgbClr val="3259A0"/>
+          </a:solidFill>
           <a:ln>
             <a:noFill/>
           </a:ln>
@@ -4453,15 +4654,21 @@
           <p:nvPr/>
         </p:nvPicPr>
         <p:blipFill>
-          <a:blip r:embed="rId2"/>
+          <a:blip r:embed="rId2">
+            <a:extLst>
+              <a:ext uri="{28A0092B-C50C-407E-A947-70E740481C1C}">
+                <a14:useLocalDpi xmlns:a14="http://schemas.microsoft.com/office/drawing/2010/main" val="0"/>
+              </a:ext>
+            </a:extLst>
+          </a:blip>
           <a:stretch>
             <a:fillRect/>
           </a:stretch>
         </p:blipFill>
         <p:spPr>
           <a:xfrm>
-            <a:off x="6334760" y="3684270"/>
-            <a:ext cx="182880" cy="200660"/>
+            <a:off x="6334760" y="3684908"/>
+            <a:ext cx="182880" cy="199383"/>
           </a:xfrm>
           <a:prstGeom prst="rect">
             <a:avLst/>
@@ -4520,6 +4727,9 @@
               <a:prstGeom prst="triangle">
                 <a:avLst/>
               </a:prstGeom>
+              <a:solidFill>
+                <a:srgbClr val="3259A0"/>
+              </a:solidFill>
               <a:ln>
                 <a:noFill/>
               </a:ln>
@@ -4628,15 +4838,21 @@
           <p:nvPr/>
         </p:nvPicPr>
         <p:blipFill>
-          <a:blip r:embed="rId3"/>
+          <a:blip r:embed="rId3">
+            <a:extLst>
+              <a:ext uri="{28A0092B-C50C-407E-A947-70E740481C1C}">
+                <a14:useLocalDpi xmlns:a14="http://schemas.microsoft.com/office/drawing/2010/main" val="0"/>
+              </a:ext>
+            </a:extLst>
+          </a:blip>
           <a:stretch>
             <a:fillRect/>
           </a:stretch>
         </p:blipFill>
         <p:spPr>
           <a:xfrm>
-            <a:off x="6009526" y="3827433"/>
-            <a:ext cx="233178" cy="200660"/>
+            <a:off x="6009724" y="3827433"/>
+            <a:ext cx="232781" cy="200660"/>
           </a:xfrm>
           <a:prstGeom prst="rect">
             <a:avLst/>
@@ -4647,6 +4863,6702 @@
     <p:extLst>
       <p:ext uri="{BB962C8B-B14F-4D97-AF65-F5344CB8AC3E}">
         <p14:creationId xmlns:p14="http://schemas.microsoft.com/office/powerpoint/2010/main" val="3418709821"/>
+      </p:ext>
+    </p:extLst>
+  </p:cSld>
+  <p:clrMapOvr>
+    <a:masterClrMapping/>
+  </p:clrMapOvr>
+</p:sld>
+</file>
+
+<file path=ppt/slides/slide7.xml><?xml version="1.0" encoding="utf-8"?>
+<p:sld xmlns:a="http://schemas.openxmlformats.org/drawingml/2006/main" xmlns:r="http://schemas.openxmlformats.org/officeDocument/2006/relationships" xmlns:p="http://schemas.openxmlformats.org/presentationml/2006/main">
+  <p:cSld>
+    <p:spTree>
+      <p:nvGrpSpPr>
+        <p:cNvPr id="1" name=""/>
+        <p:cNvGrpSpPr/>
+        <p:nvPr/>
+      </p:nvGrpSpPr>
+      <p:grpSpPr>
+        <a:xfrm>
+          <a:off x="0" y="0"/>
+          <a:ext cx="0" cy="0"/>
+          <a:chOff x="0" y="0"/>
+          <a:chExt cx="0" cy="0"/>
+        </a:xfrm>
+      </p:grpSpPr>
+      <p:grpSp>
+        <p:nvGrpSpPr>
+          <p:cNvPr id="33" name="Group 32">
+            <a:extLst>
+              <a:ext uri="{FF2B5EF4-FFF2-40B4-BE49-F238E27FC236}">
+                <a16:creationId xmlns:a16="http://schemas.microsoft.com/office/drawing/2014/main" id="{8D30228B-BA94-4638-A4A2-CCEB9D37EDB9}"/>
+              </a:ext>
+            </a:extLst>
+          </p:cNvPr>
+          <p:cNvGrpSpPr/>
+          <p:nvPr/>
+        </p:nvGrpSpPr>
+        <p:grpSpPr>
+          <a:xfrm>
+            <a:off x="633548" y="935501"/>
+            <a:ext cx="5408793" cy="4529798"/>
+            <a:chOff x="2405198" y="1621301"/>
+            <a:chExt cx="5408793" cy="4529798"/>
+          </a:xfrm>
+        </p:grpSpPr>
+        <p:grpSp>
+          <p:nvGrpSpPr>
+            <p:cNvPr id="9" name="Group 8">
+              <a:extLst>
+                <a:ext uri="{FF2B5EF4-FFF2-40B4-BE49-F238E27FC236}">
+                  <a16:creationId xmlns:a16="http://schemas.microsoft.com/office/drawing/2014/main" id="{B29F717B-8CE0-4C08-B0F2-987ABD928115}"/>
+                </a:ext>
+              </a:extLst>
+            </p:cNvPr>
+            <p:cNvGrpSpPr/>
+            <p:nvPr/>
+          </p:nvGrpSpPr>
+          <p:grpSpPr>
+            <a:xfrm>
+              <a:off x="2405198" y="1621301"/>
+              <a:ext cx="5408793" cy="4529798"/>
+              <a:chOff x="2387736" y="1772527"/>
+              <a:chExt cx="5408793" cy="4529798"/>
+            </a:xfrm>
+          </p:grpSpPr>
+          <p:sp>
+            <p:nvSpPr>
+              <p:cNvPr id="10" name="Freeform: Shape 9">
+                <a:extLst>
+                  <a:ext uri="{FF2B5EF4-FFF2-40B4-BE49-F238E27FC236}">
+                    <a16:creationId xmlns:a16="http://schemas.microsoft.com/office/drawing/2014/main" id="{178D0F5D-AA08-4086-93D9-A38FF4AE0D04}"/>
+                  </a:ext>
+                </a:extLst>
+              </p:cNvPr>
+              <p:cNvSpPr/>
+              <p:nvPr/>
+            </p:nvSpPr>
+            <p:spPr>
+              <a:xfrm>
+                <a:off x="2387736" y="1772528"/>
+                <a:ext cx="2721859" cy="4529797"/>
+              </a:xfrm>
+              <a:custGeom>
+                <a:avLst/>
+                <a:gdLst>
+                  <a:gd name="connsiteX0" fmla="*/ 0 w 2686929"/>
+                  <a:gd name="connsiteY0" fmla="*/ 0 h 1083212"/>
+                  <a:gd name="connsiteX1" fmla="*/ 1603717 w 2686929"/>
+                  <a:gd name="connsiteY1" fmla="*/ 478302 h 1083212"/>
+                  <a:gd name="connsiteX2" fmla="*/ 2686929 w 2686929"/>
+                  <a:gd name="connsiteY2" fmla="*/ 1083212 h 1083212"/>
+                  <a:gd name="connsiteX0" fmla="*/ 0 w 2686929"/>
+                  <a:gd name="connsiteY0" fmla="*/ 0 h 1083212"/>
+                  <a:gd name="connsiteX1" fmla="*/ 1448973 w 2686929"/>
+                  <a:gd name="connsiteY1" fmla="*/ 407964 h 1083212"/>
+                  <a:gd name="connsiteX2" fmla="*/ 2686929 w 2686929"/>
+                  <a:gd name="connsiteY2" fmla="*/ 1083212 h 1083212"/>
+                  <a:gd name="connsiteX0" fmla="*/ 0 w 2686929"/>
+                  <a:gd name="connsiteY0" fmla="*/ 0 h 1083212"/>
+                  <a:gd name="connsiteX1" fmla="*/ 1448973 w 2686929"/>
+                  <a:gd name="connsiteY1" fmla="*/ 407964 h 1083212"/>
+                  <a:gd name="connsiteX2" fmla="*/ 2686929 w 2686929"/>
+                  <a:gd name="connsiteY2" fmla="*/ 1083212 h 1083212"/>
+                  <a:gd name="connsiteX0" fmla="*/ 0 w 2686929"/>
+                  <a:gd name="connsiteY0" fmla="*/ 0 h 1083212"/>
+                  <a:gd name="connsiteX1" fmla="*/ 1448973 w 2686929"/>
+                  <a:gd name="connsiteY1" fmla="*/ 407964 h 1083212"/>
+                  <a:gd name="connsiteX2" fmla="*/ 2686929 w 2686929"/>
+                  <a:gd name="connsiteY2" fmla="*/ 1083212 h 1083212"/>
+                  <a:gd name="connsiteX0" fmla="*/ 0 w 2686929"/>
+                  <a:gd name="connsiteY0" fmla="*/ 0 h 1083212"/>
+                  <a:gd name="connsiteX1" fmla="*/ 1448973 w 2686929"/>
+                  <a:gd name="connsiteY1" fmla="*/ 407964 h 1083212"/>
+                  <a:gd name="connsiteX2" fmla="*/ 2686929 w 2686929"/>
+                  <a:gd name="connsiteY2" fmla="*/ 1083212 h 1083212"/>
+                  <a:gd name="connsiteX0" fmla="*/ 0 w 2686929"/>
+                  <a:gd name="connsiteY0" fmla="*/ 0 h 1083212"/>
+                  <a:gd name="connsiteX1" fmla="*/ 1448973 w 2686929"/>
+                  <a:gd name="connsiteY1" fmla="*/ 407964 h 1083212"/>
+                  <a:gd name="connsiteX2" fmla="*/ 2686929 w 2686929"/>
+                  <a:gd name="connsiteY2" fmla="*/ 1083212 h 1083212"/>
+                  <a:gd name="connsiteX0" fmla="*/ 0 w 2686929"/>
+                  <a:gd name="connsiteY0" fmla="*/ 0 h 1083212"/>
+                  <a:gd name="connsiteX1" fmla="*/ 1378635 w 2686929"/>
+                  <a:gd name="connsiteY1" fmla="*/ 351694 h 1083212"/>
+                  <a:gd name="connsiteX2" fmla="*/ 2686929 w 2686929"/>
+                  <a:gd name="connsiteY2" fmla="*/ 1083212 h 1083212"/>
+                  <a:gd name="connsiteX0" fmla="*/ 0 w 2686929"/>
+                  <a:gd name="connsiteY0" fmla="*/ 0 h 1083212"/>
+                  <a:gd name="connsiteX1" fmla="*/ 1378635 w 2686929"/>
+                  <a:gd name="connsiteY1" fmla="*/ 351694 h 1083212"/>
+                  <a:gd name="connsiteX2" fmla="*/ 2686929 w 2686929"/>
+                  <a:gd name="connsiteY2" fmla="*/ 1083212 h 1083212"/>
+                  <a:gd name="connsiteX0" fmla="*/ 0 w 2792316"/>
+                  <a:gd name="connsiteY0" fmla="*/ 0 h 1133525"/>
+                  <a:gd name="connsiteX1" fmla="*/ 1378635 w 2792316"/>
+                  <a:gd name="connsiteY1" fmla="*/ 351694 h 1133525"/>
+                  <a:gd name="connsiteX2" fmla="*/ 2686929 w 2792316"/>
+                  <a:gd name="connsiteY2" fmla="*/ 1083212 h 1133525"/>
+                  <a:gd name="connsiteX3" fmla="*/ 2715064 w 2792316"/>
+                  <a:gd name="connsiteY3" fmla="*/ 1069145 h 1133525"/>
+                  <a:gd name="connsiteX0" fmla="*/ 0 w 2806347"/>
+                  <a:gd name="connsiteY0" fmla="*/ 0 h 4473527"/>
+                  <a:gd name="connsiteX1" fmla="*/ 1378635 w 2806347"/>
+                  <a:gd name="connsiteY1" fmla="*/ 351694 h 4473527"/>
+                  <a:gd name="connsiteX2" fmla="*/ 2686929 w 2806347"/>
+                  <a:gd name="connsiteY2" fmla="*/ 1083212 h 4473527"/>
+                  <a:gd name="connsiteX3" fmla="*/ 2757267 w 2806347"/>
+                  <a:gd name="connsiteY3" fmla="*/ 4473526 h 4473527"/>
+                  <a:gd name="connsiteX0" fmla="*/ 0 w 2806347"/>
+                  <a:gd name="connsiteY0" fmla="*/ 0 h 4572001"/>
+                  <a:gd name="connsiteX1" fmla="*/ 1378635 w 2806347"/>
+                  <a:gd name="connsiteY1" fmla="*/ 351694 h 4572001"/>
+                  <a:gd name="connsiteX2" fmla="*/ 2686929 w 2806347"/>
+                  <a:gd name="connsiteY2" fmla="*/ 1083212 h 4572001"/>
+                  <a:gd name="connsiteX3" fmla="*/ 2757267 w 2806347"/>
+                  <a:gd name="connsiteY3" fmla="*/ 4572000 h 4572001"/>
+                  <a:gd name="connsiteX0" fmla="*/ 0 w 2792316"/>
+                  <a:gd name="connsiteY0" fmla="*/ 0 h 4572001"/>
+                  <a:gd name="connsiteX1" fmla="*/ 1378635 w 2792316"/>
+                  <a:gd name="connsiteY1" fmla="*/ 351694 h 4572001"/>
+                  <a:gd name="connsiteX2" fmla="*/ 2686929 w 2792316"/>
+                  <a:gd name="connsiteY2" fmla="*/ 1083212 h 4572001"/>
+                  <a:gd name="connsiteX3" fmla="*/ 2715064 w 2792316"/>
+                  <a:gd name="connsiteY3" fmla="*/ 4572000 h 4572001"/>
+                  <a:gd name="connsiteX0" fmla="*/ 0 w 2792316"/>
+                  <a:gd name="connsiteY0" fmla="*/ 0 h 4838650"/>
+                  <a:gd name="connsiteX1" fmla="*/ 1378635 w 2792316"/>
+                  <a:gd name="connsiteY1" fmla="*/ 351694 h 4838650"/>
+                  <a:gd name="connsiteX2" fmla="*/ 2686929 w 2792316"/>
+                  <a:gd name="connsiteY2" fmla="*/ 1083212 h 4838650"/>
+                  <a:gd name="connsiteX3" fmla="*/ 2715064 w 2792316"/>
+                  <a:gd name="connsiteY3" fmla="*/ 4572000 h 4838650"/>
+                  <a:gd name="connsiteX4" fmla="*/ 2700996 w 2792316"/>
+                  <a:gd name="connsiteY4" fmla="*/ 4600136 h 4838650"/>
+                  <a:gd name="connsiteX0" fmla="*/ 0 w 2792316"/>
+                  <a:gd name="connsiteY0" fmla="*/ 0 h 4834881"/>
+                  <a:gd name="connsiteX1" fmla="*/ 1378635 w 2792316"/>
+                  <a:gd name="connsiteY1" fmla="*/ 351694 h 4834881"/>
+                  <a:gd name="connsiteX2" fmla="*/ 2686929 w 2792316"/>
+                  <a:gd name="connsiteY2" fmla="*/ 1083212 h 4834881"/>
+                  <a:gd name="connsiteX3" fmla="*/ 2715064 w 2792316"/>
+                  <a:gd name="connsiteY3" fmla="*/ 4572000 h 4834881"/>
+                  <a:gd name="connsiteX4" fmla="*/ 2208627 w 2792316"/>
+                  <a:gd name="connsiteY4" fmla="*/ 4586068 h 4834881"/>
+                  <a:gd name="connsiteX0" fmla="*/ 0 w 2792316"/>
+                  <a:gd name="connsiteY0" fmla="*/ 0 h 4732238"/>
+                  <a:gd name="connsiteX1" fmla="*/ 1378635 w 2792316"/>
+                  <a:gd name="connsiteY1" fmla="*/ 351694 h 4732238"/>
+                  <a:gd name="connsiteX2" fmla="*/ 2686929 w 2792316"/>
+                  <a:gd name="connsiteY2" fmla="*/ 1083212 h 4732238"/>
+                  <a:gd name="connsiteX3" fmla="*/ 2715064 w 2792316"/>
+                  <a:gd name="connsiteY3" fmla="*/ 4572000 h 4732238"/>
+                  <a:gd name="connsiteX4" fmla="*/ 56270 w 2792316"/>
+                  <a:gd name="connsiteY4" fmla="*/ 3953022 h 4732238"/>
+                  <a:gd name="connsiteX0" fmla="*/ 0 w 2792316"/>
+                  <a:gd name="connsiteY0" fmla="*/ 0 h 4732238"/>
+                  <a:gd name="connsiteX1" fmla="*/ 1378635 w 2792316"/>
+                  <a:gd name="connsiteY1" fmla="*/ 351694 h 4732238"/>
+                  <a:gd name="connsiteX2" fmla="*/ 2686929 w 2792316"/>
+                  <a:gd name="connsiteY2" fmla="*/ 1083212 h 4732238"/>
+                  <a:gd name="connsiteX3" fmla="*/ 2715064 w 2792316"/>
+                  <a:gd name="connsiteY3" fmla="*/ 4572000 h 4732238"/>
+                  <a:gd name="connsiteX4" fmla="*/ 56270 w 2792316"/>
+                  <a:gd name="connsiteY4" fmla="*/ 3953022 h 4732238"/>
+                  <a:gd name="connsiteX5" fmla="*/ 0 w 2792316"/>
+                  <a:gd name="connsiteY5" fmla="*/ 0 h 4732238"/>
+                  <a:gd name="connsiteX0" fmla="*/ 0 w 2792316"/>
+                  <a:gd name="connsiteY0" fmla="*/ 0 h 4730855"/>
+                  <a:gd name="connsiteX1" fmla="*/ 1378635 w 2792316"/>
+                  <a:gd name="connsiteY1" fmla="*/ 351694 h 4730855"/>
+                  <a:gd name="connsiteX2" fmla="*/ 2686929 w 2792316"/>
+                  <a:gd name="connsiteY2" fmla="*/ 1083212 h 4730855"/>
+                  <a:gd name="connsiteX3" fmla="*/ 2715064 w 2792316"/>
+                  <a:gd name="connsiteY3" fmla="*/ 4572000 h 4730855"/>
+                  <a:gd name="connsiteX4" fmla="*/ 28134 w 2792316"/>
+                  <a:gd name="connsiteY4" fmla="*/ 3938954 h 4730855"/>
+                  <a:gd name="connsiteX5" fmla="*/ 0 w 2792316"/>
+                  <a:gd name="connsiteY5" fmla="*/ 0 h 4730855"/>
+                  <a:gd name="connsiteX0" fmla="*/ 0 w 2792316"/>
+                  <a:gd name="connsiteY0" fmla="*/ 0 h 4730855"/>
+                  <a:gd name="connsiteX1" fmla="*/ 1378635 w 2792316"/>
+                  <a:gd name="connsiteY1" fmla="*/ 351694 h 4730855"/>
+                  <a:gd name="connsiteX2" fmla="*/ 2686929 w 2792316"/>
+                  <a:gd name="connsiteY2" fmla="*/ 1083212 h 4730855"/>
+                  <a:gd name="connsiteX3" fmla="*/ 2715064 w 2792316"/>
+                  <a:gd name="connsiteY3" fmla="*/ 4572000 h 4730855"/>
+                  <a:gd name="connsiteX4" fmla="*/ 14067 w 2792316"/>
+                  <a:gd name="connsiteY4" fmla="*/ 3938954 h 4730855"/>
+                  <a:gd name="connsiteX5" fmla="*/ 0 w 2792316"/>
+                  <a:gd name="connsiteY5" fmla="*/ 0 h 4730855"/>
+                  <a:gd name="connsiteX0" fmla="*/ 0 w 2792316"/>
+                  <a:gd name="connsiteY0" fmla="*/ 0 h 4725563"/>
+                  <a:gd name="connsiteX1" fmla="*/ 1378635 w 2792316"/>
+                  <a:gd name="connsiteY1" fmla="*/ 351694 h 4725563"/>
+                  <a:gd name="connsiteX2" fmla="*/ 2686929 w 2792316"/>
+                  <a:gd name="connsiteY2" fmla="*/ 1083212 h 4725563"/>
+                  <a:gd name="connsiteX3" fmla="*/ 2715064 w 2792316"/>
+                  <a:gd name="connsiteY3" fmla="*/ 4572000 h 4725563"/>
+                  <a:gd name="connsiteX4" fmla="*/ 14067 w 2792316"/>
+                  <a:gd name="connsiteY4" fmla="*/ 3938954 h 4725563"/>
+                  <a:gd name="connsiteX5" fmla="*/ 0 w 2792316"/>
+                  <a:gd name="connsiteY5" fmla="*/ 0 h 4725563"/>
+                  <a:gd name="connsiteX0" fmla="*/ 0 w 2792316"/>
+                  <a:gd name="connsiteY0" fmla="*/ 0 h 4694472"/>
+                  <a:gd name="connsiteX1" fmla="*/ 1378635 w 2792316"/>
+                  <a:gd name="connsiteY1" fmla="*/ 351694 h 4694472"/>
+                  <a:gd name="connsiteX2" fmla="*/ 2686929 w 2792316"/>
+                  <a:gd name="connsiteY2" fmla="*/ 1083212 h 4694472"/>
+                  <a:gd name="connsiteX3" fmla="*/ 2715064 w 2792316"/>
+                  <a:gd name="connsiteY3" fmla="*/ 4572000 h 4694472"/>
+                  <a:gd name="connsiteX4" fmla="*/ 14067 w 2792316"/>
+                  <a:gd name="connsiteY4" fmla="*/ 3938954 h 4694472"/>
+                  <a:gd name="connsiteX5" fmla="*/ 0 w 2792316"/>
+                  <a:gd name="connsiteY5" fmla="*/ 0 h 4694472"/>
+                  <a:gd name="connsiteX0" fmla="*/ 0 w 2795137"/>
+                  <a:gd name="connsiteY0" fmla="*/ 0 h 4694472"/>
+                  <a:gd name="connsiteX1" fmla="*/ 1378635 w 2795137"/>
+                  <a:gd name="connsiteY1" fmla="*/ 351694 h 4694472"/>
+                  <a:gd name="connsiteX2" fmla="*/ 2686929 w 2795137"/>
+                  <a:gd name="connsiteY2" fmla="*/ 1083212 h 4694472"/>
+                  <a:gd name="connsiteX3" fmla="*/ 2715064 w 2795137"/>
+                  <a:gd name="connsiteY3" fmla="*/ 4572000 h 4694472"/>
+                  <a:gd name="connsiteX4" fmla="*/ 14067 w 2795137"/>
+                  <a:gd name="connsiteY4" fmla="*/ 3938954 h 4694472"/>
+                  <a:gd name="connsiteX5" fmla="*/ 0 w 2795137"/>
+                  <a:gd name="connsiteY5" fmla="*/ 0 h 4694472"/>
+                  <a:gd name="connsiteX0" fmla="*/ 0 w 2759847"/>
+                  <a:gd name="connsiteY0" fmla="*/ 0 h 4876872"/>
+                  <a:gd name="connsiteX1" fmla="*/ 1378635 w 2759847"/>
+                  <a:gd name="connsiteY1" fmla="*/ 351694 h 4876872"/>
+                  <a:gd name="connsiteX2" fmla="*/ 2686929 w 2759847"/>
+                  <a:gd name="connsiteY2" fmla="*/ 1083212 h 4876872"/>
+                  <a:gd name="connsiteX3" fmla="*/ 2546251 w 2759847"/>
+                  <a:gd name="connsiteY3" fmla="*/ 4768948 h 4876872"/>
+                  <a:gd name="connsiteX4" fmla="*/ 14067 w 2759847"/>
+                  <a:gd name="connsiteY4" fmla="*/ 3938954 h 4876872"/>
+                  <a:gd name="connsiteX5" fmla="*/ 0 w 2759847"/>
+                  <a:gd name="connsiteY5" fmla="*/ 0 h 4876872"/>
+                  <a:gd name="connsiteX0" fmla="*/ 0 w 2759539"/>
+                  <a:gd name="connsiteY0" fmla="*/ 0 h 4768955"/>
+                  <a:gd name="connsiteX1" fmla="*/ 1378635 w 2759539"/>
+                  <a:gd name="connsiteY1" fmla="*/ 351694 h 4768955"/>
+                  <a:gd name="connsiteX2" fmla="*/ 2686929 w 2759539"/>
+                  <a:gd name="connsiteY2" fmla="*/ 1083212 h 4768955"/>
+                  <a:gd name="connsiteX3" fmla="*/ 2546251 w 2759539"/>
+                  <a:gd name="connsiteY3" fmla="*/ 4768948 h 4768955"/>
+                  <a:gd name="connsiteX4" fmla="*/ 14067 w 2759539"/>
+                  <a:gd name="connsiteY4" fmla="*/ 3938954 h 4768955"/>
+                  <a:gd name="connsiteX5" fmla="*/ 0 w 2759539"/>
+                  <a:gd name="connsiteY5" fmla="*/ 0 h 4768955"/>
+                  <a:gd name="connsiteX0" fmla="*/ 0 w 2790397"/>
+                  <a:gd name="connsiteY0" fmla="*/ 0 h 4529804"/>
+                  <a:gd name="connsiteX1" fmla="*/ 1378635 w 2790397"/>
+                  <a:gd name="connsiteY1" fmla="*/ 351694 h 4529804"/>
+                  <a:gd name="connsiteX2" fmla="*/ 2686929 w 2790397"/>
+                  <a:gd name="connsiteY2" fmla="*/ 1083212 h 4529804"/>
+                  <a:gd name="connsiteX3" fmla="*/ 2700996 w 2790397"/>
+                  <a:gd name="connsiteY3" fmla="*/ 4529797 h 4529804"/>
+                  <a:gd name="connsiteX4" fmla="*/ 14067 w 2790397"/>
+                  <a:gd name="connsiteY4" fmla="*/ 3938954 h 4529804"/>
+                  <a:gd name="connsiteX5" fmla="*/ 0 w 2790397"/>
+                  <a:gd name="connsiteY5" fmla="*/ 0 h 4529804"/>
+                  <a:gd name="connsiteX0" fmla="*/ 0 w 2704816"/>
+                  <a:gd name="connsiteY0" fmla="*/ 0 h 4529805"/>
+                  <a:gd name="connsiteX1" fmla="*/ 1378635 w 2704816"/>
+                  <a:gd name="connsiteY1" fmla="*/ 351694 h 4529805"/>
+                  <a:gd name="connsiteX2" fmla="*/ 2686929 w 2704816"/>
+                  <a:gd name="connsiteY2" fmla="*/ 1083212 h 4529805"/>
+                  <a:gd name="connsiteX3" fmla="*/ 2700996 w 2704816"/>
+                  <a:gd name="connsiteY3" fmla="*/ 4529797 h 4529805"/>
+                  <a:gd name="connsiteX4" fmla="*/ 14067 w 2704816"/>
+                  <a:gd name="connsiteY4" fmla="*/ 3938954 h 4529805"/>
+                  <a:gd name="connsiteX5" fmla="*/ 0 w 2704816"/>
+                  <a:gd name="connsiteY5" fmla="*/ 0 h 4529805"/>
+                  <a:gd name="connsiteX0" fmla="*/ 0 w 2901079"/>
+                  <a:gd name="connsiteY0" fmla="*/ 0 h 4622453"/>
+                  <a:gd name="connsiteX1" fmla="*/ 1378635 w 2901079"/>
+                  <a:gd name="connsiteY1" fmla="*/ 351694 h 4622453"/>
+                  <a:gd name="connsiteX2" fmla="*/ 2686929 w 2901079"/>
+                  <a:gd name="connsiteY2" fmla="*/ 1083212 h 4622453"/>
+                  <a:gd name="connsiteX3" fmla="*/ 2700996 w 2901079"/>
+                  <a:gd name="connsiteY3" fmla="*/ 4529797 h 4622453"/>
+                  <a:gd name="connsiteX4" fmla="*/ 14067 w 2901079"/>
+                  <a:gd name="connsiteY4" fmla="*/ 3713871 h 4622453"/>
+                  <a:gd name="connsiteX5" fmla="*/ 0 w 2901079"/>
+                  <a:gd name="connsiteY5" fmla="*/ 0 h 4622453"/>
+                  <a:gd name="connsiteX0" fmla="*/ 0 w 2901079"/>
+                  <a:gd name="connsiteY0" fmla="*/ 0 h 4790834"/>
+                  <a:gd name="connsiteX1" fmla="*/ 1378635 w 2901079"/>
+                  <a:gd name="connsiteY1" fmla="*/ 351694 h 4790834"/>
+                  <a:gd name="connsiteX2" fmla="*/ 2686929 w 2901079"/>
+                  <a:gd name="connsiteY2" fmla="*/ 1083212 h 4790834"/>
+                  <a:gd name="connsiteX3" fmla="*/ 2700996 w 2901079"/>
+                  <a:gd name="connsiteY3" fmla="*/ 4529797 h 4790834"/>
+                  <a:gd name="connsiteX4" fmla="*/ 14067 w 2901079"/>
+                  <a:gd name="connsiteY4" fmla="*/ 3713871 h 4790834"/>
+                  <a:gd name="connsiteX5" fmla="*/ 0 w 2901079"/>
+                  <a:gd name="connsiteY5" fmla="*/ 0 h 4790834"/>
+                  <a:gd name="connsiteX0" fmla="*/ 340772 w 3241851"/>
+                  <a:gd name="connsiteY0" fmla="*/ 0 h 4696402"/>
+                  <a:gd name="connsiteX1" fmla="*/ 1719407 w 3241851"/>
+                  <a:gd name="connsiteY1" fmla="*/ 351694 h 4696402"/>
+                  <a:gd name="connsiteX2" fmla="*/ 3027701 w 3241851"/>
+                  <a:gd name="connsiteY2" fmla="*/ 1083212 h 4696402"/>
+                  <a:gd name="connsiteX3" fmla="*/ 3041768 w 3241851"/>
+                  <a:gd name="connsiteY3" fmla="*/ 4529797 h 4696402"/>
+                  <a:gd name="connsiteX4" fmla="*/ 354839 w 3241851"/>
+                  <a:gd name="connsiteY4" fmla="*/ 3713871 h 4696402"/>
+                  <a:gd name="connsiteX5" fmla="*/ 340772 w 3241851"/>
+                  <a:gd name="connsiteY5" fmla="*/ 0 h 4696402"/>
+                  <a:gd name="connsiteX0" fmla="*/ 340772 w 3241851"/>
+                  <a:gd name="connsiteY0" fmla="*/ 0 h 4696402"/>
+                  <a:gd name="connsiteX1" fmla="*/ 1719407 w 3241851"/>
+                  <a:gd name="connsiteY1" fmla="*/ 351694 h 4696402"/>
+                  <a:gd name="connsiteX2" fmla="*/ 3027701 w 3241851"/>
+                  <a:gd name="connsiteY2" fmla="*/ 1083212 h 4696402"/>
+                  <a:gd name="connsiteX3" fmla="*/ 3041768 w 3241851"/>
+                  <a:gd name="connsiteY3" fmla="*/ 4529797 h 4696402"/>
+                  <a:gd name="connsiteX4" fmla="*/ 354839 w 3241851"/>
+                  <a:gd name="connsiteY4" fmla="*/ 3713871 h 4696402"/>
+                  <a:gd name="connsiteX5" fmla="*/ 340772 w 3241851"/>
+                  <a:gd name="connsiteY5" fmla="*/ 0 h 4696402"/>
+                  <a:gd name="connsiteX0" fmla="*/ 340772 w 3241851"/>
+                  <a:gd name="connsiteY0" fmla="*/ 0 h 4630486"/>
+                  <a:gd name="connsiteX1" fmla="*/ 1719407 w 3241851"/>
+                  <a:gd name="connsiteY1" fmla="*/ 351694 h 4630486"/>
+                  <a:gd name="connsiteX2" fmla="*/ 3027701 w 3241851"/>
+                  <a:gd name="connsiteY2" fmla="*/ 1083212 h 4630486"/>
+                  <a:gd name="connsiteX3" fmla="*/ 3041768 w 3241851"/>
+                  <a:gd name="connsiteY3" fmla="*/ 4529797 h 4630486"/>
+                  <a:gd name="connsiteX4" fmla="*/ 354839 w 3241851"/>
+                  <a:gd name="connsiteY4" fmla="*/ 3713871 h 4630486"/>
+                  <a:gd name="connsiteX5" fmla="*/ 340772 w 3241851"/>
+                  <a:gd name="connsiteY5" fmla="*/ 0 h 4630486"/>
+                  <a:gd name="connsiteX0" fmla="*/ 3774 w 2904853"/>
+                  <a:gd name="connsiteY0" fmla="*/ 0 h 4630486"/>
+                  <a:gd name="connsiteX1" fmla="*/ 1382409 w 2904853"/>
+                  <a:gd name="connsiteY1" fmla="*/ 351694 h 4630486"/>
+                  <a:gd name="connsiteX2" fmla="*/ 2690703 w 2904853"/>
+                  <a:gd name="connsiteY2" fmla="*/ 1083212 h 4630486"/>
+                  <a:gd name="connsiteX3" fmla="*/ 2704770 w 2904853"/>
+                  <a:gd name="connsiteY3" fmla="*/ 4529797 h 4630486"/>
+                  <a:gd name="connsiteX4" fmla="*/ 17841 w 2904853"/>
+                  <a:gd name="connsiteY4" fmla="*/ 3713871 h 4630486"/>
+                  <a:gd name="connsiteX5" fmla="*/ 3774 w 2904853"/>
+                  <a:gd name="connsiteY5" fmla="*/ 0 h 4630486"/>
+                  <a:gd name="connsiteX0" fmla="*/ 3774 w 2983628"/>
+                  <a:gd name="connsiteY0" fmla="*/ 0 h 4531742"/>
+                  <a:gd name="connsiteX1" fmla="*/ 1382409 w 2983628"/>
+                  <a:gd name="connsiteY1" fmla="*/ 351694 h 4531742"/>
+                  <a:gd name="connsiteX2" fmla="*/ 2690703 w 2983628"/>
+                  <a:gd name="connsiteY2" fmla="*/ 1083212 h 4531742"/>
+                  <a:gd name="connsiteX3" fmla="*/ 2704770 w 2983628"/>
+                  <a:gd name="connsiteY3" fmla="*/ 4529797 h 4531742"/>
+                  <a:gd name="connsiteX4" fmla="*/ 17841 w 2983628"/>
+                  <a:gd name="connsiteY4" fmla="*/ 3713871 h 4531742"/>
+                  <a:gd name="connsiteX5" fmla="*/ 3774 w 2983628"/>
+                  <a:gd name="connsiteY5" fmla="*/ 0 h 4531742"/>
+                  <a:gd name="connsiteX0" fmla="*/ 3774 w 2983628"/>
+                  <a:gd name="connsiteY0" fmla="*/ 0 h 4531742"/>
+                  <a:gd name="connsiteX1" fmla="*/ 1382409 w 2983628"/>
+                  <a:gd name="connsiteY1" fmla="*/ 351694 h 4531742"/>
+                  <a:gd name="connsiteX2" fmla="*/ 2690703 w 2983628"/>
+                  <a:gd name="connsiteY2" fmla="*/ 1083212 h 4531742"/>
+                  <a:gd name="connsiteX3" fmla="*/ 2704770 w 2983628"/>
+                  <a:gd name="connsiteY3" fmla="*/ 4529797 h 4531742"/>
+                  <a:gd name="connsiteX4" fmla="*/ 17841 w 2983628"/>
+                  <a:gd name="connsiteY4" fmla="*/ 3713871 h 4531742"/>
+                  <a:gd name="connsiteX5" fmla="*/ 3774 w 2983628"/>
+                  <a:gd name="connsiteY5" fmla="*/ 0 h 4531742"/>
+                  <a:gd name="connsiteX0" fmla="*/ 3774 w 2983628"/>
+                  <a:gd name="connsiteY0" fmla="*/ 0 h 4529797"/>
+                  <a:gd name="connsiteX1" fmla="*/ 1382409 w 2983628"/>
+                  <a:gd name="connsiteY1" fmla="*/ 351694 h 4529797"/>
+                  <a:gd name="connsiteX2" fmla="*/ 2690703 w 2983628"/>
+                  <a:gd name="connsiteY2" fmla="*/ 1083212 h 4529797"/>
+                  <a:gd name="connsiteX3" fmla="*/ 2704770 w 2983628"/>
+                  <a:gd name="connsiteY3" fmla="*/ 4529797 h 4529797"/>
+                  <a:gd name="connsiteX4" fmla="*/ 17841 w 2983628"/>
+                  <a:gd name="connsiteY4" fmla="*/ 3713871 h 4529797"/>
+                  <a:gd name="connsiteX5" fmla="*/ 3774 w 2983628"/>
+                  <a:gd name="connsiteY5" fmla="*/ 0 h 4529797"/>
+                  <a:gd name="connsiteX0" fmla="*/ 3774 w 2704770"/>
+                  <a:gd name="connsiteY0" fmla="*/ 0 h 4529797"/>
+                  <a:gd name="connsiteX1" fmla="*/ 1382409 w 2704770"/>
+                  <a:gd name="connsiteY1" fmla="*/ 351694 h 4529797"/>
+                  <a:gd name="connsiteX2" fmla="*/ 2690703 w 2704770"/>
+                  <a:gd name="connsiteY2" fmla="*/ 1083212 h 4529797"/>
+                  <a:gd name="connsiteX3" fmla="*/ 2704770 w 2704770"/>
+                  <a:gd name="connsiteY3" fmla="*/ 4529797 h 4529797"/>
+                  <a:gd name="connsiteX4" fmla="*/ 17841 w 2704770"/>
+                  <a:gd name="connsiteY4" fmla="*/ 3713871 h 4529797"/>
+                  <a:gd name="connsiteX5" fmla="*/ 3774 w 2704770"/>
+                  <a:gd name="connsiteY5" fmla="*/ 0 h 4529797"/>
+                  <a:gd name="connsiteX0" fmla="*/ 3774 w 2704770"/>
+                  <a:gd name="connsiteY0" fmla="*/ 128204 h 4658001"/>
+                  <a:gd name="connsiteX1" fmla="*/ 2690703 w 2704770"/>
+                  <a:gd name="connsiteY1" fmla="*/ 1211416 h 4658001"/>
+                  <a:gd name="connsiteX2" fmla="*/ 2704770 w 2704770"/>
+                  <a:gd name="connsiteY2" fmla="*/ 4658001 h 4658001"/>
+                  <a:gd name="connsiteX3" fmla="*/ 17841 w 2704770"/>
+                  <a:gd name="connsiteY3" fmla="*/ 3842075 h 4658001"/>
+                  <a:gd name="connsiteX4" fmla="*/ 3774 w 2704770"/>
+                  <a:gd name="connsiteY4" fmla="*/ 128204 h 4658001"/>
+                  <a:gd name="connsiteX0" fmla="*/ 3774 w 2704770"/>
+                  <a:gd name="connsiteY0" fmla="*/ 112153 h 4641950"/>
+                  <a:gd name="connsiteX1" fmla="*/ 2690703 w 2704770"/>
+                  <a:gd name="connsiteY1" fmla="*/ 1195365 h 4641950"/>
+                  <a:gd name="connsiteX2" fmla="*/ 2704770 w 2704770"/>
+                  <a:gd name="connsiteY2" fmla="*/ 4641950 h 4641950"/>
+                  <a:gd name="connsiteX3" fmla="*/ 17841 w 2704770"/>
+                  <a:gd name="connsiteY3" fmla="*/ 3826024 h 4641950"/>
+                  <a:gd name="connsiteX4" fmla="*/ 3774 w 2704770"/>
+                  <a:gd name="connsiteY4" fmla="*/ 112153 h 4641950"/>
+                  <a:gd name="connsiteX0" fmla="*/ 3774 w 2704770"/>
+                  <a:gd name="connsiteY0" fmla="*/ 0 h 4529797"/>
+                  <a:gd name="connsiteX1" fmla="*/ 2690703 w 2704770"/>
+                  <a:gd name="connsiteY1" fmla="*/ 1083212 h 4529797"/>
+                  <a:gd name="connsiteX2" fmla="*/ 2704770 w 2704770"/>
+                  <a:gd name="connsiteY2" fmla="*/ 4529797 h 4529797"/>
+                  <a:gd name="connsiteX3" fmla="*/ 17841 w 2704770"/>
+                  <a:gd name="connsiteY3" fmla="*/ 3713871 h 4529797"/>
+                  <a:gd name="connsiteX4" fmla="*/ 3774 w 2704770"/>
+                  <a:gd name="connsiteY4" fmla="*/ 0 h 4529797"/>
+                  <a:gd name="connsiteX0" fmla="*/ 3774 w 2704770"/>
+                  <a:gd name="connsiteY0" fmla="*/ 0 h 4529797"/>
+                  <a:gd name="connsiteX1" fmla="*/ 2690703 w 2704770"/>
+                  <a:gd name="connsiteY1" fmla="*/ 1083212 h 4529797"/>
+                  <a:gd name="connsiteX2" fmla="*/ 2704770 w 2704770"/>
+                  <a:gd name="connsiteY2" fmla="*/ 4529797 h 4529797"/>
+                  <a:gd name="connsiteX3" fmla="*/ 17841 w 2704770"/>
+                  <a:gd name="connsiteY3" fmla="*/ 3713871 h 4529797"/>
+                  <a:gd name="connsiteX4" fmla="*/ 3774 w 2704770"/>
+                  <a:gd name="connsiteY4" fmla="*/ 0 h 4529797"/>
+                  <a:gd name="connsiteX0" fmla="*/ 3774 w 2728389"/>
+                  <a:gd name="connsiteY0" fmla="*/ 0 h 4529797"/>
+                  <a:gd name="connsiteX1" fmla="*/ 2721183 w 2728389"/>
+                  <a:gd name="connsiteY1" fmla="*/ 1075592 h 4529797"/>
+                  <a:gd name="connsiteX2" fmla="*/ 2704770 w 2728389"/>
+                  <a:gd name="connsiteY2" fmla="*/ 4529797 h 4529797"/>
+                  <a:gd name="connsiteX3" fmla="*/ 17841 w 2728389"/>
+                  <a:gd name="connsiteY3" fmla="*/ 3713871 h 4529797"/>
+                  <a:gd name="connsiteX4" fmla="*/ 3774 w 2728389"/>
+                  <a:gd name="connsiteY4" fmla="*/ 0 h 4529797"/>
+                  <a:gd name="connsiteX0" fmla="*/ 3774 w 2721387"/>
+                  <a:gd name="connsiteY0" fmla="*/ 0 h 4529797"/>
+                  <a:gd name="connsiteX1" fmla="*/ 2721183 w 2721387"/>
+                  <a:gd name="connsiteY1" fmla="*/ 1075592 h 4529797"/>
+                  <a:gd name="connsiteX2" fmla="*/ 2704770 w 2721387"/>
+                  <a:gd name="connsiteY2" fmla="*/ 4529797 h 4529797"/>
+                  <a:gd name="connsiteX3" fmla="*/ 17841 w 2721387"/>
+                  <a:gd name="connsiteY3" fmla="*/ 3713871 h 4529797"/>
+                  <a:gd name="connsiteX4" fmla="*/ 3774 w 2721387"/>
+                  <a:gd name="connsiteY4" fmla="*/ 0 h 4529797"/>
+                  <a:gd name="connsiteX0" fmla="*/ 3774 w 2721859"/>
+                  <a:gd name="connsiteY0" fmla="*/ 0 h 4529797"/>
+                  <a:gd name="connsiteX1" fmla="*/ 2721183 w 2721859"/>
+                  <a:gd name="connsiteY1" fmla="*/ 1075592 h 4529797"/>
+                  <a:gd name="connsiteX2" fmla="*/ 2704770 w 2721859"/>
+                  <a:gd name="connsiteY2" fmla="*/ 4529797 h 4529797"/>
+                  <a:gd name="connsiteX3" fmla="*/ 17841 w 2721859"/>
+                  <a:gd name="connsiteY3" fmla="*/ 3713871 h 4529797"/>
+                  <a:gd name="connsiteX4" fmla="*/ 3774 w 2721859"/>
+                  <a:gd name="connsiteY4" fmla="*/ 0 h 4529797"/>
+                  <a:gd name="connsiteX0" fmla="*/ 3774 w 2721859"/>
+                  <a:gd name="connsiteY0" fmla="*/ 0 h 4529797"/>
+                  <a:gd name="connsiteX1" fmla="*/ 2721183 w 2721859"/>
+                  <a:gd name="connsiteY1" fmla="*/ 1075592 h 4529797"/>
+                  <a:gd name="connsiteX2" fmla="*/ 2704770 w 2721859"/>
+                  <a:gd name="connsiteY2" fmla="*/ 4529797 h 4529797"/>
+                  <a:gd name="connsiteX3" fmla="*/ 17841 w 2721859"/>
+                  <a:gd name="connsiteY3" fmla="*/ 3713871 h 4529797"/>
+                  <a:gd name="connsiteX4" fmla="*/ 3774 w 2721859"/>
+                  <a:gd name="connsiteY4" fmla="*/ 0 h 4529797"/>
+                </a:gdLst>
+                <a:ahLst/>
+                <a:cxnLst>
+                  <a:cxn ang="0">
+                    <a:pos x="connsiteX0" y="connsiteY0"/>
+                  </a:cxn>
+                  <a:cxn ang="0">
+                    <a:pos x="connsiteX1" y="connsiteY1"/>
+                  </a:cxn>
+                  <a:cxn ang="0">
+                    <a:pos x="connsiteX2" y="connsiteY2"/>
+                  </a:cxn>
+                  <a:cxn ang="0">
+                    <a:pos x="connsiteX3" y="connsiteY3"/>
+                  </a:cxn>
+                  <a:cxn ang="0">
+                    <a:pos x="connsiteX4" y="connsiteY4"/>
+                  </a:cxn>
+                </a:cxnLst>
+                <a:rect l="l" t="t" r="r" b="b"/>
+                <a:pathLst>
+                  <a:path w="2721859" h="4529797">
+                    <a:moveTo>
+                      <a:pt x="3774" y="0"/>
+                    </a:moveTo>
+                    <a:cubicBezTo>
+                      <a:pt x="1152635" y="96130"/>
+                      <a:pt x="2017799" y="503506"/>
+                      <a:pt x="2721183" y="1075592"/>
+                    </a:cubicBezTo>
+                    <a:cubicBezTo>
+                      <a:pt x="2724114" y="1508173"/>
+                      <a:pt x="2717312" y="3702294"/>
+                      <a:pt x="2704770" y="4529797"/>
+                    </a:cubicBezTo>
+                    <a:cubicBezTo>
+                      <a:pt x="2343699" y="4194516"/>
+                      <a:pt x="1218284" y="3840480"/>
+                      <a:pt x="17841" y="3713871"/>
+                    </a:cubicBezTo>
+                    <a:cubicBezTo>
+                      <a:pt x="-14983" y="2757268"/>
+                      <a:pt x="8463" y="1237957"/>
+                      <a:pt x="3774" y="0"/>
+                    </a:cubicBezTo>
+                    <a:close/>
+                  </a:path>
+                </a:pathLst>
+              </a:custGeom>
+              <a:solidFill>
+                <a:srgbClr val="3259A0"/>
+              </a:solidFill>
+              <a:ln>
+                <a:noFill/>
+              </a:ln>
+            </p:spPr>
+            <p:style>
+              <a:lnRef idx="2">
+                <a:schemeClr val="accent1">
+                  <a:shade val="50000"/>
+                </a:schemeClr>
+              </a:lnRef>
+              <a:fillRef idx="1">
+                <a:schemeClr val="accent1"/>
+              </a:fillRef>
+              <a:effectRef idx="0">
+                <a:schemeClr val="accent1"/>
+              </a:effectRef>
+              <a:fontRef idx="minor">
+                <a:schemeClr val="lt1"/>
+              </a:fontRef>
+            </p:style>
+            <p:txBody>
+              <a:bodyPr rtlCol="0" anchor="ctr"/>
+              <a:lstStyle/>
+              <a:p>
+                <a:pPr algn="ctr"/>
+                <a:endParaRPr lang="en-US"/>
+              </a:p>
+            </p:txBody>
+          </p:sp>
+          <p:sp>
+            <p:nvSpPr>
+              <p:cNvPr id="11" name="Freeform: Shape 10">
+                <a:extLst>
+                  <a:ext uri="{FF2B5EF4-FFF2-40B4-BE49-F238E27FC236}">
+                    <a16:creationId xmlns:a16="http://schemas.microsoft.com/office/drawing/2014/main" id="{9919FE95-45CF-4B35-9EEB-87A06DC022FA}"/>
+                  </a:ext>
+                </a:extLst>
+              </p:cNvPr>
+              <p:cNvSpPr/>
+              <p:nvPr/>
+            </p:nvSpPr>
+            <p:spPr>
+              <a:xfrm flipH="1">
+                <a:off x="5074670" y="1772527"/>
+                <a:ext cx="2721859" cy="4529797"/>
+              </a:xfrm>
+              <a:custGeom>
+                <a:avLst/>
+                <a:gdLst>
+                  <a:gd name="connsiteX0" fmla="*/ 0 w 2686929"/>
+                  <a:gd name="connsiteY0" fmla="*/ 0 h 1083212"/>
+                  <a:gd name="connsiteX1" fmla="*/ 1603717 w 2686929"/>
+                  <a:gd name="connsiteY1" fmla="*/ 478302 h 1083212"/>
+                  <a:gd name="connsiteX2" fmla="*/ 2686929 w 2686929"/>
+                  <a:gd name="connsiteY2" fmla="*/ 1083212 h 1083212"/>
+                  <a:gd name="connsiteX0" fmla="*/ 0 w 2686929"/>
+                  <a:gd name="connsiteY0" fmla="*/ 0 h 1083212"/>
+                  <a:gd name="connsiteX1" fmla="*/ 1448973 w 2686929"/>
+                  <a:gd name="connsiteY1" fmla="*/ 407964 h 1083212"/>
+                  <a:gd name="connsiteX2" fmla="*/ 2686929 w 2686929"/>
+                  <a:gd name="connsiteY2" fmla="*/ 1083212 h 1083212"/>
+                  <a:gd name="connsiteX0" fmla="*/ 0 w 2686929"/>
+                  <a:gd name="connsiteY0" fmla="*/ 0 h 1083212"/>
+                  <a:gd name="connsiteX1" fmla="*/ 1448973 w 2686929"/>
+                  <a:gd name="connsiteY1" fmla="*/ 407964 h 1083212"/>
+                  <a:gd name="connsiteX2" fmla="*/ 2686929 w 2686929"/>
+                  <a:gd name="connsiteY2" fmla="*/ 1083212 h 1083212"/>
+                  <a:gd name="connsiteX0" fmla="*/ 0 w 2686929"/>
+                  <a:gd name="connsiteY0" fmla="*/ 0 h 1083212"/>
+                  <a:gd name="connsiteX1" fmla="*/ 1448973 w 2686929"/>
+                  <a:gd name="connsiteY1" fmla="*/ 407964 h 1083212"/>
+                  <a:gd name="connsiteX2" fmla="*/ 2686929 w 2686929"/>
+                  <a:gd name="connsiteY2" fmla="*/ 1083212 h 1083212"/>
+                  <a:gd name="connsiteX0" fmla="*/ 0 w 2686929"/>
+                  <a:gd name="connsiteY0" fmla="*/ 0 h 1083212"/>
+                  <a:gd name="connsiteX1" fmla="*/ 1448973 w 2686929"/>
+                  <a:gd name="connsiteY1" fmla="*/ 407964 h 1083212"/>
+                  <a:gd name="connsiteX2" fmla="*/ 2686929 w 2686929"/>
+                  <a:gd name="connsiteY2" fmla="*/ 1083212 h 1083212"/>
+                  <a:gd name="connsiteX0" fmla="*/ 0 w 2686929"/>
+                  <a:gd name="connsiteY0" fmla="*/ 0 h 1083212"/>
+                  <a:gd name="connsiteX1" fmla="*/ 1448973 w 2686929"/>
+                  <a:gd name="connsiteY1" fmla="*/ 407964 h 1083212"/>
+                  <a:gd name="connsiteX2" fmla="*/ 2686929 w 2686929"/>
+                  <a:gd name="connsiteY2" fmla="*/ 1083212 h 1083212"/>
+                  <a:gd name="connsiteX0" fmla="*/ 0 w 2686929"/>
+                  <a:gd name="connsiteY0" fmla="*/ 0 h 1083212"/>
+                  <a:gd name="connsiteX1" fmla="*/ 1378635 w 2686929"/>
+                  <a:gd name="connsiteY1" fmla="*/ 351694 h 1083212"/>
+                  <a:gd name="connsiteX2" fmla="*/ 2686929 w 2686929"/>
+                  <a:gd name="connsiteY2" fmla="*/ 1083212 h 1083212"/>
+                  <a:gd name="connsiteX0" fmla="*/ 0 w 2686929"/>
+                  <a:gd name="connsiteY0" fmla="*/ 0 h 1083212"/>
+                  <a:gd name="connsiteX1" fmla="*/ 1378635 w 2686929"/>
+                  <a:gd name="connsiteY1" fmla="*/ 351694 h 1083212"/>
+                  <a:gd name="connsiteX2" fmla="*/ 2686929 w 2686929"/>
+                  <a:gd name="connsiteY2" fmla="*/ 1083212 h 1083212"/>
+                  <a:gd name="connsiteX0" fmla="*/ 0 w 2792316"/>
+                  <a:gd name="connsiteY0" fmla="*/ 0 h 1133525"/>
+                  <a:gd name="connsiteX1" fmla="*/ 1378635 w 2792316"/>
+                  <a:gd name="connsiteY1" fmla="*/ 351694 h 1133525"/>
+                  <a:gd name="connsiteX2" fmla="*/ 2686929 w 2792316"/>
+                  <a:gd name="connsiteY2" fmla="*/ 1083212 h 1133525"/>
+                  <a:gd name="connsiteX3" fmla="*/ 2715064 w 2792316"/>
+                  <a:gd name="connsiteY3" fmla="*/ 1069145 h 1133525"/>
+                  <a:gd name="connsiteX0" fmla="*/ 0 w 2806347"/>
+                  <a:gd name="connsiteY0" fmla="*/ 0 h 4473527"/>
+                  <a:gd name="connsiteX1" fmla="*/ 1378635 w 2806347"/>
+                  <a:gd name="connsiteY1" fmla="*/ 351694 h 4473527"/>
+                  <a:gd name="connsiteX2" fmla="*/ 2686929 w 2806347"/>
+                  <a:gd name="connsiteY2" fmla="*/ 1083212 h 4473527"/>
+                  <a:gd name="connsiteX3" fmla="*/ 2757267 w 2806347"/>
+                  <a:gd name="connsiteY3" fmla="*/ 4473526 h 4473527"/>
+                  <a:gd name="connsiteX0" fmla="*/ 0 w 2806347"/>
+                  <a:gd name="connsiteY0" fmla="*/ 0 h 4572001"/>
+                  <a:gd name="connsiteX1" fmla="*/ 1378635 w 2806347"/>
+                  <a:gd name="connsiteY1" fmla="*/ 351694 h 4572001"/>
+                  <a:gd name="connsiteX2" fmla="*/ 2686929 w 2806347"/>
+                  <a:gd name="connsiteY2" fmla="*/ 1083212 h 4572001"/>
+                  <a:gd name="connsiteX3" fmla="*/ 2757267 w 2806347"/>
+                  <a:gd name="connsiteY3" fmla="*/ 4572000 h 4572001"/>
+                  <a:gd name="connsiteX0" fmla="*/ 0 w 2792316"/>
+                  <a:gd name="connsiteY0" fmla="*/ 0 h 4572001"/>
+                  <a:gd name="connsiteX1" fmla="*/ 1378635 w 2792316"/>
+                  <a:gd name="connsiteY1" fmla="*/ 351694 h 4572001"/>
+                  <a:gd name="connsiteX2" fmla="*/ 2686929 w 2792316"/>
+                  <a:gd name="connsiteY2" fmla="*/ 1083212 h 4572001"/>
+                  <a:gd name="connsiteX3" fmla="*/ 2715064 w 2792316"/>
+                  <a:gd name="connsiteY3" fmla="*/ 4572000 h 4572001"/>
+                  <a:gd name="connsiteX0" fmla="*/ 0 w 2792316"/>
+                  <a:gd name="connsiteY0" fmla="*/ 0 h 4838650"/>
+                  <a:gd name="connsiteX1" fmla="*/ 1378635 w 2792316"/>
+                  <a:gd name="connsiteY1" fmla="*/ 351694 h 4838650"/>
+                  <a:gd name="connsiteX2" fmla="*/ 2686929 w 2792316"/>
+                  <a:gd name="connsiteY2" fmla="*/ 1083212 h 4838650"/>
+                  <a:gd name="connsiteX3" fmla="*/ 2715064 w 2792316"/>
+                  <a:gd name="connsiteY3" fmla="*/ 4572000 h 4838650"/>
+                  <a:gd name="connsiteX4" fmla="*/ 2700996 w 2792316"/>
+                  <a:gd name="connsiteY4" fmla="*/ 4600136 h 4838650"/>
+                  <a:gd name="connsiteX0" fmla="*/ 0 w 2792316"/>
+                  <a:gd name="connsiteY0" fmla="*/ 0 h 4834881"/>
+                  <a:gd name="connsiteX1" fmla="*/ 1378635 w 2792316"/>
+                  <a:gd name="connsiteY1" fmla="*/ 351694 h 4834881"/>
+                  <a:gd name="connsiteX2" fmla="*/ 2686929 w 2792316"/>
+                  <a:gd name="connsiteY2" fmla="*/ 1083212 h 4834881"/>
+                  <a:gd name="connsiteX3" fmla="*/ 2715064 w 2792316"/>
+                  <a:gd name="connsiteY3" fmla="*/ 4572000 h 4834881"/>
+                  <a:gd name="connsiteX4" fmla="*/ 2208627 w 2792316"/>
+                  <a:gd name="connsiteY4" fmla="*/ 4586068 h 4834881"/>
+                  <a:gd name="connsiteX0" fmla="*/ 0 w 2792316"/>
+                  <a:gd name="connsiteY0" fmla="*/ 0 h 4732238"/>
+                  <a:gd name="connsiteX1" fmla="*/ 1378635 w 2792316"/>
+                  <a:gd name="connsiteY1" fmla="*/ 351694 h 4732238"/>
+                  <a:gd name="connsiteX2" fmla="*/ 2686929 w 2792316"/>
+                  <a:gd name="connsiteY2" fmla="*/ 1083212 h 4732238"/>
+                  <a:gd name="connsiteX3" fmla="*/ 2715064 w 2792316"/>
+                  <a:gd name="connsiteY3" fmla="*/ 4572000 h 4732238"/>
+                  <a:gd name="connsiteX4" fmla="*/ 56270 w 2792316"/>
+                  <a:gd name="connsiteY4" fmla="*/ 3953022 h 4732238"/>
+                  <a:gd name="connsiteX0" fmla="*/ 0 w 2792316"/>
+                  <a:gd name="connsiteY0" fmla="*/ 0 h 4732238"/>
+                  <a:gd name="connsiteX1" fmla="*/ 1378635 w 2792316"/>
+                  <a:gd name="connsiteY1" fmla="*/ 351694 h 4732238"/>
+                  <a:gd name="connsiteX2" fmla="*/ 2686929 w 2792316"/>
+                  <a:gd name="connsiteY2" fmla="*/ 1083212 h 4732238"/>
+                  <a:gd name="connsiteX3" fmla="*/ 2715064 w 2792316"/>
+                  <a:gd name="connsiteY3" fmla="*/ 4572000 h 4732238"/>
+                  <a:gd name="connsiteX4" fmla="*/ 56270 w 2792316"/>
+                  <a:gd name="connsiteY4" fmla="*/ 3953022 h 4732238"/>
+                  <a:gd name="connsiteX5" fmla="*/ 0 w 2792316"/>
+                  <a:gd name="connsiteY5" fmla="*/ 0 h 4732238"/>
+                  <a:gd name="connsiteX0" fmla="*/ 0 w 2792316"/>
+                  <a:gd name="connsiteY0" fmla="*/ 0 h 4730855"/>
+                  <a:gd name="connsiteX1" fmla="*/ 1378635 w 2792316"/>
+                  <a:gd name="connsiteY1" fmla="*/ 351694 h 4730855"/>
+                  <a:gd name="connsiteX2" fmla="*/ 2686929 w 2792316"/>
+                  <a:gd name="connsiteY2" fmla="*/ 1083212 h 4730855"/>
+                  <a:gd name="connsiteX3" fmla="*/ 2715064 w 2792316"/>
+                  <a:gd name="connsiteY3" fmla="*/ 4572000 h 4730855"/>
+                  <a:gd name="connsiteX4" fmla="*/ 28134 w 2792316"/>
+                  <a:gd name="connsiteY4" fmla="*/ 3938954 h 4730855"/>
+                  <a:gd name="connsiteX5" fmla="*/ 0 w 2792316"/>
+                  <a:gd name="connsiteY5" fmla="*/ 0 h 4730855"/>
+                  <a:gd name="connsiteX0" fmla="*/ 0 w 2792316"/>
+                  <a:gd name="connsiteY0" fmla="*/ 0 h 4730855"/>
+                  <a:gd name="connsiteX1" fmla="*/ 1378635 w 2792316"/>
+                  <a:gd name="connsiteY1" fmla="*/ 351694 h 4730855"/>
+                  <a:gd name="connsiteX2" fmla="*/ 2686929 w 2792316"/>
+                  <a:gd name="connsiteY2" fmla="*/ 1083212 h 4730855"/>
+                  <a:gd name="connsiteX3" fmla="*/ 2715064 w 2792316"/>
+                  <a:gd name="connsiteY3" fmla="*/ 4572000 h 4730855"/>
+                  <a:gd name="connsiteX4" fmla="*/ 14067 w 2792316"/>
+                  <a:gd name="connsiteY4" fmla="*/ 3938954 h 4730855"/>
+                  <a:gd name="connsiteX5" fmla="*/ 0 w 2792316"/>
+                  <a:gd name="connsiteY5" fmla="*/ 0 h 4730855"/>
+                  <a:gd name="connsiteX0" fmla="*/ 0 w 2792316"/>
+                  <a:gd name="connsiteY0" fmla="*/ 0 h 4725563"/>
+                  <a:gd name="connsiteX1" fmla="*/ 1378635 w 2792316"/>
+                  <a:gd name="connsiteY1" fmla="*/ 351694 h 4725563"/>
+                  <a:gd name="connsiteX2" fmla="*/ 2686929 w 2792316"/>
+                  <a:gd name="connsiteY2" fmla="*/ 1083212 h 4725563"/>
+                  <a:gd name="connsiteX3" fmla="*/ 2715064 w 2792316"/>
+                  <a:gd name="connsiteY3" fmla="*/ 4572000 h 4725563"/>
+                  <a:gd name="connsiteX4" fmla="*/ 14067 w 2792316"/>
+                  <a:gd name="connsiteY4" fmla="*/ 3938954 h 4725563"/>
+                  <a:gd name="connsiteX5" fmla="*/ 0 w 2792316"/>
+                  <a:gd name="connsiteY5" fmla="*/ 0 h 4725563"/>
+                  <a:gd name="connsiteX0" fmla="*/ 0 w 2792316"/>
+                  <a:gd name="connsiteY0" fmla="*/ 0 h 4694472"/>
+                  <a:gd name="connsiteX1" fmla="*/ 1378635 w 2792316"/>
+                  <a:gd name="connsiteY1" fmla="*/ 351694 h 4694472"/>
+                  <a:gd name="connsiteX2" fmla="*/ 2686929 w 2792316"/>
+                  <a:gd name="connsiteY2" fmla="*/ 1083212 h 4694472"/>
+                  <a:gd name="connsiteX3" fmla="*/ 2715064 w 2792316"/>
+                  <a:gd name="connsiteY3" fmla="*/ 4572000 h 4694472"/>
+                  <a:gd name="connsiteX4" fmla="*/ 14067 w 2792316"/>
+                  <a:gd name="connsiteY4" fmla="*/ 3938954 h 4694472"/>
+                  <a:gd name="connsiteX5" fmla="*/ 0 w 2792316"/>
+                  <a:gd name="connsiteY5" fmla="*/ 0 h 4694472"/>
+                  <a:gd name="connsiteX0" fmla="*/ 0 w 2795137"/>
+                  <a:gd name="connsiteY0" fmla="*/ 0 h 4694472"/>
+                  <a:gd name="connsiteX1" fmla="*/ 1378635 w 2795137"/>
+                  <a:gd name="connsiteY1" fmla="*/ 351694 h 4694472"/>
+                  <a:gd name="connsiteX2" fmla="*/ 2686929 w 2795137"/>
+                  <a:gd name="connsiteY2" fmla="*/ 1083212 h 4694472"/>
+                  <a:gd name="connsiteX3" fmla="*/ 2715064 w 2795137"/>
+                  <a:gd name="connsiteY3" fmla="*/ 4572000 h 4694472"/>
+                  <a:gd name="connsiteX4" fmla="*/ 14067 w 2795137"/>
+                  <a:gd name="connsiteY4" fmla="*/ 3938954 h 4694472"/>
+                  <a:gd name="connsiteX5" fmla="*/ 0 w 2795137"/>
+                  <a:gd name="connsiteY5" fmla="*/ 0 h 4694472"/>
+                  <a:gd name="connsiteX0" fmla="*/ 0 w 2759847"/>
+                  <a:gd name="connsiteY0" fmla="*/ 0 h 4876872"/>
+                  <a:gd name="connsiteX1" fmla="*/ 1378635 w 2759847"/>
+                  <a:gd name="connsiteY1" fmla="*/ 351694 h 4876872"/>
+                  <a:gd name="connsiteX2" fmla="*/ 2686929 w 2759847"/>
+                  <a:gd name="connsiteY2" fmla="*/ 1083212 h 4876872"/>
+                  <a:gd name="connsiteX3" fmla="*/ 2546251 w 2759847"/>
+                  <a:gd name="connsiteY3" fmla="*/ 4768948 h 4876872"/>
+                  <a:gd name="connsiteX4" fmla="*/ 14067 w 2759847"/>
+                  <a:gd name="connsiteY4" fmla="*/ 3938954 h 4876872"/>
+                  <a:gd name="connsiteX5" fmla="*/ 0 w 2759847"/>
+                  <a:gd name="connsiteY5" fmla="*/ 0 h 4876872"/>
+                  <a:gd name="connsiteX0" fmla="*/ 0 w 2759539"/>
+                  <a:gd name="connsiteY0" fmla="*/ 0 h 4768955"/>
+                  <a:gd name="connsiteX1" fmla="*/ 1378635 w 2759539"/>
+                  <a:gd name="connsiteY1" fmla="*/ 351694 h 4768955"/>
+                  <a:gd name="connsiteX2" fmla="*/ 2686929 w 2759539"/>
+                  <a:gd name="connsiteY2" fmla="*/ 1083212 h 4768955"/>
+                  <a:gd name="connsiteX3" fmla="*/ 2546251 w 2759539"/>
+                  <a:gd name="connsiteY3" fmla="*/ 4768948 h 4768955"/>
+                  <a:gd name="connsiteX4" fmla="*/ 14067 w 2759539"/>
+                  <a:gd name="connsiteY4" fmla="*/ 3938954 h 4768955"/>
+                  <a:gd name="connsiteX5" fmla="*/ 0 w 2759539"/>
+                  <a:gd name="connsiteY5" fmla="*/ 0 h 4768955"/>
+                  <a:gd name="connsiteX0" fmla="*/ 0 w 2790397"/>
+                  <a:gd name="connsiteY0" fmla="*/ 0 h 4529804"/>
+                  <a:gd name="connsiteX1" fmla="*/ 1378635 w 2790397"/>
+                  <a:gd name="connsiteY1" fmla="*/ 351694 h 4529804"/>
+                  <a:gd name="connsiteX2" fmla="*/ 2686929 w 2790397"/>
+                  <a:gd name="connsiteY2" fmla="*/ 1083212 h 4529804"/>
+                  <a:gd name="connsiteX3" fmla="*/ 2700996 w 2790397"/>
+                  <a:gd name="connsiteY3" fmla="*/ 4529797 h 4529804"/>
+                  <a:gd name="connsiteX4" fmla="*/ 14067 w 2790397"/>
+                  <a:gd name="connsiteY4" fmla="*/ 3938954 h 4529804"/>
+                  <a:gd name="connsiteX5" fmla="*/ 0 w 2790397"/>
+                  <a:gd name="connsiteY5" fmla="*/ 0 h 4529804"/>
+                  <a:gd name="connsiteX0" fmla="*/ 0 w 2704816"/>
+                  <a:gd name="connsiteY0" fmla="*/ 0 h 4529805"/>
+                  <a:gd name="connsiteX1" fmla="*/ 1378635 w 2704816"/>
+                  <a:gd name="connsiteY1" fmla="*/ 351694 h 4529805"/>
+                  <a:gd name="connsiteX2" fmla="*/ 2686929 w 2704816"/>
+                  <a:gd name="connsiteY2" fmla="*/ 1083212 h 4529805"/>
+                  <a:gd name="connsiteX3" fmla="*/ 2700996 w 2704816"/>
+                  <a:gd name="connsiteY3" fmla="*/ 4529797 h 4529805"/>
+                  <a:gd name="connsiteX4" fmla="*/ 14067 w 2704816"/>
+                  <a:gd name="connsiteY4" fmla="*/ 3938954 h 4529805"/>
+                  <a:gd name="connsiteX5" fmla="*/ 0 w 2704816"/>
+                  <a:gd name="connsiteY5" fmla="*/ 0 h 4529805"/>
+                  <a:gd name="connsiteX0" fmla="*/ 0 w 2901079"/>
+                  <a:gd name="connsiteY0" fmla="*/ 0 h 4622453"/>
+                  <a:gd name="connsiteX1" fmla="*/ 1378635 w 2901079"/>
+                  <a:gd name="connsiteY1" fmla="*/ 351694 h 4622453"/>
+                  <a:gd name="connsiteX2" fmla="*/ 2686929 w 2901079"/>
+                  <a:gd name="connsiteY2" fmla="*/ 1083212 h 4622453"/>
+                  <a:gd name="connsiteX3" fmla="*/ 2700996 w 2901079"/>
+                  <a:gd name="connsiteY3" fmla="*/ 4529797 h 4622453"/>
+                  <a:gd name="connsiteX4" fmla="*/ 14067 w 2901079"/>
+                  <a:gd name="connsiteY4" fmla="*/ 3713871 h 4622453"/>
+                  <a:gd name="connsiteX5" fmla="*/ 0 w 2901079"/>
+                  <a:gd name="connsiteY5" fmla="*/ 0 h 4622453"/>
+                  <a:gd name="connsiteX0" fmla="*/ 0 w 2901079"/>
+                  <a:gd name="connsiteY0" fmla="*/ 0 h 4790834"/>
+                  <a:gd name="connsiteX1" fmla="*/ 1378635 w 2901079"/>
+                  <a:gd name="connsiteY1" fmla="*/ 351694 h 4790834"/>
+                  <a:gd name="connsiteX2" fmla="*/ 2686929 w 2901079"/>
+                  <a:gd name="connsiteY2" fmla="*/ 1083212 h 4790834"/>
+                  <a:gd name="connsiteX3" fmla="*/ 2700996 w 2901079"/>
+                  <a:gd name="connsiteY3" fmla="*/ 4529797 h 4790834"/>
+                  <a:gd name="connsiteX4" fmla="*/ 14067 w 2901079"/>
+                  <a:gd name="connsiteY4" fmla="*/ 3713871 h 4790834"/>
+                  <a:gd name="connsiteX5" fmla="*/ 0 w 2901079"/>
+                  <a:gd name="connsiteY5" fmla="*/ 0 h 4790834"/>
+                  <a:gd name="connsiteX0" fmla="*/ 340772 w 3241851"/>
+                  <a:gd name="connsiteY0" fmla="*/ 0 h 4696402"/>
+                  <a:gd name="connsiteX1" fmla="*/ 1719407 w 3241851"/>
+                  <a:gd name="connsiteY1" fmla="*/ 351694 h 4696402"/>
+                  <a:gd name="connsiteX2" fmla="*/ 3027701 w 3241851"/>
+                  <a:gd name="connsiteY2" fmla="*/ 1083212 h 4696402"/>
+                  <a:gd name="connsiteX3" fmla="*/ 3041768 w 3241851"/>
+                  <a:gd name="connsiteY3" fmla="*/ 4529797 h 4696402"/>
+                  <a:gd name="connsiteX4" fmla="*/ 354839 w 3241851"/>
+                  <a:gd name="connsiteY4" fmla="*/ 3713871 h 4696402"/>
+                  <a:gd name="connsiteX5" fmla="*/ 340772 w 3241851"/>
+                  <a:gd name="connsiteY5" fmla="*/ 0 h 4696402"/>
+                  <a:gd name="connsiteX0" fmla="*/ 340772 w 3241851"/>
+                  <a:gd name="connsiteY0" fmla="*/ 0 h 4696402"/>
+                  <a:gd name="connsiteX1" fmla="*/ 1719407 w 3241851"/>
+                  <a:gd name="connsiteY1" fmla="*/ 351694 h 4696402"/>
+                  <a:gd name="connsiteX2" fmla="*/ 3027701 w 3241851"/>
+                  <a:gd name="connsiteY2" fmla="*/ 1083212 h 4696402"/>
+                  <a:gd name="connsiteX3" fmla="*/ 3041768 w 3241851"/>
+                  <a:gd name="connsiteY3" fmla="*/ 4529797 h 4696402"/>
+                  <a:gd name="connsiteX4" fmla="*/ 354839 w 3241851"/>
+                  <a:gd name="connsiteY4" fmla="*/ 3713871 h 4696402"/>
+                  <a:gd name="connsiteX5" fmla="*/ 340772 w 3241851"/>
+                  <a:gd name="connsiteY5" fmla="*/ 0 h 4696402"/>
+                  <a:gd name="connsiteX0" fmla="*/ 340772 w 3241851"/>
+                  <a:gd name="connsiteY0" fmla="*/ 0 h 4630486"/>
+                  <a:gd name="connsiteX1" fmla="*/ 1719407 w 3241851"/>
+                  <a:gd name="connsiteY1" fmla="*/ 351694 h 4630486"/>
+                  <a:gd name="connsiteX2" fmla="*/ 3027701 w 3241851"/>
+                  <a:gd name="connsiteY2" fmla="*/ 1083212 h 4630486"/>
+                  <a:gd name="connsiteX3" fmla="*/ 3041768 w 3241851"/>
+                  <a:gd name="connsiteY3" fmla="*/ 4529797 h 4630486"/>
+                  <a:gd name="connsiteX4" fmla="*/ 354839 w 3241851"/>
+                  <a:gd name="connsiteY4" fmla="*/ 3713871 h 4630486"/>
+                  <a:gd name="connsiteX5" fmla="*/ 340772 w 3241851"/>
+                  <a:gd name="connsiteY5" fmla="*/ 0 h 4630486"/>
+                  <a:gd name="connsiteX0" fmla="*/ 3774 w 2904853"/>
+                  <a:gd name="connsiteY0" fmla="*/ 0 h 4630486"/>
+                  <a:gd name="connsiteX1" fmla="*/ 1382409 w 2904853"/>
+                  <a:gd name="connsiteY1" fmla="*/ 351694 h 4630486"/>
+                  <a:gd name="connsiteX2" fmla="*/ 2690703 w 2904853"/>
+                  <a:gd name="connsiteY2" fmla="*/ 1083212 h 4630486"/>
+                  <a:gd name="connsiteX3" fmla="*/ 2704770 w 2904853"/>
+                  <a:gd name="connsiteY3" fmla="*/ 4529797 h 4630486"/>
+                  <a:gd name="connsiteX4" fmla="*/ 17841 w 2904853"/>
+                  <a:gd name="connsiteY4" fmla="*/ 3713871 h 4630486"/>
+                  <a:gd name="connsiteX5" fmla="*/ 3774 w 2904853"/>
+                  <a:gd name="connsiteY5" fmla="*/ 0 h 4630486"/>
+                  <a:gd name="connsiteX0" fmla="*/ 3774 w 2983628"/>
+                  <a:gd name="connsiteY0" fmla="*/ 0 h 4531742"/>
+                  <a:gd name="connsiteX1" fmla="*/ 1382409 w 2983628"/>
+                  <a:gd name="connsiteY1" fmla="*/ 351694 h 4531742"/>
+                  <a:gd name="connsiteX2" fmla="*/ 2690703 w 2983628"/>
+                  <a:gd name="connsiteY2" fmla="*/ 1083212 h 4531742"/>
+                  <a:gd name="connsiteX3" fmla="*/ 2704770 w 2983628"/>
+                  <a:gd name="connsiteY3" fmla="*/ 4529797 h 4531742"/>
+                  <a:gd name="connsiteX4" fmla="*/ 17841 w 2983628"/>
+                  <a:gd name="connsiteY4" fmla="*/ 3713871 h 4531742"/>
+                  <a:gd name="connsiteX5" fmla="*/ 3774 w 2983628"/>
+                  <a:gd name="connsiteY5" fmla="*/ 0 h 4531742"/>
+                  <a:gd name="connsiteX0" fmla="*/ 3774 w 2983628"/>
+                  <a:gd name="connsiteY0" fmla="*/ 0 h 4531742"/>
+                  <a:gd name="connsiteX1" fmla="*/ 1382409 w 2983628"/>
+                  <a:gd name="connsiteY1" fmla="*/ 351694 h 4531742"/>
+                  <a:gd name="connsiteX2" fmla="*/ 2690703 w 2983628"/>
+                  <a:gd name="connsiteY2" fmla="*/ 1083212 h 4531742"/>
+                  <a:gd name="connsiteX3" fmla="*/ 2704770 w 2983628"/>
+                  <a:gd name="connsiteY3" fmla="*/ 4529797 h 4531742"/>
+                  <a:gd name="connsiteX4" fmla="*/ 17841 w 2983628"/>
+                  <a:gd name="connsiteY4" fmla="*/ 3713871 h 4531742"/>
+                  <a:gd name="connsiteX5" fmla="*/ 3774 w 2983628"/>
+                  <a:gd name="connsiteY5" fmla="*/ 0 h 4531742"/>
+                  <a:gd name="connsiteX0" fmla="*/ 3774 w 2983628"/>
+                  <a:gd name="connsiteY0" fmla="*/ 0 h 4529797"/>
+                  <a:gd name="connsiteX1" fmla="*/ 1382409 w 2983628"/>
+                  <a:gd name="connsiteY1" fmla="*/ 351694 h 4529797"/>
+                  <a:gd name="connsiteX2" fmla="*/ 2690703 w 2983628"/>
+                  <a:gd name="connsiteY2" fmla="*/ 1083212 h 4529797"/>
+                  <a:gd name="connsiteX3" fmla="*/ 2704770 w 2983628"/>
+                  <a:gd name="connsiteY3" fmla="*/ 4529797 h 4529797"/>
+                  <a:gd name="connsiteX4" fmla="*/ 17841 w 2983628"/>
+                  <a:gd name="connsiteY4" fmla="*/ 3713871 h 4529797"/>
+                  <a:gd name="connsiteX5" fmla="*/ 3774 w 2983628"/>
+                  <a:gd name="connsiteY5" fmla="*/ 0 h 4529797"/>
+                  <a:gd name="connsiteX0" fmla="*/ 3774 w 2704770"/>
+                  <a:gd name="connsiteY0" fmla="*/ 0 h 4529797"/>
+                  <a:gd name="connsiteX1" fmla="*/ 1382409 w 2704770"/>
+                  <a:gd name="connsiteY1" fmla="*/ 351694 h 4529797"/>
+                  <a:gd name="connsiteX2" fmla="*/ 2690703 w 2704770"/>
+                  <a:gd name="connsiteY2" fmla="*/ 1083212 h 4529797"/>
+                  <a:gd name="connsiteX3" fmla="*/ 2704770 w 2704770"/>
+                  <a:gd name="connsiteY3" fmla="*/ 4529797 h 4529797"/>
+                  <a:gd name="connsiteX4" fmla="*/ 17841 w 2704770"/>
+                  <a:gd name="connsiteY4" fmla="*/ 3713871 h 4529797"/>
+                  <a:gd name="connsiteX5" fmla="*/ 3774 w 2704770"/>
+                  <a:gd name="connsiteY5" fmla="*/ 0 h 4529797"/>
+                  <a:gd name="connsiteX0" fmla="*/ 3774 w 2704770"/>
+                  <a:gd name="connsiteY0" fmla="*/ 128204 h 4658001"/>
+                  <a:gd name="connsiteX1" fmla="*/ 2690703 w 2704770"/>
+                  <a:gd name="connsiteY1" fmla="*/ 1211416 h 4658001"/>
+                  <a:gd name="connsiteX2" fmla="*/ 2704770 w 2704770"/>
+                  <a:gd name="connsiteY2" fmla="*/ 4658001 h 4658001"/>
+                  <a:gd name="connsiteX3" fmla="*/ 17841 w 2704770"/>
+                  <a:gd name="connsiteY3" fmla="*/ 3842075 h 4658001"/>
+                  <a:gd name="connsiteX4" fmla="*/ 3774 w 2704770"/>
+                  <a:gd name="connsiteY4" fmla="*/ 128204 h 4658001"/>
+                  <a:gd name="connsiteX0" fmla="*/ 3774 w 2704770"/>
+                  <a:gd name="connsiteY0" fmla="*/ 112153 h 4641950"/>
+                  <a:gd name="connsiteX1" fmla="*/ 2690703 w 2704770"/>
+                  <a:gd name="connsiteY1" fmla="*/ 1195365 h 4641950"/>
+                  <a:gd name="connsiteX2" fmla="*/ 2704770 w 2704770"/>
+                  <a:gd name="connsiteY2" fmla="*/ 4641950 h 4641950"/>
+                  <a:gd name="connsiteX3" fmla="*/ 17841 w 2704770"/>
+                  <a:gd name="connsiteY3" fmla="*/ 3826024 h 4641950"/>
+                  <a:gd name="connsiteX4" fmla="*/ 3774 w 2704770"/>
+                  <a:gd name="connsiteY4" fmla="*/ 112153 h 4641950"/>
+                  <a:gd name="connsiteX0" fmla="*/ 3774 w 2704770"/>
+                  <a:gd name="connsiteY0" fmla="*/ 0 h 4529797"/>
+                  <a:gd name="connsiteX1" fmla="*/ 2690703 w 2704770"/>
+                  <a:gd name="connsiteY1" fmla="*/ 1083212 h 4529797"/>
+                  <a:gd name="connsiteX2" fmla="*/ 2704770 w 2704770"/>
+                  <a:gd name="connsiteY2" fmla="*/ 4529797 h 4529797"/>
+                  <a:gd name="connsiteX3" fmla="*/ 17841 w 2704770"/>
+                  <a:gd name="connsiteY3" fmla="*/ 3713871 h 4529797"/>
+                  <a:gd name="connsiteX4" fmla="*/ 3774 w 2704770"/>
+                  <a:gd name="connsiteY4" fmla="*/ 0 h 4529797"/>
+                  <a:gd name="connsiteX0" fmla="*/ 3774 w 2704770"/>
+                  <a:gd name="connsiteY0" fmla="*/ 0 h 4529797"/>
+                  <a:gd name="connsiteX1" fmla="*/ 2690703 w 2704770"/>
+                  <a:gd name="connsiteY1" fmla="*/ 1083212 h 4529797"/>
+                  <a:gd name="connsiteX2" fmla="*/ 2704770 w 2704770"/>
+                  <a:gd name="connsiteY2" fmla="*/ 4529797 h 4529797"/>
+                  <a:gd name="connsiteX3" fmla="*/ 17841 w 2704770"/>
+                  <a:gd name="connsiteY3" fmla="*/ 3713871 h 4529797"/>
+                  <a:gd name="connsiteX4" fmla="*/ 3774 w 2704770"/>
+                  <a:gd name="connsiteY4" fmla="*/ 0 h 4529797"/>
+                  <a:gd name="connsiteX0" fmla="*/ 3774 w 2728389"/>
+                  <a:gd name="connsiteY0" fmla="*/ 0 h 4529797"/>
+                  <a:gd name="connsiteX1" fmla="*/ 2721183 w 2728389"/>
+                  <a:gd name="connsiteY1" fmla="*/ 1075592 h 4529797"/>
+                  <a:gd name="connsiteX2" fmla="*/ 2704770 w 2728389"/>
+                  <a:gd name="connsiteY2" fmla="*/ 4529797 h 4529797"/>
+                  <a:gd name="connsiteX3" fmla="*/ 17841 w 2728389"/>
+                  <a:gd name="connsiteY3" fmla="*/ 3713871 h 4529797"/>
+                  <a:gd name="connsiteX4" fmla="*/ 3774 w 2728389"/>
+                  <a:gd name="connsiteY4" fmla="*/ 0 h 4529797"/>
+                  <a:gd name="connsiteX0" fmla="*/ 3774 w 2721387"/>
+                  <a:gd name="connsiteY0" fmla="*/ 0 h 4529797"/>
+                  <a:gd name="connsiteX1" fmla="*/ 2721183 w 2721387"/>
+                  <a:gd name="connsiteY1" fmla="*/ 1075592 h 4529797"/>
+                  <a:gd name="connsiteX2" fmla="*/ 2704770 w 2721387"/>
+                  <a:gd name="connsiteY2" fmla="*/ 4529797 h 4529797"/>
+                  <a:gd name="connsiteX3" fmla="*/ 17841 w 2721387"/>
+                  <a:gd name="connsiteY3" fmla="*/ 3713871 h 4529797"/>
+                  <a:gd name="connsiteX4" fmla="*/ 3774 w 2721387"/>
+                  <a:gd name="connsiteY4" fmla="*/ 0 h 4529797"/>
+                  <a:gd name="connsiteX0" fmla="*/ 3774 w 2721859"/>
+                  <a:gd name="connsiteY0" fmla="*/ 0 h 4529797"/>
+                  <a:gd name="connsiteX1" fmla="*/ 2721183 w 2721859"/>
+                  <a:gd name="connsiteY1" fmla="*/ 1075592 h 4529797"/>
+                  <a:gd name="connsiteX2" fmla="*/ 2704770 w 2721859"/>
+                  <a:gd name="connsiteY2" fmla="*/ 4529797 h 4529797"/>
+                  <a:gd name="connsiteX3" fmla="*/ 17841 w 2721859"/>
+                  <a:gd name="connsiteY3" fmla="*/ 3713871 h 4529797"/>
+                  <a:gd name="connsiteX4" fmla="*/ 3774 w 2721859"/>
+                  <a:gd name="connsiteY4" fmla="*/ 0 h 4529797"/>
+                  <a:gd name="connsiteX0" fmla="*/ 3774 w 2721859"/>
+                  <a:gd name="connsiteY0" fmla="*/ 0 h 4529797"/>
+                  <a:gd name="connsiteX1" fmla="*/ 2721183 w 2721859"/>
+                  <a:gd name="connsiteY1" fmla="*/ 1075592 h 4529797"/>
+                  <a:gd name="connsiteX2" fmla="*/ 2704770 w 2721859"/>
+                  <a:gd name="connsiteY2" fmla="*/ 4529797 h 4529797"/>
+                  <a:gd name="connsiteX3" fmla="*/ 17841 w 2721859"/>
+                  <a:gd name="connsiteY3" fmla="*/ 3713871 h 4529797"/>
+                  <a:gd name="connsiteX4" fmla="*/ 3774 w 2721859"/>
+                  <a:gd name="connsiteY4" fmla="*/ 0 h 4529797"/>
+                </a:gdLst>
+                <a:ahLst/>
+                <a:cxnLst>
+                  <a:cxn ang="0">
+                    <a:pos x="connsiteX0" y="connsiteY0"/>
+                  </a:cxn>
+                  <a:cxn ang="0">
+                    <a:pos x="connsiteX1" y="connsiteY1"/>
+                  </a:cxn>
+                  <a:cxn ang="0">
+                    <a:pos x="connsiteX2" y="connsiteY2"/>
+                  </a:cxn>
+                  <a:cxn ang="0">
+                    <a:pos x="connsiteX3" y="connsiteY3"/>
+                  </a:cxn>
+                  <a:cxn ang="0">
+                    <a:pos x="connsiteX4" y="connsiteY4"/>
+                  </a:cxn>
+                </a:cxnLst>
+                <a:rect l="l" t="t" r="r" b="b"/>
+                <a:pathLst>
+                  <a:path w="2721859" h="4529797">
+                    <a:moveTo>
+                      <a:pt x="3774" y="0"/>
+                    </a:moveTo>
+                    <a:cubicBezTo>
+                      <a:pt x="1152635" y="96130"/>
+                      <a:pt x="2017799" y="503506"/>
+                      <a:pt x="2721183" y="1075592"/>
+                    </a:cubicBezTo>
+                    <a:cubicBezTo>
+                      <a:pt x="2724114" y="1508173"/>
+                      <a:pt x="2717312" y="3702294"/>
+                      <a:pt x="2704770" y="4529797"/>
+                    </a:cubicBezTo>
+                    <a:cubicBezTo>
+                      <a:pt x="2343699" y="4194516"/>
+                      <a:pt x="1218284" y="3840480"/>
+                      <a:pt x="17841" y="3713871"/>
+                    </a:cubicBezTo>
+                    <a:cubicBezTo>
+                      <a:pt x="-14983" y="2757268"/>
+                      <a:pt x="8463" y="1237957"/>
+                      <a:pt x="3774" y="0"/>
+                    </a:cubicBezTo>
+                    <a:close/>
+                  </a:path>
+                </a:pathLst>
+              </a:custGeom>
+              <a:solidFill>
+                <a:srgbClr val="3259A0"/>
+              </a:solidFill>
+              <a:ln>
+                <a:noFill/>
+              </a:ln>
+            </p:spPr>
+            <p:style>
+              <a:lnRef idx="2">
+                <a:schemeClr val="accent1">
+                  <a:shade val="50000"/>
+                </a:schemeClr>
+              </a:lnRef>
+              <a:fillRef idx="1">
+                <a:schemeClr val="accent1"/>
+              </a:fillRef>
+              <a:effectRef idx="0">
+                <a:schemeClr val="accent1"/>
+              </a:effectRef>
+              <a:fontRef idx="minor">
+                <a:schemeClr val="lt1"/>
+              </a:fontRef>
+            </p:style>
+            <p:txBody>
+              <a:bodyPr rtlCol="0" anchor="ctr"/>
+              <a:lstStyle/>
+              <a:p>
+                <a:pPr algn="ctr"/>
+                <a:endParaRPr lang="en-US"/>
+              </a:p>
+            </p:txBody>
+          </p:sp>
+        </p:grpSp>
+        <p:grpSp>
+          <p:nvGrpSpPr>
+            <p:cNvPr id="8" name="Group 7">
+              <a:extLst>
+                <a:ext uri="{FF2B5EF4-FFF2-40B4-BE49-F238E27FC236}">
+                  <a16:creationId xmlns:a16="http://schemas.microsoft.com/office/drawing/2014/main" id="{0680C946-1022-4FD2-9372-B68D53956AEB}"/>
+                </a:ext>
+              </a:extLst>
+            </p:cNvPr>
+            <p:cNvGrpSpPr/>
+            <p:nvPr/>
+          </p:nvGrpSpPr>
+          <p:grpSpPr>
+            <a:xfrm>
+              <a:off x="2857092" y="2184547"/>
+              <a:ext cx="4470076" cy="3403305"/>
+              <a:chOff x="2387736" y="1772527"/>
+              <a:chExt cx="5408793" cy="4529798"/>
+            </a:xfrm>
+            <a:solidFill>
+              <a:schemeClr val="bg1"/>
+            </a:solidFill>
+          </p:grpSpPr>
+          <p:sp>
+            <p:nvSpPr>
+              <p:cNvPr id="3" name="Freeform: Shape 2">
+                <a:extLst>
+                  <a:ext uri="{FF2B5EF4-FFF2-40B4-BE49-F238E27FC236}">
+                    <a16:creationId xmlns:a16="http://schemas.microsoft.com/office/drawing/2014/main" id="{C6298493-3A66-42A9-A16B-58015F408BB9}"/>
+                  </a:ext>
+                </a:extLst>
+              </p:cNvPr>
+              <p:cNvSpPr/>
+              <p:nvPr/>
+            </p:nvSpPr>
+            <p:spPr>
+              <a:xfrm>
+                <a:off x="2387736" y="1772528"/>
+                <a:ext cx="2721859" cy="4529797"/>
+              </a:xfrm>
+              <a:custGeom>
+                <a:avLst/>
+                <a:gdLst>
+                  <a:gd name="connsiteX0" fmla="*/ 0 w 2686929"/>
+                  <a:gd name="connsiteY0" fmla="*/ 0 h 1083212"/>
+                  <a:gd name="connsiteX1" fmla="*/ 1603717 w 2686929"/>
+                  <a:gd name="connsiteY1" fmla="*/ 478302 h 1083212"/>
+                  <a:gd name="connsiteX2" fmla="*/ 2686929 w 2686929"/>
+                  <a:gd name="connsiteY2" fmla="*/ 1083212 h 1083212"/>
+                  <a:gd name="connsiteX0" fmla="*/ 0 w 2686929"/>
+                  <a:gd name="connsiteY0" fmla="*/ 0 h 1083212"/>
+                  <a:gd name="connsiteX1" fmla="*/ 1448973 w 2686929"/>
+                  <a:gd name="connsiteY1" fmla="*/ 407964 h 1083212"/>
+                  <a:gd name="connsiteX2" fmla="*/ 2686929 w 2686929"/>
+                  <a:gd name="connsiteY2" fmla="*/ 1083212 h 1083212"/>
+                  <a:gd name="connsiteX0" fmla="*/ 0 w 2686929"/>
+                  <a:gd name="connsiteY0" fmla="*/ 0 h 1083212"/>
+                  <a:gd name="connsiteX1" fmla="*/ 1448973 w 2686929"/>
+                  <a:gd name="connsiteY1" fmla="*/ 407964 h 1083212"/>
+                  <a:gd name="connsiteX2" fmla="*/ 2686929 w 2686929"/>
+                  <a:gd name="connsiteY2" fmla="*/ 1083212 h 1083212"/>
+                  <a:gd name="connsiteX0" fmla="*/ 0 w 2686929"/>
+                  <a:gd name="connsiteY0" fmla="*/ 0 h 1083212"/>
+                  <a:gd name="connsiteX1" fmla="*/ 1448973 w 2686929"/>
+                  <a:gd name="connsiteY1" fmla="*/ 407964 h 1083212"/>
+                  <a:gd name="connsiteX2" fmla="*/ 2686929 w 2686929"/>
+                  <a:gd name="connsiteY2" fmla="*/ 1083212 h 1083212"/>
+                  <a:gd name="connsiteX0" fmla="*/ 0 w 2686929"/>
+                  <a:gd name="connsiteY0" fmla="*/ 0 h 1083212"/>
+                  <a:gd name="connsiteX1" fmla="*/ 1448973 w 2686929"/>
+                  <a:gd name="connsiteY1" fmla="*/ 407964 h 1083212"/>
+                  <a:gd name="connsiteX2" fmla="*/ 2686929 w 2686929"/>
+                  <a:gd name="connsiteY2" fmla="*/ 1083212 h 1083212"/>
+                  <a:gd name="connsiteX0" fmla="*/ 0 w 2686929"/>
+                  <a:gd name="connsiteY0" fmla="*/ 0 h 1083212"/>
+                  <a:gd name="connsiteX1" fmla="*/ 1448973 w 2686929"/>
+                  <a:gd name="connsiteY1" fmla="*/ 407964 h 1083212"/>
+                  <a:gd name="connsiteX2" fmla="*/ 2686929 w 2686929"/>
+                  <a:gd name="connsiteY2" fmla="*/ 1083212 h 1083212"/>
+                  <a:gd name="connsiteX0" fmla="*/ 0 w 2686929"/>
+                  <a:gd name="connsiteY0" fmla="*/ 0 h 1083212"/>
+                  <a:gd name="connsiteX1" fmla="*/ 1378635 w 2686929"/>
+                  <a:gd name="connsiteY1" fmla="*/ 351694 h 1083212"/>
+                  <a:gd name="connsiteX2" fmla="*/ 2686929 w 2686929"/>
+                  <a:gd name="connsiteY2" fmla="*/ 1083212 h 1083212"/>
+                  <a:gd name="connsiteX0" fmla="*/ 0 w 2686929"/>
+                  <a:gd name="connsiteY0" fmla="*/ 0 h 1083212"/>
+                  <a:gd name="connsiteX1" fmla="*/ 1378635 w 2686929"/>
+                  <a:gd name="connsiteY1" fmla="*/ 351694 h 1083212"/>
+                  <a:gd name="connsiteX2" fmla="*/ 2686929 w 2686929"/>
+                  <a:gd name="connsiteY2" fmla="*/ 1083212 h 1083212"/>
+                  <a:gd name="connsiteX0" fmla="*/ 0 w 2792316"/>
+                  <a:gd name="connsiteY0" fmla="*/ 0 h 1133525"/>
+                  <a:gd name="connsiteX1" fmla="*/ 1378635 w 2792316"/>
+                  <a:gd name="connsiteY1" fmla="*/ 351694 h 1133525"/>
+                  <a:gd name="connsiteX2" fmla="*/ 2686929 w 2792316"/>
+                  <a:gd name="connsiteY2" fmla="*/ 1083212 h 1133525"/>
+                  <a:gd name="connsiteX3" fmla="*/ 2715064 w 2792316"/>
+                  <a:gd name="connsiteY3" fmla="*/ 1069145 h 1133525"/>
+                  <a:gd name="connsiteX0" fmla="*/ 0 w 2806347"/>
+                  <a:gd name="connsiteY0" fmla="*/ 0 h 4473527"/>
+                  <a:gd name="connsiteX1" fmla="*/ 1378635 w 2806347"/>
+                  <a:gd name="connsiteY1" fmla="*/ 351694 h 4473527"/>
+                  <a:gd name="connsiteX2" fmla="*/ 2686929 w 2806347"/>
+                  <a:gd name="connsiteY2" fmla="*/ 1083212 h 4473527"/>
+                  <a:gd name="connsiteX3" fmla="*/ 2757267 w 2806347"/>
+                  <a:gd name="connsiteY3" fmla="*/ 4473526 h 4473527"/>
+                  <a:gd name="connsiteX0" fmla="*/ 0 w 2806347"/>
+                  <a:gd name="connsiteY0" fmla="*/ 0 h 4572001"/>
+                  <a:gd name="connsiteX1" fmla="*/ 1378635 w 2806347"/>
+                  <a:gd name="connsiteY1" fmla="*/ 351694 h 4572001"/>
+                  <a:gd name="connsiteX2" fmla="*/ 2686929 w 2806347"/>
+                  <a:gd name="connsiteY2" fmla="*/ 1083212 h 4572001"/>
+                  <a:gd name="connsiteX3" fmla="*/ 2757267 w 2806347"/>
+                  <a:gd name="connsiteY3" fmla="*/ 4572000 h 4572001"/>
+                  <a:gd name="connsiteX0" fmla="*/ 0 w 2792316"/>
+                  <a:gd name="connsiteY0" fmla="*/ 0 h 4572001"/>
+                  <a:gd name="connsiteX1" fmla="*/ 1378635 w 2792316"/>
+                  <a:gd name="connsiteY1" fmla="*/ 351694 h 4572001"/>
+                  <a:gd name="connsiteX2" fmla="*/ 2686929 w 2792316"/>
+                  <a:gd name="connsiteY2" fmla="*/ 1083212 h 4572001"/>
+                  <a:gd name="connsiteX3" fmla="*/ 2715064 w 2792316"/>
+                  <a:gd name="connsiteY3" fmla="*/ 4572000 h 4572001"/>
+                  <a:gd name="connsiteX0" fmla="*/ 0 w 2792316"/>
+                  <a:gd name="connsiteY0" fmla="*/ 0 h 4838650"/>
+                  <a:gd name="connsiteX1" fmla="*/ 1378635 w 2792316"/>
+                  <a:gd name="connsiteY1" fmla="*/ 351694 h 4838650"/>
+                  <a:gd name="connsiteX2" fmla="*/ 2686929 w 2792316"/>
+                  <a:gd name="connsiteY2" fmla="*/ 1083212 h 4838650"/>
+                  <a:gd name="connsiteX3" fmla="*/ 2715064 w 2792316"/>
+                  <a:gd name="connsiteY3" fmla="*/ 4572000 h 4838650"/>
+                  <a:gd name="connsiteX4" fmla="*/ 2700996 w 2792316"/>
+                  <a:gd name="connsiteY4" fmla="*/ 4600136 h 4838650"/>
+                  <a:gd name="connsiteX0" fmla="*/ 0 w 2792316"/>
+                  <a:gd name="connsiteY0" fmla="*/ 0 h 4834881"/>
+                  <a:gd name="connsiteX1" fmla="*/ 1378635 w 2792316"/>
+                  <a:gd name="connsiteY1" fmla="*/ 351694 h 4834881"/>
+                  <a:gd name="connsiteX2" fmla="*/ 2686929 w 2792316"/>
+                  <a:gd name="connsiteY2" fmla="*/ 1083212 h 4834881"/>
+                  <a:gd name="connsiteX3" fmla="*/ 2715064 w 2792316"/>
+                  <a:gd name="connsiteY3" fmla="*/ 4572000 h 4834881"/>
+                  <a:gd name="connsiteX4" fmla="*/ 2208627 w 2792316"/>
+                  <a:gd name="connsiteY4" fmla="*/ 4586068 h 4834881"/>
+                  <a:gd name="connsiteX0" fmla="*/ 0 w 2792316"/>
+                  <a:gd name="connsiteY0" fmla="*/ 0 h 4732238"/>
+                  <a:gd name="connsiteX1" fmla="*/ 1378635 w 2792316"/>
+                  <a:gd name="connsiteY1" fmla="*/ 351694 h 4732238"/>
+                  <a:gd name="connsiteX2" fmla="*/ 2686929 w 2792316"/>
+                  <a:gd name="connsiteY2" fmla="*/ 1083212 h 4732238"/>
+                  <a:gd name="connsiteX3" fmla="*/ 2715064 w 2792316"/>
+                  <a:gd name="connsiteY3" fmla="*/ 4572000 h 4732238"/>
+                  <a:gd name="connsiteX4" fmla="*/ 56270 w 2792316"/>
+                  <a:gd name="connsiteY4" fmla="*/ 3953022 h 4732238"/>
+                  <a:gd name="connsiteX0" fmla="*/ 0 w 2792316"/>
+                  <a:gd name="connsiteY0" fmla="*/ 0 h 4732238"/>
+                  <a:gd name="connsiteX1" fmla="*/ 1378635 w 2792316"/>
+                  <a:gd name="connsiteY1" fmla="*/ 351694 h 4732238"/>
+                  <a:gd name="connsiteX2" fmla="*/ 2686929 w 2792316"/>
+                  <a:gd name="connsiteY2" fmla="*/ 1083212 h 4732238"/>
+                  <a:gd name="connsiteX3" fmla="*/ 2715064 w 2792316"/>
+                  <a:gd name="connsiteY3" fmla="*/ 4572000 h 4732238"/>
+                  <a:gd name="connsiteX4" fmla="*/ 56270 w 2792316"/>
+                  <a:gd name="connsiteY4" fmla="*/ 3953022 h 4732238"/>
+                  <a:gd name="connsiteX5" fmla="*/ 0 w 2792316"/>
+                  <a:gd name="connsiteY5" fmla="*/ 0 h 4732238"/>
+                  <a:gd name="connsiteX0" fmla="*/ 0 w 2792316"/>
+                  <a:gd name="connsiteY0" fmla="*/ 0 h 4730855"/>
+                  <a:gd name="connsiteX1" fmla="*/ 1378635 w 2792316"/>
+                  <a:gd name="connsiteY1" fmla="*/ 351694 h 4730855"/>
+                  <a:gd name="connsiteX2" fmla="*/ 2686929 w 2792316"/>
+                  <a:gd name="connsiteY2" fmla="*/ 1083212 h 4730855"/>
+                  <a:gd name="connsiteX3" fmla="*/ 2715064 w 2792316"/>
+                  <a:gd name="connsiteY3" fmla="*/ 4572000 h 4730855"/>
+                  <a:gd name="connsiteX4" fmla="*/ 28134 w 2792316"/>
+                  <a:gd name="connsiteY4" fmla="*/ 3938954 h 4730855"/>
+                  <a:gd name="connsiteX5" fmla="*/ 0 w 2792316"/>
+                  <a:gd name="connsiteY5" fmla="*/ 0 h 4730855"/>
+                  <a:gd name="connsiteX0" fmla="*/ 0 w 2792316"/>
+                  <a:gd name="connsiteY0" fmla="*/ 0 h 4730855"/>
+                  <a:gd name="connsiteX1" fmla="*/ 1378635 w 2792316"/>
+                  <a:gd name="connsiteY1" fmla="*/ 351694 h 4730855"/>
+                  <a:gd name="connsiteX2" fmla="*/ 2686929 w 2792316"/>
+                  <a:gd name="connsiteY2" fmla="*/ 1083212 h 4730855"/>
+                  <a:gd name="connsiteX3" fmla="*/ 2715064 w 2792316"/>
+                  <a:gd name="connsiteY3" fmla="*/ 4572000 h 4730855"/>
+                  <a:gd name="connsiteX4" fmla="*/ 14067 w 2792316"/>
+                  <a:gd name="connsiteY4" fmla="*/ 3938954 h 4730855"/>
+                  <a:gd name="connsiteX5" fmla="*/ 0 w 2792316"/>
+                  <a:gd name="connsiteY5" fmla="*/ 0 h 4730855"/>
+                  <a:gd name="connsiteX0" fmla="*/ 0 w 2792316"/>
+                  <a:gd name="connsiteY0" fmla="*/ 0 h 4725563"/>
+                  <a:gd name="connsiteX1" fmla="*/ 1378635 w 2792316"/>
+                  <a:gd name="connsiteY1" fmla="*/ 351694 h 4725563"/>
+                  <a:gd name="connsiteX2" fmla="*/ 2686929 w 2792316"/>
+                  <a:gd name="connsiteY2" fmla="*/ 1083212 h 4725563"/>
+                  <a:gd name="connsiteX3" fmla="*/ 2715064 w 2792316"/>
+                  <a:gd name="connsiteY3" fmla="*/ 4572000 h 4725563"/>
+                  <a:gd name="connsiteX4" fmla="*/ 14067 w 2792316"/>
+                  <a:gd name="connsiteY4" fmla="*/ 3938954 h 4725563"/>
+                  <a:gd name="connsiteX5" fmla="*/ 0 w 2792316"/>
+                  <a:gd name="connsiteY5" fmla="*/ 0 h 4725563"/>
+                  <a:gd name="connsiteX0" fmla="*/ 0 w 2792316"/>
+                  <a:gd name="connsiteY0" fmla="*/ 0 h 4694472"/>
+                  <a:gd name="connsiteX1" fmla="*/ 1378635 w 2792316"/>
+                  <a:gd name="connsiteY1" fmla="*/ 351694 h 4694472"/>
+                  <a:gd name="connsiteX2" fmla="*/ 2686929 w 2792316"/>
+                  <a:gd name="connsiteY2" fmla="*/ 1083212 h 4694472"/>
+                  <a:gd name="connsiteX3" fmla="*/ 2715064 w 2792316"/>
+                  <a:gd name="connsiteY3" fmla="*/ 4572000 h 4694472"/>
+                  <a:gd name="connsiteX4" fmla="*/ 14067 w 2792316"/>
+                  <a:gd name="connsiteY4" fmla="*/ 3938954 h 4694472"/>
+                  <a:gd name="connsiteX5" fmla="*/ 0 w 2792316"/>
+                  <a:gd name="connsiteY5" fmla="*/ 0 h 4694472"/>
+                  <a:gd name="connsiteX0" fmla="*/ 0 w 2795137"/>
+                  <a:gd name="connsiteY0" fmla="*/ 0 h 4694472"/>
+                  <a:gd name="connsiteX1" fmla="*/ 1378635 w 2795137"/>
+                  <a:gd name="connsiteY1" fmla="*/ 351694 h 4694472"/>
+                  <a:gd name="connsiteX2" fmla="*/ 2686929 w 2795137"/>
+                  <a:gd name="connsiteY2" fmla="*/ 1083212 h 4694472"/>
+                  <a:gd name="connsiteX3" fmla="*/ 2715064 w 2795137"/>
+                  <a:gd name="connsiteY3" fmla="*/ 4572000 h 4694472"/>
+                  <a:gd name="connsiteX4" fmla="*/ 14067 w 2795137"/>
+                  <a:gd name="connsiteY4" fmla="*/ 3938954 h 4694472"/>
+                  <a:gd name="connsiteX5" fmla="*/ 0 w 2795137"/>
+                  <a:gd name="connsiteY5" fmla="*/ 0 h 4694472"/>
+                  <a:gd name="connsiteX0" fmla="*/ 0 w 2759847"/>
+                  <a:gd name="connsiteY0" fmla="*/ 0 h 4876872"/>
+                  <a:gd name="connsiteX1" fmla="*/ 1378635 w 2759847"/>
+                  <a:gd name="connsiteY1" fmla="*/ 351694 h 4876872"/>
+                  <a:gd name="connsiteX2" fmla="*/ 2686929 w 2759847"/>
+                  <a:gd name="connsiteY2" fmla="*/ 1083212 h 4876872"/>
+                  <a:gd name="connsiteX3" fmla="*/ 2546251 w 2759847"/>
+                  <a:gd name="connsiteY3" fmla="*/ 4768948 h 4876872"/>
+                  <a:gd name="connsiteX4" fmla="*/ 14067 w 2759847"/>
+                  <a:gd name="connsiteY4" fmla="*/ 3938954 h 4876872"/>
+                  <a:gd name="connsiteX5" fmla="*/ 0 w 2759847"/>
+                  <a:gd name="connsiteY5" fmla="*/ 0 h 4876872"/>
+                  <a:gd name="connsiteX0" fmla="*/ 0 w 2759539"/>
+                  <a:gd name="connsiteY0" fmla="*/ 0 h 4768955"/>
+                  <a:gd name="connsiteX1" fmla="*/ 1378635 w 2759539"/>
+                  <a:gd name="connsiteY1" fmla="*/ 351694 h 4768955"/>
+                  <a:gd name="connsiteX2" fmla="*/ 2686929 w 2759539"/>
+                  <a:gd name="connsiteY2" fmla="*/ 1083212 h 4768955"/>
+                  <a:gd name="connsiteX3" fmla="*/ 2546251 w 2759539"/>
+                  <a:gd name="connsiteY3" fmla="*/ 4768948 h 4768955"/>
+                  <a:gd name="connsiteX4" fmla="*/ 14067 w 2759539"/>
+                  <a:gd name="connsiteY4" fmla="*/ 3938954 h 4768955"/>
+                  <a:gd name="connsiteX5" fmla="*/ 0 w 2759539"/>
+                  <a:gd name="connsiteY5" fmla="*/ 0 h 4768955"/>
+                  <a:gd name="connsiteX0" fmla="*/ 0 w 2790397"/>
+                  <a:gd name="connsiteY0" fmla="*/ 0 h 4529804"/>
+                  <a:gd name="connsiteX1" fmla="*/ 1378635 w 2790397"/>
+                  <a:gd name="connsiteY1" fmla="*/ 351694 h 4529804"/>
+                  <a:gd name="connsiteX2" fmla="*/ 2686929 w 2790397"/>
+                  <a:gd name="connsiteY2" fmla="*/ 1083212 h 4529804"/>
+                  <a:gd name="connsiteX3" fmla="*/ 2700996 w 2790397"/>
+                  <a:gd name="connsiteY3" fmla="*/ 4529797 h 4529804"/>
+                  <a:gd name="connsiteX4" fmla="*/ 14067 w 2790397"/>
+                  <a:gd name="connsiteY4" fmla="*/ 3938954 h 4529804"/>
+                  <a:gd name="connsiteX5" fmla="*/ 0 w 2790397"/>
+                  <a:gd name="connsiteY5" fmla="*/ 0 h 4529804"/>
+                  <a:gd name="connsiteX0" fmla="*/ 0 w 2704816"/>
+                  <a:gd name="connsiteY0" fmla="*/ 0 h 4529805"/>
+                  <a:gd name="connsiteX1" fmla="*/ 1378635 w 2704816"/>
+                  <a:gd name="connsiteY1" fmla="*/ 351694 h 4529805"/>
+                  <a:gd name="connsiteX2" fmla="*/ 2686929 w 2704816"/>
+                  <a:gd name="connsiteY2" fmla="*/ 1083212 h 4529805"/>
+                  <a:gd name="connsiteX3" fmla="*/ 2700996 w 2704816"/>
+                  <a:gd name="connsiteY3" fmla="*/ 4529797 h 4529805"/>
+                  <a:gd name="connsiteX4" fmla="*/ 14067 w 2704816"/>
+                  <a:gd name="connsiteY4" fmla="*/ 3938954 h 4529805"/>
+                  <a:gd name="connsiteX5" fmla="*/ 0 w 2704816"/>
+                  <a:gd name="connsiteY5" fmla="*/ 0 h 4529805"/>
+                  <a:gd name="connsiteX0" fmla="*/ 0 w 2901079"/>
+                  <a:gd name="connsiteY0" fmla="*/ 0 h 4622453"/>
+                  <a:gd name="connsiteX1" fmla="*/ 1378635 w 2901079"/>
+                  <a:gd name="connsiteY1" fmla="*/ 351694 h 4622453"/>
+                  <a:gd name="connsiteX2" fmla="*/ 2686929 w 2901079"/>
+                  <a:gd name="connsiteY2" fmla="*/ 1083212 h 4622453"/>
+                  <a:gd name="connsiteX3" fmla="*/ 2700996 w 2901079"/>
+                  <a:gd name="connsiteY3" fmla="*/ 4529797 h 4622453"/>
+                  <a:gd name="connsiteX4" fmla="*/ 14067 w 2901079"/>
+                  <a:gd name="connsiteY4" fmla="*/ 3713871 h 4622453"/>
+                  <a:gd name="connsiteX5" fmla="*/ 0 w 2901079"/>
+                  <a:gd name="connsiteY5" fmla="*/ 0 h 4622453"/>
+                  <a:gd name="connsiteX0" fmla="*/ 0 w 2901079"/>
+                  <a:gd name="connsiteY0" fmla="*/ 0 h 4790834"/>
+                  <a:gd name="connsiteX1" fmla="*/ 1378635 w 2901079"/>
+                  <a:gd name="connsiteY1" fmla="*/ 351694 h 4790834"/>
+                  <a:gd name="connsiteX2" fmla="*/ 2686929 w 2901079"/>
+                  <a:gd name="connsiteY2" fmla="*/ 1083212 h 4790834"/>
+                  <a:gd name="connsiteX3" fmla="*/ 2700996 w 2901079"/>
+                  <a:gd name="connsiteY3" fmla="*/ 4529797 h 4790834"/>
+                  <a:gd name="connsiteX4" fmla="*/ 14067 w 2901079"/>
+                  <a:gd name="connsiteY4" fmla="*/ 3713871 h 4790834"/>
+                  <a:gd name="connsiteX5" fmla="*/ 0 w 2901079"/>
+                  <a:gd name="connsiteY5" fmla="*/ 0 h 4790834"/>
+                  <a:gd name="connsiteX0" fmla="*/ 340772 w 3241851"/>
+                  <a:gd name="connsiteY0" fmla="*/ 0 h 4696402"/>
+                  <a:gd name="connsiteX1" fmla="*/ 1719407 w 3241851"/>
+                  <a:gd name="connsiteY1" fmla="*/ 351694 h 4696402"/>
+                  <a:gd name="connsiteX2" fmla="*/ 3027701 w 3241851"/>
+                  <a:gd name="connsiteY2" fmla="*/ 1083212 h 4696402"/>
+                  <a:gd name="connsiteX3" fmla="*/ 3041768 w 3241851"/>
+                  <a:gd name="connsiteY3" fmla="*/ 4529797 h 4696402"/>
+                  <a:gd name="connsiteX4" fmla="*/ 354839 w 3241851"/>
+                  <a:gd name="connsiteY4" fmla="*/ 3713871 h 4696402"/>
+                  <a:gd name="connsiteX5" fmla="*/ 340772 w 3241851"/>
+                  <a:gd name="connsiteY5" fmla="*/ 0 h 4696402"/>
+                  <a:gd name="connsiteX0" fmla="*/ 340772 w 3241851"/>
+                  <a:gd name="connsiteY0" fmla="*/ 0 h 4696402"/>
+                  <a:gd name="connsiteX1" fmla="*/ 1719407 w 3241851"/>
+                  <a:gd name="connsiteY1" fmla="*/ 351694 h 4696402"/>
+                  <a:gd name="connsiteX2" fmla="*/ 3027701 w 3241851"/>
+                  <a:gd name="connsiteY2" fmla="*/ 1083212 h 4696402"/>
+                  <a:gd name="connsiteX3" fmla="*/ 3041768 w 3241851"/>
+                  <a:gd name="connsiteY3" fmla="*/ 4529797 h 4696402"/>
+                  <a:gd name="connsiteX4" fmla="*/ 354839 w 3241851"/>
+                  <a:gd name="connsiteY4" fmla="*/ 3713871 h 4696402"/>
+                  <a:gd name="connsiteX5" fmla="*/ 340772 w 3241851"/>
+                  <a:gd name="connsiteY5" fmla="*/ 0 h 4696402"/>
+                  <a:gd name="connsiteX0" fmla="*/ 340772 w 3241851"/>
+                  <a:gd name="connsiteY0" fmla="*/ 0 h 4630486"/>
+                  <a:gd name="connsiteX1" fmla="*/ 1719407 w 3241851"/>
+                  <a:gd name="connsiteY1" fmla="*/ 351694 h 4630486"/>
+                  <a:gd name="connsiteX2" fmla="*/ 3027701 w 3241851"/>
+                  <a:gd name="connsiteY2" fmla="*/ 1083212 h 4630486"/>
+                  <a:gd name="connsiteX3" fmla="*/ 3041768 w 3241851"/>
+                  <a:gd name="connsiteY3" fmla="*/ 4529797 h 4630486"/>
+                  <a:gd name="connsiteX4" fmla="*/ 354839 w 3241851"/>
+                  <a:gd name="connsiteY4" fmla="*/ 3713871 h 4630486"/>
+                  <a:gd name="connsiteX5" fmla="*/ 340772 w 3241851"/>
+                  <a:gd name="connsiteY5" fmla="*/ 0 h 4630486"/>
+                  <a:gd name="connsiteX0" fmla="*/ 3774 w 2904853"/>
+                  <a:gd name="connsiteY0" fmla="*/ 0 h 4630486"/>
+                  <a:gd name="connsiteX1" fmla="*/ 1382409 w 2904853"/>
+                  <a:gd name="connsiteY1" fmla="*/ 351694 h 4630486"/>
+                  <a:gd name="connsiteX2" fmla="*/ 2690703 w 2904853"/>
+                  <a:gd name="connsiteY2" fmla="*/ 1083212 h 4630486"/>
+                  <a:gd name="connsiteX3" fmla="*/ 2704770 w 2904853"/>
+                  <a:gd name="connsiteY3" fmla="*/ 4529797 h 4630486"/>
+                  <a:gd name="connsiteX4" fmla="*/ 17841 w 2904853"/>
+                  <a:gd name="connsiteY4" fmla="*/ 3713871 h 4630486"/>
+                  <a:gd name="connsiteX5" fmla="*/ 3774 w 2904853"/>
+                  <a:gd name="connsiteY5" fmla="*/ 0 h 4630486"/>
+                  <a:gd name="connsiteX0" fmla="*/ 3774 w 2983628"/>
+                  <a:gd name="connsiteY0" fmla="*/ 0 h 4531742"/>
+                  <a:gd name="connsiteX1" fmla="*/ 1382409 w 2983628"/>
+                  <a:gd name="connsiteY1" fmla="*/ 351694 h 4531742"/>
+                  <a:gd name="connsiteX2" fmla="*/ 2690703 w 2983628"/>
+                  <a:gd name="connsiteY2" fmla="*/ 1083212 h 4531742"/>
+                  <a:gd name="connsiteX3" fmla="*/ 2704770 w 2983628"/>
+                  <a:gd name="connsiteY3" fmla="*/ 4529797 h 4531742"/>
+                  <a:gd name="connsiteX4" fmla="*/ 17841 w 2983628"/>
+                  <a:gd name="connsiteY4" fmla="*/ 3713871 h 4531742"/>
+                  <a:gd name="connsiteX5" fmla="*/ 3774 w 2983628"/>
+                  <a:gd name="connsiteY5" fmla="*/ 0 h 4531742"/>
+                  <a:gd name="connsiteX0" fmla="*/ 3774 w 2983628"/>
+                  <a:gd name="connsiteY0" fmla="*/ 0 h 4531742"/>
+                  <a:gd name="connsiteX1" fmla="*/ 1382409 w 2983628"/>
+                  <a:gd name="connsiteY1" fmla="*/ 351694 h 4531742"/>
+                  <a:gd name="connsiteX2" fmla="*/ 2690703 w 2983628"/>
+                  <a:gd name="connsiteY2" fmla="*/ 1083212 h 4531742"/>
+                  <a:gd name="connsiteX3" fmla="*/ 2704770 w 2983628"/>
+                  <a:gd name="connsiteY3" fmla="*/ 4529797 h 4531742"/>
+                  <a:gd name="connsiteX4" fmla="*/ 17841 w 2983628"/>
+                  <a:gd name="connsiteY4" fmla="*/ 3713871 h 4531742"/>
+                  <a:gd name="connsiteX5" fmla="*/ 3774 w 2983628"/>
+                  <a:gd name="connsiteY5" fmla="*/ 0 h 4531742"/>
+                  <a:gd name="connsiteX0" fmla="*/ 3774 w 2983628"/>
+                  <a:gd name="connsiteY0" fmla="*/ 0 h 4529797"/>
+                  <a:gd name="connsiteX1" fmla="*/ 1382409 w 2983628"/>
+                  <a:gd name="connsiteY1" fmla="*/ 351694 h 4529797"/>
+                  <a:gd name="connsiteX2" fmla="*/ 2690703 w 2983628"/>
+                  <a:gd name="connsiteY2" fmla="*/ 1083212 h 4529797"/>
+                  <a:gd name="connsiteX3" fmla="*/ 2704770 w 2983628"/>
+                  <a:gd name="connsiteY3" fmla="*/ 4529797 h 4529797"/>
+                  <a:gd name="connsiteX4" fmla="*/ 17841 w 2983628"/>
+                  <a:gd name="connsiteY4" fmla="*/ 3713871 h 4529797"/>
+                  <a:gd name="connsiteX5" fmla="*/ 3774 w 2983628"/>
+                  <a:gd name="connsiteY5" fmla="*/ 0 h 4529797"/>
+                  <a:gd name="connsiteX0" fmla="*/ 3774 w 2704770"/>
+                  <a:gd name="connsiteY0" fmla="*/ 0 h 4529797"/>
+                  <a:gd name="connsiteX1" fmla="*/ 1382409 w 2704770"/>
+                  <a:gd name="connsiteY1" fmla="*/ 351694 h 4529797"/>
+                  <a:gd name="connsiteX2" fmla="*/ 2690703 w 2704770"/>
+                  <a:gd name="connsiteY2" fmla="*/ 1083212 h 4529797"/>
+                  <a:gd name="connsiteX3" fmla="*/ 2704770 w 2704770"/>
+                  <a:gd name="connsiteY3" fmla="*/ 4529797 h 4529797"/>
+                  <a:gd name="connsiteX4" fmla="*/ 17841 w 2704770"/>
+                  <a:gd name="connsiteY4" fmla="*/ 3713871 h 4529797"/>
+                  <a:gd name="connsiteX5" fmla="*/ 3774 w 2704770"/>
+                  <a:gd name="connsiteY5" fmla="*/ 0 h 4529797"/>
+                  <a:gd name="connsiteX0" fmla="*/ 3774 w 2704770"/>
+                  <a:gd name="connsiteY0" fmla="*/ 128204 h 4658001"/>
+                  <a:gd name="connsiteX1" fmla="*/ 2690703 w 2704770"/>
+                  <a:gd name="connsiteY1" fmla="*/ 1211416 h 4658001"/>
+                  <a:gd name="connsiteX2" fmla="*/ 2704770 w 2704770"/>
+                  <a:gd name="connsiteY2" fmla="*/ 4658001 h 4658001"/>
+                  <a:gd name="connsiteX3" fmla="*/ 17841 w 2704770"/>
+                  <a:gd name="connsiteY3" fmla="*/ 3842075 h 4658001"/>
+                  <a:gd name="connsiteX4" fmla="*/ 3774 w 2704770"/>
+                  <a:gd name="connsiteY4" fmla="*/ 128204 h 4658001"/>
+                  <a:gd name="connsiteX0" fmla="*/ 3774 w 2704770"/>
+                  <a:gd name="connsiteY0" fmla="*/ 112153 h 4641950"/>
+                  <a:gd name="connsiteX1" fmla="*/ 2690703 w 2704770"/>
+                  <a:gd name="connsiteY1" fmla="*/ 1195365 h 4641950"/>
+                  <a:gd name="connsiteX2" fmla="*/ 2704770 w 2704770"/>
+                  <a:gd name="connsiteY2" fmla="*/ 4641950 h 4641950"/>
+                  <a:gd name="connsiteX3" fmla="*/ 17841 w 2704770"/>
+                  <a:gd name="connsiteY3" fmla="*/ 3826024 h 4641950"/>
+                  <a:gd name="connsiteX4" fmla="*/ 3774 w 2704770"/>
+                  <a:gd name="connsiteY4" fmla="*/ 112153 h 4641950"/>
+                  <a:gd name="connsiteX0" fmla="*/ 3774 w 2704770"/>
+                  <a:gd name="connsiteY0" fmla="*/ 0 h 4529797"/>
+                  <a:gd name="connsiteX1" fmla="*/ 2690703 w 2704770"/>
+                  <a:gd name="connsiteY1" fmla="*/ 1083212 h 4529797"/>
+                  <a:gd name="connsiteX2" fmla="*/ 2704770 w 2704770"/>
+                  <a:gd name="connsiteY2" fmla="*/ 4529797 h 4529797"/>
+                  <a:gd name="connsiteX3" fmla="*/ 17841 w 2704770"/>
+                  <a:gd name="connsiteY3" fmla="*/ 3713871 h 4529797"/>
+                  <a:gd name="connsiteX4" fmla="*/ 3774 w 2704770"/>
+                  <a:gd name="connsiteY4" fmla="*/ 0 h 4529797"/>
+                  <a:gd name="connsiteX0" fmla="*/ 3774 w 2704770"/>
+                  <a:gd name="connsiteY0" fmla="*/ 0 h 4529797"/>
+                  <a:gd name="connsiteX1" fmla="*/ 2690703 w 2704770"/>
+                  <a:gd name="connsiteY1" fmla="*/ 1083212 h 4529797"/>
+                  <a:gd name="connsiteX2" fmla="*/ 2704770 w 2704770"/>
+                  <a:gd name="connsiteY2" fmla="*/ 4529797 h 4529797"/>
+                  <a:gd name="connsiteX3" fmla="*/ 17841 w 2704770"/>
+                  <a:gd name="connsiteY3" fmla="*/ 3713871 h 4529797"/>
+                  <a:gd name="connsiteX4" fmla="*/ 3774 w 2704770"/>
+                  <a:gd name="connsiteY4" fmla="*/ 0 h 4529797"/>
+                  <a:gd name="connsiteX0" fmla="*/ 3774 w 2728389"/>
+                  <a:gd name="connsiteY0" fmla="*/ 0 h 4529797"/>
+                  <a:gd name="connsiteX1" fmla="*/ 2721183 w 2728389"/>
+                  <a:gd name="connsiteY1" fmla="*/ 1075592 h 4529797"/>
+                  <a:gd name="connsiteX2" fmla="*/ 2704770 w 2728389"/>
+                  <a:gd name="connsiteY2" fmla="*/ 4529797 h 4529797"/>
+                  <a:gd name="connsiteX3" fmla="*/ 17841 w 2728389"/>
+                  <a:gd name="connsiteY3" fmla="*/ 3713871 h 4529797"/>
+                  <a:gd name="connsiteX4" fmla="*/ 3774 w 2728389"/>
+                  <a:gd name="connsiteY4" fmla="*/ 0 h 4529797"/>
+                  <a:gd name="connsiteX0" fmla="*/ 3774 w 2721387"/>
+                  <a:gd name="connsiteY0" fmla="*/ 0 h 4529797"/>
+                  <a:gd name="connsiteX1" fmla="*/ 2721183 w 2721387"/>
+                  <a:gd name="connsiteY1" fmla="*/ 1075592 h 4529797"/>
+                  <a:gd name="connsiteX2" fmla="*/ 2704770 w 2721387"/>
+                  <a:gd name="connsiteY2" fmla="*/ 4529797 h 4529797"/>
+                  <a:gd name="connsiteX3" fmla="*/ 17841 w 2721387"/>
+                  <a:gd name="connsiteY3" fmla="*/ 3713871 h 4529797"/>
+                  <a:gd name="connsiteX4" fmla="*/ 3774 w 2721387"/>
+                  <a:gd name="connsiteY4" fmla="*/ 0 h 4529797"/>
+                  <a:gd name="connsiteX0" fmla="*/ 3774 w 2721859"/>
+                  <a:gd name="connsiteY0" fmla="*/ 0 h 4529797"/>
+                  <a:gd name="connsiteX1" fmla="*/ 2721183 w 2721859"/>
+                  <a:gd name="connsiteY1" fmla="*/ 1075592 h 4529797"/>
+                  <a:gd name="connsiteX2" fmla="*/ 2704770 w 2721859"/>
+                  <a:gd name="connsiteY2" fmla="*/ 4529797 h 4529797"/>
+                  <a:gd name="connsiteX3" fmla="*/ 17841 w 2721859"/>
+                  <a:gd name="connsiteY3" fmla="*/ 3713871 h 4529797"/>
+                  <a:gd name="connsiteX4" fmla="*/ 3774 w 2721859"/>
+                  <a:gd name="connsiteY4" fmla="*/ 0 h 4529797"/>
+                  <a:gd name="connsiteX0" fmla="*/ 3774 w 2721859"/>
+                  <a:gd name="connsiteY0" fmla="*/ 0 h 4529797"/>
+                  <a:gd name="connsiteX1" fmla="*/ 2721183 w 2721859"/>
+                  <a:gd name="connsiteY1" fmla="*/ 1075592 h 4529797"/>
+                  <a:gd name="connsiteX2" fmla="*/ 2704770 w 2721859"/>
+                  <a:gd name="connsiteY2" fmla="*/ 4529797 h 4529797"/>
+                  <a:gd name="connsiteX3" fmla="*/ 17841 w 2721859"/>
+                  <a:gd name="connsiteY3" fmla="*/ 3713871 h 4529797"/>
+                  <a:gd name="connsiteX4" fmla="*/ 3774 w 2721859"/>
+                  <a:gd name="connsiteY4" fmla="*/ 0 h 4529797"/>
+                </a:gdLst>
+                <a:ahLst/>
+                <a:cxnLst>
+                  <a:cxn ang="0">
+                    <a:pos x="connsiteX0" y="connsiteY0"/>
+                  </a:cxn>
+                  <a:cxn ang="0">
+                    <a:pos x="connsiteX1" y="connsiteY1"/>
+                  </a:cxn>
+                  <a:cxn ang="0">
+                    <a:pos x="connsiteX2" y="connsiteY2"/>
+                  </a:cxn>
+                  <a:cxn ang="0">
+                    <a:pos x="connsiteX3" y="connsiteY3"/>
+                  </a:cxn>
+                  <a:cxn ang="0">
+                    <a:pos x="connsiteX4" y="connsiteY4"/>
+                  </a:cxn>
+                </a:cxnLst>
+                <a:rect l="l" t="t" r="r" b="b"/>
+                <a:pathLst>
+                  <a:path w="2721859" h="4529797">
+                    <a:moveTo>
+                      <a:pt x="3774" y="0"/>
+                    </a:moveTo>
+                    <a:cubicBezTo>
+                      <a:pt x="1152635" y="96130"/>
+                      <a:pt x="2017799" y="503506"/>
+                      <a:pt x="2721183" y="1075592"/>
+                    </a:cubicBezTo>
+                    <a:cubicBezTo>
+                      <a:pt x="2724114" y="1508173"/>
+                      <a:pt x="2717312" y="3702294"/>
+                      <a:pt x="2704770" y="4529797"/>
+                    </a:cubicBezTo>
+                    <a:cubicBezTo>
+                      <a:pt x="2343699" y="4194516"/>
+                      <a:pt x="1218284" y="3840480"/>
+                      <a:pt x="17841" y="3713871"/>
+                    </a:cubicBezTo>
+                    <a:cubicBezTo>
+                      <a:pt x="-14983" y="2757268"/>
+                      <a:pt x="8463" y="1237957"/>
+                      <a:pt x="3774" y="0"/>
+                    </a:cubicBezTo>
+                    <a:close/>
+                  </a:path>
+                </a:pathLst>
+              </a:custGeom>
+              <a:grpFill/>
+              <a:ln>
+                <a:noFill/>
+              </a:ln>
+            </p:spPr>
+            <p:style>
+              <a:lnRef idx="2">
+                <a:schemeClr val="accent1">
+                  <a:shade val="50000"/>
+                </a:schemeClr>
+              </a:lnRef>
+              <a:fillRef idx="1">
+                <a:schemeClr val="accent1"/>
+              </a:fillRef>
+              <a:effectRef idx="0">
+                <a:schemeClr val="accent1"/>
+              </a:effectRef>
+              <a:fontRef idx="minor">
+                <a:schemeClr val="lt1"/>
+              </a:fontRef>
+            </p:style>
+            <p:txBody>
+              <a:bodyPr rtlCol="0" anchor="ctr"/>
+              <a:lstStyle/>
+              <a:p>
+                <a:pPr algn="ctr"/>
+                <a:endParaRPr lang="en-US"/>
+              </a:p>
+            </p:txBody>
+          </p:sp>
+          <p:sp>
+            <p:nvSpPr>
+              <p:cNvPr id="7" name="Freeform: Shape 6">
+                <a:extLst>
+                  <a:ext uri="{FF2B5EF4-FFF2-40B4-BE49-F238E27FC236}">
+                    <a16:creationId xmlns:a16="http://schemas.microsoft.com/office/drawing/2014/main" id="{BCCEA58D-20E0-47A7-A8B5-9FC76F821A3D}"/>
+                  </a:ext>
+                </a:extLst>
+              </p:cNvPr>
+              <p:cNvSpPr/>
+              <p:nvPr/>
+            </p:nvSpPr>
+            <p:spPr>
+              <a:xfrm flipH="1">
+                <a:off x="5074670" y="1772527"/>
+                <a:ext cx="2721859" cy="4529797"/>
+              </a:xfrm>
+              <a:custGeom>
+                <a:avLst/>
+                <a:gdLst>
+                  <a:gd name="connsiteX0" fmla="*/ 0 w 2686929"/>
+                  <a:gd name="connsiteY0" fmla="*/ 0 h 1083212"/>
+                  <a:gd name="connsiteX1" fmla="*/ 1603717 w 2686929"/>
+                  <a:gd name="connsiteY1" fmla="*/ 478302 h 1083212"/>
+                  <a:gd name="connsiteX2" fmla="*/ 2686929 w 2686929"/>
+                  <a:gd name="connsiteY2" fmla="*/ 1083212 h 1083212"/>
+                  <a:gd name="connsiteX0" fmla="*/ 0 w 2686929"/>
+                  <a:gd name="connsiteY0" fmla="*/ 0 h 1083212"/>
+                  <a:gd name="connsiteX1" fmla="*/ 1448973 w 2686929"/>
+                  <a:gd name="connsiteY1" fmla="*/ 407964 h 1083212"/>
+                  <a:gd name="connsiteX2" fmla="*/ 2686929 w 2686929"/>
+                  <a:gd name="connsiteY2" fmla="*/ 1083212 h 1083212"/>
+                  <a:gd name="connsiteX0" fmla="*/ 0 w 2686929"/>
+                  <a:gd name="connsiteY0" fmla="*/ 0 h 1083212"/>
+                  <a:gd name="connsiteX1" fmla="*/ 1448973 w 2686929"/>
+                  <a:gd name="connsiteY1" fmla="*/ 407964 h 1083212"/>
+                  <a:gd name="connsiteX2" fmla="*/ 2686929 w 2686929"/>
+                  <a:gd name="connsiteY2" fmla="*/ 1083212 h 1083212"/>
+                  <a:gd name="connsiteX0" fmla="*/ 0 w 2686929"/>
+                  <a:gd name="connsiteY0" fmla="*/ 0 h 1083212"/>
+                  <a:gd name="connsiteX1" fmla="*/ 1448973 w 2686929"/>
+                  <a:gd name="connsiteY1" fmla="*/ 407964 h 1083212"/>
+                  <a:gd name="connsiteX2" fmla="*/ 2686929 w 2686929"/>
+                  <a:gd name="connsiteY2" fmla="*/ 1083212 h 1083212"/>
+                  <a:gd name="connsiteX0" fmla="*/ 0 w 2686929"/>
+                  <a:gd name="connsiteY0" fmla="*/ 0 h 1083212"/>
+                  <a:gd name="connsiteX1" fmla="*/ 1448973 w 2686929"/>
+                  <a:gd name="connsiteY1" fmla="*/ 407964 h 1083212"/>
+                  <a:gd name="connsiteX2" fmla="*/ 2686929 w 2686929"/>
+                  <a:gd name="connsiteY2" fmla="*/ 1083212 h 1083212"/>
+                  <a:gd name="connsiteX0" fmla="*/ 0 w 2686929"/>
+                  <a:gd name="connsiteY0" fmla="*/ 0 h 1083212"/>
+                  <a:gd name="connsiteX1" fmla="*/ 1448973 w 2686929"/>
+                  <a:gd name="connsiteY1" fmla="*/ 407964 h 1083212"/>
+                  <a:gd name="connsiteX2" fmla="*/ 2686929 w 2686929"/>
+                  <a:gd name="connsiteY2" fmla="*/ 1083212 h 1083212"/>
+                  <a:gd name="connsiteX0" fmla="*/ 0 w 2686929"/>
+                  <a:gd name="connsiteY0" fmla="*/ 0 h 1083212"/>
+                  <a:gd name="connsiteX1" fmla="*/ 1378635 w 2686929"/>
+                  <a:gd name="connsiteY1" fmla="*/ 351694 h 1083212"/>
+                  <a:gd name="connsiteX2" fmla="*/ 2686929 w 2686929"/>
+                  <a:gd name="connsiteY2" fmla="*/ 1083212 h 1083212"/>
+                  <a:gd name="connsiteX0" fmla="*/ 0 w 2686929"/>
+                  <a:gd name="connsiteY0" fmla="*/ 0 h 1083212"/>
+                  <a:gd name="connsiteX1" fmla="*/ 1378635 w 2686929"/>
+                  <a:gd name="connsiteY1" fmla="*/ 351694 h 1083212"/>
+                  <a:gd name="connsiteX2" fmla="*/ 2686929 w 2686929"/>
+                  <a:gd name="connsiteY2" fmla="*/ 1083212 h 1083212"/>
+                  <a:gd name="connsiteX0" fmla="*/ 0 w 2792316"/>
+                  <a:gd name="connsiteY0" fmla="*/ 0 h 1133525"/>
+                  <a:gd name="connsiteX1" fmla="*/ 1378635 w 2792316"/>
+                  <a:gd name="connsiteY1" fmla="*/ 351694 h 1133525"/>
+                  <a:gd name="connsiteX2" fmla="*/ 2686929 w 2792316"/>
+                  <a:gd name="connsiteY2" fmla="*/ 1083212 h 1133525"/>
+                  <a:gd name="connsiteX3" fmla="*/ 2715064 w 2792316"/>
+                  <a:gd name="connsiteY3" fmla="*/ 1069145 h 1133525"/>
+                  <a:gd name="connsiteX0" fmla="*/ 0 w 2806347"/>
+                  <a:gd name="connsiteY0" fmla="*/ 0 h 4473527"/>
+                  <a:gd name="connsiteX1" fmla="*/ 1378635 w 2806347"/>
+                  <a:gd name="connsiteY1" fmla="*/ 351694 h 4473527"/>
+                  <a:gd name="connsiteX2" fmla="*/ 2686929 w 2806347"/>
+                  <a:gd name="connsiteY2" fmla="*/ 1083212 h 4473527"/>
+                  <a:gd name="connsiteX3" fmla="*/ 2757267 w 2806347"/>
+                  <a:gd name="connsiteY3" fmla="*/ 4473526 h 4473527"/>
+                  <a:gd name="connsiteX0" fmla="*/ 0 w 2806347"/>
+                  <a:gd name="connsiteY0" fmla="*/ 0 h 4572001"/>
+                  <a:gd name="connsiteX1" fmla="*/ 1378635 w 2806347"/>
+                  <a:gd name="connsiteY1" fmla="*/ 351694 h 4572001"/>
+                  <a:gd name="connsiteX2" fmla="*/ 2686929 w 2806347"/>
+                  <a:gd name="connsiteY2" fmla="*/ 1083212 h 4572001"/>
+                  <a:gd name="connsiteX3" fmla="*/ 2757267 w 2806347"/>
+                  <a:gd name="connsiteY3" fmla="*/ 4572000 h 4572001"/>
+                  <a:gd name="connsiteX0" fmla="*/ 0 w 2792316"/>
+                  <a:gd name="connsiteY0" fmla="*/ 0 h 4572001"/>
+                  <a:gd name="connsiteX1" fmla="*/ 1378635 w 2792316"/>
+                  <a:gd name="connsiteY1" fmla="*/ 351694 h 4572001"/>
+                  <a:gd name="connsiteX2" fmla="*/ 2686929 w 2792316"/>
+                  <a:gd name="connsiteY2" fmla="*/ 1083212 h 4572001"/>
+                  <a:gd name="connsiteX3" fmla="*/ 2715064 w 2792316"/>
+                  <a:gd name="connsiteY3" fmla="*/ 4572000 h 4572001"/>
+                  <a:gd name="connsiteX0" fmla="*/ 0 w 2792316"/>
+                  <a:gd name="connsiteY0" fmla="*/ 0 h 4838650"/>
+                  <a:gd name="connsiteX1" fmla="*/ 1378635 w 2792316"/>
+                  <a:gd name="connsiteY1" fmla="*/ 351694 h 4838650"/>
+                  <a:gd name="connsiteX2" fmla="*/ 2686929 w 2792316"/>
+                  <a:gd name="connsiteY2" fmla="*/ 1083212 h 4838650"/>
+                  <a:gd name="connsiteX3" fmla="*/ 2715064 w 2792316"/>
+                  <a:gd name="connsiteY3" fmla="*/ 4572000 h 4838650"/>
+                  <a:gd name="connsiteX4" fmla="*/ 2700996 w 2792316"/>
+                  <a:gd name="connsiteY4" fmla="*/ 4600136 h 4838650"/>
+                  <a:gd name="connsiteX0" fmla="*/ 0 w 2792316"/>
+                  <a:gd name="connsiteY0" fmla="*/ 0 h 4834881"/>
+                  <a:gd name="connsiteX1" fmla="*/ 1378635 w 2792316"/>
+                  <a:gd name="connsiteY1" fmla="*/ 351694 h 4834881"/>
+                  <a:gd name="connsiteX2" fmla="*/ 2686929 w 2792316"/>
+                  <a:gd name="connsiteY2" fmla="*/ 1083212 h 4834881"/>
+                  <a:gd name="connsiteX3" fmla="*/ 2715064 w 2792316"/>
+                  <a:gd name="connsiteY3" fmla="*/ 4572000 h 4834881"/>
+                  <a:gd name="connsiteX4" fmla="*/ 2208627 w 2792316"/>
+                  <a:gd name="connsiteY4" fmla="*/ 4586068 h 4834881"/>
+                  <a:gd name="connsiteX0" fmla="*/ 0 w 2792316"/>
+                  <a:gd name="connsiteY0" fmla="*/ 0 h 4732238"/>
+                  <a:gd name="connsiteX1" fmla="*/ 1378635 w 2792316"/>
+                  <a:gd name="connsiteY1" fmla="*/ 351694 h 4732238"/>
+                  <a:gd name="connsiteX2" fmla="*/ 2686929 w 2792316"/>
+                  <a:gd name="connsiteY2" fmla="*/ 1083212 h 4732238"/>
+                  <a:gd name="connsiteX3" fmla="*/ 2715064 w 2792316"/>
+                  <a:gd name="connsiteY3" fmla="*/ 4572000 h 4732238"/>
+                  <a:gd name="connsiteX4" fmla="*/ 56270 w 2792316"/>
+                  <a:gd name="connsiteY4" fmla="*/ 3953022 h 4732238"/>
+                  <a:gd name="connsiteX0" fmla="*/ 0 w 2792316"/>
+                  <a:gd name="connsiteY0" fmla="*/ 0 h 4732238"/>
+                  <a:gd name="connsiteX1" fmla="*/ 1378635 w 2792316"/>
+                  <a:gd name="connsiteY1" fmla="*/ 351694 h 4732238"/>
+                  <a:gd name="connsiteX2" fmla="*/ 2686929 w 2792316"/>
+                  <a:gd name="connsiteY2" fmla="*/ 1083212 h 4732238"/>
+                  <a:gd name="connsiteX3" fmla="*/ 2715064 w 2792316"/>
+                  <a:gd name="connsiteY3" fmla="*/ 4572000 h 4732238"/>
+                  <a:gd name="connsiteX4" fmla="*/ 56270 w 2792316"/>
+                  <a:gd name="connsiteY4" fmla="*/ 3953022 h 4732238"/>
+                  <a:gd name="connsiteX5" fmla="*/ 0 w 2792316"/>
+                  <a:gd name="connsiteY5" fmla="*/ 0 h 4732238"/>
+                  <a:gd name="connsiteX0" fmla="*/ 0 w 2792316"/>
+                  <a:gd name="connsiteY0" fmla="*/ 0 h 4730855"/>
+                  <a:gd name="connsiteX1" fmla="*/ 1378635 w 2792316"/>
+                  <a:gd name="connsiteY1" fmla="*/ 351694 h 4730855"/>
+                  <a:gd name="connsiteX2" fmla="*/ 2686929 w 2792316"/>
+                  <a:gd name="connsiteY2" fmla="*/ 1083212 h 4730855"/>
+                  <a:gd name="connsiteX3" fmla="*/ 2715064 w 2792316"/>
+                  <a:gd name="connsiteY3" fmla="*/ 4572000 h 4730855"/>
+                  <a:gd name="connsiteX4" fmla="*/ 28134 w 2792316"/>
+                  <a:gd name="connsiteY4" fmla="*/ 3938954 h 4730855"/>
+                  <a:gd name="connsiteX5" fmla="*/ 0 w 2792316"/>
+                  <a:gd name="connsiteY5" fmla="*/ 0 h 4730855"/>
+                  <a:gd name="connsiteX0" fmla="*/ 0 w 2792316"/>
+                  <a:gd name="connsiteY0" fmla="*/ 0 h 4730855"/>
+                  <a:gd name="connsiteX1" fmla="*/ 1378635 w 2792316"/>
+                  <a:gd name="connsiteY1" fmla="*/ 351694 h 4730855"/>
+                  <a:gd name="connsiteX2" fmla="*/ 2686929 w 2792316"/>
+                  <a:gd name="connsiteY2" fmla="*/ 1083212 h 4730855"/>
+                  <a:gd name="connsiteX3" fmla="*/ 2715064 w 2792316"/>
+                  <a:gd name="connsiteY3" fmla="*/ 4572000 h 4730855"/>
+                  <a:gd name="connsiteX4" fmla="*/ 14067 w 2792316"/>
+                  <a:gd name="connsiteY4" fmla="*/ 3938954 h 4730855"/>
+                  <a:gd name="connsiteX5" fmla="*/ 0 w 2792316"/>
+                  <a:gd name="connsiteY5" fmla="*/ 0 h 4730855"/>
+                  <a:gd name="connsiteX0" fmla="*/ 0 w 2792316"/>
+                  <a:gd name="connsiteY0" fmla="*/ 0 h 4725563"/>
+                  <a:gd name="connsiteX1" fmla="*/ 1378635 w 2792316"/>
+                  <a:gd name="connsiteY1" fmla="*/ 351694 h 4725563"/>
+                  <a:gd name="connsiteX2" fmla="*/ 2686929 w 2792316"/>
+                  <a:gd name="connsiteY2" fmla="*/ 1083212 h 4725563"/>
+                  <a:gd name="connsiteX3" fmla="*/ 2715064 w 2792316"/>
+                  <a:gd name="connsiteY3" fmla="*/ 4572000 h 4725563"/>
+                  <a:gd name="connsiteX4" fmla="*/ 14067 w 2792316"/>
+                  <a:gd name="connsiteY4" fmla="*/ 3938954 h 4725563"/>
+                  <a:gd name="connsiteX5" fmla="*/ 0 w 2792316"/>
+                  <a:gd name="connsiteY5" fmla="*/ 0 h 4725563"/>
+                  <a:gd name="connsiteX0" fmla="*/ 0 w 2792316"/>
+                  <a:gd name="connsiteY0" fmla="*/ 0 h 4694472"/>
+                  <a:gd name="connsiteX1" fmla="*/ 1378635 w 2792316"/>
+                  <a:gd name="connsiteY1" fmla="*/ 351694 h 4694472"/>
+                  <a:gd name="connsiteX2" fmla="*/ 2686929 w 2792316"/>
+                  <a:gd name="connsiteY2" fmla="*/ 1083212 h 4694472"/>
+                  <a:gd name="connsiteX3" fmla="*/ 2715064 w 2792316"/>
+                  <a:gd name="connsiteY3" fmla="*/ 4572000 h 4694472"/>
+                  <a:gd name="connsiteX4" fmla="*/ 14067 w 2792316"/>
+                  <a:gd name="connsiteY4" fmla="*/ 3938954 h 4694472"/>
+                  <a:gd name="connsiteX5" fmla="*/ 0 w 2792316"/>
+                  <a:gd name="connsiteY5" fmla="*/ 0 h 4694472"/>
+                  <a:gd name="connsiteX0" fmla="*/ 0 w 2795137"/>
+                  <a:gd name="connsiteY0" fmla="*/ 0 h 4694472"/>
+                  <a:gd name="connsiteX1" fmla="*/ 1378635 w 2795137"/>
+                  <a:gd name="connsiteY1" fmla="*/ 351694 h 4694472"/>
+                  <a:gd name="connsiteX2" fmla="*/ 2686929 w 2795137"/>
+                  <a:gd name="connsiteY2" fmla="*/ 1083212 h 4694472"/>
+                  <a:gd name="connsiteX3" fmla="*/ 2715064 w 2795137"/>
+                  <a:gd name="connsiteY3" fmla="*/ 4572000 h 4694472"/>
+                  <a:gd name="connsiteX4" fmla="*/ 14067 w 2795137"/>
+                  <a:gd name="connsiteY4" fmla="*/ 3938954 h 4694472"/>
+                  <a:gd name="connsiteX5" fmla="*/ 0 w 2795137"/>
+                  <a:gd name="connsiteY5" fmla="*/ 0 h 4694472"/>
+                  <a:gd name="connsiteX0" fmla="*/ 0 w 2759847"/>
+                  <a:gd name="connsiteY0" fmla="*/ 0 h 4876872"/>
+                  <a:gd name="connsiteX1" fmla="*/ 1378635 w 2759847"/>
+                  <a:gd name="connsiteY1" fmla="*/ 351694 h 4876872"/>
+                  <a:gd name="connsiteX2" fmla="*/ 2686929 w 2759847"/>
+                  <a:gd name="connsiteY2" fmla="*/ 1083212 h 4876872"/>
+                  <a:gd name="connsiteX3" fmla="*/ 2546251 w 2759847"/>
+                  <a:gd name="connsiteY3" fmla="*/ 4768948 h 4876872"/>
+                  <a:gd name="connsiteX4" fmla="*/ 14067 w 2759847"/>
+                  <a:gd name="connsiteY4" fmla="*/ 3938954 h 4876872"/>
+                  <a:gd name="connsiteX5" fmla="*/ 0 w 2759847"/>
+                  <a:gd name="connsiteY5" fmla="*/ 0 h 4876872"/>
+                  <a:gd name="connsiteX0" fmla="*/ 0 w 2759539"/>
+                  <a:gd name="connsiteY0" fmla="*/ 0 h 4768955"/>
+                  <a:gd name="connsiteX1" fmla="*/ 1378635 w 2759539"/>
+                  <a:gd name="connsiteY1" fmla="*/ 351694 h 4768955"/>
+                  <a:gd name="connsiteX2" fmla="*/ 2686929 w 2759539"/>
+                  <a:gd name="connsiteY2" fmla="*/ 1083212 h 4768955"/>
+                  <a:gd name="connsiteX3" fmla="*/ 2546251 w 2759539"/>
+                  <a:gd name="connsiteY3" fmla="*/ 4768948 h 4768955"/>
+                  <a:gd name="connsiteX4" fmla="*/ 14067 w 2759539"/>
+                  <a:gd name="connsiteY4" fmla="*/ 3938954 h 4768955"/>
+                  <a:gd name="connsiteX5" fmla="*/ 0 w 2759539"/>
+                  <a:gd name="connsiteY5" fmla="*/ 0 h 4768955"/>
+                  <a:gd name="connsiteX0" fmla="*/ 0 w 2790397"/>
+                  <a:gd name="connsiteY0" fmla="*/ 0 h 4529804"/>
+                  <a:gd name="connsiteX1" fmla="*/ 1378635 w 2790397"/>
+                  <a:gd name="connsiteY1" fmla="*/ 351694 h 4529804"/>
+                  <a:gd name="connsiteX2" fmla="*/ 2686929 w 2790397"/>
+                  <a:gd name="connsiteY2" fmla="*/ 1083212 h 4529804"/>
+                  <a:gd name="connsiteX3" fmla="*/ 2700996 w 2790397"/>
+                  <a:gd name="connsiteY3" fmla="*/ 4529797 h 4529804"/>
+                  <a:gd name="connsiteX4" fmla="*/ 14067 w 2790397"/>
+                  <a:gd name="connsiteY4" fmla="*/ 3938954 h 4529804"/>
+                  <a:gd name="connsiteX5" fmla="*/ 0 w 2790397"/>
+                  <a:gd name="connsiteY5" fmla="*/ 0 h 4529804"/>
+                  <a:gd name="connsiteX0" fmla="*/ 0 w 2704816"/>
+                  <a:gd name="connsiteY0" fmla="*/ 0 h 4529805"/>
+                  <a:gd name="connsiteX1" fmla="*/ 1378635 w 2704816"/>
+                  <a:gd name="connsiteY1" fmla="*/ 351694 h 4529805"/>
+                  <a:gd name="connsiteX2" fmla="*/ 2686929 w 2704816"/>
+                  <a:gd name="connsiteY2" fmla="*/ 1083212 h 4529805"/>
+                  <a:gd name="connsiteX3" fmla="*/ 2700996 w 2704816"/>
+                  <a:gd name="connsiteY3" fmla="*/ 4529797 h 4529805"/>
+                  <a:gd name="connsiteX4" fmla="*/ 14067 w 2704816"/>
+                  <a:gd name="connsiteY4" fmla="*/ 3938954 h 4529805"/>
+                  <a:gd name="connsiteX5" fmla="*/ 0 w 2704816"/>
+                  <a:gd name="connsiteY5" fmla="*/ 0 h 4529805"/>
+                  <a:gd name="connsiteX0" fmla="*/ 0 w 2901079"/>
+                  <a:gd name="connsiteY0" fmla="*/ 0 h 4622453"/>
+                  <a:gd name="connsiteX1" fmla="*/ 1378635 w 2901079"/>
+                  <a:gd name="connsiteY1" fmla="*/ 351694 h 4622453"/>
+                  <a:gd name="connsiteX2" fmla="*/ 2686929 w 2901079"/>
+                  <a:gd name="connsiteY2" fmla="*/ 1083212 h 4622453"/>
+                  <a:gd name="connsiteX3" fmla="*/ 2700996 w 2901079"/>
+                  <a:gd name="connsiteY3" fmla="*/ 4529797 h 4622453"/>
+                  <a:gd name="connsiteX4" fmla="*/ 14067 w 2901079"/>
+                  <a:gd name="connsiteY4" fmla="*/ 3713871 h 4622453"/>
+                  <a:gd name="connsiteX5" fmla="*/ 0 w 2901079"/>
+                  <a:gd name="connsiteY5" fmla="*/ 0 h 4622453"/>
+                  <a:gd name="connsiteX0" fmla="*/ 0 w 2901079"/>
+                  <a:gd name="connsiteY0" fmla="*/ 0 h 4790834"/>
+                  <a:gd name="connsiteX1" fmla="*/ 1378635 w 2901079"/>
+                  <a:gd name="connsiteY1" fmla="*/ 351694 h 4790834"/>
+                  <a:gd name="connsiteX2" fmla="*/ 2686929 w 2901079"/>
+                  <a:gd name="connsiteY2" fmla="*/ 1083212 h 4790834"/>
+                  <a:gd name="connsiteX3" fmla="*/ 2700996 w 2901079"/>
+                  <a:gd name="connsiteY3" fmla="*/ 4529797 h 4790834"/>
+                  <a:gd name="connsiteX4" fmla="*/ 14067 w 2901079"/>
+                  <a:gd name="connsiteY4" fmla="*/ 3713871 h 4790834"/>
+                  <a:gd name="connsiteX5" fmla="*/ 0 w 2901079"/>
+                  <a:gd name="connsiteY5" fmla="*/ 0 h 4790834"/>
+                  <a:gd name="connsiteX0" fmla="*/ 340772 w 3241851"/>
+                  <a:gd name="connsiteY0" fmla="*/ 0 h 4696402"/>
+                  <a:gd name="connsiteX1" fmla="*/ 1719407 w 3241851"/>
+                  <a:gd name="connsiteY1" fmla="*/ 351694 h 4696402"/>
+                  <a:gd name="connsiteX2" fmla="*/ 3027701 w 3241851"/>
+                  <a:gd name="connsiteY2" fmla="*/ 1083212 h 4696402"/>
+                  <a:gd name="connsiteX3" fmla="*/ 3041768 w 3241851"/>
+                  <a:gd name="connsiteY3" fmla="*/ 4529797 h 4696402"/>
+                  <a:gd name="connsiteX4" fmla="*/ 354839 w 3241851"/>
+                  <a:gd name="connsiteY4" fmla="*/ 3713871 h 4696402"/>
+                  <a:gd name="connsiteX5" fmla="*/ 340772 w 3241851"/>
+                  <a:gd name="connsiteY5" fmla="*/ 0 h 4696402"/>
+                  <a:gd name="connsiteX0" fmla="*/ 340772 w 3241851"/>
+                  <a:gd name="connsiteY0" fmla="*/ 0 h 4696402"/>
+                  <a:gd name="connsiteX1" fmla="*/ 1719407 w 3241851"/>
+                  <a:gd name="connsiteY1" fmla="*/ 351694 h 4696402"/>
+                  <a:gd name="connsiteX2" fmla="*/ 3027701 w 3241851"/>
+                  <a:gd name="connsiteY2" fmla="*/ 1083212 h 4696402"/>
+                  <a:gd name="connsiteX3" fmla="*/ 3041768 w 3241851"/>
+                  <a:gd name="connsiteY3" fmla="*/ 4529797 h 4696402"/>
+                  <a:gd name="connsiteX4" fmla="*/ 354839 w 3241851"/>
+                  <a:gd name="connsiteY4" fmla="*/ 3713871 h 4696402"/>
+                  <a:gd name="connsiteX5" fmla="*/ 340772 w 3241851"/>
+                  <a:gd name="connsiteY5" fmla="*/ 0 h 4696402"/>
+                  <a:gd name="connsiteX0" fmla="*/ 340772 w 3241851"/>
+                  <a:gd name="connsiteY0" fmla="*/ 0 h 4630486"/>
+                  <a:gd name="connsiteX1" fmla="*/ 1719407 w 3241851"/>
+                  <a:gd name="connsiteY1" fmla="*/ 351694 h 4630486"/>
+                  <a:gd name="connsiteX2" fmla="*/ 3027701 w 3241851"/>
+                  <a:gd name="connsiteY2" fmla="*/ 1083212 h 4630486"/>
+                  <a:gd name="connsiteX3" fmla="*/ 3041768 w 3241851"/>
+                  <a:gd name="connsiteY3" fmla="*/ 4529797 h 4630486"/>
+                  <a:gd name="connsiteX4" fmla="*/ 354839 w 3241851"/>
+                  <a:gd name="connsiteY4" fmla="*/ 3713871 h 4630486"/>
+                  <a:gd name="connsiteX5" fmla="*/ 340772 w 3241851"/>
+                  <a:gd name="connsiteY5" fmla="*/ 0 h 4630486"/>
+                  <a:gd name="connsiteX0" fmla="*/ 3774 w 2904853"/>
+                  <a:gd name="connsiteY0" fmla="*/ 0 h 4630486"/>
+                  <a:gd name="connsiteX1" fmla="*/ 1382409 w 2904853"/>
+                  <a:gd name="connsiteY1" fmla="*/ 351694 h 4630486"/>
+                  <a:gd name="connsiteX2" fmla="*/ 2690703 w 2904853"/>
+                  <a:gd name="connsiteY2" fmla="*/ 1083212 h 4630486"/>
+                  <a:gd name="connsiteX3" fmla="*/ 2704770 w 2904853"/>
+                  <a:gd name="connsiteY3" fmla="*/ 4529797 h 4630486"/>
+                  <a:gd name="connsiteX4" fmla="*/ 17841 w 2904853"/>
+                  <a:gd name="connsiteY4" fmla="*/ 3713871 h 4630486"/>
+                  <a:gd name="connsiteX5" fmla="*/ 3774 w 2904853"/>
+                  <a:gd name="connsiteY5" fmla="*/ 0 h 4630486"/>
+                  <a:gd name="connsiteX0" fmla="*/ 3774 w 2983628"/>
+                  <a:gd name="connsiteY0" fmla="*/ 0 h 4531742"/>
+                  <a:gd name="connsiteX1" fmla="*/ 1382409 w 2983628"/>
+                  <a:gd name="connsiteY1" fmla="*/ 351694 h 4531742"/>
+                  <a:gd name="connsiteX2" fmla="*/ 2690703 w 2983628"/>
+                  <a:gd name="connsiteY2" fmla="*/ 1083212 h 4531742"/>
+                  <a:gd name="connsiteX3" fmla="*/ 2704770 w 2983628"/>
+                  <a:gd name="connsiteY3" fmla="*/ 4529797 h 4531742"/>
+                  <a:gd name="connsiteX4" fmla="*/ 17841 w 2983628"/>
+                  <a:gd name="connsiteY4" fmla="*/ 3713871 h 4531742"/>
+                  <a:gd name="connsiteX5" fmla="*/ 3774 w 2983628"/>
+                  <a:gd name="connsiteY5" fmla="*/ 0 h 4531742"/>
+                  <a:gd name="connsiteX0" fmla="*/ 3774 w 2983628"/>
+                  <a:gd name="connsiteY0" fmla="*/ 0 h 4531742"/>
+                  <a:gd name="connsiteX1" fmla="*/ 1382409 w 2983628"/>
+                  <a:gd name="connsiteY1" fmla="*/ 351694 h 4531742"/>
+                  <a:gd name="connsiteX2" fmla="*/ 2690703 w 2983628"/>
+                  <a:gd name="connsiteY2" fmla="*/ 1083212 h 4531742"/>
+                  <a:gd name="connsiteX3" fmla="*/ 2704770 w 2983628"/>
+                  <a:gd name="connsiteY3" fmla="*/ 4529797 h 4531742"/>
+                  <a:gd name="connsiteX4" fmla="*/ 17841 w 2983628"/>
+                  <a:gd name="connsiteY4" fmla="*/ 3713871 h 4531742"/>
+                  <a:gd name="connsiteX5" fmla="*/ 3774 w 2983628"/>
+                  <a:gd name="connsiteY5" fmla="*/ 0 h 4531742"/>
+                  <a:gd name="connsiteX0" fmla="*/ 3774 w 2983628"/>
+                  <a:gd name="connsiteY0" fmla="*/ 0 h 4529797"/>
+                  <a:gd name="connsiteX1" fmla="*/ 1382409 w 2983628"/>
+                  <a:gd name="connsiteY1" fmla="*/ 351694 h 4529797"/>
+                  <a:gd name="connsiteX2" fmla="*/ 2690703 w 2983628"/>
+                  <a:gd name="connsiteY2" fmla="*/ 1083212 h 4529797"/>
+                  <a:gd name="connsiteX3" fmla="*/ 2704770 w 2983628"/>
+                  <a:gd name="connsiteY3" fmla="*/ 4529797 h 4529797"/>
+                  <a:gd name="connsiteX4" fmla="*/ 17841 w 2983628"/>
+                  <a:gd name="connsiteY4" fmla="*/ 3713871 h 4529797"/>
+                  <a:gd name="connsiteX5" fmla="*/ 3774 w 2983628"/>
+                  <a:gd name="connsiteY5" fmla="*/ 0 h 4529797"/>
+                  <a:gd name="connsiteX0" fmla="*/ 3774 w 2704770"/>
+                  <a:gd name="connsiteY0" fmla="*/ 0 h 4529797"/>
+                  <a:gd name="connsiteX1" fmla="*/ 1382409 w 2704770"/>
+                  <a:gd name="connsiteY1" fmla="*/ 351694 h 4529797"/>
+                  <a:gd name="connsiteX2" fmla="*/ 2690703 w 2704770"/>
+                  <a:gd name="connsiteY2" fmla="*/ 1083212 h 4529797"/>
+                  <a:gd name="connsiteX3" fmla="*/ 2704770 w 2704770"/>
+                  <a:gd name="connsiteY3" fmla="*/ 4529797 h 4529797"/>
+                  <a:gd name="connsiteX4" fmla="*/ 17841 w 2704770"/>
+                  <a:gd name="connsiteY4" fmla="*/ 3713871 h 4529797"/>
+                  <a:gd name="connsiteX5" fmla="*/ 3774 w 2704770"/>
+                  <a:gd name="connsiteY5" fmla="*/ 0 h 4529797"/>
+                  <a:gd name="connsiteX0" fmla="*/ 3774 w 2704770"/>
+                  <a:gd name="connsiteY0" fmla="*/ 128204 h 4658001"/>
+                  <a:gd name="connsiteX1" fmla="*/ 2690703 w 2704770"/>
+                  <a:gd name="connsiteY1" fmla="*/ 1211416 h 4658001"/>
+                  <a:gd name="connsiteX2" fmla="*/ 2704770 w 2704770"/>
+                  <a:gd name="connsiteY2" fmla="*/ 4658001 h 4658001"/>
+                  <a:gd name="connsiteX3" fmla="*/ 17841 w 2704770"/>
+                  <a:gd name="connsiteY3" fmla="*/ 3842075 h 4658001"/>
+                  <a:gd name="connsiteX4" fmla="*/ 3774 w 2704770"/>
+                  <a:gd name="connsiteY4" fmla="*/ 128204 h 4658001"/>
+                  <a:gd name="connsiteX0" fmla="*/ 3774 w 2704770"/>
+                  <a:gd name="connsiteY0" fmla="*/ 112153 h 4641950"/>
+                  <a:gd name="connsiteX1" fmla="*/ 2690703 w 2704770"/>
+                  <a:gd name="connsiteY1" fmla="*/ 1195365 h 4641950"/>
+                  <a:gd name="connsiteX2" fmla="*/ 2704770 w 2704770"/>
+                  <a:gd name="connsiteY2" fmla="*/ 4641950 h 4641950"/>
+                  <a:gd name="connsiteX3" fmla="*/ 17841 w 2704770"/>
+                  <a:gd name="connsiteY3" fmla="*/ 3826024 h 4641950"/>
+                  <a:gd name="connsiteX4" fmla="*/ 3774 w 2704770"/>
+                  <a:gd name="connsiteY4" fmla="*/ 112153 h 4641950"/>
+                  <a:gd name="connsiteX0" fmla="*/ 3774 w 2704770"/>
+                  <a:gd name="connsiteY0" fmla="*/ 0 h 4529797"/>
+                  <a:gd name="connsiteX1" fmla="*/ 2690703 w 2704770"/>
+                  <a:gd name="connsiteY1" fmla="*/ 1083212 h 4529797"/>
+                  <a:gd name="connsiteX2" fmla="*/ 2704770 w 2704770"/>
+                  <a:gd name="connsiteY2" fmla="*/ 4529797 h 4529797"/>
+                  <a:gd name="connsiteX3" fmla="*/ 17841 w 2704770"/>
+                  <a:gd name="connsiteY3" fmla="*/ 3713871 h 4529797"/>
+                  <a:gd name="connsiteX4" fmla="*/ 3774 w 2704770"/>
+                  <a:gd name="connsiteY4" fmla="*/ 0 h 4529797"/>
+                  <a:gd name="connsiteX0" fmla="*/ 3774 w 2704770"/>
+                  <a:gd name="connsiteY0" fmla="*/ 0 h 4529797"/>
+                  <a:gd name="connsiteX1" fmla="*/ 2690703 w 2704770"/>
+                  <a:gd name="connsiteY1" fmla="*/ 1083212 h 4529797"/>
+                  <a:gd name="connsiteX2" fmla="*/ 2704770 w 2704770"/>
+                  <a:gd name="connsiteY2" fmla="*/ 4529797 h 4529797"/>
+                  <a:gd name="connsiteX3" fmla="*/ 17841 w 2704770"/>
+                  <a:gd name="connsiteY3" fmla="*/ 3713871 h 4529797"/>
+                  <a:gd name="connsiteX4" fmla="*/ 3774 w 2704770"/>
+                  <a:gd name="connsiteY4" fmla="*/ 0 h 4529797"/>
+                  <a:gd name="connsiteX0" fmla="*/ 3774 w 2728389"/>
+                  <a:gd name="connsiteY0" fmla="*/ 0 h 4529797"/>
+                  <a:gd name="connsiteX1" fmla="*/ 2721183 w 2728389"/>
+                  <a:gd name="connsiteY1" fmla="*/ 1075592 h 4529797"/>
+                  <a:gd name="connsiteX2" fmla="*/ 2704770 w 2728389"/>
+                  <a:gd name="connsiteY2" fmla="*/ 4529797 h 4529797"/>
+                  <a:gd name="connsiteX3" fmla="*/ 17841 w 2728389"/>
+                  <a:gd name="connsiteY3" fmla="*/ 3713871 h 4529797"/>
+                  <a:gd name="connsiteX4" fmla="*/ 3774 w 2728389"/>
+                  <a:gd name="connsiteY4" fmla="*/ 0 h 4529797"/>
+                  <a:gd name="connsiteX0" fmla="*/ 3774 w 2721387"/>
+                  <a:gd name="connsiteY0" fmla="*/ 0 h 4529797"/>
+                  <a:gd name="connsiteX1" fmla="*/ 2721183 w 2721387"/>
+                  <a:gd name="connsiteY1" fmla="*/ 1075592 h 4529797"/>
+                  <a:gd name="connsiteX2" fmla="*/ 2704770 w 2721387"/>
+                  <a:gd name="connsiteY2" fmla="*/ 4529797 h 4529797"/>
+                  <a:gd name="connsiteX3" fmla="*/ 17841 w 2721387"/>
+                  <a:gd name="connsiteY3" fmla="*/ 3713871 h 4529797"/>
+                  <a:gd name="connsiteX4" fmla="*/ 3774 w 2721387"/>
+                  <a:gd name="connsiteY4" fmla="*/ 0 h 4529797"/>
+                  <a:gd name="connsiteX0" fmla="*/ 3774 w 2721859"/>
+                  <a:gd name="connsiteY0" fmla="*/ 0 h 4529797"/>
+                  <a:gd name="connsiteX1" fmla="*/ 2721183 w 2721859"/>
+                  <a:gd name="connsiteY1" fmla="*/ 1075592 h 4529797"/>
+                  <a:gd name="connsiteX2" fmla="*/ 2704770 w 2721859"/>
+                  <a:gd name="connsiteY2" fmla="*/ 4529797 h 4529797"/>
+                  <a:gd name="connsiteX3" fmla="*/ 17841 w 2721859"/>
+                  <a:gd name="connsiteY3" fmla="*/ 3713871 h 4529797"/>
+                  <a:gd name="connsiteX4" fmla="*/ 3774 w 2721859"/>
+                  <a:gd name="connsiteY4" fmla="*/ 0 h 4529797"/>
+                  <a:gd name="connsiteX0" fmla="*/ 3774 w 2721859"/>
+                  <a:gd name="connsiteY0" fmla="*/ 0 h 4529797"/>
+                  <a:gd name="connsiteX1" fmla="*/ 2721183 w 2721859"/>
+                  <a:gd name="connsiteY1" fmla="*/ 1075592 h 4529797"/>
+                  <a:gd name="connsiteX2" fmla="*/ 2704770 w 2721859"/>
+                  <a:gd name="connsiteY2" fmla="*/ 4529797 h 4529797"/>
+                  <a:gd name="connsiteX3" fmla="*/ 17841 w 2721859"/>
+                  <a:gd name="connsiteY3" fmla="*/ 3713871 h 4529797"/>
+                  <a:gd name="connsiteX4" fmla="*/ 3774 w 2721859"/>
+                  <a:gd name="connsiteY4" fmla="*/ 0 h 4529797"/>
+                </a:gdLst>
+                <a:ahLst/>
+                <a:cxnLst>
+                  <a:cxn ang="0">
+                    <a:pos x="connsiteX0" y="connsiteY0"/>
+                  </a:cxn>
+                  <a:cxn ang="0">
+                    <a:pos x="connsiteX1" y="connsiteY1"/>
+                  </a:cxn>
+                  <a:cxn ang="0">
+                    <a:pos x="connsiteX2" y="connsiteY2"/>
+                  </a:cxn>
+                  <a:cxn ang="0">
+                    <a:pos x="connsiteX3" y="connsiteY3"/>
+                  </a:cxn>
+                  <a:cxn ang="0">
+                    <a:pos x="connsiteX4" y="connsiteY4"/>
+                  </a:cxn>
+                </a:cxnLst>
+                <a:rect l="l" t="t" r="r" b="b"/>
+                <a:pathLst>
+                  <a:path w="2721859" h="4529797">
+                    <a:moveTo>
+                      <a:pt x="3774" y="0"/>
+                    </a:moveTo>
+                    <a:cubicBezTo>
+                      <a:pt x="1152635" y="96130"/>
+                      <a:pt x="2017799" y="503506"/>
+                      <a:pt x="2721183" y="1075592"/>
+                    </a:cubicBezTo>
+                    <a:cubicBezTo>
+                      <a:pt x="2724114" y="1508173"/>
+                      <a:pt x="2717312" y="3702294"/>
+                      <a:pt x="2704770" y="4529797"/>
+                    </a:cubicBezTo>
+                    <a:cubicBezTo>
+                      <a:pt x="2343699" y="4194516"/>
+                      <a:pt x="1218284" y="3840480"/>
+                      <a:pt x="17841" y="3713871"/>
+                    </a:cubicBezTo>
+                    <a:cubicBezTo>
+                      <a:pt x="-14983" y="2757268"/>
+                      <a:pt x="8463" y="1237957"/>
+                      <a:pt x="3774" y="0"/>
+                    </a:cubicBezTo>
+                    <a:close/>
+                  </a:path>
+                </a:pathLst>
+              </a:custGeom>
+              <a:grpFill/>
+              <a:ln>
+                <a:noFill/>
+              </a:ln>
+            </p:spPr>
+            <p:style>
+              <a:lnRef idx="2">
+                <a:schemeClr val="accent1">
+                  <a:shade val="50000"/>
+                </a:schemeClr>
+              </a:lnRef>
+              <a:fillRef idx="1">
+                <a:schemeClr val="accent1"/>
+              </a:fillRef>
+              <a:effectRef idx="0">
+                <a:schemeClr val="accent1"/>
+              </a:effectRef>
+              <a:fontRef idx="minor">
+                <a:schemeClr val="lt1"/>
+              </a:fontRef>
+            </p:style>
+            <p:txBody>
+              <a:bodyPr rtlCol="0" anchor="ctr"/>
+              <a:lstStyle/>
+              <a:p>
+                <a:pPr algn="ctr"/>
+                <a:endParaRPr lang="en-US"/>
+              </a:p>
+            </p:txBody>
+          </p:sp>
+        </p:grpSp>
+        <p:grpSp>
+          <p:nvGrpSpPr>
+            <p:cNvPr id="24" name="Group 23">
+              <a:extLst>
+                <a:ext uri="{FF2B5EF4-FFF2-40B4-BE49-F238E27FC236}">
+                  <a16:creationId xmlns:a16="http://schemas.microsoft.com/office/drawing/2014/main" id="{4A1EC7CE-49D3-41C6-B2D4-E89516AFC39B}"/>
+                </a:ext>
+              </a:extLst>
+            </p:cNvPr>
+            <p:cNvGrpSpPr/>
+            <p:nvPr/>
+          </p:nvGrpSpPr>
+          <p:grpSpPr>
+            <a:xfrm>
+              <a:off x="3068145" y="2677886"/>
+              <a:ext cx="1794141" cy="2254612"/>
+              <a:chOff x="3068145" y="2677886"/>
+              <a:chExt cx="1794141" cy="2254612"/>
+            </a:xfrm>
+          </p:grpSpPr>
+          <p:sp>
+            <p:nvSpPr>
+              <p:cNvPr id="12" name="Freeform: Shape 11">
+                <a:extLst>
+                  <a:ext uri="{FF2B5EF4-FFF2-40B4-BE49-F238E27FC236}">
+                    <a16:creationId xmlns:a16="http://schemas.microsoft.com/office/drawing/2014/main" id="{99E62641-1A64-4730-90CC-C49AD41C4ED6}"/>
+                  </a:ext>
+                </a:extLst>
+              </p:cNvPr>
+              <p:cNvSpPr/>
+              <p:nvPr/>
+            </p:nvSpPr>
+            <p:spPr>
+              <a:xfrm>
+                <a:off x="3147786" y="2677886"/>
+                <a:ext cx="1714500" cy="596900"/>
+              </a:xfrm>
+              <a:custGeom>
+                <a:avLst/>
+                <a:gdLst>
+                  <a:gd name="connsiteX0" fmla="*/ 0 w 1828800"/>
+                  <a:gd name="connsiteY0" fmla="*/ 0 h 647700"/>
+                  <a:gd name="connsiteX1" fmla="*/ 1828800 w 1828800"/>
+                  <a:gd name="connsiteY1" fmla="*/ 647700 h 647700"/>
+                  <a:gd name="connsiteX0" fmla="*/ 0 w 1676400"/>
+                  <a:gd name="connsiteY0" fmla="*/ 0 h 584200"/>
+                  <a:gd name="connsiteX1" fmla="*/ 1676400 w 1676400"/>
+                  <a:gd name="connsiteY1" fmla="*/ 584200 h 584200"/>
+                  <a:gd name="connsiteX0" fmla="*/ 0 w 1676400"/>
+                  <a:gd name="connsiteY0" fmla="*/ 0 h 584200"/>
+                  <a:gd name="connsiteX1" fmla="*/ 1676400 w 1676400"/>
+                  <a:gd name="connsiteY1" fmla="*/ 584200 h 584200"/>
+                  <a:gd name="connsiteX0" fmla="*/ 0 w 1676400"/>
+                  <a:gd name="connsiteY0" fmla="*/ 0 h 584200"/>
+                  <a:gd name="connsiteX1" fmla="*/ 1676400 w 1676400"/>
+                  <a:gd name="connsiteY1" fmla="*/ 584200 h 584200"/>
+                  <a:gd name="connsiteX0" fmla="*/ 0 w 1714500"/>
+                  <a:gd name="connsiteY0" fmla="*/ 0 h 660400"/>
+                  <a:gd name="connsiteX1" fmla="*/ 1714500 w 1714500"/>
+                  <a:gd name="connsiteY1" fmla="*/ 660400 h 660400"/>
+                  <a:gd name="connsiteX0" fmla="*/ 0 w 1714500"/>
+                  <a:gd name="connsiteY0" fmla="*/ 0 h 660400"/>
+                  <a:gd name="connsiteX1" fmla="*/ 1714500 w 1714500"/>
+                  <a:gd name="connsiteY1" fmla="*/ 660400 h 660400"/>
+                  <a:gd name="connsiteX0" fmla="*/ 0 w 1714500"/>
+                  <a:gd name="connsiteY0" fmla="*/ 0 h 596900"/>
+                  <a:gd name="connsiteX1" fmla="*/ 1714500 w 1714500"/>
+                  <a:gd name="connsiteY1" fmla="*/ 596900 h 596900"/>
+                  <a:gd name="connsiteX0" fmla="*/ 0 w 1714500"/>
+                  <a:gd name="connsiteY0" fmla="*/ 0 h 596900"/>
+                  <a:gd name="connsiteX1" fmla="*/ 1714500 w 1714500"/>
+                  <a:gd name="connsiteY1" fmla="*/ 596900 h 596900"/>
+                </a:gdLst>
+                <a:ahLst/>
+                <a:cxnLst>
+                  <a:cxn ang="0">
+                    <a:pos x="connsiteX0" y="connsiteY0"/>
+                  </a:cxn>
+                  <a:cxn ang="0">
+                    <a:pos x="connsiteX1" y="connsiteY1"/>
+                  </a:cxn>
+                </a:cxnLst>
+                <a:rect l="l" t="t" r="r" b="b"/>
+                <a:pathLst>
+                  <a:path w="1714500" h="596900">
+                    <a:moveTo>
+                      <a:pt x="0" y="0"/>
+                    </a:moveTo>
+                    <a:cubicBezTo>
+                      <a:pt x="647700" y="105833"/>
+                      <a:pt x="1231900" y="262467"/>
+                      <a:pt x="1714500" y="596900"/>
+                    </a:cubicBezTo>
+                  </a:path>
+                </a:pathLst>
+              </a:custGeom>
+              <a:noFill/>
+              <a:ln w="152400">
+                <a:solidFill>
+                  <a:srgbClr val="3259A0"/>
+                </a:solidFill>
+              </a:ln>
+            </p:spPr>
+            <p:style>
+              <a:lnRef idx="2">
+                <a:schemeClr val="accent1">
+                  <a:shade val="50000"/>
+                </a:schemeClr>
+              </a:lnRef>
+              <a:fillRef idx="1">
+                <a:schemeClr val="accent1"/>
+              </a:fillRef>
+              <a:effectRef idx="0">
+                <a:schemeClr val="accent1"/>
+              </a:effectRef>
+              <a:fontRef idx="minor">
+                <a:schemeClr val="lt1"/>
+              </a:fontRef>
+            </p:style>
+            <p:txBody>
+              <a:bodyPr rtlCol="0" anchor="ctr"/>
+              <a:lstStyle/>
+              <a:p>
+                <a:pPr algn="ctr"/>
+                <a:endParaRPr lang="en-US"/>
+              </a:p>
+            </p:txBody>
+          </p:sp>
+          <p:sp>
+            <p:nvSpPr>
+              <p:cNvPr id="13" name="Freeform: Shape 12">
+                <a:extLst>
+                  <a:ext uri="{FF2B5EF4-FFF2-40B4-BE49-F238E27FC236}">
+                    <a16:creationId xmlns:a16="http://schemas.microsoft.com/office/drawing/2014/main" id="{6146558E-2032-4B09-9EDA-F0E65AC7DC40}"/>
+                  </a:ext>
+                </a:extLst>
+              </p:cNvPr>
+              <p:cNvSpPr/>
+              <p:nvPr/>
+            </p:nvSpPr>
+            <p:spPr>
+              <a:xfrm>
+                <a:off x="3124577" y="2990850"/>
+                <a:ext cx="1722120" cy="581660"/>
+              </a:xfrm>
+              <a:custGeom>
+                <a:avLst/>
+                <a:gdLst>
+                  <a:gd name="connsiteX0" fmla="*/ 0 w 1828800"/>
+                  <a:gd name="connsiteY0" fmla="*/ 0 h 647700"/>
+                  <a:gd name="connsiteX1" fmla="*/ 1828800 w 1828800"/>
+                  <a:gd name="connsiteY1" fmla="*/ 647700 h 647700"/>
+                  <a:gd name="connsiteX0" fmla="*/ 0 w 1676400"/>
+                  <a:gd name="connsiteY0" fmla="*/ 0 h 584200"/>
+                  <a:gd name="connsiteX1" fmla="*/ 1676400 w 1676400"/>
+                  <a:gd name="connsiteY1" fmla="*/ 584200 h 584200"/>
+                  <a:gd name="connsiteX0" fmla="*/ 0 w 1676400"/>
+                  <a:gd name="connsiteY0" fmla="*/ 0 h 584200"/>
+                  <a:gd name="connsiteX1" fmla="*/ 1676400 w 1676400"/>
+                  <a:gd name="connsiteY1" fmla="*/ 584200 h 584200"/>
+                  <a:gd name="connsiteX0" fmla="*/ 0 w 1676400"/>
+                  <a:gd name="connsiteY0" fmla="*/ 0 h 584200"/>
+                  <a:gd name="connsiteX1" fmla="*/ 1676400 w 1676400"/>
+                  <a:gd name="connsiteY1" fmla="*/ 584200 h 584200"/>
+                  <a:gd name="connsiteX0" fmla="*/ 0 w 1714500"/>
+                  <a:gd name="connsiteY0" fmla="*/ 0 h 660400"/>
+                  <a:gd name="connsiteX1" fmla="*/ 1714500 w 1714500"/>
+                  <a:gd name="connsiteY1" fmla="*/ 660400 h 660400"/>
+                  <a:gd name="connsiteX0" fmla="*/ 0 w 1714500"/>
+                  <a:gd name="connsiteY0" fmla="*/ 0 h 660400"/>
+                  <a:gd name="connsiteX1" fmla="*/ 1714500 w 1714500"/>
+                  <a:gd name="connsiteY1" fmla="*/ 660400 h 660400"/>
+                  <a:gd name="connsiteX0" fmla="*/ 0 w 1714500"/>
+                  <a:gd name="connsiteY0" fmla="*/ 0 h 596900"/>
+                  <a:gd name="connsiteX1" fmla="*/ 1714500 w 1714500"/>
+                  <a:gd name="connsiteY1" fmla="*/ 596900 h 596900"/>
+                  <a:gd name="connsiteX0" fmla="*/ 0 w 1714500"/>
+                  <a:gd name="connsiteY0" fmla="*/ 0 h 596900"/>
+                  <a:gd name="connsiteX1" fmla="*/ 1714500 w 1714500"/>
+                  <a:gd name="connsiteY1" fmla="*/ 596900 h 596900"/>
+                  <a:gd name="connsiteX0" fmla="*/ 0 w 1722120"/>
+                  <a:gd name="connsiteY0" fmla="*/ 0 h 581660"/>
+                  <a:gd name="connsiteX1" fmla="*/ 1722120 w 1722120"/>
+                  <a:gd name="connsiteY1" fmla="*/ 581660 h 581660"/>
+                  <a:gd name="connsiteX0" fmla="*/ 0 w 1722120"/>
+                  <a:gd name="connsiteY0" fmla="*/ 0 h 581660"/>
+                  <a:gd name="connsiteX1" fmla="*/ 1722120 w 1722120"/>
+                  <a:gd name="connsiteY1" fmla="*/ 581660 h 581660"/>
+                </a:gdLst>
+                <a:ahLst/>
+                <a:cxnLst>
+                  <a:cxn ang="0">
+                    <a:pos x="connsiteX0" y="connsiteY0"/>
+                  </a:cxn>
+                  <a:cxn ang="0">
+                    <a:pos x="connsiteX1" y="connsiteY1"/>
+                  </a:cxn>
+                </a:cxnLst>
+                <a:rect l="l" t="t" r="r" b="b"/>
+                <a:pathLst>
+                  <a:path w="1722120" h="581660">
+                    <a:moveTo>
+                      <a:pt x="0" y="0"/>
+                    </a:moveTo>
+                    <a:cubicBezTo>
+                      <a:pt x="647700" y="105833"/>
+                      <a:pt x="1216660" y="262467"/>
+                      <a:pt x="1722120" y="581660"/>
+                    </a:cubicBezTo>
+                  </a:path>
+                </a:pathLst>
+              </a:custGeom>
+              <a:noFill/>
+              <a:ln w="152400">
+                <a:solidFill>
+                  <a:srgbClr val="3259A0"/>
+                </a:solidFill>
+              </a:ln>
+            </p:spPr>
+            <p:style>
+              <a:lnRef idx="2">
+                <a:schemeClr val="accent1">
+                  <a:shade val="50000"/>
+                </a:schemeClr>
+              </a:lnRef>
+              <a:fillRef idx="1">
+                <a:schemeClr val="accent1"/>
+              </a:fillRef>
+              <a:effectRef idx="0">
+                <a:schemeClr val="accent1"/>
+              </a:effectRef>
+              <a:fontRef idx="minor">
+                <a:schemeClr val="lt1"/>
+              </a:fontRef>
+            </p:style>
+            <p:txBody>
+              <a:bodyPr rtlCol="0" anchor="ctr"/>
+              <a:lstStyle/>
+              <a:p>
+                <a:pPr algn="ctr"/>
+                <a:endParaRPr lang="en-US"/>
+              </a:p>
+            </p:txBody>
+          </p:sp>
+          <p:sp>
+            <p:nvSpPr>
+              <p:cNvPr id="18" name="Freeform: Shape 17">
+                <a:extLst>
+                  <a:ext uri="{FF2B5EF4-FFF2-40B4-BE49-F238E27FC236}">
+                    <a16:creationId xmlns:a16="http://schemas.microsoft.com/office/drawing/2014/main" id="{1E371F56-01DB-4C26-85CC-921A5B313669}"/>
+                  </a:ext>
+                </a:extLst>
+              </p:cNvPr>
+              <p:cNvSpPr/>
+              <p:nvPr/>
+            </p:nvSpPr>
+            <p:spPr>
+              <a:xfrm>
+                <a:off x="3110145" y="3306446"/>
+                <a:ext cx="1706880" cy="543560"/>
+              </a:xfrm>
+              <a:custGeom>
+                <a:avLst/>
+                <a:gdLst>
+                  <a:gd name="connsiteX0" fmla="*/ 0 w 1828800"/>
+                  <a:gd name="connsiteY0" fmla="*/ 0 h 647700"/>
+                  <a:gd name="connsiteX1" fmla="*/ 1828800 w 1828800"/>
+                  <a:gd name="connsiteY1" fmla="*/ 647700 h 647700"/>
+                  <a:gd name="connsiteX0" fmla="*/ 0 w 1676400"/>
+                  <a:gd name="connsiteY0" fmla="*/ 0 h 584200"/>
+                  <a:gd name="connsiteX1" fmla="*/ 1676400 w 1676400"/>
+                  <a:gd name="connsiteY1" fmla="*/ 584200 h 584200"/>
+                  <a:gd name="connsiteX0" fmla="*/ 0 w 1676400"/>
+                  <a:gd name="connsiteY0" fmla="*/ 0 h 584200"/>
+                  <a:gd name="connsiteX1" fmla="*/ 1676400 w 1676400"/>
+                  <a:gd name="connsiteY1" fmla="*/ 584200 h 584200"/>
+                  <a:gd name="connsiteX0" fmla="*/ 0 w 1676400"/>
+                  <a:gd name="connsiteY0" fmla="*/ 0 h 584200"/>
+                  <a:gd name="connsiteX1" fmla="*/ 1676400 w 1676400"/>
+                  <a:gd name="connsiteY1" fmla="*/ 584200 h 584200"/>
+                  <a:gd name="connsiteX0" fmla="*/ 0 w 1714500"/>
+                  <a:gd name="connsiteY0" fmla="*/ 0 h 660400"/>
+                  <a:gd name="connsiteX1" fmla="*/ 1714500 w 1714500"/>
+                  <a:gd name="connsiteY1" fmla="*/ 660400 h 660400"/>
+                  <a:gd name="connsiteX0" fmla="*/ 0 w 1714500"/>
+                  <a:gd name="connsiteY0" fmla="*/ 0 h 660400"/>
+                  <a:gd name="connsiteX1" fmla="*/ 1714500 w 1714500"/>
+                  <a:gd name="connsiteY1" fmla="*/ 660400 h 660400"/>
+                  <a:gd name="connsiteX0" fmla="*/ 0 w 1714500"/>
+                  <a:gd name="connsiteY0" fmla="*/ 0 h 596900"/>
+                  <a:gd name="connsiteX1" fmla="*/ 1714500 w 1714500"/>
+                  <a:gd name="connsiteY1" fmla="*/ 596900 h 596900"/>
+                  <a:gd name="connsiteX0" fmla="*/ 0 w 1714500"/>
+                  <a:gd name="connsiteY0" fmla="*/ 0 h 596900"/>
+                  <a:gd name="connsiteX1" fmla="*/ 1714500 w 1714500"/>
+                  <a:gd name="connsiteY1" fmla="*/ 596900 h 596900"/>
+                  <a:gd name="connsiteX0" fmla="*/ 0 w 1714500"/>
+                  <a:gd name="connsiteY0" fmla="*/ 0 h 566420"/>
+                  <a:gd name="connsiteX1" fmla="*/ 1714500 w 1714500"/>
+                  <a:gd name="connsiteY1" fmla="*/ 566420 h 566420"/>
+                  <a:gd name="connsiteX0" fmla="*/ 0 w 1714500"/>
+                  <a:gd name="connsiteY0" fmla="*/ 0 h 566420"/>
+                  <a:gd name="connsiteX1" fmla="*/ 1714500 w 1714500"/>
+                  <a:gd name="connsiteY1" fmla="*/ 566420 h 566420"/>
+                  <a:gd name="connsiteX0" fmla="*/ 0 w 1706880"/>
+                  <a:gd name="connsiteY0" fmla="*/ 0 h 543560"/>
+                  <a:gd name="connsiteX1" fmla="*/ 1706880 w 1706880"/>
+                  <a:gd name="connsiteY1" fmla="*/ 543560 h 543560"/>
+                </a:gdLst>
+                <a:ahLst/>
+                <a:cxnLst>
+                  <a:cxn ang="0">
+                    <a:pos x="connsiteX0" y="connsiteY0"/>
+                  </a:cxn>
+                  <a:cxn ang="0">
+                    <a:pos x="connsiteX1" y="connsiteY1"/>
+                  </a:cxn>
+                </a:cxnLst>
+                <a:rect l="l" t="t" r="r" b="b"/>
+                <a:pathLst>
+                  <a:path w="1706880" h="543560">
+                    <a:moveTo>
+                      <a:pt x="0" y="0"/>
+                    </a:moveTo>
+                    <a:cubicBezTo>
+                      <a:pt x="647700" y="105833"/>
+                      <a:pt x="1209040" y="247227"/>
+                      <a:pt x="1706880" y="543560"/>
+                    </a:cubicBezTo>
+                  </a:path>
+                </a:pathLst>
+              </a:custGeom>
+              <a:noFill/>
+              <a:ln w="152400">
+                <a:solidFill>
+                  <a:srgbClr val="3259A0"/>
+                </a:solidFill>
+              </a:ln>
+            </p:spPr>
+            <p:style>
+              <a:lnRef idx="2">
+                <a:schemeClr val="accent1">
+                  <a:shade val="50000"/>
+                </a:schemeClr>
+              </a:lnRef>
+              <a:fillRef idx="1">
+                <a:schemeClr val="accent1"/>
+              </a:fillRef>
+              <a:effectRef idx="0">
+                <a:schemeClr val="accent1"/>
+              </a:effectRef>
+              <a:fontRef idx="minor">
+                <a:schemeClr val="lt1"/>
+              </a:fontRef>
+            </p:style>
+            <p:txBody>
+              <a:bodyPr rtlCol="0" anchor="ctr"/>
+              <a:lstStyle/>
+              <a:p>
+                <a:pPr algn="ctr"/>
+                <a:endParaRPr lang="en-US"/>
+              </a:p>
+            </p:txBody>
+          </p:sp>
+          <p:sp>
+            <p:nvSpPr>
+              <p:cNvPr id="19" name="Freeform: Shape 18">
+                <a:extLst>
+                  <a:ext uri="{FF2B5EF4-FFF2-40B4-BE49-F238E27FC236}">
+                    <a16:creationId xmlns:a16="http://schemas.microsoft.com/office/drawing/2014/main" id="{421603E4-5048-444F-A03A-6BFAAFE9A3A7}"/>
+                  </a:ext>
+                </a:extLst>
+              </p:cNvPr>
+              <p:cNvSpPr/>
+              <p:nvPr/>
+            </p:nvSpPr>
+            <p:spPr>
+              <a:xfrm>
+                <a:off x="3097335" y="3587749"/>
+                <a:ext cx="1729740" cy="551180"/>
+              </a:xfrm>
+              <a:custGeom>
+                <a:avLst/>
+                <a:gdLst>
+                  <a:gd name="connsiteX0" fmla="*/ 0 w 1828800"/>
+                  <a:gd name="connsiteY0" fmla="*/ 0 h 647700"/>
+                  <a:gd name="connsiteX1" fmla="*/ 1828800 w 1828800"/>
+                  <a:gd name="connsiteY1" fmla="*/ 647700 h 647700"/>
+                  <a:gd name="connsiteX0" fmla="*/ 0 w 1676400"/>
+                  <a:gd name="connsiteY0" fmla="*/ 0 h 584200"/>
+                  <a:gd name="connsiteX1" fmla="*/ 1676400 w 1676400"/>
+                  <a:gd name="connsiteY1" fmla="*/ 584200 h 584200"/>
+                  <a:gd name="connsiteX0" fmla="*/ 0 w 1676400"/>
+                  <a:gd name="connsiteY0" fmla="*/ 0 h 584200"/>
+                  <a:gd name="connsiteX1" fmla="*/ 1676400 w 1676400"/>
+                  <a:gd name="connsiteY1" fmla="*/ 584200 h 584200"/>
+                  <a:gd name="connsiteX0" fmla="*/ 0 w 1676400"/>
+                  <a:gd name="connsiteY0" fmla="*/ 0 h 584200"/>
+                  <a:gd name="connsiteX1" fmla="*/ 1676400 w 1676400"/>
+                  <a:gd name="connsiteY1" fmla="*/ 584200 h 584200"/>
+                  <a:gd name="connsiteX0" fmla="*/ 0 w 1714500"/>
+                  <a:gd name="connsiteY0" fmla="*/ 0 h 660400"/>
+                  <a:gd name="connsiteX1" fmla="*/ 1714500 w 1714500"/>
+                  <a:gd name="connsiteY1" fmla="*/ 660400 h 660400"/>
+                  <a:gd name="connsiteX0" fmla="*/ 0 w 1714500"/>
+                  <a:gd name="connsiteY0" fmla="*/ 0 h 660400"/>
+                  <a:gd name="connsiteX1" fmla="*/ 1714500 w 1714500"/>
+                  <a:gd name="connsiteY1" fmla="*/ 660400 h 660400"/>
+                  <a:gd name="connsiteX0" fmla="*/ 0 w 1714500"/>
+                  <a:gd name="connsiteY0" fmla="*/ 0 h 596900"/>
+                  <a:gd name="connsiteX1" fmla="*/ 1714500 w 1714500"/>
+                  <a:gd name="connsiteY1" fmla="*/ 596900 h 596900"/>
+                  <a:gd name="connsiteX0" fmla="*/ 0 w 1714500"/>
+                  <a:gd name="connsiteY0" fmla="*/ 0 h 596900"/>
+                  <a:gd name="connsiteX1" fmla="*/ 1714500 w 1714500"/>
+                  <a:gd name="connsiteY1" fmla="*/ 596900 h 596900"/>
+                  <a:gd name="connsiteX0" fmla="*/ 0 w 1729740"/>
+                  <a:gd name="connsiteY0" fmla="*/ 0 h 551180"/>
+                  <a:gd name="connsiteX1" fmla="*/ 1729740 w 1729740"/>
+                  <a:gd name="connsiteY1" fmla="*/ 551180 h 551180"/>
+                  <a:gd name="connsiteX0" fmla="*/ 0 w 1729740"/>
+                  <a:gd name="connsiteY0" fmla="*/ 0 h 551180"/>
+                  <a:gd name="connsiteX1" fmla="*/ 1729740 w 1729740"/>
+                  <a:gd name="connsiteY1" fmla="*/ 551180 h 551180"/>
+                </a:gdLst>
+                <a:ahLst/>
+                <a:cxnLst>
+                  <a:cxn ang="0">
+                    <a:pos x="connsiteX0" y="connsiteY0"/>
+                  </a:cxn>
+                  <a:cxn ang="0">
+                    <a:pos x="connsiteX1" y="connsiteY1"/>
+                  </a:cxn>
+                </a:cxnLst>
+                <a:rect l="l" t="t" r="r" b="b"/>
+                <a:pathLst>
+                  <a:path w="1729740" h="551180">
+                    <a:moveTo>
+                      <a:pt x="0" y="0"/>
+                    </a:moveTo>
+                    <a:cubicBezTo>
+                      <a:pt x="647700" y="105833"/>
+                      <a:pt x="1231900" y="254847"/>
+                      <a:pt x="1729740" y="551180"/>
+                    </a:cubicBezTo>
+                  </a:path>
+                </a:pathLst>
+              </a:custGeom>
+              <a:noFill/>
+              <a:ln w="152400">
+                <a:solidFill>
+                  <a:srgbClr val="3259A0"/>
+                </a:solidFill>
+              </a:ln>
+            </p:spPr>
+            <p:style>
+              <a:lnRef idx="2">
+                <a:schemeClr val="accent1">
+                  <a:shade val="50000"/>
+                </a:schemeClr>
+              </a:lnRef>
+              <a:fillRef idx="1">
+                <a:schemeClr val="accent1"/>
+              </a:fillRef>
+              <a:effectRef idx="0">
+                <a:schemeClr val="accent1"/>
+              </a:effectRef>
+              <a:fontRef idx="minor">
+                <a:schemeClr val="lt1"/>
+              </a:fontRef>
+            </p:style>
+            <p:txBody>
+              <a:bodyPr rtlCol="0" anchor="ctr"/>
+              <a:lstStyle/>
+              <a:p>
+                <a:pPr algn="ctr"/>
+                <a:endParaRPr lang="en-US"/>
+              </a:p>
+            </p:txBody>
+          </p:sp>
+          <p:sp>
+            <p:nvSpPr>
+              <p:cNvPr id="20" name="Freeform: Shape 19">
+                <a:extLst>
+                  <a:ext uri="{FF2B5EF4-FFF2-40B4-BE49-F238E27FC236}">
+                    <a16:creationId xmlns:a16="http://schemas.microsoft.com/office/drawing/2014/main" id="{2FAA66A0-0D1E-4509-9ECB-E9C17245F556}"/>
+                  </a:ext>
+                </a:extLst>
+              </p:cNvPr>
+              <p:cNvSpPr/>
+              <p:nvPr/>
+            </p:nvSpPr>
+            <p:spPr>
+              <a:xfrm>
+                <a:off x="3097335" y="3868595"/>
+                <a:ext cx="1691640" cy="535940"/>
+              </a:xfrm>
+              <a:custGeom>
+                <a:avLst/>
+                <a:gdLst>
+                  <a:gd name="connsiteX0" fmla="*/ 0 w 1828800"/>
+                  <a:gd name="connsiteY0" fmla="*/ 0 h 647700"/>
+                  <a:gd name="connsiteX1" fmla="*/ 1828800 w 1828800"/>
+                  <a:gd name="connsiteY1" fmla="*/ 647700 h 647700"/>
+                  <a:gd name="connsiteX0" fmla="*/ 0 w 1676400"/>
+                  <a:gd name="connsiteY0" fmla="*/ 0 h 584200"/>
+                  <a:gd name="connsiteX1" fmla="*/ 1676400 w 1676400"/>
+                  <a:gd name="connsiteY1" fmla="*/ 584200 h 584200"/>
+                  <a:gd name="connsiteX0" fmla="*/ 0 w 1676400"/>
+                  <a:gd name="connsiteY0" fmla="*/ 0 h 584200"/>
+                  <a:gd name="connsiteX1" fmla="*/ 1676400 w 1676400"/>
+                  <a:gd name="connsiteY1" fmla="*/ 584200 h 584200"/>
+                  <a:gd name="connsiteX0" fmla="*/ 0 w 1676400"/>
+                  <a:gd name="connsiteY0" fmla="*/ 0 h 584200"/>
+                  <a:gd name="connsiteX1" fmla="*/ 1676400 w 1676400"/>
+                  <a:gd name="connsiteY1" fmla="*/ 584200 h 584200"/>
+                  <a:gd name="connsiteX0" fmla="*/ 0 w 1714500"/>
+                  <a:gd name="connsiteY0" fmla="*/ 0 h 660400"/>
+                  <a:gd name="connsiteX1" fmla="*/ 1714500 w 1714500"/>
+                  <a:gd name="connsiteY1" fmla="*/ 660400 h 660400"/>
+                  <a:gd name="connsiteX0" fmla="*/ 0 w 1714500"/>
+                  <a:gd name="connsiteY0" fmla="*/ 0 h 660400"/>
+                  <a:gd name="connsiteX1" fmla="*/ 1714500 w 1714500"/>
+                  <a:gd name="connsiteY1" fmla="*/ 660400 h 660400"/>
+                  <a:gd name="connsiteX0" fmla="*/ 0 w 1714500"/>
+                  <a:gd name="connsiteY0" fmla="*/ 0 h 596900"/>
+                  <a:gd name="connsiteX1" fmla="*/ 1714500 w 1714500"/>
+                  <a:gd name="connsiteY1" fmla="*/ 596900 h 596900"/>
+                  <a:gd name="connsiteX0" fmla="*/ 0 w 1714500"/>
+                  <a:gd name="connsiteY0" fmla="*/ 0 h 596900"/>
+                  <a:gd name="connsiteX1" fmla="*/ 1714500 w 1714500"/>
+                  <a:gd name="connsiteY1" fmla="*/ 596900 h 596900"/>
+                  <a:gd name="connsiteX0" fmla="*/ 0 w 1699260"/>
+                  <a:gd name="connsiteY0" fmla="*/ 0 h 482600"/>
+                  <a:gd name="connsiteX1" fmla="*/ 1699260 w 1699260"/>
+                  <a:gd name="connsiteY1" fmla="*/ 482600 h 482600"/>
+                  <a:gd name="connsiteX0" fmla="*/ 0 w 1691640"/>
+                  <a:gd name="connsiteY0" fmla="*/ 0 h 535940"/>
+                  <a:gd name="connsiteX1" fmla="*/ 1691640 w 1691640"/>
+                  <a:gd name="connsiteY1" fmla="*/ 535940 h 535940"/>
+                  <a:gd name="connsiteX0" fmla="*/ 0 w 1691640"/>
+                  <a:gd name="connsiteY0" fmla="*/ 0 h 535940"/>
+                  <a:gd name="connsiteX1" fmla="*/ 1691640 w 1691640"/>
+                  <a:gd name="connsiteY1" fmla="*/ 535940 h 535940"/>
+                  <a:gd name="connsiteX0" fmla="*/ 0 w 1691640"/>
+                  <a:gd name="connsiteY0" fmla="*/ 0 h 535940"/>
+                  <a:gd name="connsiteX1" fmla="*/ 1691640 w 1691640"/>
+                  <a:gd name="connsiteY1" fmla="*/ 535940 h 535940"/>
+                </a:gdLst>
+                <a:ahLst/>
+                <a:cxnLst>
+                  <a:cxn ang="0">
+                    <a:pos x="connsiteX0" y="connsiteY0"/>
+                  </a:cxn>
+                  <a:cxn ang="0">
+                    <a:pos x="connsiteX1" y="connsiteY1"/>
+                  </a:cxn>
+                </a:cxnLst>
+                <a:rect l="l" t="t" r="r" b="b"/>
+                <a:pathLst>
+                  <a:path w="1691640" h="535940">
+                    <a:moveTo>
+                      <a:pt x="0" y="0"/>
+                    </a:moveTo>
+                    <a:cubicBezTo>
+                      <a:pt x="647700" y="105833"/>
+                      <a:pt x="1149985" y="289137"/>
+                      <a:pt x="1691640" y="535940"/>
+                    </a:cubicBezTo>
+                  </a:path>
+                </a:pathLst>
+              </a:custGeom>
+              <a:noFill/>
+              <a:ln w="152400">
+                <a:solidFill>
+                  <a:srgbClr val="3259A0"/>
+                </a:solidFill>
+              </a:ln>
+            </p:spPr>
+            <p:style>
+              <a:lnRef idx="2">
+                <a:schemeClr val="accent1">
+                  <a:shade val="50000"/>
+                </a:schemeClr>
+              </a:lnRef>
+              <a:fillRef idx="1">
+                <a:schemeClr val="accent1"/>
+              </a:fillRef>
+              <a:effectRef idx="0">
+                <a:schemeClr val="accent1"/>
+              </a:effectRef>
+              <a:fontRef idx="minor">
+                <a:schemeClr val="lt1"/>
+              </a:fontRef>
+            </p:style>
+            <p:txBody>
+              <a:bodyPr rtlCol="0" anchor="ctr"/>
+              <a:lstStyle/>
+              <a:p>
+                <a:pPr algn="ctr"/>
+                <a:endParaRPr lang="en-US"/>
+              </a:p>
+            </p:txBody>
+          </p:sp>
+          <p:sp>
+            <p:nvSpPr>
+              <p:cNvPr id="21" name="Freeform: Shape 20">
+                <a:extLst>
+                  <a:ext uri="{FF2B5EF4-FFF2-40B4-BE49-F238E27FC236}">
+                    <a16:creationId xmlns:a16="http://schemas.microsoft.com/office/drawing/2014/main" id="{DBAA75AC-B9AE-4018-8608-EC15746FE165}"/>
+                  </a:ext>
+                </a:extLst>
+              </p:cNvPr>
+              <p:cNvSpPr/>
+              <p:nvPr/>
+            </p:nvSpPr>
+            <p:spPr>
+              <a:xfrm>
+                <a:off x="3074125" y="4181558"/>
+                <a:ext cx="1693545" cy="474980"/>
+              </a:xfrm>
+              <a:custGeom>
+                <a:avLst/>
+                <a:gdLst>
+                  <a:gd name="connsiteX0" fmla="*/ 0 w 1828800"/>
+                  <a:gd name="connsiteY0" fmla="*/ 0 h 647700"/>
+                  <a:gd name="connsiteX1" fmla="*/ 1828800 w 1828800"/>
+                  <a:gd name="connsiteY1" fmla="*/ 647700 h 647700"/>
+                  <a:gd name="connsiteX0" fmla="*/ 0 w 1676400"/>
+                  <a:gd name="connsiteY0" fmla="*/ 0 h 584200"/>
+                  <a:gd name="connsiteX1" fmla="*/ 1676400 w 1676400"/>
+                  <a:gd name="connsiteY1" fmla="*/ 584200 h 584200"/>
+                  <a:gd name="connsiteX0" fmla="*/ 0 w 1676400"/>
+                  <a:gd name="connsiteY0" fmla="*/ 0 h 584200"/>
+                  <a:gd name="connsiteX1" fmla="*/ 1676400 w 1676400"/>
+                  <a:gd name="connsiteY1" fmla="*/ 584200 h 584200"/>
+                  <a:gd name="connsiteX0" fmla="*/ 0 w 1676400"/>
+                  <a:gd name="connsiteY0" fmla="*/ 0 h 584200"/>
+                  <a:gd name="connsiteX1" fmla="*/ 1676400 w 1676400"/>
+                  <a:gd name="connsiteY1" fmla="*/ 584200 h 584200"/>
+                  <a:gd name="connsiteX0" fmla="*/ 0 w 1714500"/>
+                  <a:gd name="connsiteY0" fmla="*/ 0 h 660400"/>
+                  <a:gd name="connsiteX1" fmla="*/ 1714500 w 1714500"/>
+                  <a:gd name="connsiteY1" fmla="*/ 660400 h 660400"/>
+                  <a:gd name="connsiteX0" fmla="*/ 0 w 1714500"/>
+                  <a:gd name="connsiteY0" fmla="*/ 0 h 660400"/>
+                  <a:gd name="connsiteX1" fmla="*/ 1714500 w 1714500"/>
+                  <a:gd name="connsiteY1" fmla="*/ 660400 h 660400"/>
+                  <a:gd name="connsiteX0" fmla="*/ 0 w 1714500"/>
+                  <a:gd name="connsiteY0" fmla="*/ 0 h 596900"/>
+                  <a:gd name="connsiteX1" fmla="*/ 1714500 w 1714500"/>
+                  <a:gd name="connsiteY1" fmla="*/ 596900 h 596900"/>
+                  <a:gd name="connsiteX0" fmla="*/ 0 w 1714500"/>
+                  <a:gd name="connsiteY0" fmla="*/ 0 h 596900"/>
+                  <a:gd name="connsiteX1" fmla="*/ 1714500 w 1714500"/>
+                  <a:gd name="connsiteY1" fmla="*/ 596900 h 596900"/>
+                  <a:gd name="connsiteX0" fmla="*/ 0 w 1722120"/>
+                  <a:gd name="connsiteY0" fmla="*/ 0 h 474980"/>
+                  <a:gd name="connsiteX1" fmla="*/ 1722120 w 1722120"/>
+                  <a:gd name="connsiteY1" fmla="*/ 474980 h 474980"/>
+                  <a:gd name="connsiteX0" fmla="*/ 0 w 1722120"/>
+                  <a:gd name="connsiteY0" fmla="*/ 0 h 474980"/>
+                  <a:gd name="connsiteX1" fmla="*/ 1722120 w 1722120"/>
+                  <a:gd name="connsiteY1" fmla="*/ 474980 h 474980"/>
+                  <a:gd name="connsiteX0" fmla="*/ 0 w 1722120"/>
+                  <a:gd name="connsiteY0" fmla="*/ 0 h 513080"/>
+                  <a:gd name="connsiteX1" fmla="*/ 1722120 w 1722120"/>
+                  <a:gd name="connsiteY1" fmla="*/ 513080 h 513080"/>
+                  <a:gd name="connsiteX0" fmla="*/ 0 w 1722120"/>
+                  <a:gd name="connsiteY0" fmla="*/ 0 h 513080"/>
+                  <a:gd name="connsiteX1" fmla="*/ 1722120 w 1722120"/>
+                  <a:gd name="connsiteY1" fmla="*/ 513080 h 513080"/>
+                  <a:gd name="connsiteX0" fmla="*/ 0 w 1722120"/>
+                  <a:gd name="connsiteY0" fmla="*/ 0 h 513080"/>
+                  <a:gd name="connsiteX1" fmla="*/ 1722120 w 1722120"/>
+                  <a:gd name="connsiteY1" fmla="*/ 513080 h 513080"/>
+                  <a:gd name="connsiteX0" fmla="*/ 0 w 1722120"/>
+                  <a:gd name="connsiteY0" fmla="*/ 0 h 513080"/>
+                  <a:gd name="connsiteX1" fmla="*/ 1722120 w 1722120"/>
+                  <a:gd name="connsiteY1" fmla="*/ 513080 h 513080"/>
+                  <a:gd name="connsiteX0" fmla="*/ 0 w 1722120"/>
+                  <a:gd name="connsiteY0" fmla="*/ 0 h 513080"/>
+                  <a:gd name="connsiteX1" fmla="*/ 1722120 w 1722120"/>
+                  <a:gd name="connsiteY1" fmla="*/ 513080 h 513080"/>
+                  <a:gd name="connsiteX0" fmla="*/ 0 w 1693545"/>
+                  <a:gd name="connsiteY0" fmla="*/ 0 h 503555"/>
+                  <a:gd name="connsiteX1" fmla="*/ 1693545 w 1693545"/>
+                  <a:gd name="connsiteY1" fmla="*/ 503555 h 503555"/>
+                  <a:gd name="connsiteX0" fmla="*/ 0 w 1693545"/>
+                  <a:gd name="connsiteY0" fmla="*/ 0 h 474980"/>
+                  <a:gd name="connsiteX1" fmla="*/ 1693545 w 1693545"/>
+                  <a:gd name="connsiteY1" fmla="*/ 474980 h 474980"/>
+                  <a:gd name="connsiteX0" fmla="*/ 0 w 1693545"/>
+                  <a:gd name="connsiteY0" fmla="*/ 0 h 474980"/>
+                  <a:gd name="connsiteX1" fmla="*/ 1693545 w 1693545"/>
+                  <a:gd name="connsiteY1" fmla="*/ 474980 h 474980"/>
+                </a:gdLst>
+                <a:ahLst/>
+                <a:cxnLst>
+                  <a:cxn ang="0">
+                    <a:pos x="connsiteX0" y="connsiteY0"/>
+                  </a:cxn>
+                  <a:cxn ang="0">
+                    <a:pos x="connsiteX1" y="connsiteY1"/>
+                  </a:cxn>
+                </a:cxnLst>
+                <a:rect l="l" t="t" r="r" b="b"/>
+                <a:pathLst>
+                  <a:path w="1693545" h="474980">
+                    <a:moveTo>
+                      <a:pt x="0" y="0"/>
+                    </a:moveTo>
+                    <a:cubicBezTo>
+                      <a:pt x="632460" y="82973"/>
+                      <a:pt x="1201420" y="275802"/>
+                      <a:pt x="1693545" y="474980"/>
+                    </a:cubicBezTo>
+                  </a:path>
+                </a:pathLst>
+              </a:custGeom>
+              <a:noFill/>
+              <a:ln w="152400">
+                <a:solidFill>
+                  <a:srgbClr val="3259A0"/>
+                </a:solidFill>
+              </a:ln>
+            </p:spPr>
+            <p:style>
+              <a:lnRef idx="2">
+                <a:schemeClr val="accent1">
+                  <a:shade val="50000"/>
+                </a:schemeClr>
+              </a:lnRef>
+              <a:fillRef idx="1">
+                <a:schemeClr val="accent1"/>
+              </a:fillRef>
+              <a:effectRef idx="0">
+                <a:schemeClr val="accent1"/>
+              </a:effectRef>
+              <a:fontRef idx="minor">
+                <a:schemeClr val="lt1"/>
+              </a:fontRef>
+            </p:style>
+            <p:txBody>
+              <a:bodyPr rtlCol="0" anchor="ctr"/>
+              <a:lstStyle/>
+              <a:p>
+                <a:pPr algn="ctr"/>
+                <a:endParaRPr lang="en-US"/>
+              </a:p>
+            </p:txBody>
+          </p:sp>
+          <p:sp>
+            <p:nvSpPr>
+              <p:cNvPr id="22" name="Freeform: Shape 21">
+                <a:extLst>
+                  <a:ext uri="{FF2B5EF4-FFF2-40B4-BE49-F238E27FC236}">
+                    <a16:creationId xmlns:a16="http://schemas.microsoft.com/office/drawing/2014/main" id="{57F86FB0-4DF4-4411-938F-94354FA1B9C2}"/>
+                  </a:ext>
+                </a:extLst>
+              </p:cNvPr>
+              <p:cNvSpPr/>
+              <p:nvPr/>
+            </p:nvSpPr>
+            <p:spPr>
+              <a:xfrm>
+                <a:off x="3068145" y="4482283"/>
+                <a:ext cx="1714500" cy="450215"/>
+              </a:xfrm>
+              <a:custGeom>
+                <a:avLst/>
+                <a:gdLst>
+                  <a:gd name="connsiteX0" fmla="*/ 0 w 1828800"/>
+                  <a:gd name="connsiteY0" fmla="*/ 0 h 647700"/>
+                  <a:gd name="connsiteX1" fmla="*/ 1828800 w 1828800"/>
+                  <a:gd name="connsiteY1" fmla="*/ 647700 h 647700"/>
+                  <a:gd name="connsiteX0" fmla="*/ 0 w 1676400"/>
+                  <a:gd name="connsiteY0" fmla="*/ 0 h 584200"/>
+                  <a:gd name="connsiteX1" fmla="*/ 1676400 w 1676400"/>
+                  <a:gd name="connsiteY1" fmla="*/ 584200 h 584200"/>
+                  <a:gd name="connsiteX0" fmla="*/ 0 w 1676400"/>
+                  <a:gd name="connsiteY0" fmla="*/ 0 h 584200"/>
+                  <a:gd name="connsiteX1" fmla="*/ 1676400 w 1676400"/>
+                  <a:gd name="connsiteY1" fmla="*/ 584200 h 584200"/>
+                  <a:gd name="connsiteX0" fmla="*/ 0 w 1676400"/>
+                  <a:gd name="connsiteY0" fmla="*/ 0 h 584200"/>
+                  <a:gd name="connsiteX1" fmla="*/ 1676400 w 1676400"/>
+                  <a:gd name="connsiteY1" fmla="*/ 584200 h 584200"/>
+                  <a:gd name="connsiteX0" fmla="*/ 0 w 1714500"/>
+                  <a:gd name="connsiteY0" fmla="*/ 0 h 660400"/>
+                  <a:gd name="connsiteX1" fmla="*/ 1714500 w 1714500"/>
+                  <a:gd name="connsiteY1" fmla="*/ 660400 h 660400"/>
+                  <a:gd name="connsiteX0" fmla="*/ 0 w 1714500"/>
+                  <a:gd name="connsiteY0" fmla="*/ 0 h 660400"/>
+                  <a:gd name="connsiteX1" fmla="*/ 1714500 w 1714500"/>
+                  <a:gd name="connsiteY1" fmla="*/ 660400 h 660400"/>
+                  <a:gd name="connsiteX0" fmla="*/ 0 w 1714500"/>
+                  <a:gd name="connsiteY0" fmla="*/ 0 h 596900"/>
+                  <a:gd name="connsiteX1" fmla="*/ 1714500 w 1714500"/>
+                  <a:gd name="connsiteY1" fmla="*/ 596900 h 596900"/>
+                  <a:gd name="connsiteX0" fmla="*/ 0 w 1714500"/>
+                  <a:gd name="connsiteY0" fmla="*/ 0 h 596900"/>
+                  <a:gd name="connsiteX1" fmla="*/ 1714500 w 1714500"/>
+                  <a:gd name="connsiteY1" fmla="*/ 596900 h 596900"/>
+                  <a:gd name="connsiteX0" fmla="*/ 0 w 1714500"/>
+                  <a:gd name="connsiteY0" fmla="*/ 0 h 497840"/>
+                  <a:gd name="connsiteX1" fmla="*/ 1714500 w 1714500"/>
+                  <a:gd name="connsiteY1" fmla="*/ 497840 h 497840"/>
+                  <a:gd name="connsiteX0" fmla="*/ 0 w 1714500"/>
+                  <a:gd name="connsiteY0" fmla="*/ 0 h 497840"/>
+                  <a:gd name="connsiteX1" fmla="*/ 1714500 w 1714500"/>
+                  <a:gd name="connsiteY1" fmla="*/ 497840 h 497840"/>
+                  <a:gd name="connsiteX0" fmla="*/ 0 w 1704975"/>
+                  <a:gd name="connsiteY0" fmla="*/ 0 h 440690"/>
+                  <a:gd name="connsiteX1" fmla="*/ 1704975 w 1704975"/>
+                  <a:gd name="connsiteY1" fmla="*/ 440690 h 440690"/>
+                  <a:gd name="connsiteX0" fmla="*/ 0 w 1714500"/>
+                  <a:gd name="connsiteY0" fmla="*/ 0 h 450215"/>
+                  <a:gd name="connsiteX1" fmla="*/ 1714500 w 1714500"/>
+                  <a:gd name="connsiteY1" fmla="*/ 450215 h 450215"/>
+                  <a:gd name="connsiteX0" fmla="*/ 0 w 1714500"/>
+                  <a:gd name="connsiteY0" fmla="*/ 0 h 450215"/>
+                  <a:gd name="connsiteX1" fmla="*/ 1714500 w 1714500"/>
+                  <a:gd name="connsiteY1" fmla="*/ 450215 h 450215"/>
+                  <a:gd name="connsiteX0" fmla="*/ 0 w 1714500"/>
+                  <a:gd name="connsiteY0" fmla="*/ 0 h 450215"/>
+                  <a:gd name="connsiteX1" fmla="*/ 1714500 w 1714500"/>
+                  <a:gd name="connsiteY1" fmla="*/ 450215 h 450215"/>
+                </a:gdLst>
+                <a:ahLst/>
+                <a:cxnLst>
+                  <a:cxn ang="0">
+                    <a:pos x="connsiteX0" y="connsiteY0"/>
+                  </a:cxn>
+                  <a:cxn ang="0">
+                    <a:pos x="connsiteX1" y="connsiteY1"/>
+                  </a:cxn>
+                </a:cxnLst>
+                <a:rect l="l" t="t" r="r" b="b"/>
+                <a:pathLst>
+                  <a:path w="1714500" h="450215">
+                    <a:moveTo>
+                      <a:pt x="0" y="0"/>
+                    </a:moveTo>
+                    <a:cubicBezTo>
+                      <a:pt x="647700" y="105833"/>
+                      <a:pt x="988060" y="180552"/>
+                      <a:pt x="1714500" y="450215"/>
+                    </a:cubicBezTo>
+                  </a:path>
+                </a:pathLst>
+              </a:custGeom>
+              <a:noFill/>
+              <a:ln w="152400">
+                <a:solidFill>
+                  <a:srgbClr val="3259A0"/>
+                </a:solidFill>
+              </a:ln>
+            </p:spPr>
+            <p:style>
+              <a:lnRef idx="2">
+                <a:schemeClr val="accent1">
+                  <a:shade val="50000"/>
+                </a:schemeClr>
+              </a:lnRef>
+              <a:fillRef idx="1">
+                <a:schemeClr val="accent1"/>
+              </a:fillRef>
+              <a:effectRef idx="0">
+                <a:schemeClr val="accent1"/>
+              </a:effectRef>
+              <a:fontRef idx="minor">
+                <a:schemeClr val="lt1"/>
+              </a:fontRef>
+            </p:style>
+            <p:txBody>
+              <a:bodyPr rtlCol="0" anchor="ctr"/>
+              <a:lstStyle/>
+              <a:p>
+                <a:pPr algn="ctr"/>
+                <a:endParaRPr lang="en-US"/>
+              </a:p>
+            </p:txBody>
+          </p:sp>
+        </p:grpSp>
+        <p:grpSp>
+          <p:nvGrpSpPr>
+            <p:cNvPr id="25" name="Group 24">
+              <a:extLst>
+                <a:ext uri="{FF2B5EF4-FFF2-40B4-BE49-F238E27FC236}">
+                  <a16:creationId xmlns:a16="http://schemas.microsoft.com/office/drawing/2014/main" id="{7113EDBA-A828-4A6F-9A13-E4A65A85A16B}"/>
+                </a:ext>
+              </a:extLst>
+            </p:cNvPr>
+            <p:cNvGrpSpPr/>
+            <p:nvPr/>
+          </p:nvGrpSpPr>
+          <p:grpSpPr>
+            <a:xfrm flipH="1">
+              <a:off x="5307460" y="2683685"/>
+              <a:ext cx="1817188" cy="1987725"/>
+              <a:chOff x="3059612" y="2692400"/>
+              <a:chExt cx="1817188" cy="1987725"/>
+            </a:xfrm>
+          </p:grpSpPr>
+          <p:sp>
+            <p:nvSpPr>
+              <p:cNvPr id="26" name="Freeform: Shape 25">
+                <a:extLst>
+                  <a:ext uri="{FF2B5EF4-FFF2-40B4-BE49-F238E27FC236}">
+                    <a16:creationId xmlns:a16="http://schemas.microsoft.com/office/drawing/2014/main" id="{7B1818B7-1A12-4A0D-8C0E-985150907379}"/>
+                  </a:ext>
+                </a:extLst>
+              </p:cNvPr>
+              <p:cNvSpPr/>
+              <p:nvPr/>
+            </p:nvSpPr>
+            <p:spPr>
+              <a:xfrm>
+                <a:off x="3162300" y="2692400"/>
+                <a:ext cx="1714500" cy="596900"/>
+              </a:xfrm>
+              <a:custGeom>
+                <a:avLst/>
+                <a:gdLst>
+                  <a:gd name="connsiteX0" fmla="*/ 0 w 1828800"/>
+                  <a:gd name="connsiteY0" fmla="*/ 0 h 647700"/>
+                  <a:gd name="connsiteX1" fmla="*/ 1828800 w 1828800"/>
+                  <a:gd name="connsiteY1" fmla="*/ 647700 h 647700"/>
+                  <a:gd name="connsiteX0" fmla="*/ 0 w 1676400"/>
+                  <a:gd name="connsiteY0" fmla="*/ 0 h 584200"/>
+                  <a:gd name="connsiteX1" fmla="*/ 1676400 w 1676400"/>
+                  <a:gd name="connsiteY1" fmla="*/ 584200 h 584200"/>
+                  <a:gd name="connsiteX0" fmla="*/ 0 w 1676400"/>
+                  <a:gd name="connsiteY0" fmla="*/ 0 h 584200"/>
+                  <a:gd name="connsiteX1" fmla="*/ 1676400 w 1676400"/>
+                  <a:gd name="connsiteY1" fmla="*/ 584200 h 584200"/>
+                  <a:gd name="connsiteX0" fmla="*/ 0 w 1676400"/>
+                  <a:gd name="connsiteY0" fmla="*/ 0 h 584200"/>
+                  <a:gd name="connsiteX1" fmla="*/ 1676400 w 1676400"/>
+                  <a:gd name="connsiteY1" fmla="*/ 584200 h 584200"/>
+                  <a:gd name="connsiteX0" fmla="*/ 0 w 1714500"/>
+                  <a:gd name="connsiteY0" fmla="*/ 0 h 660400"/>
+                  <a:gd name="connsiteX1" fmla="*/ 1714500 w 1714500"/>
+                  <a:gd name="connsiteY1" fmla="*/ 660400 h 660400"/>
+                  <a:gd name="connsiteX0" fmla="*/ 0 w 1714500"/>
+                  <a:gd name="connsiteY0" fmla="*/ 0 h 660400"/>
+                  <a:gd name="connsiteX1" fmla="*/ 1714500 w 1714500"/>
+                  <a:gd name="connsiteY1" fmla="*/ 660400 h 660400"/>
+                  <a:gd name="connsiteX0" fmla="*/ 0 w 1714500"/>
+                  <a:gd name="connsiteY0" fmla="*/ 0 h 596900"/>
+                  <a:gd name="connsiteX1" fmla="*/ 1714500 w 1714500"/>
+                  <a:gd name="connsiteY1" fmla="*/ 596900 h 596900"/>
+                  <a:gd name="connsiteX0" fmla="*/ 0 w 1714500"/>
+                  <a:gd name="connsiteY0" fmla="*/ 0 h 596900"/>
+                  <a:gd name="connsiteX1" fmla="*/ 1714500 w 1714500"/>
+                  <a:gd name="connsiteY1" fmla="*/ 596900 h 596900"/>
+                </a:gdLst>
+                <a:ahLst/>
+                <a:cxnLst>
+                  <a:cxn ang="0">
+                    <a:pos x="connsiteX0" y="connsiteY0"/>
+                  </a:cxn>
+                  <a:cxn ang="0">
+                    <a:pos x="connsiteX1" y="connsiteY1"/>
+                  </a:cxn>
+                </a:cxnLst>
+                <a:rect l="l" t="t" r="r" b="b"/>
+                <a:pathLst>
+                  <a:path w="1714500" h="596900">
+                    <a:moveTo>
+                      <a:pt x="0" y="0"/>
+                    </a:moveTo>
+                    <a:cubicBezTo>
+                      <a:pt x="647700" y="105833"/>
+                      <a:pt x="1231900" y="262467"/>
+                      <a:pt x="1714500" y="596900"/>
+                    </a:cubicBezTo>
+                  </a:path>
+                </a:pathLst>
+              </a:custGeom>
+              <a:noFill/>
+              <a:ln w="152400">
+                <a:solidFill>
+                  <a:srgbClr val="3259A0"/>
+                </a:solidFill>
+              </a:ln>
+            </p:spPr>
+            <p:style>
+              <a:lnRef idx="2">
+                <a:schemeClr val="accent1">
+                  <a:shade val="50000"/>
+                </a:schemeClr>
+              </a:lnRef>
+              <a:fillRef idx="1">
+                <a:schemeClr val="accent1"/>
+              </a:fillRef>
+              <a:effectRef idx="0">
+                <a:schemeClr val="accent1"/>
+              </a:effectRef>
+              <a:fontRef idx="minor">
+                <a:schemeClr val="lt1"/>
+              </a:fontRef>
+            </p:style>
+            <p:txBody>
+              <a:bodyPr rtlCol="0" anchor="ctr"/>
+              <a:lstStyle/>
+              <a:p>
+                <a:pPr algn="ctr"/>
+                <a:endParaRPr lang="en-US"/>
+              </a:p>
+            </p:txBody>
+          </p:sp>
+          <p:sp>
+            <p:nvSpPr>
+              <p:cNvPr id="27" name="Freeform: Shape 26">
+                <a:extLst>
+                  <a:ext uri="{FF2B5EF4-FFF2-40B4-BE49-F238E27FC236}">
+                    <a16:creationId xmlns:a16="http://schemas.microsoft.com/office/drawing/2014/main" id="{5FE9B9B1-2F9F-4D60-AF56-E870900C85F5}"/>
+                  </a:ext>
+                </a:extLst>
+              </p:cNvPr>
+              <p:cNvSpPr/>
+              <p:nvPr/>
+            </p:nvSpPr>
+            <p:spPr>
+              <a:xfrm>
+                <a:off x="3124577" y="2990850"/>
+                <a:ext cx="1722120" cy="581660"/>
+              </a:xfrm>
+              <a:custGeom>
+                <a:avLst/>
+                <a:gdLst>
+                  <a:gd name="connsiteX0" fmla="*/ 0 w 1828800"/>
+                  <a:gd name="connsiteY0" fmla="*/ 0 h 647700"/>
+                  <a:gd name="connsiteX1" fmla="*/ 1828800 w 1828800"/>
+                  <a:gd name="connsiteY1" fmla="*/ 647700 h 647700"/>
+                  <a:gd name="connsiteX0" fmla="*/ 0 w 1676400"/>
+                  <a:gd name="connsiteY0" fmla="*/ 0 h 584200"/>
+                  <a:gd name="connsiteX1" fmla="*/ 1676400 w 1676400"/>
+                  <a:gd name="connsiteY1" fmla="*/ 584200 h 584200"/>
+                  <a:gd name="connsiteX0" fmla="*/ 0 w 1676400"/>
+                  <a:gd name="connsiteY0" fmla="*/ 0 h 584200"/>
+                  <a:gd name="connsiteX1" fmla="*/ 1676400 w 1676400"/>
+                  <a:gd name="connsiteY1" fmla="*/ 584200 h 584200"/>
+                  <a:gd name="connsiteX0" fmla="*/ 0 w 1676400"/>
+                  <a:gd name="connsiteY0" fmla="*/ 0 h 584200"/>
+                  <a:gd name="connsiteX1" fmla="*/ 1676400 w 1676400"/>
+                  <a:gd name="connsiteY1" fmla="*/ 584200 h 584200"/>
+                  <a:gd name="connsiteX0" fmla="*/ 0 w 1714500"/>
+                  <a:gd name="connsiteY0" fmla="*/ 0 h 660400"/>
+                  <a:gd name="connsiteX1" fmla="*/ 1714500 w 1714500"/>
+                  <a:gd name="connsiteY1" fmla="*/ 660400 h 660400"/>
+                  <a:gd name="connsiteX0" fmla="*/ 0 w 1714500"/>
+                  <a:gd name="connsiteY0" fmla="*/ 0 h 660400"/>
+                  <a:gd name="connsiteX1" fmla="*/ 1714500 w 1714500"/>
+                  <a:gd name="connsiteY1" fmla="*/ 660400 h 660400"/>
+                  <a:gd name="connsiteX0" fmla="*/ 0 w 1714500"/>
+                  <a:gd name="connsiteY0" fmla="*/ 0 h 596900"/>
+                  <a:gd name="connsiteX1" fmla="*/ 1714500 w 1714500"/>
+                  <a:gd name="connsiteY1" fmla="*/ 596900 h 596900"/>
+                  <a:gd name="connsiteX0" fmla="*/ 0 w 1714500"/>
+                  <a:gd name="connsiteY0" fmla="*/ 0 h 596900"/>
+                  <a:gd name="connsiteX1" fmla="*/ 1714500 w 1714500"/>
+                  <a:gd name="connsiteY1" fmla="*/ 596900 h 596900"/>
+                  <a:gd name="connsiteX0" fmla="*/ 0 w 1722120"/>
+                  <a:gd name="connsiteY0" fmla="*/ 0 h 581660"/>
+                  <a:gd name="connsiteX1" fmla="*/ 1722120 w 1722120"/>
+                  <a:gd name="connsiteY1" fmla="*/ 581660 h 581660"/>
+                  <a:gd name="connsiteX0" fmla="*/ 0 w 1722120"/>
+                  <a:gd name="connsiteY0" fmla="*/ 0 h 581660"/>
+                  <a:gd name="connsiteX1" fmla="*/ 1722120 w 1722120"/>
+                  <a:gd name="connsiteY1" fmla="*/ 581660 h 581660"/>
+                </a:gdLst>
+                <a:ahLst/>
+                <a:cxnLst>
+                  <a:cxn ang="0">
+                    <a:pos x="connsiteX0" y="connsiteY0"/>
+                  </a:cxn>
+                  <a:cxn ang="0">
+                    <a:pos x="connsiteX1" y="connsiteY1"/>
+                  </a:cxn>
+                </a:cxnLst>
+                <a:rect l="l" t="t" r="r" b="b"/>
+                <a:pathLst>
+                  <a:path w="1722120" h="581660">
+                    <a:moveTo>
+                      <a:pt x="0" y="0"/>
+                    </a:moveTo>
+                    <a:cubicBezTo>
+                      <a:pt x="647700" y="105833"/>
+                      <a:pt x="1216660" y="262467"/>
+                      <a:pt x="1722120" y="581660"/>
+                    </a:cubicBezTo>
+                  </a:path>
+                </a:pathLst>
+              </a:custGeom>
+              <a:noFill/>
+              <a:ln w="152400">
+                <a:solidFill>
+                  <a:srgbClr val="3259A0"/>
+                </a:solidFill>
+              </a:ln>
+            </p:spPr>
+            <p:style>
+              <a:lnRef idx="2">
+                <a:schemeClr val="accent1">
+                  <a:shade val="50000"/>
+                </a:schemeClr>
+              </a:lnRef>
+              <a:fillRef idx="1">
+                <a:schemeClr val="accent1"/>
+              </a:fillRef>
+              <a:effectRef idx="0">
+                <a:schemeClr val="accent1"/>
+              </a:effectRef>
+              <a:fontRef idx="minor">
+                <a:schemeClr val="lt1"/>
+              </a:fontRef>
+            </p:style>
+            <p:txBody>
+              <a:bodyPr rtlCol="0" anchor="ctr"/>
+              <a:lstStyle/>
+              <a:p>
+                <a:pPr algn="ctr"/>
+                <a:endParaRPr lang="en-US"/>
+              </a:p>
+            </p:txBody>
+          </p:sp>
+          <p:sp>
+            <p:nvSpPr>
+              <p:cNvPr id="28" name="Freeform: Shape 27">
+                <a:extLst>
+                  <a:ext uri="{FF2B5EF4-FFF2-40B4-BE49-F238E27FC236}">
+                    <a16:creationId xmlns:a16="http://schemas.microsoft.com/office/drawing/2014/main" id="{5FF007A8-0353-49BC-B42F-9F07658FFF9F}"/>
+                  </a:ext>
+                </a:extLst>
+              </p:cNvPr>
+              <p:cNvSpPr/>
+              <p:nvPr/>
+            </p:nvSpPr>
+            <p:spPr>
+              <a:xfrm>
+                <a:off x="3110145" y="3306446"/>
+                <a:ext cx="1706880" cy="543560"/>
+              </a:xfrm>
+              <a:custGeom>
+                <a:avLst/>
+                <a:gdLst>
+                  <a:gd name="connsiteX0" fmla="*/ 0 w 1828800"/>
+                  <a:gd name="connsiteY0" fmla="*/ 0 h 647700"/>
+                  <a:gd name="connsiteX1" fmla="*/ 1828800 w 1828800"/>
+                  <a:gd name="connsiteY1" fmla="*/ 647700 h 647700"/>
+                  <a:gd name="connsiteX0" fmla="*/ 0 w 1676400"/>
+                  <a:gd name="connsiteY0" fmla="*/ 0 h 584200"/>
+                  <a:gd name="connsiteX1" fmla="*/ 1676400 w 1676400"/>
+                  <a:gd name="connsiteY1" fmla="*/ 584200 h 584200"/>
+                  <a:gd name="connsiteX0" fmla="*/ 0 w 1676400"/>
+                  <a:gd name="connsiteY0" fmla="*/ 0 h 584200"/>
+                  <a:gd name="connsiteX1" fmla="*/ 1676400 w 1676400"/>
+                  <a:gd name="connsiteY1" fmla="*/ 584200 h 584200"/>
+                  <a:gd name="connsiteX0" fmla="*/ 0 w 1676400"/>
+                  <a:gd name="connsiteY0" fmla="*/ 0 h 584200"/>
+                  <a:gd name="connsiteX1" fmla="*/ 1676400 w 1676400"/>
+                  <a:gd name="connsiteY1" fmla="*/ 584200 h 584200"/>
+                  <a:gd name="connsiteX0" fmla="*/ 0 w 1714500"/>
+                  <a:gd name="connsiteY0" fmla="*/ 0 h 660400"/>
+                  <a:gd name="connsiteX1" fmla="*/ 1714500 w 1714500"/>
+                  <a:gd name="connsiteY1" fmla="*/ 660400 h 660400"/>
+                  <a:gd name="connsiteX0" fmla="*/ 0 w 1714500"/>
+                  <a:gd name="connsiteY0" fmla="*/ 0 h 660400"/>
+                  <a:gd name="connsiteX1" fmla="*/ 1714500 w 1714500"/>
+                  <a:gd name="connsiteY1" fmla="*/ 660400 h 660400"/>
+                  <a:gd name="connsiteX0" fmla="*/ 0 w 1714500"/>
+                  <a:gd name="connsiteY0" fmla="*/ 0 h 596900"/>
+                  <a:gd name="connsiteX1" fmla="*/ 1714500 w 1714500"/>
+                  <a:gd name="connsiteY1" fmla="*/ 596900 h 596900"/>
+                  <a:gd name="connsiteX0" fmla="*/ 0 w 1714500"/>
+                  <a:gd name="connsiteY0" fmla="*/ 0 h 596900"/>
+                  <a:gd name="connsiteX1" fmla="*/ 1714500 w 1714500"/>
+                  <a:gd name="connsiteY1" fmla="*/ 596900 h 596900"/>
+                  <a:gd name="connsiteX0" fmla="*/ 0 w 1714500"/>
+                  <a:gd name="connsiteY0" fmla="*/ 0 h 566420"/>
+                  <a:gd name="connsiteX1" fmla="*/ 1714500 w 1714500"/>
+                  <a:gd name="connsiteY1" fmla="*/ 566420 h 566420"/>
+                  <a:gd name="connsiteX0" fmla="*/ 0 w 1714500"/>
+                  <a:gd name="connsiteY0" fmla="*/ 0 h 566420"/>
+                  <a:gd name="connsiteX1" fmla="*/ 1714500 w 1714500"/>
+                  <a:gd name="connsiteY1" fmla="*/ 566420 h 566420"/>
+                  <a:gd name="connsiteX0" fmla="*/ 0 w 1706880"/>
+                  <a:gd name="connsiteY0" fmla="*/ 0 h 543560"/>
+                  <a:gd name="connsiteX1" fmla="*/ 1706880 w 1706880"/>
+                  <a:gd name="connsiteY1" fmla="*/ 543560 h 543560"/>
+                </a:gdLst>
+                <a:ahLst/>
+                <a:cxnLst>
+                  <a:cxn ang="0">
+                    <a:pos x="connsiteX0" y="connsiteY0"/>
+                  </a:cxn>
+                  <a:cxn ang="0">
+                    <a:pos x="connsiteX1" y="connsiteY1"/>
+                  </a:cxn>
+                </a:cxnLst>
+                <a:rect l="l" t="t" r="r" b="b"/>
+                <a:pathLst>
+                  <a:path w="1706880" h="543560">
+                    <a:moveTo>
+                      <a:pt x="0" y="0"/>
+                    </a:moveTo>
+                    <a:cubicBezTo>
+                      <a:pt x="647700" y="105833"/>
+                      <a:pt x="1209040" y="247227"/>
+                      <a:pt x="1706880" y="543560"/>
+                    </a:cubicBezTo>
+                  </a:path>
+                </a:pathLst>
+              </a:custGeom>
+              <a:noFill/>
+              <a:ln w="152400">
+                <a:solidFill>
+                  <a:srgbClr val="3259A0"/>
+                </a:solidFill>
+              </a:ln>
+            </p:spPr>
+            <p:style>
+              <a:lnRef idx="2">
+                <a:schemeClr val="accent1">
+                  <a:shade val="50000"/>
+                </a:schemeClr>
+              </a:lnRef>
+              <a:fillRef idx="1">
+                <a:schemeClr val="accent1"/>
+              </a:fillRef>
+              <a:effectRef idx="0">
+                <a:schemeClr val="accent1"/>
+              </a:effectRef>
+              <a:fontRef idx="minor">
+                <a:schemeClr val="lt1"/>
+              </a:fontRef>
+            </p:style>
+            <p:txBody>
+              <a:bodyPr rtlCol="0" anchor="ctr"/>
+              <a:lstStyle/>
+              <a:p>
+                <a:pPr algn="ctr"/>
+                <a:endParaRPr lang="en-US"/>
+              </a:p>
+            </p:txBody>
+          </p:sp>
+          <p:sp>
+            <p:nvSpPr>
+              <p:cNvPr id="29" name="Freeform: Shape 28">
+                <a:extLst>
+                  <a:ext uri="{FF2B5EF4-FFF2-40B4-BE49-F238E27FC236}">
+                    <a16:creationId xmlns:a16="http://schemas.microsoft.com/office/drawing/2014/main" id="{6A0D6FC0-3A97-4BEA-84E5-6D7C0DC5E380}"/>
+                  </a:ext>
+                </a:extLst>
+              </p:cNvPr>
+              <p:cNvSpPr/>
+              <p:nvPr/>
+            </p:nvSpPr>
+            <p:spPr>
+              <a:xfrm>
+                <a:off x="3097335" y="3587749"/>
+                <a:ext cx="1729740" cy="551180"/>
+              </a:xfrm>
+              <a:custGeom>
+                <a:avLst/>
+                <a:gdLst>
+                  <a:gd name="connsiteX0" fmla="*/ 0 w 1828800"/>
+                  <a:gd name="connsiteY0" fmla="*/ 0 h 647700"/>
+                  <a:gd name="connsiteX1" fmla="*/ 1828800 w 1828800"/>
+                  <a:gd name="connsiteY1" fmla="*/ 647700 h 647700"/>
+                  <a:gd name="connsiteX0" fmla="*/ 0 w 1676400"/>
+                  <a:gd name="connsiteY0" fmla="*/ 0 h 584200"/>
+                  <a:gd name="connsiteX1" fmla="*/ 1676400 w 1676400"/>
+                  <a:gd name="connsiteY1" fmla="*/ 584200 h 584200"/>
+                  <a:gd name="connsiteX0" fmla="*/ 0 w 1676400"/>
+                  <a:gd name="connsiteY0" fmla="*/ 0 h 584200"/>
+                  <a:gd name="connsiteX1" fmla="*/ 1676400 w 1676400"/>
+                  <a:gd name="connsiteY1" fmla="*/ 584200 h 584200"/>
+                  <a:gd name="connsiteX0" fmla="*/ 0 w 1676400"/>
+                  <a:gd name="connsiteY0" fmla="*/ 0 h 584200"/>
+                  <a:gd name="connsiteX1" fmla="*/ 1676400 w 1676400"/>
+                  <a:gd name="connsiteY1" fmla="*/ 584200 h 584200"/>
+                  <a:gd name="connsiteX0" fmla="*/ 0 w 1714500"/>
+                  <a:gd name="connsiteY0" fmla="*/ 0 h 660400"/>
+                  <a:gd name="connsiteX1" fmla="*/ 1714500 w 1714500"/>
+                  <a:gd name="connsiteY1" fmla="*/ 660400 h 660400"/>
+                  <a:gd name="connsiteX0" fmla="*/ 0 w 1714500"/>
+                  <a:gd name="connsiteY0" fmla="*/ 0 h 660400"/>
+                  <a:gd name="connsiteX1" fmla="*/ 1714500 w 1714500"/>
+                  <a:gd name="connsiteY1" fmla="*/ 660400 h 660400"/>
+                  <a:gd name="connsiteX0" fmla="*/ 0 w 1714500"/>
+                  <a:gd name="connsiteY0" fmla="*/ 0 h 596900"/>
+                  <a:gd name="connsiteX1" fmla="*/ 1714500 w 1714500"/>
+                  <a:gd name="connsiteY1" fmla="*/ 596900 h 596900"/>
+                  <a:gd name="connsiteX0" fmla="*/ 0 w 1714500"/>
+                  <a:gd name="connsiteY0" fmla="*/ 0 h 596900"/>
+                  <a:gd name="connsiteX1" fmla="*/ 1714500 w 1714500"/>
+                  <a:gd name="connsiteY1" fmla="*/ 596900 h 596900"/>
+                  <a:gd name="connsiteX0" fmla="*/ 0 w 1729740"/>
+                  <a:gd name="connsiteY0" fmla="*/ 0 h 551180"/>
+                  <a:gd name="connsiteX1" fmla="*/ 1729740 w 1729740"/>
+                  <a:gd name="connsiteY1" fmla="*/ 551180 h 551180"/>
+                  <a:gd name="connsiteX0" fmla="*/ 0 w 1729740"/>
+                  <a:gd name="connsiteY0" fmla="*/ 0 h 551180"/>
+                  <a:gd name="connsiteX1" fmla="*/ 1729740 w 1729740"/>
+                  <a:gd name="connsiteY1" fmla="*/ 551180 h 551180"/>
+                </a:gdLst>
+                <a:ahLst/>
+                <a:cxnLst>
+                  <a:cxn ang="0">
+                    <a:pos x="connsiteX0" y="connsiteY0"/>
+                  </a:cxn>
+                  <a:cxn ang="0">
+                    <a:pos x="connsiteX1" y="connsiteY1"/>
+                  </a:cxn>
+                </a:cxnLst>
+                <a:rect l="l" t="t" r="r" b="b"/>
+                <a:pathLst>
+                  <a:path w="1729740" h="551180">
+                    <a:moveTo>
+                      <a:pt x="0" y="0"/>
+                    </a:moveTo>
+                    <a:cubicBezTo>
+                      <a:pt x="647700" y="105833"/>
+                      <a:pt x="1231900" y="254847"/>
+                      <a:pt x="1729740" y="551180"/>
+                    </a:cubicBezTo>
+                  </a:path>
+                </a:pathLst>
+              </a:custGeom>
+              <a:noFill/>
+              <a:ln w="152400">
+                <a:solidFill>
+                  <a:srgbClr val="3259A0"/>
+                </a:solidFill>
+              </a:ln>
+            </p:spPr>
+            <p:style>
+              <a:lnRef idx="2">
+                <a:schemeClr val="accent1">
+                  <a:shade val="50000"/>
+                </a:schemeClr>
+              </a:lnRef>
+              <a:fillRef idx="1">
+                <a:schemeClr val="accent1"/>
+              </a:fillRef>
+              <a:effectRef idx="0">
+                <a:schemeClr val="accent1"/>
+              </a:effectRef>
+              <a:fontRef idx="minor">
+                <a:schemeClr val="lt1"/>
+              </a:fontRef>
+            </p:style>
+            <p:txBody>
+              <a:bodyPr rtlCol="0" anchor="ctr"/>
+              <a:lstStyle/>
+              <a:p>
+                <a:pPr algn="ctr"/>
+                <a:endParaRPr lang="en-US"/>
+              </a:p>
+            </p:txBody>
+          </p:sp>
+          <p:sp>
+            <p:nvSpPr>
+              <p:cNvPr id="30" name="Freeform: Shape 29">
+                <a:extLst>
+                  <a:ext uri="{FF2B5EF4-FFF2-40B4-BE49-F238E27FC236}">
+                    <a16:creationId xmlns:a16="http://schemas.microsoft.com/office/drawing/2014/main" id="{B4F37D21-8E86-402E-B574-3D4EF9C20FF7}"/>
+                  </a:ext>
+                </a:extLst>
+              </p:cNvPr>
+              <p:cNvSpPr/>
+              <p:nvPr/>
+            </p:nvSpPr>
+            <p:spPr>
+              <a:xfrm>
+                <a:off x="3097335" y="3868595"/>
+                <a:ext cx="1691640" cy="535940"/>
+              </a:xfrm>
+              <a:custGeom>
+                <a:avLst/>
+                <a:gdLst>
+                  <a:gd name="connsiteX0" fmla="*/ 0 w 1828800"/>
+                  <a:gd name="connsiteY0" fmla="*/ 0 h 647700"/>
+                  <a:gd name="connsiteX1" fmla="*/ 1828800 w 1828800"/>
+                  <a:gd name="connsiteY1" fmla="*/ 647700 h 647700"/>
+                  <a:gd name="connsiteX0" fmla="*/ 0 w 1676400"/>
+                  <a:gd name="connsiteY0" fmla="*/ 0 h 584200"/>
+                  <a:gd name="connsiteX1" fmla="*/ 1676400 w 1676400"/>
+                  <a:gd name="connsiteY1" fmla="*/ 584200 h 584200"/>
+                  <a:gd name="connsiteX0" fmla="*/ 0 w 1676400"/>
+                  <a:gd name="connsiteY0" fmla="*/ 0 h 584200"/>
+                  <a:gd name="connsiteX1" fmla="*/ 1676400 w 1676400"/>
+                  <a:gd name="connsiteY1" fmla="*/ 584200 h 584200"/>
+                  <a:gd name="connsiteX0" fmla="*/ 0 w 1676400"/>
+                  <a:gd name="connsiteY0" fmla="*/ 0 h 584200"/>
+                  <a:gd name="connsiteX1" fmla="*/ 1676400 w 1676400"/>
+                  <a:gd name="connsiteY1" fmla="*/ 584200 h 584200"/>
+                  <a:gd name="connsiteX0" fmla="*/ 0 w 1714500"/>
+                  <a:gd name="connsiteY0" fmla="*/ 0 h 660400"/>
+                  <a:gd name="connsiteX1" fmla="*/ 1714500 w 1714500"/>
+                  <a:gd name="connsiteY1" fmla="*/ 660400 h 660400"/>
+                  <a:gd name="connsiteX0" fmla="*/ 0 w 1714500"/>
+                  <a:gd name="connsiteY0" fmla="*/ 0 h 660400"/>
+                  <a:gd name="connsiteX1" fmla="*/ 1714500 w 1714500"/>
+                  <a:gd name="connsiteY1" fmla="*/ 660400 h 660400"/>
+                  <a:gd name="connsiteX0" fmla="*/ 0 w 1714500"/>
+                  <a:gd name="connsiteY0" fmla="*/ 0 h 596900"/>
+                  <a:gd name="connsiteX1" fmla="*/ 1714500 w 1714500"/>
+                  <a:gd name="connsiteY1" fmla="*/ 596900 h 596900"/>
+                  <a:gd name="connsiteX0" fmla="*/ 0 w 1714500"/>
+                  <a:gd name="connsiteY0" fmla="*/ 0 h 596900"/>
+                  <a:gd name="connsiteX1" fmla="*/ 1714500 w 1714500"/>
+                  <a:gd name="connsiteY1" fmla="*/ 596900 h 596900"/>
+                  <a:gd name="connsiteX0" fmla="*/ 0 w 1699260"/>
+                  <a:gd name="connsiteY0" fmla="*/ 0 h 482600"/>
+                  <a:gd name="connsiteX1" fmla="*/ 1699260 w 1699260"/>
+                  <a:gd name="connsiteY1" fmla="*/ 482600 h 482600"/>
+                  <a:gd name="connsiteX0" fmla="*/ 0 w 1691640"/>
+                  <a:gd name="connsiteY0" fmla="*/ 0 h 535940"/>
+                  <a:gd name="connsiteX1" fmla="*/ 1691640 w 1691640"/>
+                  <a:gd name="connsiteY1" fmla="*/ 535940 h 535940"/>
+                  <a:gd name="connsiteX0" fmla="*/ 0 w 1691640"/>
+                  <a:gd name="connsiteY0" fmla="*/ 0 h 535940"/>
+                  <a:gd name="connsiteX1" fmla="*/ 1691640 w 1691640"/>
+                  <a:gd name="connsiteY1" fmla="*/ 535940 h 535940"/>
+                </a:gdLst>
+                <a:ahLst/>
+                <a:cxnLst>
+                  <a:cxn ang="0">
+                    <a:pos x="connsiteX0" y="connsiteY0"/>
+                  </a:cxn>
+                  <a:cxn ang="0">
+                    <a:pos x="connsiteX1" y="connsiteY1"/>
+                  </a:cxn>
+                </a:cxnLst>
+                <a:rect l="l" t="t" r="r" b="b"/>
+                <a:pathLst>
+                  <a:path w="1691640" h="535940">
+                    <a:moveTo>
+                      <a:pt x="0" y="0"/>
+                    </a:moveTo>
+                    <a:cubicBezTo>
+                      <a:pt x="647700" y="105833"/>
+                      <a:pt x="1178560" y="270087"/>
+                      <a:pt x="1691640" y="535940"/>
+                    </a:cubicBezTo>
+                  </a:path>
+                </a:pathLst>
+              </a:custGeom>
+              <a:noFill/>
+              <a:ln w="152400">
+                <a:solidFill>
+                  <a:srgbClr val="3259A0"/>
+                </a:solidFill>
+              </a:ln>
+            </p:spPr>
+            <p:style>
+              <a:lnRef idx="2">
+                <a:schemeClr val="accent1">
+                  <a:shade val="50000"/>
+                </a:schemeClr>
+              </a:lnRef>
+              <a:fillRef idx="1">
+                <a:schemeClr val="accent1"/>
+              </a:fillRef>
+              <a:effectRef idx="0">
+                <a:schemeClr val="accent1"/>
+              </a:effectRef>
+              <a:fontRef idx="minor">
+                <a:schemeClr val="lt1"/>
+              </a:fontRef>
+            </p:style>
+            <p:txBody>
+              <a:bodyPr rtlCol="0" anchor="ctr"/>
+              <a:lstStyle/>
+              <a:p>
+                <a:pPr algn="ctr"/>
+                <a:endParaRPr lang="en-US"/>
+              </a:p>
+            </p:txBody>
+          </p:sp>
+          <p:sp>
+            <p:nvSpPr>
+              <p:cNvPr id="31" name="Freeform: Shape 30">
+                <a:extLst>
+                  <a:ext uri="{FF2B5EF4-FFF2-40B4-BE49-F238E27FC236}">
+                    <a16:creationId xmlns:a16="http://schemas.microsoft.com/office/drawing/2014/main" id="{D8C4FBD9-F320-42FE-AA4C-2CBC3C9C5B14}"/>
+                  </a:ext>
+                </a:extLst>
+              </p:cNvPr>
+              <p:cNvSpPr/>
+              <p:nvPr/>
+            </p:nvSpPr>
+            <p:spPr>
+              <a:xfrm>
+                <a:off x="3059612" y="4167045"/>
+                <a:ext cx="1722120" cy="513080"/>
+              </a:xfrm>
+              <a:custGeom>
+                <a:avLst/>
+                <a:gdLst>
+                  <a:gd name="connsiteX0" fmla="*/ 0 w 1828800"/>
+                  <a:gd name="connsiteY0" fmla="*/ 0 h 647700"/>
+                  <a:gd name="connsiteX1" fmla="*/ 1828800 w 1828800"/>
+                  <a:gd name="connsiteY1" fmla="*/ 647700 h 647700"/>
+                  <a:gd name="connsiteX0" fmla="*/ 0 w 1676400"/>
+                  <a:gd name="connsiteY0" fmla="*/ 0 h 584200"/>
+                  <a:gd name="connsiteX1" fmla="*/ 1676400 w 1676400"/>
+                  <a:gd name="connsiteY1" fmla="*/ 584200 h 584200"/>
+                  <a:gd name="connsiteX0" fmla="*/ 0 w 1676400"/>
+                  <a:gd name="connsiteY0" fmla="*/ 0 h 584200"/>
+                  <a:gd name="connsiteX1" fmla="*/ 1676400 w 1676400"/>
+                  <a:gd name="connsiteY1" fmla="*/ 584200 h 584200"/>
+                  <a:gd name="connsiteX0" fmla="*/ 0 w 1676400"/>
+                  <a:gd name="connsiteY0" fmla="*/ 0 h 584200"/>
+                  <a:gd name="connsiteX1" fmla="*/ 1676400 w 1676400"/>
+                  <a:gd name="connsiteY1" fmla="*/ 584200 h 584200"/>
+                  <a:gd name="connsiteX0" fmla="*/ 0 w 1714500"/>
+                  <a:gd name="connsiteY0" fmla="*/ 0 h 660400"/>
+                  <a:gd name="connsiteX1" fmla="*/ 1714500 w 1714500"/>
+                  <a:gd name="connsiteY1" fmla="*/ 660400 h 660400"/>
+                  <a:gd name="connsiteX0" fmla="*/ 0 w 1714500"/>
+                  <a:gd name="connsiteY0" fmla="*/ 0 h 660400"/>
+                  <a:gd name="connsiteX1" fmla="*/ 1714500 w 1714500"/>
+                  <a:gd name="connsiteY1" fmla="*/ 660400 h 660400"/>
+                  <a:gd name="connsiteX0" fmla="*/ 0 w 1714500"/>
+                  <a:gd name="connsiteY0" fmla="*/ 0 h 596900"/>
+                  <a:gd name="connsiteX1" fmla="*/ 1714500 w 1714500"/>
+                  <a:gd name="connsiteY1" fmla="*/ 596900 h 596900"/>
+                  <a:gd name="connsiteX0" fmla="*/ 0 w 1714500"/>
+                  <a:gd name="connsiteY0" fmla="*/ 0 h 596900"/>
+                  <a:gd name="connsiteX1" fmla="*/ 1714500 w 1714500"/>
+                  <a:gd name="connsiteY1" fmla="*/ 596900 h 596900"/>
+                  <a:gd name="connsiteX0" fmla="*/ 0 w 1722120"/>
+                  <a:gd name="connsiteY0" fmla="*/ 0 h 474980"/>
+                  <a:gd name="connsiteX1" fmla="*/ 1722120 w 1722120"/>
+                  <a:gd name="connsiteY1" fmla="*/ 474980 h 474980"/>
+                  <a:gd name="connsiteX0" fmla="*/ 0 w 1722120"/>
+                  <a:gd name="connsiteY0" fmla="*/ 0 h 474980"/>
+                  <a:gd name="connsiteX1" fmla="*/ 1722120 w 1722120"/>
+                  <a:gd name="connsiteY1" fmla="*/ 474980 h 474980"/>
+                  <a:gd name="connsiteX0" fmla="*/ 0 w 1722120"/>
+                  <a:gd name="connsiteY0" fmla="*/ 0 h 513080"/>
+                  <a:gd name="connsiteX1" fmla="*/ 1722120 w 1722120"/>
+                  <a:gd name="connsiteY1" fmla="*/ 513080 h 513080"/>
+                  <a:gd name="connsiteX0" fmla="*/ 0 w 1722120"/>
+                  <a:gd name="connsiteY0" fmla="*/ 0 h 513080"/>
+                  <a:gd name="connsiteX1" fmla="*/ 1722120 w 1722120"/>
+                  <a:gd name="connsiteY1" fmla="*/ 513080 h 513080"/>
+                  <a:gd name="connsiteX0" fmla="*/ 0 w 1722120"/>
+                  <a:gd name="connsiteY0" fmla="*/ 0 h 513080"/>
+                  <a:gd name="connsiteX1" fmla="*/ 1722120 w 1722120"/>
+                  <a:gd name="connsiteY1" fmla="*/ 513080 h 513080"/>
+                  <a:gd name="connsiteX0" fmla="*/ 0 w 1722120"/>
+                  <a:gd name="connsiteY0" fmla="*/ 0 h 513080"/>
+                  <a:gd name="connsiteX1" fmla="*/ 1722120 w 1722120"/>
+                  <a:gd name="connsiteY1" fmla="*/ 513080 h 513080"/>
+                  <a:gd name="connsiteX0" fmla="*/ 0 w 1722120"/>
+                  <a:gd name="connsiteY0" fmla="*/ 0 h 513080"/>
+                  <a:gd name="connsiteX1" fmla="*/ 1722120 w 1722120"/>
+                  <a:gd name="connsiteY1" fmla="*/ 513080 h 513080"/>
+                </a:gdLst>
+                <a:ahLst/>
+                <a:cxnLst>
+                  <a:cxn ang="0">
+                    <a:pos x="connsiteX0" y="connsiteY0"/>
+                  </a:cxn>
+                  <a:cxn ang="0">
+                    <a:pos x="connsiteX1" y="connsiteY1"/>
+                  </a:cxn>
+                </a:cxnLst>
+                <a:rect l="l" t="t" r="r" b="b"/>
+                <a:pathLst>
+                  <a:path w="1722120" h="513080">
+                    <a:moveTo>
+                      <a:pt x="0" y="0"/>
+                    </a:moveTo>
+                    <a:cubicBezTo>
+                      <a:pt x="632460" y="82973"/>
+                      <a:pt x="1239520" y="285327"/>
+                      <a:pt x="1722120" y="513080"/>
+                    </a:cubicBezTo>
+                  </a:path>
+                </a:pathLst>
+              </a:custGeom>
+              <a:noFill/>
+              <a:ln w="152400">
+                <a:solidFill>
+                  <a:srgbClr val="3259A0"/>
+                </a:solidFill>
+              </a:ln>
+            </p:spPr>
+            <p:style>
+              <a:lnRef idx="2">
+                <a:schemeClr val="accent1">
+                  <a:shade val="50000"/>
+                </a:schemeClr>
+              </a:lnRef>
+              <a:fillRef idx="1">
+                <a:schemeClr val="accent1"/>
+              </a:fillRef>
+              <a:effectRef idx="0">
+                <a:schemeClr val="accent1"/>
+              </a:effectRef>
+              <a:fontRef idx="minor">
+                <a:schemeClr val="lt1"/>
+              </a:fontRef>
+            </p:style>
+            <p:txBody>
+              <a:bodyPr rtlCol="0" anchor="ctr"/>
+              <a:lstStyle/>
+              <a:p>
+                <a:pPr algn="ctr"/>
+                <a:endParaRPr lang="en-US"/>
+              </a:p>
+            </p:txBody>
+          </p:sp>
+        </p:grpSp>
+      </p:grpSp>
+      <p:pic>
+        <p:nvPicPr>
+          <p:cNvPr id="57" name="Picture 56">
+            <a:extLst>
+              <a:ext uri="{FF2B5EF4-FFF2-40B4-BE49-F238E27FC236}">
+                <a16:creationId xmlns:a16="http://schemas.microsoft.com/office/drawing/2014/main" id="{7E603F4D-CD2C-4028-BEDD-998BC84FD537}"/>
+              </a:ext>
+            </a:extLst>
+          </p:cNvPr>
+          <p:cNvPicPr>
+            <a:picLocks noChangeAspect="1"/>
+          </p:cNvPicPr>
+          <p:nvPr/>
+        </p:nvPicPr>
+        <p:blipFill>
+          <a:blip r:embed="rId2">
+            <a:extLst>
+              <a:ext uri="{28A0092B-C50C-407E-A947-70E740481C1C}">
+                <a14:useLocalDpi xmlns:a14="http://schemas.microsoft.com/office/drawing/2010/main" val="0"/>
+              </a:ext>
+            </a:extLst>
+          </a:blip>
+          <a:stretch>
+            <a:fillRect/>
+          </a:stretch>
+        </p:blipFill>
+        <p:spPr>
+          <a:xfrm>
+            <a:off x="7790558" y="2685542"/>
+            <a:ext cx="239833" cy="201167"/>
+          </a:xfrm>
+          <a:prstGeom prst="rect">
+            <a:avLst/>
+          </a:prstGeom>
+        </p:spPr>
+      </p:pic>
+    </p:spTree>
+    <p:extLst>
+      <p:ext uri="{BB962C8B-B14F-4D97-AF65-F5344CB8AC3E}">
+        <p14:creationId xmlns:p14="http://schemas.microsoft.com/office/powerpoint/2010/main" val="965242069"/>
+      </p:ext>
+    </p:extLst>
+  </p:cSld>
+  <p:clrMapOvr>
+    <a:masterClrMapping/>
+  </p:clrMapOvr>
+</p:sld>
+</file>
+
+<file path=ppt/slides/slide8.xml><?xml version="1.0" encoding="utf-8"?>
+<p:sld xmlns:a="http://schemas.openxmlformats.org/drawingml/2006/main" xmlns:r="http://schemas.openxmlformats.org/officeDocument/2006/relationships" xmlns:p="http://schemas.openxmlformats.org/presentationml/2006/main">
+  <p:cSld>
+    <p:spTree>
+      <p:nvGrpSpPr>
+        <p:cNvPr id="1" name=""/>
+        <p:cNvGrpSpPr/>
+        <p:nvPr/>
+      </p:nvGrpSpPr>
+      <p:grpSpPr>
+        <a:xfrm>
+          <a:off x="0" y="0"/>
+          <a:ext cx="0" cy="0"/>
+          <a:chOff x="0" y="0"/>
+          <a:chExt cx="0" cy="0"/>
+        </a:xfrm>
+      </p:grpSpPr>
+      <p:grpSp>
+        <p:nvGrpSpPr>
+          <p:cNvPr id="5" name="Group 4">
+            <a:extLst>
+              <a:ext uri="{FF2B5EF4-FFF2-40B4-BE49-F238E27FC236}">
+                <a16:creationId xmlns:a16="http://schemas.microsoft.com/office/drawing/2014/main" id="{386AE9A1-C9E3-4862-A41B-BB0024D98AFE}"/>
+              </a:ext>
+            </a:extLst>
+          </p:cNvPr>
+          <p:cNvGrpSpPr/>
+          <p:nvPr/>
+        </p:nvGrpSpPr>
+        <p:grpSpPr>
+          <a:xfrm rot="1800000">
+            <a:off x="4367804" y="1087684"/>
+            <a:ext cx="1028701" cy="4343401"/>
+            <a:chOff x="2343149" y="1714500"/>
+            <a:chExt cx="1028701" cy="4343401"/>
+          </a:xfrm>
+        </p:grpSpPr>
+        <p:sp>
+          <p:nvSpPr>
+            <p:cNvPr id="2" name="Rectangle 1">
+              <a:extLst>
+                <a:ext uri="{FF2B5EF4-FFF2-40B4-BE49-F238E27FC236}">
+                  <a16:creationId xmlns:a16="http://schemas.microsoft.com/office/drawing/2014/main" id="{C2C34F77-AB9A-483F-8D6E-46D466B7482C}"/>
+                </a:ext>
+              </a:extLst>
+            </p:cNvPr>
+            <p:cNvSpPr/>
+            <p:nvPr/>
+          </p:nvSpPr>
+          <p:spPr>
+            <a:xfrm>
+              <a:off x="2343150" y="1714500"/>
+              <a:ext cx="1028700" cy="3312177"/>
+            </a:xfrm>
+            <a:prstGeom prst="rect">
+              <a:avLst/>
+            </a:prstGeom>
+            <a:solidFill>
+              <a:srgbClr val="3259A0"/>
+            </a:solidFill>
+            <a:ln>
+              <a:noFill/>
+            </a:ln>
+          </p:spPr>
+          <p:style>
+            <a:lnRef idx="2">
+              <a:schemeClr val="accent1">
+                <a:shade val="50000"/>
+              </a:schemeClr>
+            </a:lnRef>
+            <a:fillRef idx="1">
+              <a:schemeClr val="accent1"/>
+            </a:fillRef>
+            <a:effectRef idx="0">
+              <a:schemeClr val="accent1"/>
+            </a:effectRef>
+            <a:fontRef idx="minor">
+              <a:schemeClr val="lt1"/>
+            </a:fontRef>
+          </p:style>
+          <p:txBody>
+            <a:bodyPr rtlCol="0" anchor="ctr"/>
+            <a:lstStyle/>
+            <a:p>
+              <a:pPr algn="ctr"/>
+              <a:endParaRPr lang="en-US"/>
+            </a:p>
+          </p:txBody>
+        </p:sp>
+        <p:sp>
+          <p:nvSpPr>
+            <p:cNvPr id="3" name="Isosceles Triangle 2">
+              <a:extLst>
+                <a:ext uri="{FF2B5EF4-FFF2-40B4-BE49-F238E27FC236}">
+                  <a16:creationId xmlns:a16="http://schemas.microsoft.com/office/drawing/2014/main" id="{7BF74617-D496-4CC8-AEDB-B27889D6EA8D}"/>
+                </a:ext>
+              </a:extLst>
+            </p:cNvPr>
+            <p:cNvSpPr/>
+            <p:nvPr/>
+          </p:nvSpPr>
+          <p:spPr>
+            <a:xfrm flipV="1">
+              <a:off x="2343149" y="5023887"/>
+              <a:ext cx="1028700" cy="1034014"/>
+            </a:xfrm>
+            <a:prstGeom prst="triangle">
+              <a:avLst/>
+            </a:prstGeom>
+            <a:solidFill>
+              <a:srgbClr val="3259A0"/>
+            </a:solidFill>
+            <a:ln>
+              <a:noFill/>
+            </a:ln>
+          </p:spPr>
+          <p:style>
+            <a:lnRef idx="2">
+              <a:schemeClr val="accent1">
+                <a:shade val="50000"/>
+              </a:schemeClr>
+            </a:lnRef>
+            <a:fillRef idx="1">
+              <a:schemeClr val="accent1"/>
+            </a:fillRef>
+            <a:effectRef idx="0">
+              <a:schemeClr val="accent1"/>
+            </a:effectRef>
+            <a:fontRef idx="minor">
+              <a:schemeClr val="lt1"/>
+            </a:fontRef>
+          </p:style>
+          <p:txBody>
+            <a:bodyPr rtlCol="0" anchor="ctr"/>
+            <a:lstStyle/>
+            <a:p>
+              <a:pPr algn="ctr"/>
+              <a:endParaRPr lang="en-US"/>
+            </a:p>
+          </p:txBody>
+        </p:sp>
+        <p:sp>
+          <p:nvSpPr>
+            <p:cNvPr id="4" name="Isosceles Triangle 3">
+              <a:extLst>
+                <a:ext uri="{FF2B5EF4-FFF2-40B4-BE49-F238E27FC236}">
+                  <a16:creationId xmlns:a16="http://schemas.microsoft.com/office/drawing/2014/main" id="{6934E24E-B135-456F-9805-BA120033811E}"/>
+                </a:ext>
+              </a:extLst>
+            </p:cNvPr>
+            <p:cNvSpPr/>
+            <p:nvPr/>
+          </p:nvSpPr>
+          <p:spPr>
+            <a:xfrm flipV="1">
+              <a:off x="2557111" y="5023887"/>
+              <a:ext cx="600776" cy="603879"/>
+            </a:xfrm>
+            <a:prstGeom prst="triangle">
+              <a:avLst/>
+            </a:prstGeom>
+            <a:solidFill>
+              <a:schemeClr val="bg1"/>
+            </a:solidFill>
+            <a:ln>
+              <a:noFill/>
+            </a:ln>
+          </p:spPr>
+          <p:style>
+            <a:lnRef idx="2">
+              <a:schemeClr val="accent1">
+                <a:shade val="50000"/>
+              </a:schemeClr>
+            </a:lnRef>
+            <a:fillRef idx="1">
+              <a:schemeClr val="accent1"/>
+            </a:fillRef>
+            <a:effectRef idx="0">
+              <a:schemeClr val="accent1"/>
+            </a:effectRef>
+            <a:fontRef idx="minor">
+              <a:schemeClr val="lt1"/>
+            </a:fontRef>
+          </p:style>
+          <p:txBody>
+            <a:bodyPr rtlCol="0" anchor="ctr"/>
+            <a:lstStyle/>
+            <a:p>
+              <a:pPr algn="ctr"/>
+              <a:endParaRPr lang="en-US"/>
+            </a:p>
+          </p:txBody>
+        </p:sp>
+      </p:grpSp>
+      <p:sp>
+        <p:nvSpPr>
+          <p:cNvPr id="11" name="Freeform: Shape 10">
+            <a:extLst>
+              <a:ext uri="{FF2B5EF4-FFF2-40B4-BE49-F238E27FC236}">
+                <a16:creationId xmlns:a16="http://schemas.microsoft.com/office/drawing/2014/main" id="{2CA53615-6041-4FF8-AC61-486B1DD551FA}"/>
+              </a:ext>
+            </a:extLst>
+          </p:cNvPr>
+          <p:cNvSpPr/>
+          <p:nvPr/>
+        </p:nvSpPr>
+        <p:spPr>
+          <a:xfrm>
+            <a:off x="1231956" y="5062938"/>
+            <a:ext cx="2413000" cy="668738"/>
+          </a:xfrm>
+          <a:custGeom>
+            <a:avLst/>
+            <a:gdLst>
+              <a:gd name="connsiteX0" fmla="*/ 0 w 2413000"/>
+              <a:gd name="connsiteY0" fmla="*/ 668738 h 668738"/>
+              <a:gd name="connsiteX1" fmla="*/ 495300 w 2413000"/>
+              <a:gd name="connsiteY1" fmla="*/ 109938 h 668738"/>
+              <a:gd name="connsiteX2" fmla="*/ 1282700 w 2413000"/>
+              <a:gd name="connsiteY2" fmla="*/ 529038 h 668738"/>
+              <a:gd name="connsiteX3" fmla="*/ 2133600 w 2413000"/>
+              <a:gd name="connsiteY3" fmla="*/ 46438 h 668738"/>
+              <a:gd name="connsiteX4" fmla="*/ 2413000 w 2413000"/>
+              <a:gd name="connsiteY4" fmla="*/ 46438 h 668738"/>
+            </a:gdLst>
+            <a:ahLst/>
+            <a:cxnLst>
+              <a:cxn ang="0">
+                <a:pos x="connsiteX0" y="connsiteY0"/>
+              </a:cxn>
+              <a:cxn ang="0">
+                <a:pos x="connsiteX1" y="connsiteY1"/>
+              </a:cxn>
+              <a:cxn ang="0">
+                <a:pos x="connsiteX2" y="connsiteY2"/>
+              </a:cxn>
+              <a:cxn ang="0">
+                <a:pos x="connsiteX3" y="connsiteY3"/>
+              </a:cxn>
+              <a:cxn ang="0">
+                <a:pos x="connsiteX4" y="connsiteY4"/>
+              </a:cxn>
+            </a:cxnLst>
+            <a:rect l="l" t="t" r="r" b="b"/>
+            <a:pathLst>
+              <a:path w="2413000" h="668738">
+                <a:moveTo>
+                  <a:pt x="0" y="668738"/>
+                </a:moveTo>
+                <a:cubicBezTo>
+                  <a:pt x="140758" y="400979"/>
+                  <a:pt x="281517" y="133221"/>
+                  <a:pt x="495300" y="109938"/>
+                </a:cubicBezTo>
+                <a:cubicBezTo>
+                  <a:pt x="709083" y="86655"/>
+                  <a:pt x="1009650" y="539621"/>
+                  <a:pt x="1282700" y="529038"/>
+                </a:cubicBezTo>
+                <a:cubicBezTo>
+                  <a:pt x="1555750" y="518455"/>
+                  <a:pt x="1945217" y="126871"/>
+                  <a:pt x="2133600" y="46438"/>
+                </a:cubicBezTo>
+                <a:cubicBezTo>
+                  <a:pt x="2321983" y="-33995"/>
+                  <a:pt x="2367491" y="6221"/>
+                  <a:pt x="2413000" y="46438"/>
+                </a:cubicBezTo>
+              </a:path>
+            </a:pathLst>
+          </a:custGeom>
+          <a:noFill/>
+          <a:ln w="127000">
+            <a:solidFill>
+              <a:srgbClr val="3259A0"/>
+            </a:solidFill>
+          </a:ln>
+        </p:spPr>
+        <p:style>
+          <a:lnRef idx="2">
+            <a:schemeClr val="accent1">
+              <a:shade val="50000"/>
+            </a:schemeClr>
+          </a:lnRef>
+          <a:fillRef idx="1">
+            <a:schemeClr val="accent1"/>
+          </a:fillRef>
+          <a:effectRef idx="0">
+            <a:schemeClr val="accent1"/>
+          </a:effectRef>
+          <a:fontRef idx="minor">
+            <a:schemeClr val="lt1"/>
+          </a:fontRef>
+        </p:style>
+        <p:txBody>
+          <a:bodyPr rtlCol="0" anchor="ctr"/>
+          <a:lstStyle/>
+          <a:p>
+            <a:pPr algn="ctr"/>
+            <a:endParaRPr lang="en-US"/>
+          </a:p>
+        </p:txBody>
+      </p:sp>
+      <p:pic>
+        <p:nvPicPr>
+          <p:cNvPr id="17" name="Picture 16">
+            <a:extLst>
+              <a:ext uri="{FF2B5EF4-FFF2-40B4-BE49-F238E27FC236}">
+                <a16:creationId xmlns:a16="http://schemas.microsoft.com/office/drawing/2014/main" id="{F1BB1E50-F89C-46C4-A71A-9B87F12FA55E}"/>
+              </a:ext>
+            </a:extLst>
+          </p:cNvPr>
+          <p:cNvPicPr>
+            <a:picLocks noChangeAspect="1"/>
+          </p:cNvPicPr>
+          <p:nvPr/>
+        </p:nvPicPr>
+        <p:blipFill>
+          <a:blip r:embed="rId2">
+            <a:extLst>
+              <a:ext uri="{28A0092B-C50C-407E-A947-70E740481C1C}">
+                <a14:useLocalDpi xmlns:a14="http://schemas.microsoft.com/office/drawing/2010/main" val="0"/>
+              </a:ext>
+            </a:extLst>
+          </a:blip>
+          <a:stretch>
+            <a:fillRect/>
+          </a:stretch>
+        </p:blipFill>
+        <p:spPr>
+          <a:xfrm>
+            <a:off x="8522594" y="4228140"/>
+            <a:ext cx="226742" cy="201168"/>
+          </a:xfrm>
+          <a:prstGeom prst="rect">
+            <a:avLst/>
+          </a:prstGeom>
+        </p:spPr>
+      </p:pic>
+    </p:spTree>
+    <p:extLst>
+      <p:ext uri="{BB962C8B-B14F-4D97-AF65-F5344CB8AC3E}">
+        <p14:creationId xmlns:p14="http://schemas.microsoft.com/office/powerpoint/2010/main" val="2599948194"/>
+      </p:ext>
+    </p:extLst>
+  </p:cSld>
+  <p:clrMapOvr>
+    <a:masterClrMapping/>
+  </p:clrMapOvr>
+</p:sld>
+</file>
+
+<file path=ppt/slides/slide9.xml><?xml version="1.0" encoding="utf-8"?>
+<p:sld xmlns:a="http://schemas.openxmlformats.org/drawingml/2006/main" xmlns:r="http://schemas.openxmlformats.org/officeDocument/2006/relationships" xmlns:p="http://schemas.openxmlformats.org/presentationml/2006/main">
+  <p:cSld>
+    <p:spTree>
+      <p:nvGrpSpPr>
+        <p:cNvPr id="1" name=""/>
+        <p:cNvGrpSpPr/>
+        <p:nvPr/>
+      </p:nvGrpSpPr>
+      <p:grpSpPr>
+        <a:xfrm>
+          <a:off x="0" y="0"/>
+          <a:ext cx="0" cy="0"/>
+          <a:chOff x="0" y="0"/>
+          <a:chExt cx="0" cy="0"/>
+        </a:xfrm>
+      </p:grpSpPr>
+      <p:sp>
+        <p:nvSpPr>
+          <p:cNvPr id="2" name="Rectangle 1">
+            <a:extLst>
+              <a:ext uri="{FF2B5EF4-FFF2-40B4-BE49-F238E27FC236}">
+                <a16:creationId xmlns:a16="http://schemas.microsoft.com/office/drawing/2014/main" id="{1F2032E9-E563-494C-B7EA-4088E1FF8C0C}"/>
+              </a:ext>
+            </a:extLst>
+          </p:cNvPr>
+          <p:cNvSpPr/>
+          <p:nvPr/>
+        </p:nvSpPr>
+        <p:spPr>
+          <a:xfrm>
+            <a:off x="1278527" y="1680832"/>
+            <a:ext cx="3998468" cy="4023868"/>
+          </a:xfrm>
+          <a:prstGeom prst="rect">
+            <a:avLst/>
+          </a:prstGeom>
+          <a:solidFill>
+            <a:srgbClr val="3259A0"/>
+          </a:solidFill>
+          <a:ln>
+            <a:noFill/>
+          </a:ln>
+        </p:spPr>
+        <p:style>
+          <a:lnRef idx="2">
+            <a:schemeClr val="accent1">
+              <a:shade val="50000"/>
+            </a:schemeClr>
+          </a:lnRef>
+          <a:fillRef idx="1">
+            <a:schemeClr val="accent1"/>
+          </a:fillRef>
+          <a:effectRef idx="0">
+            <a:schemeClr val="accent1"/>
+          </a:effectRef>
+          <a:fontRef idx="minor">
+            <a:schemeClr val="lt1"/>
+          </a:fontRef>
+        </p:style>
+        <p:txBody>
+          <a:bodyPr rtlCol="0" anchor="ctr"/>
+          <a:lstStyle/>
+          <a:p>
+            <a:pPr algn="ctr"/>
+            <a:endParaRPr lang="en-US" sz="9600" b="1" dirty="0">
+              <a:cs typeface="Raavi" panose="020B0502040204020203" pitchFamily="34" charset="0"/>
+            </a:endParaRPr>
+          </a:p>
+        </p:txBody>
+      </p:sp>
+      <p:sp>
+        <p:nvSpPr>
+          <p:cNvPr id="3" name="Oval 2">
+            <a:extLst>
+              <a:ext uri="{FF2B5EF4-FFF2-40B4-BE49-F238E27FC236}">
+                <a16:creationId xmlns:a16="http://schemas.microsoft.com/office/drawing/2014/main" id="{B80BFADB-69E0-4593-ADC5-8DFBF4F621ED}"/>
+              </a:ext>
+            </a:extLst>
+          </p:cNvPr>
+          <p:cNvSpPr/>
+          <p:nvPr/>
+        </p:nvSpPr>
+        <p:spPr>
+          <a:xfrm>
+            <a:off x="2920710" y="4595949"/>
+            <a:ext cx="357051" cy="357051"/>
+          </a:xfrm>
+          <a:prstGeom prst="ellipse">
+            <a:avLst/>
+          </a:prstGeom>
+          <a:solidFill>
+            <a:schemeClr val="bg1"/>
+          </a:solidFill>
+          <a:ln>
+            <a:noFill/>
+          </a:ln>
+        </p:spPr>
+        <p:style>
+          <a:lnRef idx="2">
+            <a:schemeClr val="accent1">
+              <a:shade val="50000"/>
+            </a:schemeClr>
+          </a:lnRef>
+          <a:fillRef idx="1">
+            <a:schemeClr val="accent1"/>
+          </a:fillRef>
+          <a:effectRef idx="0">
+            <a:schemeClr val="accent1"/>
+          </a:effectRef>
+          <a:fontRef idx="minor">
+            <a:schemeClr val="lt1"/>
+          </a:fontRef>
+        </p:style>
+        <p:txBody>
+          <a:bodyPr rtlCol="0" anchor="ctr"/>
+          <a:lstStyle/>
+          <a:p>
+            <a:pPr algn="ctr"/>
+            <a:endParaRPr lang="en-US"/>
+          </a:p>
+        </p:txBody>
+      </p:sp>
+      <p:sp>
+        <p:nvSpPr>
+          <p:cNvPr id="4" name="Freeform: Shape 3">
+            <a:extLst>
+              <a:ext uri="{FF2B5EF4-FFF2-40B4-BE49-F238E27FC236}">
+                <a16:creationId xmlns:a16="http://schemas.microsoft.com/office/drawing/2014/main" id="{3C0A2BFD-56F1-465E-B775-6094A0DADF56}"/>
+              </a:ext>
+            </a:extLst>
+          </p:cNvPr>
+          <p:cNvSpPr/>
+          <p:nvPr/>
+        </p:nvSpPr>
+        <p:spPr>
+          <a:xfrm>
+            <a:off x="2257770" y="2409967"/>
+            <a:ext cx="1640167" cy="1964211"/>
+          </a:xfrm>
+          <a:custGeom>
+            <a:avLst/>
+            <a:gdLst>
+              <a:gd name="connsiteX0" fmla="*/ 841829 w 1440291"/>
+              <a:gd name="connsiteY0" fmla="*/ 1702835 h 1702835"/>
+              <a:gd name="connsiteX1" fmla="*/ 1436915 w 1440291"/>
+              <a:gd name="connsiteY1" fmla="*/ 861006 h 1702835"/>
+              <a:gd name="connsiteX2" fmla="*/ 1045029 w 1440291"/>
+              <a:gd name="connsiteY2" fmla="*/ 48206 h 1702835"/>
+              <a:gd name="connsiteX3" fmla="*/ 246743 w 1440291"/>
+              <a:gd name="connsiteY3" fmla="*/ 149806 h 1702835"/>
+              <a:gd name="connsiteX4" fmla="*/ 0 w 1440291"/>
+              <a:gd name="connsiteY4" fmla="*/ 614264 h 1702835"/>
+              <a:gd name="connsiteX0" fmla="*/ 841829 w 1440088"/>
+              <a:gd name="connsiteY0" fmla="*/ 1719284 h 1719284"/>
+              <a:gd name="connsiteX1" fmla="*/ 1436915 w 1440088"/>
+              <a:gd name="connsiteY1" fmla="*/ 877455 h 1719284"/>
+              <a:gd name="connsiteX2" fmla="*/ 1045029 w 1440088"/>
+              <a:gd name="connsiteY2" fmla="*/ 64655 h 1719284"/>
+              <a:gd name="connsiteX3" fmla="*/ 348343 w 1440088"/>
+              <a:gd name="connsiteY3" fmla="*/ 115455 h 1719284"/>
+              <a:gd name="connsiteX4" fmla="*/ 0 w 1440088"/>
+              <a:gd name="connsiteY4" fmla="*/ 630713 h 1719284"/>
+              <a:gd name="connsiteX0" fmla="*/ 841829 w 1440088"/>
+              <a:gd name="connsiteY0" fmla="*/ 1707911 h 1707911"/>
+              <a:gd name="connsiteX1" fmla="*/ 1436915 w 1440088"/>
+              <a:gd name="connsiteY1" fmla="*/ 866082 h 1707911"/>
+              <a:gd name="connsiteX2" fmla="*/ 1045029 w 1440088"/>
+              <a:gd name="connsiteY2" fmla="*/ 53282 h 1707911"/>
+              <a:gd name="connsiteX3" fmla="*/ 348343 w 1440088"/>
+              <a:gd name="connsiteY3" fmla="*/ 104082 h 1707911"/>
+              <a:gd name="connsiteX4" fmla="*/ 0 w 1440088"/>
+              <a:gd name="connsiteY4" fmla="*/ 619340 h 1707911"/>
+              <a:gd name="connsiteX0" fmla="*/ 841829 w 1439951"/>
+              <a:gd name="connsiteY0" fmla="*/ 1691095 h 1691095"/>
+              <a:gd name="connsiteX1" fmla="*/ 1436915 w 1439951"/>
+              <a:gd name="connsiteY1" fmla="*/ 849266 h 1691095"/>
+              <a:gd name="connsiteX2" fmla="*/ 1045029 w 1439951"/>
+              <a:gd name="connsiteY2" fmla="*/ 36466 h 1691095"/>
+              <a:gd name="connsiteX3" fmla="*/ 348343 w 1439951"/>
+              <a:gd name="connsiteY3" fmla="*/ 87266 h 1691095"/>
+              <a:gd name="connsiteX4" fmla="*/ 0 w 1439951"/>
+              <a:gd name="connsiteY4" fmla="*/ 602524 h 1691095"/>
+              <a:gd name="connsiteX0" fmla="*/ 841829 w 1440088"/>
+              <a:gd name="connsiteY0" fmla="*/ 1707910 h 1707910"/>
+              <a:gd name="connsiteX1" fmla="*/ 1436915 w 1440088"/>
+              <a:gd name="connsiteY1" fmla="*/ 866081 h 1707910"/>
+              <a:gd name="connsiteX2" fmla="*/ 1045029 w 1440088"/>
+              <a:gd name="connsiteY2" fmla="*/ 53281 h 1707910"/>
+              <a:gd name="connsiteX3" fmla="*/ 348343 w 1440088"/>
+              <a:gd name="connsiteY3" fmla="*/ 104081 h 1707910"/>
+              <a:gd name="connsiteX4" fmla="*/ 0 w 1440088"/>
+              <a:gd name="connsiteY4" fmla="*/ 619339 h 1707910"/>
+              <a:gd name="connsiteX0" fmla="*/ 841829 w 1440088"/>
+              <a:gd name="connsiteY0" fmla="*/ 1707910 h 1707910"/>
+              <a:gd name="connsiteX1" fmla="*/ 1436915 w 1440088"/>
+              <a:gd name="connsiteY1" fmla="*/ 866081 h 1707910"/>
+              <a:gd name="connsiteX2" fmla="*/ 1045029 w 1440088"/>
+              <a:gd name="connsiteY2" fmla="*/ 53281 h 1707910"/>
+              <a:gd name="connsiteX3" fmla="*/ 348343 w 1440088"/>
+              <a:gd name="connsiteY3" fmla="*/ 104081 h 1707910"/>
+              <a:gd name="connsiteX4" fmla="*/ 0 w 1440088"/>
+              <a:gd name="connsiteY4" fmla="*/ 619339 h 1707910"/>
+              <a:gd name="connsiteX0" fmla="*/ 841829 w 1440088"/>
+              <a:gd name="connsiteY0" fmla="*/ 1707910 h 1707910"/>
+              <a:gd name="connsiteX1" fmla="*/ 1436915 w 1440088"/>
+              <a:gd name="connsiteY1" fmla="*/ 866081 h 1707910"/>
+              <a:gd name="connsiteX2" fmla="*/ 1045029 w 1440088"/>
+              <a:gd name="connsiteY2" fmla="*/ 53281 h 1707910"/>
+              <a:gd name="connsiteX3" fmla="*/ 348343 w 1440088"/>
+              <a:gd name="connsiteY3" fmla="*/ 104081 h 1707910"/>
+              <a:gd name="connsiteX4" fmla="*/ 0 w 1440088"/>
+              <a:gd name="connsiteY4" fmla="*/ 619339 h 1707910"/>
+              <a:gd name="connsiteX0" fmla="*/ 879929 w 1478188"/>
+              <a:gd name="connsiteY0" fmla="*/ 1719284 h 1719284"/>
+              <a:gd name="connsiteX1" fmla="*/ 1475015 w 1478188"/>
+              <a:gd name="connsiteY1" fmla="*/ 877455 h 1719284"/>
+              <a:gd name="connsiteX2" fmla="*/ 1083129 w 1478188"/>
+              <a:gd name="connsiteY2" fmla="*/ 64655 h 1719284"/>
+              <a:gd name="connsiteX3" fmla="*/ 386443 w 1478188"/>
+              <a:gd name="connsiteY3" fmla="*/ 115455 h 1719284"/>
+              <a:gd name="connsiteX4" fmla="*/ 0 w 1478188"/>
+              <a:gd name="connsiteY4" fmla="*/ 630713 h 1719284"/>
+              <a:gd name="connsiteX0" fmla="*/ 879929 w 1478188"/>
+              <a:gd name="connsiteY0" fmla="*/ 1719284 h 1719284"/>
+              <a:gd name="connsiteX1" fmla="*/ 1475015 w 1478188"/>
+              <a:gd name="connsiteY1" fmla="*/ 877455 h 1719284"/>
+              <a:gd name="connsiteX2" fmla="*/ 1083129 w 1478188"/>
+              <a:gd name="connsiteY2" fmla="*/ 64655 h 1719284"/>
+              <a:gd name="connsiteX3" fmla="*/ 386443 w 1478188"/>
+              <a:gd name="connsiteY3" fmla="*/ 115455 h 1719284"/>
+              <a:gd name="connsiteX4" fmla="*/ 0 w 1478188"/>
+              <a:gd name="connsiteY4" fmla="*/ 630713 h 1719284"/>
+              <a:gd name="connsiteX0" fmla="*/ 879929 w 1478171"/>
+              <a:gd name="connsiteY0" fmla="*/ 1709417 h 1709417"/>
+              <a:gd name="connsiteX1" fmla="*/ 1475015 w 1478171"/>
+              <a:gd name="connsiteY1" fmla="*/ 867588 h 1709417"/>
+              <a:gd name="connsiteX2" fmla="*/ 1083129 w 1478171"/>
+              <a:gd name="connsiteY2" fmla="*/ 54788 h 1709417"/>
+              <a:gd name="connsiteX3" fmla="*/ 395968 w 1478171"/>
+              <a:gd name="connsiteY3" fmla="*/ 134163 h 1709417"/>
+              <a:gd name="connsiteX4" fmla="*/ 0 w 1478171"/>
+              <a:gd name="connsiteY4" fmla="*/ 620846 h 1709417"/>
+              <a:gd name="connsiteX0" fmla="*/ 879929 w 1478171"/>
+              <a:gd name="connsiteY0" fmla="*/ 1702199 h 1702199"/>
+              <a:gd name="connsiteX1" fmla="*/ 1475015 w 1478171"/>
+              <a:gd name="connsiteY1" fmla="*/ 860370 h 1702199"/>
+              <a:gd name="connsiteX2" fmla="*/ 1083129 w 1478171"/>
+              <a:gd name="connsiteY2" fmla="*/ 47570 h 1702199"/>
+              <a:gd name="connsiteX3" fmla="*/ 395968 w 1478171"/>
+              <a:gd name="connsiteY3" fmla="*/ 126945 h 1702199"/>
+              <a:gd name="connsiteX4" fmla="*/ 0 w 1478171"/>
+              <a:gd name="connsiteY4" fmla="*/ 613628 h 1702199"/>
+              <a:gd name="connsiteX0" fmla="*/ 879929 w 1478171"/>
+              <a:gd name="connsiteY0" fmla="*/ 1711461 h 1711461"/>
+              <a:gd name="connsiteX1" fmla="*/ 1475015 w 1478171"/>
+              <a:gd name="connsiteY1" fmla="*/ 869632 h 1711461"/>
+              <a:gd name="connsiteX2" fmla="*/ 1083129 w 1478171"/>
+              <a:gd name="connsiteY2" fmla="*/ 56832 h 1711461"/>
+              <a:gd name="connsiteX3" fmla="*/ 395968 w 1478171"/>
+              <a:gd name="connsiteY3" fmla="*/ 136207 h 1711461"/>
+              <a:gd name="connsiteX4" fmla="*/ 0 w 1478171"/>
+              <a:gd name="connsiteY4" fmla="*/ 622890 h 1711461"/>
+              <a:gd name="connsiteX0" fmla="*/ 879929 w 1477837"/>
+              <a:gd name="connsiteY0" fmla="*/ 1686064 h 1686064"/>
+              <a:gd name="connsiteX1" fmla="*/ 1475015 w 1477837"/>
+              <a:gd name="connsiteY1" fmla="*/ 844235 h 1686064"/>
+              <a:gd name="connsiteX2" fmla="*/ 1083129 w 1477837"/>
+              <a:gd name="connsiteY2" fmla="*/ 31435 h 1686064"/>
+              <a:gd name="connsiteX3" fmla="*/ 395968 w 1477837"/>
+              <a:gd name="connsiteY3" fmla="*/ 110810 h 1686064"/>
+              <a:gd name="connsiteX4" fmla="*/ 0 w 1477837"/>
+              <a:gd name="connsiteY4" fmla="*/ 597493 h 1686064"/>
+              <a:gd name="connsiteX0" fmla="*/ 879929 w 1477637"/>
+              <a:gd name="connsiteY0" fmla="*/ 1688179 h 1688179"/>
+              <a:gd name="connsiteX1" fmla="*/ 1475015 w 1477637"/>
+              <a:gd name="connsiteY1" fmla="*/ 846350 h 1688179"/>
+              <a:gd name="connsiteX2" fmla="*/ 1083129 w 1477637"/>
+              <a:gd name="connsiteY2" fmla="*/ 33550 h 1688179"/>
+              <a:gd name="connsiteX3" fmla="*/ 395968 w 1477637"/>
+              <a:gd name="connsiteY3" fmla="*/ 112925 h 1688179"/>
+              <a:gd name="connsiteX4" fmla="*/ 0 w 1477637"/>
+              <a:gd name="connsiteY4" fmla="*/ 599608 h 1688179"/>
+              <a:gd name="connsiteX0" fmla="*/ 879929 w 1479310"/>
+              <a:gd name="connsiteY0" fmla="*/ 1717811 h 1717811"/>
+              <a:gd name="connsiteX1" fmla="*/ 1475015 w 1479310"/>
+              <a:gd name="connsiteY1" fmla="*/ 875982 h 1717811"/>
+              <a:gd name="connsiteX2" fmla="*/ 1083129 w 1479310"/>
+              <a:gd name="connsiteY2" fmla="*/ 63182 h 1717811"/>
+              <a:gd name="connsiteX3" fmla="*/ 395968 w 1479310"/>
+              <a:gd name="connsiteY3" fmla="*/ 142557 h 1717811"/>
+              <a:gd name="connsiteX4" fmla="*/ 0 w 1479310"/>
+              <a:gd name="connsiteY4" fmla="*/ 629240 h 1717811"/>
+              <a:gd name="connsiteX0" fmla="*/ 879929 w 1478197"/>
+              <a:gd name="connsiteY0" fmla="*/ 1711463 h 1711463"/>
+              <a:gd name="connsiteX1" fmla="*/ 1475015 w 1478197"/>
+              <a:gd name="connsiteY1" fmla="*/ 869634 h 1711463"/>
+              <a:gd name="connsiteX2" fmla="*/ 1083129 w 1478197"/>
+              <a:gd name="connsiteY2" fmla="*/ 56834 h 1711463"/>
+              <a:gd name="connsiteX3" fmla="*/ 381680 w 1478197"/>
+              <a:gd name="connsiteY3" fmla="*/ 136209 h 1711463"/>
+              <a:gd name="connsiteX4" fmla="*/ 0 w 1478197"/>
+              <a:gd name="connsiteY4" fmla="*/ 622892 h 1711463"/>
+              <a:gd name="connsiteX0" fmla="*/ 879929 w 1478197"/>
+              <a:gd name="connsiteY0" fmla="*/ 1727241 h 1727241"/>
+              <a:gd name="connsiteX1" fmla="*/ 1475015 w 1478197"/>
+              <a:gd name="connsiteY1" fmla="*/ 885412 h 1727241"/>
+              <a:gd name="connsiteX2" fmla="*/ 1083129 w 1478197"/>
+              <a:gd name="connsiteY2" fmla="*/ 72612 h 1727241"/>
+              <a:gd name="connsiteX3" fmla="*/ 381680 w 1478197"/>
+              <a:gd name="connsiteY3" fmla="*/ 151987 h 1727241"/>
+              <a:gd name="connsiteX4" fmla="*/ 0 w 1478197"/>
+              <a:gd name="connsiteY4" fmla="*/ 638670 h 1727241"/>
+              <a:gd name="connsiteX0" fmla="*/ 914426 w 1512694"/>
+              <a:gd name="connsiteY0" fmla="*/ 1727241 h 1727241"/>
+              <a:gd name="connsiteX1" fmla="*/ 1509512 w 1512694"/>
+              <a:gd name="connsiteY1" fmla="*/ 885412 h 1727241"/>
+              <a:gd name="connsiteX2" fmla="*/ 1117626 w 1512694"/>
+              <a:gd name="connsiteY2" fmla="*/ 72612 h 1727241"/>
+              <a:gd name="connsiteX3" fmla="*/ 416177 w 1512694"/>
+              <a:gd name="connsiteY3" fmla="*/ 151987 h 1727241"/>
+              <a:gd name="connsiteX4" fmla="*/ 34497 w 1512694"/>
+              <a:gd name="connsiteY4" fmla="*/ 638670 h 1727241"/>
+              <a:gd name="connsiteX5" fmla="*/ 15222 w 1512694"/>
+              <a:gd name="connsiteY5" fmla="*/ 647741 h 1727241"/>
+              <a:gd name="connsiteX0" fmla="*/ 895131 w 1493399"/>
+              <a:gd name="connsiteY0" fmla="*/ 1727241 h 1727241"/>
+              <a:gd name="connsiteX1" fmla="*/ 1490217 w 1493399"/>
+              <a:gd name="connsiteY1" fmla="*/ 885412 h 1727241"/>
+              <a:gd name="connsiteX2" fmla="*/ 1098331 w 1493399"/>
+              <a:gd name="connsiteY2" fmla="*/ 72612 h 1727241"/>
+              <a:gd name="connsiteX3" fmla="*/ 396882 w 1493399"/>
+              <a:gd name="connsiteY3" fmla="*/ 151987 h 1727241"/>
+              <a:gd name="connsiteX4" fmla="*/ 15202 w 1493399"/>
+              <a:gd name="connsiteY4" fmla="*/ 638670 h 1727241"/>
+              <a:gd name="connsiteX5" fmla="*/ 119752 w 1493399"/>
+              <a:gd name="connsiteY5" fmla="*/ 652504 h 1727241"/>
+              <a:gd name="connsiteX0" fmla="*/ 895131 w 1493399"/>
+              <a:gd name="connsiteY0" fmla="*/ 1727241 h 1727241"/>
+              <a:gd name="connsiteX1" fmla="*/ 1490217 w 1493399"/>
+              <a:gd name="connsiteY1" fmla="*/ 885412 h 1727241"/>
+              <a:gd name="connsiteX2" fmla="*/ 1098331 w 1493399"/>
+              <a:gd name="connsiteY2" fmla="*/ 72612 h 1727241"/>
+              <a:gd name="connsiteX3" fmla="*/ 396882 w 1493399"/>
+              <a:gd name="connsiteY3" fmla="*/ 151987 h 1727241"/>
+              <a:gd name="connsiteX4" fmla="*/ 15202 w 1493399"/>
+              <a:gd name="connsiteY4" fmla="*/ 638670 h 1727241"/>
+              <a:gd name="connsiteX5" fmla="*/ 119752 w 1493399"/>
+              <a:gd name="connsiteY5" fmla="*/ 652504 h 1727241"/>
+              <a:gd name="connsiteX6" fmla="*/ 110227 w 1493399"/>
+              <a:gd name="connsiteY6" fmla="*/ 657266 h 1727241"/>
+              <a:gd name="connsiteX0" fmla="*/ 895131 w 1493399"/>
+              <a:gd name="connsiteY0" fmla="*/ 1727241 h 1727241"/>
+              <a:gd name="connsiteX1" fmla="*/ 1490217 w 1493399"/>
+              <a:gd name="connsiteY1" fmla="*/ 885412 h 1727241"/>
+              <a:gd name="connsiteX2" fmla="*/ 1098331 w 1493399"/>
+              <a:gd name="connsiteY2" fmla="*/ 72612 h 1727241"/>
+              <a:gd name="connsiteX3" fmla="*/ 396882 w 1493399"/>
+              <a:gd name="connsiteY3" fmla="*/ 151987 h 1727241"/>
+              <a:gd name="connsiteX4" fmla="*/ 15202 w 1493399"/>
+              <a:gd name="connsiteY4" fmla="*/ 638670 h 1727241"/>
+              <a:gd name="connsiteX5" fmla="*/ 119752 w 1493399"/>
+              <a:gd name="connsiteY5" fmla="*/ 652504 h 1727241"/>
+              <a:gd name="connsiteX6" fmla="*/ 481702 w 1493399"/>
+              <a:gd name="connsiteY6" fmla="*/ 290554 h 1727241"/>
+              <a:gd name="connsiteX0" fmla="*/ 895131 w 1493399"/>
+              <a:gd name="connsiteY0" fmla="*/ 1727241 h 1727241"/>
+              <a:gd name="connsiteX1" fmla="*/ 1490217 w 1493399"/>
+              <a:gd name="connsiteY1" fmla="*/ 885412 h 1727241"/>
+              <a:gd name="connsiteX2" fmla="*/ 1098331 w 1493399"/>
+              <a:gd name="connsiteY2" fmla="*/ 72612 h 1727241"/>
+              <a:gd name="connsiteX3" fmla="*/ 396882 w 1493399"/>
+              <a:gd name="connsiteY3" fmla="*/ 151987 h 1727241"/>
+              <a:gd name="connsiteX4" fmla="*/ 15202 w 1493399"/>
+              <a:gd name="connsiteY4" fmla="*/ 638670 h 1727241"/>
+              <a:gd name="connsiteX5" fmla="*/ 119752 w 1493399"/>
+              <a:gd name="connsiteY5" fmla="*/ 652504 h 1727241"/>
+              <a:gd name="connsiteX6" fmla="*/ 481702 w 1493399"/>
+              <a:gd name="connsiteY6" fmla="*/ 290554 h 1727241"/>
+              <a:gd name="connsiteX7" fmla="*/ 476939 w 1493399"/>
+              <a:gd name="connsiteY7" fmla="*/ 300079 h 1727241"/>
+              <a:gd name="connsiteX0" fmla="*/ 895131 w 1493399"/>
+              <a:gd name="connsiteY0" fmla="*/ 1727241 h 1727241"/>
+              <a:gd name="connsiteX1" fmla="*/ 1490217 w 1493399"/>
+              <a:gd name="connsiteY1" fmla="*/ 885412 h 1727241"/>
+              <a:gd name="connsiteX2" fmla="*/ 1098331 w 1493399"/>
+              <a:gd name="connsiteY2" fmla="*/ 72612 h 1727241"/>
+              <a:gd name="connsiteX3" fmla="*/ 396882 w 1493399"/>
+              <a:gd name="connsiteY3" fmla="*/ 151987 h 1727241"/>
+              <a:gd name="connsiteX4" fmla="*/ 15202 w 1493399"/>
+              <a:gd name="connsiteY4" fmla="*/ 638670 h 1727241"/>
+              <a:gd name="connsiteX5" fmla="*/ 119752 w 1493399"/>
+              <a:gd name="connsiteY5" fmla="*/ 652504 h 1727241"/>
+              <a:gd name="connsiteX6" fmla="*/ 481702 w 1493399"/>
+              <a:gd name="connsiteY6" fmla="*/ 290554 h 1727241"/>
+              <a:gd name="connsiteX7" fmla="*/ 1005576 w 1493399"/>
+              <a:gd name="connsiteY7" fmla="*/ 228641 h 1727241"/>
+              <a:gd name="connsiteX0" fmla="*/ 895131 w 1493399"/>
+              <a:gd name="connsiteY0" fmla="*/ 1727241 h 1727241"/>
+              <a:gd name="connsiteX1" fmla="*/ 1490217 w 1493399"/>
+              <a:gd name="connsiteY1" fmla="*/ 885412 h 1727241"/>
+              <a:gd name="connsiteX2" fmla="*/ 1098331 w 1493399"/>
+              <a:gd name="connsiteY2" fmla="*/ 72612 h 1727241"/>
+              <a:gd name="connsiteX3" fmla="*/ 396882 w 1493399"/>
+              <a:gd name="connsiteY3" fmla="*/ 151987 h 1727241"/>
+              <a:gd name="connsiteX4" fmla="*/ 15202 w 1493399"/>
+              <a:gd name="connsiteY4" fmla="*/ 638670 h 1727241"/>
+              <a:gd name="connsiteX5" fmla="*/ 119752 w 1493399"/>
+              <a:gd name="connsiteY5" fmla="*/ 652504 h 1727241"/>
+              <a:gd name="connsiteX6" fmla="*/ 481702 w 1493399"/>
+              <a:gd name="connsiteY6" fmla="*/ 290554 h 1727241"/>
+              <a:gd name="connsiteX7" fmla="*/ 1005576 w 1493399"/>
+              <a:gd name="connsiteY7" fmla="*/ 228641 h 1727241"/>
+              <a:gd name="connsiteX8" fmla="*/ 1000814 w 1493399"/>
+              <a:gd name="connsiteY8" fmla="*/ 228641 h 1727241"/>
+              <a:gd name="connsiteX0" fmla="*/ 895131 w 1493399"/>
+              <a:gd name="connsiteY0" fmla="*/ 1727241 h 1727241"/>
+              <a:gd name="connsiteX1" fmla="*/ 1490217 w 1493399"/>
+              <a:gd name="connsiteY1" fmla="*/ 885412 h 1727241"/>
+              <a:gd name="connsiteX2" fmla="*/ 1098331 w 1493399"/>
+              <a:gd name="connsiteY2" fmla="*/ 72612 h 1727241"/>
+              <a:gd name="connsiteX3" fmla="*/ 396882 w 1493399"/>
+              <a:gd name="connsiteY3" fmla="*/ 151987 h 1727241"/>
+              <a:gd name="connsiteX4" fmla="*/ 15202 w 1493399"/>
+              <a:gd name="connsiteY4" fmla="*/ 638670 h 1727241"/>
+              <a:gd name="connsiteX5" fmla="*/ 119752 w 1493399"/>
+              <a:gd name="connsiteY5" fmla="*/ 652504 h 1727241"/>
+              <a:gd name="connsiteX6" fmla="*/ 481702 w 1493399"/>
+              <a:gd name="connsiteY6" fmla="*/ 290554 h 1727241"/>
+              <a:gd name="connsiteX7" fmla="*/ 1005576 w 1493399"/>
+              <a:gd name="connsiteY7" fmla="*/ 228641 h 1727241"/>
+              <a:gd name="connsiteX8" fmla="*/ 1281802 w 1493399"/>
+              <a:gd name="connsiteY8" fmla="*/ 862053 h 1727241"/>
+              <a:gd name="connsiteX0" fmla="*/ 895131 w 1493399"/>
+              <a:gd name="connsiteY0" fmla="*/ 1727241 h 1727241"/>
+              <a:gd name="connsiteX1" fmla="*/ 1490217 w 1493399"/>
+              <a:gd name="connsiteY1" fmla="*/ 885412 h 1727241"/>
+              <a:gd name="connsiteX2" fmla="*/ 1098331 w 1493399"/>
+              <a:gd name="connsiteY2" fmla="*/ 72612 h 1727241"/>
+              <a:gd name="connsiteX3" fmla="*/ 396882 w 1493399"/>
+              <a:gd name="connsiteY3" fmla="*/ 151987 h 1727241"/>
+              <a:gd name="connsiteX4" fmla="*/ 15202 w 1493399"/>
+              <a:gd name="connsiteY4" fmla="*/ 638670 h 1727241"/>
+              <a:gd name="connsiteX5" fmla="*/ 119752 w 1493399"/>
+              <a:gd name="connsiteY5" fmla="*/ 652504 h 1727241"/>
+              <a:gd name="connsiteX6" fmla="*/ 481702 w 1493399"/>
+              <a:gd name="connsiteY6" fmla="*/ 290554 h 1727241"/>
+              <a:gd name="connsiteX7" fmla="*/ 1005576 w 1493399"/>
+              <a:gd name="connsiteY7" fmla="*/ 228641 h 1727241"/>
+              <a:gd name="connsiteX8" fmla="*/ 1281802 w 1493399"/>
+              <a:gd name="connsiteY8" fmla="*/ 862053 h 1727241"/>
+              <a:gd name="connsiteX9" fmla="*/ 1262752 w 1493399"/>
+              <a:gd name="connsiteY9" fmla="*/ 876341 h 1727241"/>
+              <a:gd name="connsiteX0" fmla="*/ 895131 w 1493399"/>
+              <a:gd name="connsiteY0" fmla="*/ 1727241 h 1727241"/>
+              <a:gd name="connsiteX1" fmla="*/ 1490217 w 1493399"/>
+              <a:gd name="connsiteY1" fmla="*/ 885412 h 1727241"/>
+              <a:gd name="connsiteX2" fmla="*/ 1098331 w 1493399"/>
+              <a:gd name="connsiteY2" fmla="*/ 72612 h 1727241"/>
+              <a:gd name="connsiteX3" fmla="*/ 396882 w 1493399"/>
+              <a:gd name="connsiteY3" fmla="*/ 151987 h 1727241"/>
+              <a:gd name="connsiteX4" fmla="*/ 15202 w 1493399"/>
+              <a:gd name="connsiteY4" fmla="*/ 638670 h 1727241"/>
+              <a:gd name="connsiteX5" fmla="*/ 119752 w 1493399"/>
+              <a:gd name="connsiteY5" fmla="*/ 652504 h 1727241"/>
+              <a:gd name="connsiteX6" fmla="*/ 481702 w 1493399"/>
+              <a:gd name="connsiteY6" fmla="*/ 290554 h 1727241"/>
+              <a:gd name="connsiteX7" fmla="*/ 1005576 w 1493399"/>
+              <a:gd name="connsiteY7" fmla="*/ 228641 h 1727241"/>
+              <a:gd name="connsiteX8" fmla="*/ 1281802 w 1493399"/>
+              <a:gd name="connsiteY8" fmla="*/ 862053 h 1727241"/>
+              <a:gd name="connsiteX9" fmla="*/ 810315 w 1493399"/>
+              <a:gd name="connsiteY9" fmla="*/ 1571666 h 1727241"/>
+              <a:gd name="connsiteX0" fmla="*/ 895131 w 1493399"/>
+              <a:gd name="connsiteY0" fmla="*/ 1727241 h 1727241"/>
+              <a:gd name="connsiteX1" fmla="*/ 1490217 w 1493399"/>
+              <a:gd name="connsiteY1" fmla="*/ 885412 h 1727241"/>
+              <a:gd name="connsiteX2" fmla="*/ 1098331 w 1493399"/>
+              <a:gd name="connsiteY2" fmla="*/ 72612 h 1727241"/>
+              <a:gd name="connsiteX3" fmla="*/ 396882 w 1493399"/>
+              <a:gd name="connsiteY3" fmla="*/ 151987 h 1727241"/>
+              <a:gd name="connsiteX4" fmla="*/ 15202 w 1493399"/>
+              <a:gd name="connsiteY4" fmla="*/ 638670 h 1727241"/>
+              <a:gd name="connsiteX5" fmla="*/ 119752 w 1493399"/>
+              <a:gd name="connsiteY5" fmla="*/ 652504 h 1727241"/>
+              <a:gd name="connsiteX6" fmla="*/ 481702 w 1493399"/>
+              <a:gd name="connsiteY6" fmla="*/ 290554 h 1727241"/>
+              <a:gd name="connsiteX7" fmla="*/ 1005576 w 1493399"/>
+              <a:gd name="connsiteY7" fmla="*/ 228641 h 1727241"/>
+              <a:gd name="connsiteX8" fmla="*/ 1281802 w 1493399"/>
+              <a:gd name="connsiteY8" fmla="*/ 862053 h 1727241"/>
+              <a:gd name="connsiteX9" fmla="*/ 810315 w 1493399"/>
+              <a:gd name="connsiteY9" fmla="*/ 1571666 h 1727241"/>
+              <a:gd name="connsiteX10" fmla="*/ 805552 w 1493399"/>
+              <a:gd name="connsiteY10" fmla="*/ 1576429 h 1727241"/>
+              <a:gd name="connsiteX0" fmla="*/ 895131 w 1493399"/>
+              <a:gd name="connsiteY0" fmla="*/ 1727241 h 1828842"/>
+              <a:gd name="connsiteX1" fmla="*/ 1490217 w 1493399"/>
+              <a:gd name="connsiteY1" fmla="*/ 885412 h 1828842"/>
+              <a:gd name="connsiteX2" fmla="*/ 1098331 w 1493399"/>
+              <a:gd name="connsiteY2" fmla="*/ 72612 h 1828842"/>
+              <a:gd name="connsiteX3" fmla="*/ 396882 w 1493399"/>
+              <a:gd name="connsiteY3" fmla="*/ 151987 h 1828842"/>
+              <a:gd name="connsiteX4" fmla="*/ 15202 w 1493399"/>
+              <a:gd name="connsiteY4" fmla="*/ 638670 h 1828842"/>
+              <a:gd name="connsiteX5" fmla="*/ 119752 w 1493399"/>
+              <a:gd name="connsiteY5" fmla="*/ 652504 h 1828842"/>
+              <a:gd name="connsiteX6" fmla="*/ 481702 w 1493399"/>
+              <a:gd name="connsiteY6" fmla="*/ 290554 h 1828842"/>
+              <a:gd name="connsiteX7" fmla="*/ 1005576 w 1493399"/>
+              <a:gd name="connsiteY7" fmla="*/ 228641 h 1828842"/>
+              <a:gd name="connsiteX8" fmla="*/ 1281802 w 1493399"/>
+              <a:gd name="connsiteY8" fmla="*/ 862053 h 1828842"/>
+              <a:gd name="connsiteX9" fmla="*/ 810315 w 1493399"/>
+              <a:gd name="connsiteY9" fmla="*/ 1571666 h 1828842"/>
+              <a:gd name="connsiteX10" fmla="*/ 715064 w 1493399"/>
+              <a:gd name="connsiteY10" fmla="*/ 1828842 h 1828842"/>
+              <a:gd name="connsiteX0" fmla="*/ 895131 w 1493399"/>
+              <a:gd name="connsiteY0" fmla="*/ 1727241 h 1852564"/>
+              <a:gd name="connsiteX1" fmla="*/ 1490217 w 1493399"/>
+              <a:gd name="connsiteY1" fmla="*/ 885412 h 1852564"/>
+              <a:gd name="connsiteX2" fmla="*/ 1098331 w 1493399"/>
+              <a:gd name="connsiteY2" fmla="*/ 72612 h 1852564"/>
+              <a:gd name="connsiteX3" fmla="*/ 396882 w 1493399"/>
+              <a:gd name="connsiteY3" fmla="*/ 151987 h 1852564"/>
+              <a:gd name="connsiteX4" fmla="*/ 15202 w 1493399"/>
+              <a:gd name="connsiteY4" fmla="*/ 638670 h 1852564"/>
+              <a:gd name="connsiteX5" fmla="*/ 119752 w 1493399"/>
+              <a:gd name="connsiteY5" fmla="*/ 652504 h 1852564"/>
+              <a:gd name="connsiteX6" fmla="*/ 481702 w 1493399"/>
+              <a:gd name="connsiteY6" fmla="*/ 290554 h 1852564"/>
+              <a:gd name="connsiteX7" fmla="*/ 1005576 w 1493399"/>
+              <a:gd name="connsiteY7" fmla="*/ 228641 h 1852564"/>
+              <a:gd name="connsiteX8" fmla="*/ 1281802 w 1493399"/>
+              <a:gd name="connsiteY8" fmla="*/ 862053 h 1852564"/>
+              <a:gd name="connsiteX9" fmla="*/ 810315 w 1493399"/>
+              <a:gd name="connsiteY9" fmla="*/ 1571666 h 1852564"/>
+              <a:gd name="connsiteX10" fmla="*/ 715064 w 1493399"/>
+              <a:gd name="connsiteY10" fmla="*/ 1828842 h 1852564"/>
+              <a:gd name="connsiteX11" fmla="*/ 715064 w 1493399"/>
+              <a:gd name="connsiteY11" fmla="*/ 1843128 h 1852564"/>
+              <a:gd name="connsiteX0" fmla="*/ 895131 w 1493399"/>
+              <a:gd name="connsiteY0" fmla="*/ 1727241 h 1849545"/>
+              <a:gd name="connsiteX1" fmla="*/ 1490217 w 1493399"/>
+              <a:gd name="connsiteY1" fmla="*/ 885412 h 1849545"/>
+              <a:gd name="connsiteX2" fmla="*/ 1098331 w 1493399"/>
+              <a:gd name="connsiteY2" fmla="*/ 72612 h 1849545"/>
+              <a:gd name="connsiteX3" fmla="*/ 396882 w 1493399"/>
+              <a:gd name="connsiteY3" fmla="*/ 151987 h 1849545"/>
+              <a:gd name="connsiteX4" fmla="*/ 15202 w 1493399"/>
+              <a:gd name="connsiteY4" fmla="*/ 638670 h 1849545"/>
+              <a:gd name="connsiteX5" fmla="*/ 119752 w 1493399"/>
+              <a:gd name="connsiteY5" fmla="*/ 652504 h 1849545"/>
+              <a:gd name="connsiteX6" fmla="*/ 481702 w 1493399"/>
+              <a:gd name="connsiteY6" fmla="*/ 290554 h 1849545"/>
+              <a:gd name="connsiteX7" fmla="*/ 1005576 w 1493399"/>
+              <a:gd name="connsiteY7" fmla="*/ 228641 h 1849545"/>
+              <a:gd name="connsiteX8" fmla="*/ 1281802 w 1493399"/>
+              <a:gd name="connsiteY8" fmla="*/ 862053 h 1849545"/>
+              <a:gd name="connsiteX9" fmla="*/ 810315 w 1493399"/>
+              <a:gd name="connsiteY9" fmla="*/ 1571666 h 1849545"/>
+              <a:gd name="connsiteX10" fmla="*/ 715064 w 1493399"/>
+              <a:gd name="connsiteY10" fmla="*/ 1828842 h 1849545"/>
+              <a:gd name="connsiteX11" fmla="*/ 838889 w 1493399"/>
+              <a:gd name="connsiteY11" fmla="*/ 1833603 h 1849545"/>
+              <a:gd name="connsiteX0" fmla="*/ 895131 w 1493399"/>
+              <a:gd name="connsiteY0" fmla="*/ 1727241 h 1849545"/>
+              <a:gd name="connsiteX1" fmla="*/ 1490217 w 1493399"/>
+              <a:gd name="connsiteY1" fmla="*/ 885412 h 1849545"/>
+              <a:gd name="connsiteX2" fmla="*/ 1098331 w 1493399"/>
+              <a:gd name="connsiteY2" fmla="*/ 72612 h 1849545"/>
+              <a:gd name="connsiteX3" fmla="*/ 396882 w 1493399"/>
+              <a:gd name="connsiteY3" fmla="*/ 151987 h 1849545"/>
+              <a:gd name="connsiteX4" fmla="*/ 15202 w 1493399"/>
+              <a:gd name="connsiteY4" fmla="*/ 638670 h 1849545"/>
+              <a:gd name="connsiteX5" fmla="*/ 119752 w 1493399"/>
+              <a:gd name="connsiteY5" fmla="*/ 652504 h 1849545"/>
+              <a:gd name="connsiteX6" fmla="*/ 481702 w 1493399"/>
+              <a:gd name="connsiteY6" fmla="*/ 290554 h 1849545"/>
+              <a:gd name="connsiteX7" fmla="*/ 1005576 w 1493399"/>
+              <a:gd name="connsiteY7" fmla="*/ 228641 h 1849545"/>
+              <a:gd name="connsiteX8" fmla="*/ 1281802 w 1493399"/>
+              <a:gd name="connsiteY8" fmla="*/ 862053 h 1849545"/>
+              <a:gd name="connsiteX9" fmla="*/ 810315 w 1493399"/>
+              <a:gd name="connsiteY9" fmla="*/ 1571666 h 1849545"/>
+              <a:gd name="connsiteX10" fmla="*/ 715064 w 1493399"/>
+              <a:gd name="connsiteY10" fmla="*/ 1828842 h 1849545"/>
+              <a:gd name="connsiteX11" fmla="*/ 838889 w 1493399"/>
+              <a:gd name="connsiteY11" fmla="*/ 1833603 h 1849545"/>
+              <a:gd name="connsiteX12" fmla="*/ 895131 w 1493399"/>
+              <a:gd name="connsiteY12" fmla="*/ 1727241 h 1849545"/>
+              <a:gd name="connsiteX0" fmla="*/ 999906 w 1491060"/>
+              <a:gd name="connsiteY0" fmla="*/ 1612941 h 1849545"/>
+              <a:gd name="connsiteX1" fmla="*/ 1490217 w 1491060"/>
+              <a:gd name="connsiteY1" fmla="*/ 885412 h 1849545"/>
+              <a:gd name="connsiteX2" fmla="*/ 1098331 w 1491060"/>
+              <a:gd name="connsiteY2" fmla="*/ 72612 h 1849545"/>
+              <a:gd name="connsiteX3" fmla="*/ 396882 w 1491060"/>
+              <a:gd name="connsiteY3" fmla="*/ 151987 h 1849545"/>
+              <a:gd name="connsiteX4" fmla="*/ 15202 w 1491060"/>
+              <a:gd name="connsiteY4" fmla="*/ 638670 h 1849545"/>
+              <a:gd name="connsiteX5" fmla="*/ 119752 w 1491060"/>
+              <a:gd name="connsiteY5" fmla="*/ 652504 h 1849545"/>
+              <a:gd name="connsiteX6" fmla="*/ 481702 w 1491060"/>
+              <a:gd name="connsiteY6" fmla="*/ 290554 h 1849545"/>
+              <a:gd name="connsiteX7" fmla="*/ 1005576 w 1491060"/>
+              <a:gd name="connsiteY7" fmla="*/ 228641 h 1849545"/>
+              <a:gd name="connsiteX8" fmla="*/ 1281802 w 1491060"/>
+              <a:gd name="connsiteY8" fmla="*/ 862053 h 1849545"/>
+              <a:gd name="connsiteX9" fmla="*/ 810315 w 1491060"/>
+              <a:gd name="connsiteY9" fmla="*/ 1571666 h 1849545"/>
+              <a:gd name="connsiteX10" fmla="*/ 715064 w 1491060"/>
+              <a:gd name="connsiteY10" fmla="*/ 1828842 h 1849545"/>
+              <a:gd name="connsiteX11" fmla="*/ 838889 w 1491060"/>
+              <a:gd name="connsiteY11" fmla="*/ 1833603 h 1849545"/>
+              <a:gd name="connsiteX12" fmla="*/ 999906 w 1491060"/>
+              <a:gd name="connsiteY12" fmla="*/ 1612941 h 1849545"/>
+              <a:gd name="connsiteX0" fmla="*/ 999906 w 1491060"/>
+              <a:gd name="connsiteY0" fmla="*/ 1612941 h 1849545"/>
+              <a:gd name="connsiteX1" fmla="*/ 1490217 w 1491060"/>
+              <a:gd name="connsiteY1" fmla="*/ 885412 h 1849545"/>
+              <a:gd name="connsiteX2" fmla="*/ 1098331 w 1491060"/>
+              <a:gd name="connsiteY2" fmla="*/ 72612 h 1849545"/>
+              <a:gd name="connsiteX3" fmla="*/ 396882 w 1491060"/>
+              <a:gd name="connsiteY3" fmla="*/ 151987 h 1849545"/>
+              <a:gd name="connsiteX4" fmla="*/ 15202 w 1491060"/>
+              <a:gd name="connsiteY4" fmla="*/ 638670 h 1849545"/>
+              <a:gd name="connsiteX5" fmla="*/ 119752 w 1491060"/>
+              <a:gd name="connsiteY5" fmla="*/ 652504 h 1849545"/>
+              <a:gd name="connsiteX6" fmla="*/ 481702 w 1491060"/>
+              <a:gd name="connsiteY6" fmla="*/ 290554 h 1849545"/>
+              <a:gd name="connsiteX7" fmla="*/ 1005576 w 1491060"/>
+              <a:gd name="connsiteY7" fmla="*/ 228641 h 1849545"/>
+              <a:gd name="connsiteX8" fmla="*/ 1281802 w 1491060"/>
+              <a:gd name="connsiteY8" fmla="*/ 862053 h 1849545"/>
+              <a:gd name="connsiteX9" fmla="*/ 810315 w 1491060"/>
+              <a:gd name="connsiteY9" fmla="*/ 1571666 h 1849545"/>
+              <a:gd name="connsiteX10" fmla="*/ 715064 w 1491060"/>
+              <a:gd name="connsiteY10" fmla="*/ 1828842 h 1849545"/>
+              <a:gd name="connsiteX11" fmla="*/ 838889 w 1491060"/>
+              <a:gd name="connsiteY11" fmla="*/ 1833603 h 1849545"/>
+              <a:gd name="connsiteX12" fmla="*/ 999906 w 1491060"/>
+              <a:gd name="connsiteY12" fmla="*/ 1612941 h 1849545"/>
+              <a:gd name="connsiteX0" fmla="*/ 999906 w 1491060"/>
+              <a:gd name="connsiteY0" fmla="*/ 1612941 h 1849545"/>
+              <a:gd name="connsiteX1" fmla="*/ 1490217 w 1491060"/>
+              <a:gd name="connsiteY1" fmla="*/ 885412 h 1849545"/>
+              <a:gd name="connsiteX2" fmla="*/ 1098331 w 1491060"/>
+              <a:gd name="connsiteY2" fmla="*/ 72612 h 1849545"/>
+              <a:gd name="connsiteX3" fmla="*/ 396882 w 1491060"/>
+              <a:gd name="connsiteY3" fmla="*/ 151987 h 1849545"/>
+              <a:gd name="connsiteX4" fmla="*/ 15202 w 1491060"/>
+              <a:gd name="connsiteY4" fmla="*/ 638670 h 1849545"/>
+              <a:gd name="connsiteX5" fmla="*/ 119752 w 1491060"/>
+              <a:gd name="connsiteY5" fmla="*/ 652504 h 1849545"/>
+              <a:gd name="connsiteX6" fmla="*/ 481702 w 1491060"/>
+              <a:gd name="connsiteY6" fmla="*/ 290554 h 1849545"/>
+              <a:gd name="connsiteX7" fmla="*/ 1005576 w 1491060"/>
+              <a:gd name="connsiteY7" fmla="*/ 228641 h 1849545"/>
+              <a:gd name="connsiteX8" fmla="*/ 1281802 w 1491060"/>
+              <a:gd name="connsiteY8" fmla="*/ 862053 h 1849545"/>
+              <a:gd name="connsiteX9" fmla="*/ 810315 w 1491060"/>
+              <a:gd name="connsiteY9" fmla="*/ 1571666 h 1849545"/>
+              <a:gd name="connsiteX10" fmla="*/ 715064 w 1491060"/>
+              <a:gd name="connsiteY10" fmla="*/ 1828842 h 1849545"/>
+              <a:gd name="connsiteX11" fmla="*/ 838889 w 1491060"/>
+              <a:gd name="connsiteY11" fmla="*/ 1833603 h 1849545"/>
+              <a:gd name="connsiteX12" fmla="*/ 999906 w 1491060"/>
+              <a:gd name="connsiteY12" fmla="*/ 1612941 h 1849545"/>
+              <a:gd name="connsiteX0" fmla="*/ 999906 w 1491060"/>
+              <a:gd name="connsiteY0" fmla="*/ 1612941 h 1866941"/>
+              <a:gd name="connsiteX1" fmla="*/ 1490217 w 1491060"/>
+              <a:gd name="connsiteY1" fmla="*/ 885412 h 1866941"/>
+              <a:gd name="connsiteX2" fmla="*/ 1098331 w 1491060"/>
+              <a:gd name="connsiteY2" fmla="*/ 72612 h 1866941"/>
+              <a:gd name="connsiteX3" fmla="*/ 396882 w 1491060"/>
+              <a:gd name="connsiteY3" fmla="*/ 151987 h 1866941"/>
+              <a:gd name="connsiteX4" fmla="*/ 15202 w 1491060"/>
+              <a:gd name="connsiteY4" fmla="*/ 638670 h 1866941"/>
+              <a:gd name="connsiteX5" fmla="*/ 119752 w 1491060"/>
+              <a:gd name="connsiteY5" fmla="*/ 652504 h 1866941"/>
+              <a:gd name="connsiteX6" fmla="*/ 481702 w 1491060"/>
+              <a:gd name="connsiteY6" fmla="*/ 290554 h 1866941"/>
+              <a:gd name="connsiteX7" fmla="*/ 1005576 w 1491060"/>
+              <a:gd name="connsiteY7" fmla="*/ 228641 h 1866941"/>
+              <a:gd name="connsiteX8" fmla="*/ 1281802 w 1491060"/>
+              <a:gd name="connsiteY8" fmla="*/ 862053 h 1866941"/>
+              <a:gd name="connsiteX9" fmla="*/ 810315 w 1491060"/>
+              <a:gd name="connsiteY9" fmla="*/ 1571666 h 1866941"/>
+              <a:gd name="connsiteX10" fmla="*/ 715064 w 1491060"/>
+              <a:gd name="connsiteY10" fmla="*/ 1828842 h 1866941"/>
+              <a:gd name="connsiteX11" fmla="*/ 819839 w 1491060"/>
+              <a:gd name="connsiteY11" fmla="*/ 1866941 h 1866941"/>
+              <a:gd name="connsiteX12" fmla="*/ 999906 w 1491060"/>
+              <a:gd name="connsiteY12" fmla="*/ 1612941 h 1866941"/>
+              <a:gd name="connsiteX0" fmla="*/ 999906 w 1491060"/>
+              <a:gd name="connsiteY0" fmla="*/ 1612941 h 1868370"/>
+              <a:gd name="connsiteX1" fmla="*/ 1490217 w 1491060"/>
+              <a:gd name="connsiteY1" fmla="*/ 885412 h 1868370"/>
+              <a:gd name="connsiteX2" fmla="*/ 1098331 w 1491060"/>
+              <a:gd name="connsiteY2" fmla="*/ 72612 h 1868370"/>
+              <a:gd name="connsiteX3" fmla="*/ 396882 w 1491060"/>
+              <a:gd name="connsiteY3" fmla="*/ 151987 h 1868370"/>
+              <a:gd name="connsiteX4" fmla="*/ 15202 w 1491060"/>
+              <a:gd name="connsiteY4" fmla="*/ 638670 h 1868370"/>
+              <a:gd name="connsiteX5" fmla="*/ 119752 w 1491060"/>
+              <a:gd name="connsiteY5" fmla="*/ 652504 h 1868370"/>
+              <a:gd name="connsiteX6" fmla="*/ 481702 w 1491060"/>
+              <a:gd name="connsiteY6" fmla="*/ 290554 h 1868370"/>
+              <a:gd name="connsiteX7" fmla="*/ 1005576 w 1491060"/>
+              <a:gd name="connsiteY7" fmla="*/ 228641 h 1868370"/>
+              <a:gd name="connsiteX8" fmla="*/ 1281802 w 1491060"/>
+              <a:gd name="connsiteY8" fmla="*/ 862053 h 1868370"/>
+              <a:gd name="connsiteX9" fmla="*/ 810315 w 1491060"/>
+              <a:gd name="connsiteY9" fmla="*/ 1571666 h 1868370"/>
+              <a:gd name="connsiteX10" fmla="*/ 715064 w 1491060"/>
+              <a:gd name="connsiteY10" fmla="*/ 1828842 h 1868370"/>
+              <a:gd name="connsiteX11" fmla="*/ 819839 w 1491060"/>
+              <a:gd name="connsiteY11" fmla="*/ 1866941 h 1868370"/>
+              <a:gd name="connsiteX12" fmla="*/ 999906 w 1491060"/>
+              <a:gd name="connsiteY12" fmla="*/ 1612941 h 1868370"/>
+              <a:gd name="connsiteX0" fmla="*/ 999906 w 1491060"/>
+              <a:gd name="connsiteY0" fmla="*/ 1612941 h 1868370"/>
+              <a:gd name="connsiteX1" fmla="*/ 1490217 w 1491060"/>
+              <a:gd name="connsiteY1" fmla="*/ 885412 h 1868370"/>
+              <a:gd name="connsiteX2" fmla="*/ 1098331 w 1491060"/>
+              <a:gd name="connsiteY2" fmla="*/ 72612 h 1868370"/>
+              <a:gd name="connsiteX3" fmla="*/ 396882 w 1491060"/>
+              <a:gd name="connsiteY3" fmla="*/ 151987 h 1868370"/>
+              <a:gd name="connsiteX4" fmla="*/ 15202 w 1491060"/>
+              <a:gd name="connsiteY4" fmla="*/ 638670 h 1868370"/>
+              <a:gd name="connsiteX5" fmla="*/ 119752 w 1491060"/>
+              <a:gd name="connsiteY5" fmla="*/ 652504 h 1868370"/>
+              <a:gd name="connsiteX6" fmla="*/ 481702 w 1491060"/>
+              <a:gd name="connsiteY6" fmla="*/ 290554 h 1868370"/>
+              <a:gd name="connsiteX7" fmla="*/ 1005576 w 1491060"/>
+              <a:gd name="connsiteY7" fmla="*/ 228641 h 1868370"/>
+              <a:gd name="connsiteX8" fmla="*/ 1281802 w 1491060"/>
+              <a:gd name="connsiteY8" fmla="*/ 862053 h 1868370"/>
+              <a:gd name="connsiteX9" fmla="*/ 810315 w 1491060"/>
+              <a:gd name="connsiteY9" fmla="*/ 1571666 h 1868370"/>
+              <a:gd name="connsiteX10" fmla="*/ 715064 w 1491060"/>
+              <a:gd name="connsiteY10" fmla="*/ 1828842 h 1868370"/>
+              <a:gd name="connsiteX11" fmla="*/ 819839 w 1491060"/>
+              <a:gd name="connsiteY11" fmla="*/ 1866941 h 1868370"/>
+              <a:gd name="connsiteX12" fmla="*/ 999906 w 1491060"/>
+              <a:gd name="connsiteY12" fmla="*/ 1612941 h 1868370"/>
+              <a:gd name="connsiteX0" fmla="*/ 999906 w 1491060"/>
+              <a:gd name="connsiteY0" fmla="*/ 1612941 h 1868370"/>
+              <a:gd name="connsiteX1" fmla="*/ 1490217 w 1491060"/>
+              <a:gd name="connsiteY1" fmla="*/ 885412 h 1868370"/>
+              <a:gd name="connsiteX2" fmla="*/ 1098331 w 1491060"/>
+              <a:gd name="connsiteY2" fmla="*/ 72612 h 1868370"/>
+              <a:gd name="connsiteX3" fmla="*/ 396882 w 1491060"/>
+              <a:gd name="connsiteY3" fmla="*/ 151987 h 1868370"/>
+              <a:gd name="connsiteX4" fmla="*/ 15202 w 1491060"/>
+              <a:gd name="connsiteY4" fmla="*/ 638670 h 1868370"/>
+              <a:gd name="connsiteX5" fmla="*/ 119752 w 1491060"/>
+              <a:gd name="connsiteY5" fmla="*/ 652504 h 1868370"/>
+              <a:gd name="connsiteX6" fmla="*/ 481702 w 1491060"/>
+              <a:gd name="connsiteY6" fmla="*/ 290554 h 1868370"/>
+              <a:gd name="connsiteX7" fmla="*/ 1005576 w 1491060"/>
+              <a:gd name="connsiteY7" fmla="*/ 228641 h 1868370"/>
+              <a:gd name="connsiteX8" fmla="*/ 1281802 w 1491060"/>
+              <a:gd name="connsiteY8" fmla="*/ 862053 h 1868370"/>
+              <a:gd name="connsiteX9" fmla="*/ 810315 w 1491060"/>
+              <a:gd name="connsiteY9" fmla="*/ 1571666 h 1868370"/>
+              <a:gd name="connsiteX10" fmla="*/ 715064 w 1491060"/>
+              <a:gd name="connsiteY10" fmla="*/ 1828842 h 1868370"/>
+              <a:gd name="connsiteX11" fmla="*/ 819839 w 1491060"/>
+              <a:gd name="connsiteY11" fmla="*/ 1866941 h 1868370"/>
+              <a:gd name="connsiteX12" fmla="*/ 999906 w 1491060"/>
+              <a:gd name="connsiteY12" fmla="*/ 1612941 h 1868370"/>
+              <a:gd name="connsiteX0" fmla="*/ 999906 w 1491060"/>
+              <a:gd name="connsiteY0" fmla="*/ 1612941 h 1868370"/>
+              <a:gd name="connsiteX1" fmla="*/ 1490217 w 1491060"/>
+              <a:gd name="connsiteY1" fmla="*/ 885412 h 1868370"/>
+              <a:gd name="connsiteX2" fmla="*/ 1098331 w 1491060"/>
+              <a:gd name="connsiteY2" fmla="*/ 72612 h 1868370"/>
+              <a:gd name="connsiteX3" fmla="*/ 396882 w 1491060"/>
+              <a:gd name="connsiteY3" fmla="*/ 151987 h 1868370"/>
+              <a:gd name="connsiteX4" fmla="*/ 15202 w 1491060"/>
+              <a:gd name="connsiteY4" fmla="*/ 638670 h 1868370"/>
+              <a:gd name="connsiteX5" fmla="*/ 119752 w 1491060"/>
+              <a:gd name="connsiteY5" fmla="*/ 652504 h 1868370"/>
+              <a:gd name="connsiteX6" fmla="*/ 481702 w 1491060"/>
+              <a:gd name="connsiteY6" fmla="*/ 290554 h 1868370"/>
+              <a:gd name="connsiteX7" fmla="*/ 1005576 w 1491060"/>
+              <a:gd name="connsiteY7" fmla="*/ 228641 h 1868370"/>
+              <a:gd name="connsiteX8" fmla="*/ 1281802 w 1491060"/>
+              <a:gd name="connsiteY8" fmla="*/ 862053 h 1868370"/>
+              <a:gd name="connsiteX9" fmla="*/ 810315 w 1491060"/>
+              <a:gd name="connsiteY9" fmla="*/ 1571666 h 1868370"/>
+              <a:gd name="connsiteX10" fmla="*/ 715064 w 1491060"/>
+              <a:gd name="connsiteY10" fmla="*/ 1828842 h 1868370"/>
+              <a:gd name="connsiteX11" fmla="*/ 819839 w 1491060"/>
+              <a:gd name="connsiteY11" fmla="*/ 1866941 h 1868370"/>
+              <a:gd name="connsiteX12" fmla="*/ 999906 w 1491060"/>
+              <a:gd name="connsiteY12" fmla="*/ 1612941 h 1868370"/>
+              <a:gd name="connsiteX0" fmla="*/ 999906 w 1491060"/>
+              <a:gd name="connsiteY0" fmla="*/ 1612941 h 1868370"/>
+              <a:gd name="connsiteX1" fmla="*/ 1490217 w 1491060"/>
+              <a:gd name="connsiteY1" fmla="*/ 885412 h 1868370"/>
+              <a:gd name="connsiteX2" fmla="*/ 1098331 w 1491060"/>
+              <a:gd name="connsiteY2" fmla="*/ 72612 h 1868370"/>
+              <a:gd name="connsiteX3" fmla="*/ 396882 w 1491060"/>
+              <a:gd name="connsiteY3" fmla="*/ 151987 h 1868370"/>
+              <a:gd name="connsiteX4" fmla="*/ 15202 w 1491060"/>
+              <a:gd name="connsiteY4" fmla="*/ 638670 h 1868370"/>
+              <a:gd name="connsiteX5" fmla="*/ 119752 w 1491060"/>
+              <a:gd name="connsiteY5" fmla="*/ 652504 h 1868370"/>
+              <a:gd name="connsiteX6" fmla="*/ 481702 w 1491060"/>
+              <a:gd name="connsiteY6" fmla="*/ 290554 h 1868370"/>
+              <a:gd name="connsiteX7" fmla="*/ 1005576 w 1491060"/>
+              <a:gd name="connsiteY7" fmla="*/ 228641 h 1868370"/>
+              <a:gd name="connsiteX8" fmla="*/ 1281802 w 1491060"/>
+              <a:gd name="connsiteY8" fmla="*/ 862053 h 1868370"/>
+              <a:gd name="connsiteX9" fmla="*/ 810315 w 1491060"/>
+              <a:gd name="connsiteY9" fmla="*/ 1571666 h 1868370"/>
+              <a:gd name="connsiteX10" fmla="*/ 715064 w 1491060"/>
+              <a:gd name="connsiteY10" fmla="*/ 1828842 h 1868370"/>
+              <a:gd name="connsiteX11" fmla="*/ 819839 w 1491060"/>
+              <a:gd name="connsiteY11" fmla="*/ 1866941 h 1868370"/>
+              <a:gd name="connsiteX12" fmla="*/ 999906 w 1491060"/>
+              <a:gd name="connsiteY12" fmla="*/ 1612941 h 1868370"/>
+              <a:gd name="connsiteX0" fmla="*/ 1001298 w 1492452"/>
+              <a:gd name="connsiteY0" fmla="*/ 1612941 h 1868370"/>
+              <a:gd name="connsiteX1" fmla="*/ 1491609 w 1492452"/>
+              <a:gd name="connsiteY1" fmla="*/ 885412 h 1868370"/>
+              <a:gd name="connsiteX2" fmla="*/ 1099723 w 1492452"/>
+              <a:gd name="connsiteY2" fmla="*/ 72612 h 1868370"/>
+              <a:gd name="connsiteX3" fmla="*/ 398274 w 1492452"/>
+              <a:gd name="connsiteY3" fmla="*/ 151987 h 1868370"/>
+              <a:gd name="connsiteX4" fmla="*/ 16594 w 1492452"/>
+              <a:gd name="connsiteY4" fmla="*/ 638670 h 1868370"/>
+              <a:gd name="connsiteX5" fmla="*/ 121144 w 1492452"/>
+              <a:gd name="connsiteY5" fmla="*/ 652504 h 1868370"/>
+              <a:gd name="connsiteX6" fmla="*/ 483094 w 1492452"/>
+              <a:gd name="connsiteY6" fmla="*/ 290554 h 1868370"/>
+              <a:gd name="connsiteX7" fmla="*/ 1006968 w 1492452"/>
+              <a:gd name="connsiteY7" fmla="*/ 228641 h 1868370"/>
+              <a:gd name="connsiteX8" fmla="*/ 1283194 w 1492452"/>
+              <a:gd name="connsiteY8" fmla="*/ 862053 h 1868370"/>
+              <a:gd name="connsiteX9" fmla="*/ 811707 w 1492452"/>
+              <a:gd name="connsiteY9" fmla="*/ 1571666 h 1868370"/>
+              <a:gd name="connsiteX10" fmla="*/ 716456 w 1492452"/>
+              <a:gd name="connsiteY10" fmla="*/ 1828842 h 1868370"/>
+              <a:gd name="connsiteX11" fmla="*/ 821231 w 1492452"/>
+              <a:gd name="connsiteY11" fmla="*/ 1866941 h 1868370"/>
+              <a:gd name="connsiteX12" fmla="*/ 1001298 w 1492452"/>
+              <a:gd name="connsiteY12" fmla="*/ 1612941 h 1868370"/>
+              <a:gd name="connsiteX0" fmla="*/ 1001298 w 1492452"/>
+              <a:gd name="connsiteY0" fmla="*/ 1612941 h 1868370"/>
+              <a:gd name="connsiteX1" fmla="*/ 1491609 w 1492452"/>
+              <a:gd name="connsiteY1" fmla="*/ 885412 h 1868370"/>
+              <a:gd name="connsiteX2" fmla="*/ 1099723 w 1492452"/>
+              <a:gd name="connsiteY2" fmla="*/ 72612 h 1868370"/>
+              <a:gd name="connsiteX3" fmla="*/ 398274 w 1492452"/>
+              <a:gd name="connsiteY3" fmla="*/ 151987 h 1868370"/>
+              <a:gd name="connsiteX4" fmla="*/ 16594 w 1492452"/>
+              <a:gd name="connsiteY4" fmla="*/ 638670 h 1868370"/>
+              <a:gd name="connsiteX5" fmla="*/ 121144 w 1492452"/>
+              <a:gd name="connsiteY5" fmla="*/ 652504 h 1868370"/>
+              <a:gd name="connsiteX6" fmla="*/ 483094 w 1492452"/>
+              <a:gd name="connsiteY6" fmla="*/ 290554 h 1868370"/>
+              <a:gd name="connsiteX7" fmla="*/ 1006968 w 1492452"/>
+              <a:gd name="connsiteY7" fmla="*/ 228641 h 1868370"/>
+              <a:gd name="connsiteX8" fmla="*/ 1283194 w 1492452"/>
+              <a:gd name="connsiteY8" fmla="*/ 862053 h 1868370"/>
+              <a:gd name="connsiteX9" fmla="*/ 811707 w 1492452"/>
+              <a:gd name="connsiteY9" fmla="*/ 1571666 h 1868370"/>
+              <a:gd name="connsiteX10" fmla="*/ 716456 w 1492452"/>
+              <a:gd name="connsiteY10" fmla="*/ 1828842 h 1868370"/>
+              <a:gd name="connsiteX11" fmla="*/ 821231 w 1492452"/>
+              <a:gd name="connsiteY11" fmla="*/ 1866941 h 1868370"/>
+              <a:gd name="connsiteX12" fmla="*/ 1001298 w 1492452"/>
+              <a:gd name="connsiteY12" fmla="*/ 1612941 h 1868370"/>
+              <a:gd name="connsiteX0" fmla="*/ 1020177 w 1511331"/>
+              <a:gd name="connsiteY0" fmla="*/ 1594132 h 1849561"/>
+              <a:gd name="connsiteX1" fmla="*/ 1510488 w 1511331"/>
+              <a:gd name="connsiteY1" fmla="*/ 866603 h 1849561"/>
+              <a:gd name="connsiteX2" fmla="*/ 1118602 w 1511331"/>
+              <a:gd name="connsiteY2" fmla="*/ 53803 h 1849561"/>
+              <a:gd name="connsiteX3" fmla="*/ 417153 w 1511331"/>
+              <a:gd name="connsiteY3" fmla="*/ 133178 h 1849561"/>
+              <a:gd name="connsiteX4" fmla="*/ 21186 w 1511331"/>
+              <a:gd name="connsiteY4" fmla="*/ 591286 h 1849561"/>
+              <a:gd name="connsiteX5" fmla="*/ 140023 w 1511331"/>
+              <a:gd name="connsiteY5" fmla="*/ 633695 h 1849561"/>
+              <a:gd name="connsiteX6" fmla="*/ 501973 w 1511331"/>
+              <a:gd name="connsiteY6" fmla="*/ 271745 h 1849561"/>
+              <a:gd name="connsiteX7" fmla="*/ 1025847 w 1511331"/>
+              <a:gd name="connsiteY7" fmla="*/ 209832 h 1849561"/>
+              <a:gd name="connsiteX8" fmla="*/ 1302073 w 1511331"/>
+              <a:gd name="connsiteY8" fmla="*/ 843244 h 1849561"/>
+              <a:gd name="connsiteX9" fmla="*/ 830586 w 1511331"/>
+              <a:gd name="connsiteY9" fmla="*/ 1552857 h 1849561"/>
+              <a:gd name="connsiteX10" fmla="*/ 735335 w 1511331"/>
+              <a:gd name="connsiteY10" fmla="*/ 1810033 h 1849561"/>
+              <a:gd name="connsiteX11" fmla="*/ 840110 w 1511331"/>
+              <a:gd name="connsiteY11" fmla="*/ 1848132 h 1849561"/>
+              <a:gd name="connsiteX12" fmla="*/ 1020177 w 1511331"/>
+              <a:gd name="connsiteY12" fmla="*/ 1594132 h 1849561"/>
+              <a:gd name="connsiteX0" fmla="*/ 1002691 w 1493845"/>
+              <a:gd name="connsiteY0" fmla="*/ 1594132 h 1849561"/>
+              <a:gd name="connsiteX1" fmla="*/ 1493002 w 1493845"/>
+              <a:gd name="connsiteY1" fmla="*/ 866603 h 1849561"/>
+              <a:gd name="connsiteX2" fmla="*/ 1101116 w 1493845"/>
+              <a:gd name="connsiteY2" fmla="*/ 53803 h 1849561"/>
+              <a:gd name="connsiteX3" fmla="*/ 399667 w 1493845"/>
+              <a:gd name="connsiteY3" fmla="*/ 133178 h 1849561"/>
+              <a:gd name="connsiteX4" fmla="*/ 3700 w 1493845"/>
+              <a:gd name="connsiteY4" fmla="*/ 591286 h 1849561"/>
+              <a:gd name="connsiteX5" fmla="*/ 122537 w 1493845"/>
+              <a:gd name="connsiteY5" fmla="*/ 633695 h 1849561"/>
+              <a:gd name="connsiteX6" fmla="*/ 484487 w 1493845"/>
+              <a:gd name="connsiteY6" fmla="*/ 271745 h 1849561"/>
+              <a:gd name="connsiteX7" fmla="*/ 1008361 w 1493845"/>
+              <a:gd name="connsiteY7" fmla="*/ 209832 h 1849561"/>
+              <a:gd name="connsiteX8" fmla="*/ 1284587 w 1493845"/>
+              <a:gd name="connsiteY8" fmla="*/ 843244 h 1849561"/>
+              <a:gd name="connsiteX9" fmla="*/ 813100 w 1493845"/>
+              <a:gd name="connsiteY9" fmla="*/ 1552857 h 1849561"/>
+              <a:gd name="connsiteX10" fmla="*/ 717849 w 1493845"/>
+              <a:gd name="connsiteY10" fmla="*/ 1810033 h 1849561"/>
+              <a:gd name="connsiteX11" fmla="*/ 822624 w 1493845"/>
+              <a:gd name="connsiteY11" fmla="*/ 1848132 h 1849561"/>
+              <a:gd name="connsiteX12" fmla="*/ 1002691 w 1493845"/>
+              <a:gd name="connsiteY12" fmla="*/ 1594132 h 1849561"/>
+              <a:gd name="connsiteX0" fmla="*/ 1001990 w 1493144"/>
+              <a:gd name="connsiteY0" fmla="*/ 1594132 h 1849561"/>
+              <a:gd name="connsiteX1" fmla="*/ 1492301 w 1493144"/>
+              <a:gd name="connsiteY1" fmla="*/ 866603 h 1849561"/>
+              <a:gd name="connsiteX2" fmla="*/ 1100415 w 1493144"/>
+              <a:gd name="connsiteY2" fmla="*/ 53803 h 1849561"/>
+              <a:gd name="connsiteX3" fmla="*/ 398966 w 1493144"/>
+              <a:gd name="connsiteY3" fmla="*/ 133178 h 1849561"/>
+              <a:gd name="connsiteX4" fmla="*/ 2999 w 1493144"/>
+              <a:gd name="connsiteY4" fmla="*/ 591286 h 1849561"/>
+              <a:gd name="connsiteX5" fmla="*/ 121836 w 1493144"/>
+              <a:gd name="connsiteY5" fmla="*/ 633695 h 1849561"/>
+              <a:gd name="connsiteX6" fmla="*/ 483786 w 1493144"/>
+              <a:gd name="connsiteY6" fmla="*/ 271745 h 1849561"/>
+              <a:gd name="connsiteX7" fmla="*/ 1007660 w 1493144"/>
+              <a:gd name="connsiteY7" fmla="*/ 209832 h 1849561"/>
+              <a:gd name="connsiteX8" fmla="*/ 1283886 w 1493144"/>
+              <a:gd name="connsiteY8" fmla="*/ 843244 h 1849561"/>
+              <a:gd name="connsiteX9" fmla="*/ 812399 w 1493144"/>
+              <a:gd name="connsiteY9" fmla="*/ 1552857 h 1849561"/>
+              <a:gd name="connsiteX10" fmla="*/ 717148 w 1493144"/>
+              <a:gd name="connsiteY10" fmla="*/ 1810033 h 1849561"/>
+              <a:gd name="connsiteX11" fmla="*/ 821923 w 1493144"/>
+              <a:gd name="connsiteY11" fmla="*/ 1848132 h 1849561"/>
+              <a:gd name="connsiteX12" fmla="*/ 1001990 w 1493144"/>
+              <a:gd name="connsiteY12" fmla="*/ 1594132 h 1849561"/>
+              <a:gd name="connsiteX0" fmla="*/ 1001990 w 1493144"/>
+              <a:gd name="connsiteY0" fmla="*/ 1594132 h 1849561"/>
+              <a:gd name="connsiteX1" fmla="*/ 1492301 w 1493144"/>
+              <a:gd name="connsiteY1" fmla="*/ 866603 h 1849561"/>
+              <a:gd name="connsiteX2" fmla="*/ 1100415 w 1493144"/>
+              <a:gd name="connsiteY2" fmla="*/ 53803 h 1849561"/>
+              <a:gd name="connsiteX3" fmla="*/ 398966 w 1493144"/>
+              <a:gd name="connsiteY3" fmla="*/ 133178 h 1849561"/>
+              <a:gd name="connsiteX4" fmla="*/ 2999 w 1493144"/>
+              <a:gd name="connsiteY4" fmla="*/ 591286 h 1849561"/>
+              <a:gd name="connsiteX5" fmla="*/ 121836 w 1493144"/>
+              <a:gd name="connsiteY5" fmla="*/ 633695 h 1849561"/>
+              <a:gd name="connsiteX6" fmla="*/ 483786 w 1493144"/>
+              <a:gd name="connsiteY6" fmla="*/ 271745 h 1849561"/>
+              <a:gd name="connsiteX7" fmla="*/ 1007660 w 1493144"/>
+              <a:gd name="connsiteY7" fmla="*/ 209832 h 1849561"/>
+              <a:gd name="connsiteX8" fmla="*/ 1283886 w 1493144"/>
+              <a:gd name="connsiteY8" fmla="*/ 843244 h 1849561"/>
+              <a:gd name="connsiteX9" fmla="*/ 812399 w 1493144"/>
+              <a:gd name="connsiteY9" fmla="*/ 1552857 h 1849561"/>
+              <a:gd name="connsiteX10" fmla="*/ 717148 w 1493144"/>
+              <a:gd name="connsiteY10" fmla="*/ 1810033 h 1849561"/>
+              <a:gd name="connsiteX11" fmla="*/ 821923 w 1493144"/>
+              <a:gd name="connsiteY11" fmla="*/ 1848132 h 1849561"/>
+              <a:gd name="connsiteX12" fmla="*/ 1001990 w 1493144"/>
+              <a:gd name="connsiteY12" fmla="*/ 1594132 h 1849561"/>
+              <a:gd name="connsiteX0" fmla="*/ 1001990 w 1493144"/>
+              <a:gd name="connsiteY0" fmla="*/ 1594132 h 1849561"/>
+              <a:gd name="connsiteX1" fmla="*/ 1492301 w 1493144"/>
+              <a:gd name="connsiteY1" fmla="*/ 866603 h 1849561"/>
+              <a:gd name="connsiteX2" fmla="*/ 1100415 w 1493144"/>
+              <a:gd name="connsiteY2" fmla="*/ 53803 h 1849561"/>
+              <a:gd name="connsiteX3" fmla="*/ 398966 w 1493144"/>
+              <a:gd name="connsiteY3" fmla="*/ 133178 h 1849561"/>
+              <a:gd name="connsiteX4" fmla="*/ 2999 w 1493144"/>
+              <a:gd name="connsiteY4" fmla="*/ 591286 h 1849561"/>
+              <a:gd name="connsiteX5" fmla="*/ 121836 w 1493144"/>
+              <a:gd name="connsiteY5" fmla="*/ 633695 h 1849561"/>
+              <a:gd name="connsiteX6" fmla="*/ 483786 w 1493144"/>
+              <a:gd name="connsiteY6" fmla="*/ 271745 h 1849561"/>
+              <a:gd name="connsiteX7" fmla="*/ 1007660 w 1493144"/>
+              <a:gd name="connsiteY7" fmla="*/ 209832 h 1849561"/>
+              <a:gd name="connsiteX8" fmla="*/ 1283886 w 1493144"/>
+              <a:gd name="connsiteY8" fmla="*/ 843244 h 1849561"/>
+              <a:gd name="connsiteX9" fmla="*/ 812399 w 1493144"/>
+              <a:gd name="connsiteY9" fmla="*/ 1552857 h 1849561"/>
+              <a:gd name="connsiteX10" fmla="*/ 717148 w 1493144"/>
+              <a:gd name="connsiteY10" fmla="*/ 1810033 h 1849561"/>
+              <a:gd name="connsiteX11" fmla="*/ 821923 w 1493144"/>
+              <a:gd name="connsiteY11" fmla="*/ 1848132 h 1849561"/>
+              <a:gd name="connsiteX12" fmla="*/ 1001990 w 1493144"/>
+              <a:gd name="connsiteY12" fmla="*/ 1594132 h 1849561"/>
+              <a:gd name="connsiteX0" fmla="*/ 1001990 w 1493144"/>
+              <a:gd name="connsiteY0" fmla="*/ 1594132 h 1849561"/>
+              <a:gd name="connsiteX1" fmla="*/ 1492301 w 1493144"/>
+              <a:gd name="connsiteY1" fmla="*/ 866603 h 1849561"/>
+              <a:gd name="connsiteX2" fmla="*/ 1100415 w 1493144"/>
+              <a:gd name="connsiteY2" fmla="*/ 53803 h 1849561"/>
+              <a:gd name="connsiteX3" fmla="*/ 398966 w 1493144"/>
+              <a:gd name="connsiteY3" fmla="*/ 133178 h 1849561"/>
+              <a:gd name="connsiteX4" fmla="*/ 2999 w 1493144"/>
+              <a:gd name="connsiteY4" fmla="*/ 591286 h 1849561"/>
+              <a:gd name="connsiteX5" fmla="*/ 121836 w 1493144"/>
+              <a:gd name="connsiteY5" fmla="*/ 633695 h 1849561"/>
+              <a:gd name="connsiteX6" fmla="*/ 483786 w 1493144"/>
+              <a:gd name="connsiteY6" fmla="*/ 271745 h 1849561"/>
+              <a:gd name="connsiteX7" fmla="*/ 1007660 w 1493144"/>
+              <a:gd name="connsiteY7" fmla="*/ 209832 h 1849561"/>
+              <a:gd name="connsiteX8" fmla="*/ 1283886 w 1493144"/>
+              <a:gd name="connsiteY8" fmla="*/ 843244 h 1849561"/>
+              <a:gd name="connsiteX9" fmla="*/ 812399 w 1493144"/>
+              <a:gd name="connsiteY9" fmla="*/ 1552857 h 1849561"/>
+              <a:gd name="connsiteX10" fmla="*/ 717148 w 1493144"/>
+              <a:gd name="connsiteY10" fmla="*/ 1810033 h 1849561"/>
+              <a:gd name="connsiteX11" fmla="*/ 821923 w 1493144"/>
+              <a:gd name="connsiteY11" fmla="*/ 1848132 h 1849561"/>
+              <a:gd name="connsiteX12" fmla="*/ 1001990 w 1493144"/>
+              <a:gd name="connsiteY12" fmla="*/ 1594132 h 1849561"/>
+              <a:gd name="connsiteX0" fmla="*/ 1001990 w 1493144"/>
+              <a:gd name="connsiteY0" fmla="*/ 1594132 h 1849561"/>
+              <a:gd name="connsiteX1" fmla="*/ 1492301 w 1493144"/>
+              <a:gd name="connsiteY1" fmla="*/ 866603 h 1849561"/>
+              <a:gd name="connsiteX2" fmla="*/ 1100415 w 1493144"/>
+              <a:gd name="connsiteY2" fmla="*/ 53803 h 1849561"/>
+              <a:gd name="connsiteX3" fmla="*/ 398966 w 1493144"/>
+              <a:gd name="connsiteY3" fmla="*/ 133178 h 1849561"/>
+              <a:gd name="connsiteX4" fmla="*/ 2999 w 1493144"/>
+              <a:gd name="connsiteY4" fmla="*/ 591286 h 1849561"/>
+              <a:gd name="connsiteX5" fmla="*/ 121836 w 1493144"/>
+              <a:gd name="connsiteY5" fmla="*/ 633695 h 1849561"/>
+              <a:gd name="connsiteX6" fmla="*/ 483786 w 1493144"/>
+              <a:gd name="connsiteY6" fmla="*/ 271745 h 1849561"/>
+              <a:gd name="connsiteX7" fmla="*/ 1007660 w 1493144"/>
+              <a:gd name="connsiteY7" fmla="*/ 209832 h 1849561"/>
+              <a:gd name="connsiteX8" fmla="*/ 1307698 w 1493144"/>
+              <a:gd name="connsiteY8" fmla="*/ 843244 h 1849561"/>
+              <a:gd name="connsiteX9" fmla="*/ 812399 w 1493144"/>
+              <a:gd name="connsiteY9" fmla="*/ 1552857 h 1849561"/>
+              <a:gd name="connsiteX10" fmla="*/ 717148 w 1493144"/>
+              <a:gd name="connsiteY10" fmla="*/ 1810033 h 1849561"/>
+              <a:gd name="connsiteX11" fmla="*/ 821923 w 1493144"/>
+              <a:gd name="connsiteY11" fmla="*/ 1848132 h 1849561"/>
+              <a:gd name="connsiteX12" fmla="*/ 1001990 w 1493144"/>
+              <a:gd name="connsiteY12" fmla="*/ 1594132 h 1849561"/>
+              <a:gd name="connsiteX0" fmla="*/ 1001990 w 1493144"/>
+              <a:gd name="connsiteY0" fmla="*/ 1595187 h 1850616"/>
+              <a:gd name="connsiteX1" fmla="*/ 1492301 w 1493144"/>
+              <a:gd name="connsiteY1" fmla="*/ 881945 h 1850616"/>
+              <a:gd name="connsiteX2" fmla="*/ 1100415 w 1493144"/>
+              <a:gd name="connsiteY2" fmla="*/ 54858 h 1850616"/>
+              <a:gd name="connsiteX3" fmla="*/ 398966 w 1493144"/>
+              <a:gd name="connsiteY3" fmla="*/ 134233 h 1850616"/>
+              <a:gd name="connsiteX4" fmla="*/ 2999 w 1493144"/>
+              <a:gd name="connsiteY4" fmla="*/ 592341 h 1850616"/>
+              <a:gd name="connsiteX5" fmla="*/ 121836 w 1493144"/>
+              <a:gd name="connsiteY5" fmla="*/ 634750 h 1850616"/>
+              <a:gd name="connsiteX6" fmla="*/ 483786 w 1493144"/>
+              <a:gd name="connsiteY6" fmla="*/ 272800 h 1850616"/>
+              <a:gd name="connsiteX7" fmla="*/ 1007660 w 1493144"/>
+              <a:gd name="connsiteY7" fmla="*/ 210887 h 1850616"/>
+              <a:gd name="connsiteX8" fmla="*/ 1307698 w 1493144"/>
+              <a:gd name="connsiteY8" fmla="*/ 844299 h 1850616"/>
+              <a:gd name="connsiteX9" fmla="*/ 812399 w 1493144"/>
+              <a:gd name="connsiteY9" fmla="*/ 1553912 h 1850616"/>
+              <a:gd name="connsiteX10" fmla="*/ 717148 w 1493144"/>
+              <a:gd name="connsiteY10" fmla="*/ 1811088 h 1850616"/>
+              <a:gd name="connsiteX11" fmla="*/ 821923 w 1493144"/>
+              <a:gd name="connsiteY11" fmla="*/ 1849187 h 1850616"/>
+              <a:gd name="connsiteX12" fmla="*/ 1001990 w 1493144"/>
+              <a:gd name="connsiteY12" fmla="*/ 1595187 h 1850616"/>
+              <a:gd name="connsiteX0" fmla="*/ 1001990 w 1497534"/>
+              <a:gd name="connsiteY0" fmla="*/ 1595187 h 1850616"/>
+              <a:gd name="connsiteX1" fmla="*/ 1492301 w 1497534"/>
+              <a:gd name="connsiteY1" fmla="*/ 881945 h 1850616"/>
+              <a:gd name="connsiteX2" fmla="*/ 1100415 w 1497534"/>
+              <a:gd name="connsiteY2" fmla="*/ 54858 h 1850616"/>
+              <a:gd name="connsiteX3" fmla="*/ 398966 w 1497534"/>
+              <a:gd name="connsiteY3" fmla="*/ 134233 h 1850616"/>
+              <a:gd name="connsiteX4" fmla="*/ 2999 w 1497534"/>
+              <a:gd name="connsiteY4" fmla="*/ 592341 h 1850616"/>
+              <a:gd name="connsiteX5" fmla="*/ 121836 w 1497534"/>
+              <a:gd name="connsiteY5" fmla="*/ 634750 h 1850616"/>
+              <a:gd name="connsiteX6" fmla="*/ 483786 w 1497534"/>
+              <a:gd name="connsiteY6" fmla="*/ 272800 h 1850616"/>
+              <a:gd name="connsiteX7" fmla="*/ 1007660 w 1497534"/>
+              <a:gd name="connsiteY7" fmla="*/ 210887 h 1850616"/>
+              <a:gd name="connsiteX8" fmla="*/ 1307698 w 1497534"/>
+              <a:gd name="connsiteY8" fmla="*/ 844299 h 1850616"/>
+              <a:gd name="connsiteX9" fmla="*/ 812399 w 1497534"/>
+              <a:gd name="connsiteY9" fmla="*/ 1553912 h 1850616"/>
+              <a:gd name="connsiteX10" fmla="*/ 717148 w 1497534"/>
+              <a:gd name="connsiteY10" fmla="*/ 1811088 h 1850616"/>
+              <a:gd name="connsiteX11" fmla="*/ 821923 w 1497534"/>
+              <a:gd name="connsiteY11" fmla="*/ 1849187 h 1850616"/>
+              <a:gd name="connsiteX12" fmla="*/ 1001990 w 1497534"/>
+              <a:gd name="connsiteY12" fmla="*/ 1595187 h 1850616"/>
+              <a:gd name="connsiteX0" fmla="*/ 1001990 w 1500662"/>
+              <a:gd name="connsiteY0" fmla="*/ 1595187 h 1850616"/>
+              <a:gd name="connsiteX1" fmla="*/ 1492301 w 1500662"/>
+              <a:gd name="connsiteY1" fmla="*/ 881945 h 1850616"/>
+              <a:gd name="connsiteX2" fmla="*/ 1100415 w 1500662"/>
+              <a:gd name="connsiteY2" fmla="*/ 54858 h 1850616"/>
+              <a:gd name="connsiteX3" fmla="*/ 398966 w 1500662"/>
+              <a:gd name="connsiteY3" fmla="*/ 134233 h 1850616"/>
+              <a:gd name="connsiteX4" fmla="*/ 2999 w 1500662"/>
+              <a:gd name="connsiteY4" fmla="*/ 592341 h 1850616"/>
+              <a:gd name="connsiteX5" fmla="*/ 121836 w 1500662"/>
+              <a:gd name="connsiteY5" fmla="*/ 634750 h 1850616"/>
+              <a:gd name="connsiteX6" fmla="*/ 483786 w 1500662"/>
+              <a:gd name="connsiteY6" fmla="*/ 272800 h 1850616"/>
+              <a:gd name="connsiteX7" fmla="*/ 1007660 w 1500662"/>
+              <a:gd name="connsiteY7" fmla="*/ 210887 h 1850616"/>
+              <a:gd name="connsiteX8" fmla="*/ 1307698 w 1500662"/>
+              <a:gd name="connsiteY8" fmla="*/ 844299 h 1850616"/>
+              <a:gd name="connsiteX9" fmla="*/ 812399 w 1500662"/>
+              <a:gd name="connsiteY9" fmla="*/ 1553912 h 1850616"/>
+              <a:gd name="connsiteX10" fmla="*/ 717148 w 1500662"/>
+              <a:gd name="connsiteY10" fmla="*/ 1811088 h 1850616"/>
+              <a:gd name="connsiteX11" fmla="*/ 821923 w 1500662"/>
+              <a:gd name="connsiteY11" fmla="*/ 1849187 h 1850616"/>
+              <a:gd name="connsiteX12" fmla="*/ 1001990 w 1500662"/>
+              <a:gd name="connsiteY12" fmla="*/ 1595187 h 1850616"/>
+              <a:gd name="connsiteX0" fmla="*/ 1001990 w 1500662"/>
+              <a:gd name="connsiteY0" fmla="*/ 1595187 h 1850616"/>
+              <a:gd name="connsiteX1" fmla="*/ 1492301 w 1500662"/>
+              <a:gd name="connsiteY1" fmla="*/ 881945 h 1850616"/>
+              <a:gd name="connsiteX2" fmla="*/ 1100415 w 1500662"/>
+              <a:gd name="connsiteY2" fmla="*/ 54858 h 1850616"/>
+              <a:gd name="connsiteX3" fmla="*/ 398966 w 1500662"/>
+              <a:gd name="connsiteY3" fmla="*/ 134233 h 1850616"/>
+              <a:gd name="connsiteX4" fmla="*/ 2999 w 1500662"/>
+              <a:gd name="connsiteY4" fmla="*/ 592341 h 1850616"/>
+              <a:gd name="connsiteX5" fmla="*/ 121836 w 1500662"/>
+              <a:gd name="connsiteY5" fmla="*/ 634750 h 1850616"/>
+              <a:gd name="connsiteX6" fmla="*/ 483786 w 1500662"/>
+              <a:gd name="connsiteY6" fmla="*/ 272800 h 1850616"/>
+              <a:gd name="connsiteX7" fmla="*/ 1007660 w 1500662"/>
+              <a:gd name="connsiteY7" fmla="*/ 210887 h 1850616"/>
+              <a:gd name="connsiteX8" fmla="*/ 1307698 w 1500662"/>
+              <a:gd name="connsiteY8" fmla="*/ 844299 h 1850616"/>
+              <a:gd name="connsiteX9" fmla="*/ 812399 w 1500662"/>
+              <a:gd name="connsiteY9" fmla="*/ 1553912 h 1850616"/>
+              <a:gd name="connsiteX10" fmla="*/ 717148 w 1500662"/>
+              <a:gd name="connsiteY10" fmla="*/ 1811088 h 1850616"/>
+              <a:gd name="connsiteX11" fmla="*/ 821923 w 1500662"/>
+              <a:gd name="connsiteY11" fmla="*/ 1849187 h 1850616"/>
+              <a:gd name="connsiteX12" fmla="*/ 1001990 w 1500662"/>
+              <a:gd name="connsiteY12" fmla="*/ 1595187 h 1850616"/>
+              <a:gd name="connsiteX0" fmla="*/ 1001990 w 1500662"/>
+              <a:gd name="connsiteY0" fmla="*/ 1595187 h 1850616"/>
+              <a:gd name="connsiteX1" fmla="*/ 1492301 w 1500662"/>
+              <a:gd name="connsiteY1" fmla="*/ 881945 h 1850616"/>
+              <a:gd name="connsiteX2" fmla="*/ 1100415 w 1500662"/>
+              <a:gd name="connsiteY2" fmla="*/ 54858 h 1850616"/>
+              <a:gd name="connsiteX3" fmla="*/ 398966 w 1500662"/>
+              <a:gd name="connsiteY3" fmla="*/ 134233 h 1850616"/>
+              <a:gd name="connsiteX4" fmla="*/ 2999 w 1500662"/>
+              <a:gd name="connsiteY4" fmla="*/ 592341 h 1850616"/>
+              <a:gd name="connsiteX5" fmla="*/ 121836 w 1500662"/>
+              <a:gd name="connsiteY5" fmla="*/ 634750 h 1850616"/>
+              <a:gd name="connsiteX6" fmla="*/ 483786 w 1500662"/>
+              <a:gd name="connsiteY6" fmla="*/ 272800 h 1850616"/>
+              <a:gd name="connsiteX7" fmla="*/ 1007660 w 1500662"/>
+              <a:gd name="connsiteY7" fmla="*/ 210887 h 1850616"/>
+              <a:gd name="connsiteX8" fmla="*/ 1326748 w 1500662"/>
+              <a:gd name="connsiteY8" fmla="*/ 858587 h 1850616"/>
+              <a:gd name="connsiteX9" fmla="*/ 812399 w 1500662"/>
+              <a:gd name="connsiteY9" fmla="*/ 1553912 h 1850616"/>
+              <a:gd name="connsiteX10" fmla="*/ 717148 w 1500662"/>
+              <a:gd name="connsiteY10" fmla="*/ 1811088 h 1850616"/>
+              <a:gd name="connsiteX11" fmla="*/ 821923 w 1500662"/>
+              <a:gd name="connsiteY11" fmla="*/ 1849187 h 1850616"/>
+              <a:gd name="connsiteX12" fmla="*/ 1001990 w 1500662"/>
+              <a:gd name="connsiteY12" fmla="*/ 1595187 h 1850616"/>
+              <a:gd name="connsiteX0" fmla="*/ 1001990 w 1500662"/>
+              <a:gd name="connsiteY0" fmla="*/ 1595187 h 1850616"/>
+              <a:gd name="connsiteX1" fmla="*/ 1492301 w 1500662"/>
+              <a:gd name="connsiteY1" fmla="*/ 881945 h 1850616"/>
+              <a:gd name="connsiteX2" fmla="*/ 1100415 w 1500662"/>
+              <a:gd name="connsiteY2" fmla="*/ 54858 h 1850616"/>
+              <a:gd name="connsiteX3" fmla="*/ 398966 w 1500662"/>
+              <a:gd name="connsiteY3" fmla="*/ 134233 h 1850616"/>
+              <a:gd name="connsiteX4" fmla="*/ 2999 w 1500662"/>
+              <a:gd name="connsiteY4" fmla="*/ 592341 h 1850616"/>
+              <a:gd name="connsiteX5" fmla="*/ 121836 w 1500662"/>
+              <a:gd name="connsiteY5" fmla="*/ 634750 h 1850616"/>
+              <a:gd name="connsiteX6" fmla="*/ 483786 w 1500662"/>
+              <a:gd name="connsiteY6" fmla="*/ 272800 h 1850616"/>
+              <a:gd name="connsiteX7" fmla="*/ 1007660 w 1500662"/>
+              <a:gd name="connsiteY7" fmla="*/ 210887 h 1850616"/>
+              <a:gd name="connsiteX8" fmla="*/ 1326748 w 1500662"/>
+              <a:gd name="connsiteY8" fmla="*/ 858587 h 1850616"/>
+              <a:gd name="connsiteX9" fmla="*/ 812399 w 1500662"/>
+              <a:gd name="connsiteY9" fmla="*/ 1553912 h 1850616"/>
+              <a:gd name="connsiteX10" fmla="*/ 717148 w 1500662"/>
+              <a:gd name="connsiteY10" fmla="*/ 1811088 h 1850616"/>
+              <a:gd name="connsiteX11" fmla="*/ 821923 w 1500662"/>
+              <a:gd name="connsiteY11" fmla="*/ 1849187 h 1850616"/>
+              <a:gd name="connsiteX12" fmla="*/ 1001990 w 1500662"/>
+              <a:gd name="connsiteY12" fmla="*/ 1595187 h 1850616"/>
+              <a:gd name="connsiteX0" fmla="*/ 1001990 w 1500662"/>
+              <a:gd name="connsiteY0" fmla="*/ 1595187 h 1850616"/>
+              <a:gd name="connsiteX1" fmla="*/ 1492301 w 1500662"/>
+              <a:gd name="connsiteY1" fmla="*/ 881945 h 1850616"/>
+              <a:gd name="connsiteX2" fmla="*/ 1100415 w 1500662"/>
+              <a:gd name="connsiteY2" fmla="*/ 54858 h 1850616"/>
+              <a:gd name="connsiteX3" fmla="*/ 398966 w 1500662"/>
+              <a:gd name="connsiteY3" fmla="*/ 134233 h 1850616"/>
+              <a:gd name="connsiteX4" fmla="*/ 2999 w 1500662"/>
+              <a:gd name="connsiteY4" fmla="*/ 592341 h 1850616"/>
+              <a:gd name="connsiteX5" fmla="*/ 121836 w 1500662"/>
+              <a:gd name="connsiteY5" fmla="*/ 634750 h 1850616"/>
+              <a:gd name="connsiteX6" fmla="*/ 483786 w 1500662"/>
+              <a:gd name="connsiteY6" fmla="*/ 272800 h 1850616"/>
+              <a:gd name="connsiteX7" fmla="*/ 1007660 w 1500662"/>
+              <a:gd name="connsiteY7" fmla="*/ 210887 h 1850616"/>
+              <a:gd name="connsiteX8" fmla="*/ 1326748 w 1500662"/>
+              <a:gd name="connsiteY8" fmla="*/ 858587 h 1850616"/>
+              <a:gd name="connsiteX9" fmla="*/ 855261 w 1500662"/>
+              <a:gd name="connsiteY9" fmla="*/ 1506287 h 1850616"/>
+              <a:gd name="connsiteX10" fmla="*/ 717148 w 1500662"/>
+              <a:gd name="connsiteY10" fmla="*/ 1811088 h 1850616"/>
+              <a:gd name="connsiteX11" fmla="*/ 821923 w 1500662"/>
+              <a:gd name="connsiteY11" fmla="*/ 1849187 h 1850616"/>
+              <a:gd name="connsiteX12" fmla="*/ 1001990 w 1500662"/>
+              <a:gd name="connsiteY12" fmla="*/ 1595187 h 1850616"/>
+              <a:gd name="connsiteX0" fmla="*/ 1001990 w 1500662"/>
+              <a:gd name="connsiteY0" fmla="*/ 1595187 h 1850616"/>
+              <a:gd name="connsiteX1" fmla="*/ 1492301 w 1500662"/>
+              <a:gd name="connsiteY1" fmla="*/ 881945 h 1850616"/>
+              <a:gd name="connsiteX2" fmla="*/ 1100415 w 1500662"/>
+              <a:gd name="connsiteY2" fmla="*/ 54858 h 1850616"/>
+              <a:gd name="connsiteX3" fmla="*/ 398966 w 1500662"/>
+              <a:gd name="connsiteY3" fmla="*/ 134233 h 1850616"/>
+              <a:gd name="connsiteX4" fmla="*/ 2999 w 1500662"/>
+              <a:gd name="connsiteY4" fmla="*/ 592341 h 1850616"/>
+              <a:gd name="connsiteX5" fmla="*/ 121836 w 1500662"/>
+              <a:gd name="connsiteY5" fmla="*/ 634750 h 1850616"/>
+              <a:gd name="connsiteX6" fmla="*/ 483786 w 1500662"/>
+              <a:gd name="connsiteY6" fmla="*/ 272800 h 1850616"/>
+              <a:gd name="connsiteX7" fmla="*/ 1007660 w 1500662"/>
+              <a:gd name="connsiteY7" fmla="*/ 210887 h 1850616"/>
+              <a:gd name="connsiteX8" fmla="*/ 1326748 w 1500662"/>
+              <a:gd name="connsiteY8" fmla="*/ 858587 h 1850616"/>
+              <a:gd name="connsiteX9" fmla="*/ 855261 w 1500662"/>
+              <a:gd name="connsiteY9" fmla="*/ 1506287 h 1850616"/>
+              <a:gd name="connsiteX10" fmla="*/ 717148 w 1500662"/>
+              <a:gd name="connsiteY10" fmla="*/ 1811088 h 1850616"/>
+              <a:gd name="connsiteX11" fmla="*/ 821923 w 1500662"/>
+              <a:gd name="connsiteY11" fmla="*/ 1849187 h 1850616"/>
+              <a:gd name="connsiteX12" fmla="*/ 1001990 w 1500662"/>
+              <a:gd name="connsiteY12" fmla="*/ 1595187 h 1850616"/>
+              <a:gd name="connsiteX0" fmla="*/ 1001990 w 1500662"/>
+              <a:gd name="connsiteY0" fmla="*/ 1595187 h 1850616"/>
+              <a:gd name="connsiteX1" fmla="*/ 1492301 w 1500662"/>
+              <a:gd name="connsiteY1" fmla="*/ 881945 h 1850616"/>
+              <a:gd name="connsiteX2" fmla="*/ 1100415 w 1500662"/>
+              <a:gd name="connsiteY2" fmla="*/ 54858 h 1850616"/>
+              <a:gd name="connsiteX3" fmla="*/ 398966 w 1500662"/>
+              <a:gd name="connsiteY3" fmla="*/ 134233 h 1850616"/>
+              <a:gd name="connsiteX4" fmla="*/ 2999 w 1500662"/>
+              <a:gd name="connsiteY4" fmla="*/ 592341 h 1850616"/>
+              <a:gd name="connsiteX5" fmla="*/ 121836 w 1500662"/>
+              <a:gd name="connsiteY5" fmla="*/ 634750 h 1850616"/>
+              <a:gd name="connsiteX6" fmla="*/ 483786 w 1500662"/>
+              <a:gd name="connsiteY6" fmla="*/ 272800 h 1850616"/>
+              <a:gd name="connsiteX7" fmla="*/ 1007660 w 1500662"/>
+              <a:gd name="connsiteY7" fmla="*/ 210887 h 1850616"/>
+              <a:gd name="connsiteX8" fmla="*/ 1326748 w 1500662"/>
+              <a:gd name="connsiteY8" fmla="*/ 858587 h 1850616"/>
+              <a:gd name="connsiteX9" fmla="*/ 855261 w 1500662"/>
+              <a:gd name="connsiteY9" fmla="*/ 1506287 h 1850616"/>
+              <a:gd name="connsiteX10" fmla="*/ 717148 w 1500662"/>
+              <a:gd name="connsiteY10" fmla="*/ 1811088 h 1850616"/>
+              <a:gd name="connsiteX11" fmla="*/ 821923 w 1500662"/>
+              <a:gd name="connsiteY11" fmla="*/ 1849187 h 1850616"/>
+              <a:gd name="connsiteX12" fmla="*/ 1001990 w 1500662"/>
+              <a:gd name="connsiteY12" fmla="*/ 1595187 h 1850616"/>
+              <a:gd name="connsiteX0" fmla="*/ 1001990 w 1500662"/>
+              <a:gd name="connsiteY0" fmla="*/ 1595187 h 1850616"/>
+              <a:gd name="connsiteX1" fmla="*/ 1492301 w 1500662"/>
+              <a:gd name="connsiteY1" fmla="*/ 881945 h 1850616"/>
+              <a:gd name="connsiteX2" fmla="*/ 1100415 w 1500662"/>
+              <a:gd name="connsiteY2" fmla="*/ 54858 h 1850616"/>
+              <a:gd name="connsiteX3" fmla="*/ 398966 w 1500662"/>
+              <a:gd name="connsiteY3" fmla="*/ 134233 h 1850616"/>
+              <a:gd name="connsiteX4" fmla="*/ 2999 w 1500662"/>
+              <a:gd name="connsiteY4" fmla="*/ 592341 h 1850616"/>
+              <a:gd name="connsiteX5" fmla="*/ 121836 w 1500662"/>
+              <a:gd name="connsiteY5" fmla="*/ 634750 h 1850616"/>
+              <a:gd name="connsiteX6" fmla="*/ 483786 w 1500662"/>
+              <a:gd name="connsiteY6" fmla="*/ 272800 h 1850616"/>
+              <a:gd name="connsiteX7" fmla="*/ 1007660 w 1500662"/>
+              <a:gd name="connsiteY7" fmla="*/ 210887 h 1850616"/>
+              <a:gd name="connsiteX8" fmla="*/ 1326748 w 1500662"/>
+              <a:gd name="connsiteY8" fmla="*/ 858587 h 1850616"/>
+              <a:gd name="connsiteX9" fmla="*/ 855261 w 1500662"/>
+              <a:gd name="connsiteY9" fmla="*/ 1506287 h 1850616"/>
+              <a:gd name="connsiteX10" fmla="*/ 717148 w 1500662"/>
+              <a:gd name="connsiteY10" fmla="*/ 1811088 h 1850616"/>
+              <a:gd name="connsiteX11" fmla="*/ 836211 w 1500662"/>
+              <a:gd name="connsiteY11" fmla="*/ 1849187 h 1850616"/>
+              <a:gd name="connsiteX12" fmla="*/ 1001990 w 1500662"/>
+              <a:gd name="connsiteY12" fmla="*/ 1595187 h 1850616"/>
+              <a:gd name="connsiteX0" fmla="*/ 1001990 w 1500662"/>
+              <a:gd name="connsiteY0" fmla="*/ 1595187 h 1882083"/>
+              <a:gd name="connsiteX1" fmla="*/ 1492301 w 1500662"/>
+              <a:gd name="connsiteY1" fmla="*/ 881945 h 1882083"/>
+              <a:gd name="connsiteX2" fmla="*/ 1100415 w 1500662"/>
+              <a:gd name="connsiteY2" fmla="*/ 54858 h 1882083"/>
+              <a:gd name="connsiteX3" fmla="*/ 398966 w 1500662"/>
+              <a:gd name="connsiteY3" fmla="*/ 134233 h 1882083"/>
+              <a:gd name="connsiteX4" fmla="*/ 2999 w 1500662"/>
+              <a:gd name="connsiteY4" fmla="*/ 592341 h 1882083"/>
+              <a:gd name="connsiteX5" fmla="*/ 121836 w 1500662"/>
+              <a:gd name="connsiteY5" fmla="*/ 634750 h 1882083"/>
+              <a:gd name="connsiteX6" fmla="*/ 483786 w 1500662"/>
+              <a:gd name="connsiteY6" fmla="*/ 272800 h 1882083"/>
+              <a:gd name="connsiteX7" fmla="*/ 1007660 w 1500662"/>
+              <a:gd name="connsiteY7" fmla="*/ 210887 h 1882083"/>
+              <a:gd name="connsiteX8" fmla="*/ 1326748 w 1500662"/>
+              <a:gd name="connsiteY8" fmla="*/ 858587 h 1882083"/>
+              <a:gd name="connsiteX9" fmla="*/ 855261 w 1500662"/>
+              <a:gd name="connsiteY9" fmla="*/ 1506287 h 1882083"/>
+              <a:gd name="connsiteX10" fmla="*/ 717148 w 1500662"/>
+              <a:gd name="connsiteY10" fmla="*/ 1811088 h 1882083"/>
+              <a:gd name="connsiteX11" fmla="*/ 836211 w 1500662"/>
+              <a:gd name="connsiteY11" fmla="*/ 1849187 h 1882083"/>
+              <a:gd name="connsiteX12" fmla="*/ 1001990 w 1500662"/>
+              <a:gd name="connsiteY12" fmla="*/ 1595187 h 1882083"/>
+              <a:gd name="connsiteX0" fmla="*/ 1001990 w 1500662"/>
+              <a:gd name="connsiteY0" fmla="*/ 1595187 h 1882083"/>
+              <a:gd name="connsiteX1" fmla="*/ 1492301 w 1500662"/>
+              <a:gd name="connsiteY1" fmla="*/ 881945 h 1882083"/>
+              <a:gd name="connsiteX2" fmla="*/ 1100415 w 1500662"/>
+              <a:gd name="connsiteY2" fmla="*/ 54858 h 1882083"/>
+              <a:gd name="connsiteX3" fmla="*/ 398966 w 1500662"/>
+              <a:gd name="connsiteY3" fmla="*/ 134233 h 1882083"/>
+              <a:gd name="connsiteX4" fmla="*/ 2999 w 1500662"/>
+              <a:gd name="connsiteY4" fmla="*/ 592341 h 1882083"/>
+              <a:gd name="connsiteX5" fmla="*/ 121836 w 1500662"/>
+              <a:gd name="connsiteY5" fmla="*/ 634750 h 1882083"/>
+              <a:gd name="connsiteX6" fmla="*/ 483786 w 1500662"/>
+              <a:gd name="connsiteY6" fmla="*/ 272800 h 1882083"/>
+              <a:gd name="connsiteX7" fmla="*/ 1007660 w 1500662"/>
+              <a:gd name="connsiteY7" fmla="*/ 210887 h 1882083"/>
+              <a:gd name="connsiteX8" fmla="*/ 1285473 w 1500662"/>
+              <a:gd name="connsiteY8" fmla="*/ 861762 h 1882083"/>
+              <a:gd name="connsiteX9" fmla="*/ 855261 w 1500662"/>
+              <a:gd name="connsiteY9" fmla="*/ 1506287 h 1882083"/>
+              <a:gd name="connsiteX10" fmla="*/ 717148 w 1500662"/>
+              <a:gd name="connsiteY10" fmla="*/ 1811088 h 1882083"/>
+              <a:gd name="connsiteX11" fmla="*/ 836211 w 1500662"/>
+              <a:gd name="connsiteY11" fmla="*/ 1849187 h 1882083"/>
+              <a:gd name="connsiteX12" fmla="*/ 1001990 w 1500662"/>
+              <a:gd name="connsiteY12" fmla="*/ 1595187 h 1882083"/>
+              <a:gd name="connsiteX0" fmla="*/ 1001990 w 1500662"/>
+              <a:gd name="connsiteY0" fmla="*/ 1595187 h 1882083"/>
+              <a:gd name="connsiteX1" fmla="*/ 1492301 w 1500662"/>
+              <a:gd name="connsiteY1" fmla="*/ 881945 h 1882083"/>
+              <a:gd name="connsiteX2" fmla="*/ 1100415 w 1500662"/>
+              <a:gd name="connsiteY2" fmla="*/ 54858 h 1882083"/>
+              <a:gd name="connsiteX3" fmla="*/ 398966 w 1500662"/>
+              <a:gd name="connsiteY3" fmla="*/ 134233 h 1882083"/>
+              <a:gd name="connsiteX4" fmla="*/ 2999 w 1500662"/>
+              <a:gd name="connsiteY4" fmla="*/ 592341 h 1882083"/>
+              <a:gd name="connsiteX5" fmla="*/ 121836 w 1500662"/>
+              <a:gd name="connsiteY5" fmla="*/ 634750 h 1882083"/>
+              <a:gd name="connsiteX6" fmla="*/ 483786 w 1500662"/>
+              <a:gd name="connsiteY6" fmla="*/ 272800 h 1882083"/>
+              <a:gd name="connsiteX7" fmla="*/ 1001310 w 1500662"/>
+              <a:gd name="connsiteY7" fmla="*/ 274387 h 1882083"/>
+              <a:gd name="connsiteX8" fmla="*/ 1285473 w 1500662"/>
+              <a:gd name="connsiteY8" fmla="*/ 861762 h 1882083"/>
+              <a:gd name="connsiteX9" fmla="*/ 855261 w 1500662"/>
+              <a:gd name="connsiteY9" fmla="*/ 1506287 h 1882083"/>
+              <a:gd name="connsiteX10" fmla="*/ 717148 w 1500662"/>
+              <a:gd name="connsiteY10" fmla="*/ 1811088 h 1882083"/>
+              <a:gd name="connsiteX11" fmla="*/ 836211 w 1500662"/>
+              <a:gd name="connsiteY11" fmla="*/ 1849187 h 1882083"/>
+              <a:gd name="connsiteX12" fmla="*/ 1001990 w 1500662"/>
+              <a:gd name="connsiteY12" fmla="*/ 1595187 h 1882083"/>
+              <a:gd name="connsiteX0" fmla="*/ 1002966 w 1501638"/>
+              <a:gd name="connsiteY0" fmla="*/ 1595187 h 1882083"/>
+              <a:gd name="connsiteX1" fmla="*/ 1493277 w 1501638"/>
+              <a:gd name="connsiteY1" fmla="*/ 881945 h 1882083"/>
+              <a:gd name="connsiteX2" fmla="*/ 1101391 w 1501638"/>
+              <a:gd name="connsiteY2" fmla="*/ 54858 h 1882083"/>
+              <a:gd name="connsiteX3" fmla="*/ 399942 w 1501638"/>
+              <a:gd name="connsiteY3" fmla="*/ 134233 h 1882083"/>
+              <a:gd name="connsiteX4" fmla="*/ 3975 w 1501638"/>
+              <a:gd name="connsiteY4" fmla="*/ 592341 h 1882083"/>
+              <a:gd name="connsiteX5" fmla="*/ 122812 w 1501638"/>
+              <a:gd name="connsiteY5" fmla="*/ 634750 h 1882083"/>
+              <a:gd name="connsiteX6" fmla="*/ 519687 w 1501638"/>
+              <a:gd name="connsiteY6" fmla="*/ 314075 h 1882083"/>
+              <a:gd name="connsiteX7" fmla="*/ 1002286 w 1501638"/>
+              <a:gd name="connsiteY7" fmla="*/ 274387 h 1882083"/>
+              <a:gd name="connsiteX8" fmla="*/ 1286449 w 1501638"/>
+              <a:gd name="connsiteY8" fmla="*/ 861762 h 1882083"/>
+              <a:gd name="connsiteX9" fmla="*/ 856237 w 1501638"/>
+              <a:gd name="connsiteY9" fmla="*/ 1506287 h 1882083"/>
+              <a:gd name="connsiteX10" fmla="*/ 718124 w 1501638"/>
+              <a:gd name="connsiteY10" fmla="*/ 1811088 h 1882083"/>
+              <a:gd name="connsiteX11" fmla="*/ 837187 w 1501638"/>
+              <a:gd name="connsiteY11" fmla="*/ 1849187 h 1882083"/>
+              <a:gd name="connsiteX12" fmla="*/ 1002966 w 1501638"/>
+              <a:gd name="connsiteY12" fmla="*/ 1595187 h 1882083"/>
+              <a:gd name="connsiteX0" fmla="*/ 1007706 w 1506378"/>
+              <a:gd name="connsiteY0" fmla="*/ 1595187 h 1882083"/>
+              <a:gd name="connsiteX1" fmla="*/ 1498017 w 1506378"/>
+              <a:gd name="connsiteY1" fmla="*/ 881945 h 1882083"/>
+              <a:gd name="connsiteX2" fmla="*/ 1106131 w 1506378"/>
+              <a:gd name="connsiteY2" fmla="*/ 54858 h 1882083"/>
+              <a:gd name="connsiteX3" fmla="*/ 404682 w 1506378"/>
+              <a:gd name="connsiteY3" fmla="*/ 134233 h 1882083"/>
+              <a:gd name="connsiteX4" fmla="*/ 8715 w 1506378"/>
+              <a:gd name="connsiteY4" fmla="*/ 592341 h 1882083"/>
+              <a:gd name="connsiteX5" fmla="*/ 162477 w 1506378"/>
+              <a:gd name="connsiteY5" fmla="*/ 669675 h 1882083"/>
+              <a:gd name="connsiteX6" fmla="*/ 524427 w 1506378"/>
+              <a:gd name="connsiteY6" fmla="*/ 314075 h 1882083"/>
+              <a:gd name="connsiteX7" fmla="*/ 1007026 w 1506378"/>
+              <a:gd name="connsiteY7" fmla="*/ 274387 h 1882083"/>
+              <a:gd name="connsiteX8" fmla="*/ 1291189 w 1506378"/>
+              <a:gd name="connsiteY8" fmla="*/ 861762 h 1882083"/>
+              <a:gd name="connsiteX9" fmla="*/ 860977 w 1506378"/>
+              <a:gd name="connsiteY9" fmla="*/ 1506287 h 1882083"/>
+              <a:gd name="connsiteX10" fmla="*/ 722864 w 1506378"/>
+              <a:gd name="connsiteY10" fmla="*/ 1811088 h 1882083"/>
+              <a:gd name="connsiteX11" fmla="*/ 841927 w 1506378"/>
+              <a:gd name="connsiteY11" fmla="*/ 1849187 h 1882083"/>
+              <a:gd name="connsiteX12" fmla="*/ 1007706 w 1506378"/>
+              <a:gd name="connsiteY12" fmla="*/ 1595187 h 1882083"/>
+              <a:gd name="connsiteX0" fmla="*/ 1006199 w 1504871"/>
+              <a:gd name="connsiteY0" fmla="*/ 1595187 h 1882083"/>
+              <a:gd name="connsiteX1" fmla="*/ 1496510 w 1504871"/>
+              <a:gd name="connsiteY1" fmla="*/ 881945 h 1882083"/>
+              <a:gd name="connsiteX2" fmla="*/ 1104624 w 1504871"/>
+              <a:gd name="connsiteY2" fmla="*/ 54858 h 1882083"/>
+              <a:gd name="connsiteX3" fmla="*/ 403175 w 1504871"/>
+              <a:gd name="connsiteY3" fmla="*/ 134233 h 1882083"/>
+              <a:gd name="connsiteX4" fmla="*/ 7208 w 1504871"/>
+              <a:gd name="connsiteY4" fmla="*/ 592341 h 1882083"/>
+              <a:gd name="connsiteX5" fmla="*/ 160970 w 1504871"/>
+              <a:gd name="connsiteY5" fmla="*/ 669675 h 1882083"/>
+              <a:gd name="connsiteX6" fmla="*/ 522920 w 1504871"/>
+              <a:gd name="connsiteY6" fmla="*/ 314075 h 1882083"/>
+              <a:gd name="connsiteX7" fmla="*/ 1005519 w 1504871"/>
+              <a:gd name="connsiteY7" fmla="*/ 274387 h 1882083"/>
+              <a:gd name="connsiteX8" fmla="*/ 1289682 w 1504871"/>
+              <a:gd name="connsiteY8" fmla="*/ 861762 h 1882083"/>
+              <a:gd name="connsiteX9" fmla="*/ 859470 w 1504871"/>
+              <a:gd name="connsiteY9" fmla="*/ 1506287 h 1882083"/>
+              <a:gd name="connsiteX10" fmla="*/ 721357 w 1504871"/>
+              <a:gd name="connsiteY10" fmla="*/ 1811088 h 1882083"/>
+              <a:gd name="connsiteX11" fmla="*/ 840420 w 1504871"/>
+              <a:gd name="connsiteY11" fmla="*/ 1849187 h 1882083"/>
+              <a:gd name="connsiteX12" fmla="*/ 1006199 w 1504871"/>
+              <a:gd name="connsiteY12" fmla="*/ 1595187 h 1882083"/>
+              <a:gd name="connsiteX0" fmla="*/ 1047474 w 1496809"/>
+              <a:gd name="connsiteY0" fmla="*/ 1607887 h 1864470"/>
+              <a:gd name="connsiteX1" fmla="*/ 1496510 w 1496809"/>
+              <a:gd name="connsiteY1" fmla="*/ 881945 h 1864470"/>
+              <a:gd name="connsiteX2" fmla="*/ 1104624 w 1496809"/>
+              <a:gd name="connsiteY2" fmla="*/ 54858 h 1864470"/>
+              <a:gd name="connsiteX3" fmla="*/ 403175 w 1496809"/>
+              <a:gd name="connsiteY3" fmla="*/ 134233 h 1864470"/>
+              <a:gd name="connsiteX4" fmla="*/ 7208 w 1496809"/>
+              <a:gd name="connsiteY4" fmla="*/ 592341 h 1864470"/>
+              <a:gd name="connsiteX5" fmla="*/ 160970 w 1496809"/>
+              <a:gd name="connsiteY5" fmla="*/ 669675 h 1864470"/>
+              <a:gd name="connsiteX6" fmla="*/ 522920 w 1496809"/>
+              <a:gd name="connsiteY6" fmla="*/ 314075 h 1864470"/>
+              <a:gd name="connsiteX7" fmla="*/ 1005519 w 1496809"/>
+              <a:gd name="connsiteY7" fmla="*/ 274387 h 1864470"/>
+              <a:gd name="connsiteX8" fmla="*/ 1289682 w 1496809"/>
+              <a:gd name="connsiteY8" fmla="*/ 861762 h 1864470"/>
+              <a:gd name="connsiteX9" fmla="*/ 859470 w 1496809"/>
+              <a:gd name="connsiteY9" fmla="*/ 1506287 h 1864470"/>
+              <a:gd name="connsiteX10" fmla="*/ 721357 w 1496809"/>
+              <a:gd name="connsiteY10" fmla="*/ 1811088 h 1864470"/>
+              <a:gd name="connsiteX11" fmla="*/ 840420 w 1496809"/>
+              <a:gd name="connsiteY11" fmla="*/ 1849187 h 1864470"/>
+              <a:gd name="connsiteX12" fmla="*/ 1047474 w 1496809"/>
+              <a:gd name="connsiteY12" fmla="*/ 1607887 h 1864470"/>
+              <a:gd name="connsiteX0" fmla="*/ 1047474 w 1496809"/>
+              <a:gd name="connsiteY0" fmla="*/ 1607887 h 1864470"/>
+              <a:gd name="connsiteX1" fmla="*/ 1496510 w 1496809"/>
+              <a:gd name="connsiteY1" fmla="*/ 881945 h 1864470"/>
+              <a:gd name="connsiteX2" fmla="*/ 1104624 w 1496809"/>
+              <a:gd name="connsiteY2" fmla="*/ 54858 h 1864470"/>
+              <a:gd name="connsiteX3" fmla="*/ 403175 w 1496809"/>
+              <a:gd name="connsiteY3" fmla="*/ 134233 h 1864470"/>
+              <a:gd name="connsiteX4" fmla="*/ 7208 w 1496809"/>
+              <a:gd name="connsiteY4" fmla="*/ 592341 h 1864470"/>
+              <a:gd name="connsiteX5" fmla="*/ 160970 w 1496809"/>
+              <a:gd name="connsiteY5" fmla="*/ 669675 h 1864470"/>
+              <a:gd name="connsiteX6" fmla="*/ 522920 w 1496809"/>
+              <a:gd name="connsiteY6" fmla="*/ 314075 h 1864470"/>
+              <a:gd name="connsiteX7" fmla="*/ 1005519 w 1496809"/>
+              <a:gd name="connsiteY7" fmla="*/ 274387 h 1864470"/>
+              <a:gd name="connsiteX8" fmla="*/ 1289682 w 1496809"/>
+              <a:gd name="connsiteY8" fmla="*/ 861762 h 1864470"/>
+              <a:gd name="connsiteX9" fmla="*/ 859470 w 1496809"/>
+              <a:gd name="connsiteY9" fmla="*/ 1506287 h 1864470"/>
+              <a:gd name="connsiteX10" fmla="*/ 721357 w 1496809"/>
+              <a:gd name="connsiteY10" fmla="*/ 1811088 h 1864470"/>
+              <a:gd name="connsiteX11" fmla="*/ 875345 w 1496809"/>
+              <a:gd name="connsiteY11" fmla="*/ 1849187 h 1864470"/>
+              <a:gd name="connsiteX12" fmla="*/ 1047474 w 1496809"/>
+              <a:gd name="connsiteY12" fmla="*/ 1607887 h 1864470"/>
+              <a:gd name="connsiteX0" fmla="*/ 1047474 w 1496809"/>
+              <a:gd name="connsiteY0" fmla="*/ 1607887 h 1864470"/>
+              <a:gd name="connsiteX1" fmla="*/ 1496510 w 1496809"/>
+              <a:gd name="connsiteY1" fmla="*/ 881945 h 1864470"/>
+              <a:gd name="connsiteX2" fmla="*/ 1104624 w 1496809"/>
+              <a:gd name="connsiteY2" fmla="*/ 54858 h 1864470"/>
+              <a:gd name="connsiteX3" fmla="*/ 403175 w 1496809"/>
+              <a:gd name="connsiteY3" fmla="*/ 134233 h 1864470"/>
+              <a:gd name="connsiteX4" fmla="*/ 7208 w 1496809"/>
+              <a:gd name="connsiteY4" fmla="*/ 592341 h 1864470"/>
+              <a:gd name="connsiteX5" fmla="*/ 160970 w 1496809"/>
+              <a:gd name="connsiteY5" fmla="*/ 669675 h 1864470"/>
+              <a:gd name="connsiteX6" fmla="*/ 522920 w 1496809"/>
+              <a:gd name="connsiteY6" fmla="*/ 314075 h 1864470"/>
+              <a:gd name="connsiteX7" fmla="*/ 1005519 w 1496809"/>
+              <a:gd name="connsiteY7" fmla="*/ 274387 h 1864470"/>
+              <a:gd name="connsiteX8" fmla="*/ 1289682 w 1496809"/>
+              <a:gd name="connsiteY8" fmla="*/ 861762 h 1864470"/>
+              <a:gd name="connsiteX9" fmla="*/ 859470 w 1496809"/>
+              <a:gd name="connsiteY9" fmla="*/ 1506287 h 1864470"/>
+              <a:gd name="connsiteX10" fmla="*/ 699132 w 1496809"/>
+              <a:gd name="connsiteY10" fmla="*/ 1811088 h 1864470"/>
+              <a:gd name="connsiteX11" fmla="*/ 875345 w 1496809"/>
+              <a:gd name="connsiteY11" fmla="*/ 1849187 h 1864470"/>
+              <a:gd name="connsiteX12" fmla="*/ 1047474 w 1496809"/>
+              <a:gd name="connsiteY12" fmla="*/ 1607887 h 1864470"/>
+              <a:gd name="connsiteX0" fmla="*/ 1047474 w 1496809"/>
+              <a:gd name="connsiteY0" fmla="*/ 1607887 h 1864470"/>
+              <a:gd name="connsiteX1" fmla="*/ 1496510 w 1496809"/>
+              <a:gd name="connsiteY1" fmla="*/ 881945 h 1864470"/>
+              <a:gd name="connsiteX2" fmla="*/ 1104624 w 1496809"/>
+              <a:gd name="connsiteY2" fmla="*/ 54858 h 1864470"/>
+              <a:gd name="connsiteX3" fmla="*/ 403175 w 1496809"/>
+              <a:gd name="connsiteY3" fmla="*/ 134233 h 1864470"/>
+              <a:gd name="connsiteX4" fmla="*/ 7208 w 1496809"/>
+              <a:gd name="connsiteY4" fmla="*/ 592341 h 1864470"/>
+              <a:gd name="connsiteX5" fmla="*/ 160970 w 1496809"/>
+              <a:gd name="connsiteY5" fmla="*/ 669675 h 1864470"/>
+              <a:gd name="connsiteX6" fmla="*/ 522920 w 1496809"/>
+              <a:gd name="connsiteY6" fmla="*/ 314075 h 1864470"/>
+              <a:gd name="connsiteX7" fmla="*/ 1005519 w 1496809"/>
+              <a:gd name="connsiteY7" fmla="*/ 274387 h 1864470"/>
+              <a:gd name="connsiteX8" fmla="*/ 1289682 w 1496809"/>
+              <a:gd name="connsiteY8" fmla="*/ 861762 h 1864470"/>
+              <a:gd name="connsiteX9" fmla="*/ 859470 w 1496809"/>
+              <a:gd name="connsiteY9" fmla="*/ 1506287 h 1864470"/>
+              <a:gd name="connsiteX10" fmla="*/ 699132 w 1496809"/>
+              <a:gd name="connsiteY10" fmla="*/ 1811088 h 1864470"/>
+              <a:gd name="connsiteX11" fmla="*/ 875345 w 1496809"/>
+              <a:gd name="connsiteY11" fmla="*/ 1849187 h 1864470"/>
+              <a:gd name="connsiteX12" fmla="*/ 1047474 w 1496809"/>
+              <a:gd name="connsiteY12" fmla="*/ 1607887 h 1864470"/>
+              <a:gd name="connsiteX0" fmla="*/ 1047474 w 1496809"/>
+              <a:gd name="connsiteY0" fmla="*/ 1607887 h 1876794"/>
+              <a:gd name="connsiteX1" fmla="*/ 1496510 w 1496809"/>
+              <a:gd name="connsiteY1" fmla="*/ 881945 h 1876794"/>
+              <a:gd name="connsiteX2" fmla="*/ 1104624 w 1496809"/>
+              <a:gd name="connsiteY2" fmla="*/ 54858 h 1876794"/>
+              <a:gd name="connsiteX3" fmla="*/ 403175 w 1496809"/>
+              <a:gd name="connsiteY3" fmla="*/ 134233 h 1876794"/>
+              <a:gd name="connsiteX4" fmla="*/ 7208 w 1496809"/>
+              <a:gd name="connsiteY4" fmla="*/ 592341 h 1876794"/>
+              <a:gd name="connsiteX5" fmla="*/ 160970 w 1496809"/>
+              <a:gd name="connsiteY5" fmla="*/ 669675 h 1876794"/>
+              <a:gd name="connsiteX6" fmla="*/ 522920 w 1496809"/>
+              <a:gd name="connsiteY6" fmla="*/ 314075 h 1876794"/>
+              <a:gd name="connsiteX7" fmla="*/ 1005519 w 1496809"/>
+              <a:gd name="connsiteY7" fmla="*/ 274387 h 1876794"/>
+              <a:gd name="connsiteX8" fmla="*/ 1289682 w 1496809"/>
+              <a:gd name="connsiteY8" fmla="*/ 861762 h 1876794"/>
+              <a:gd name="connsiteX9" fmla="*/ 859470 w 1496809"/>
+              <a:gd name="connsiteY9" fmla="*/ 1506287 h 1876794"/>
+              <a:gd name="connsiteX10" fmla="*/ 699132 w 1496809"/>
+              <a:gd name="connsiteY10" fmla="*/ 1811088 h 1876794"/>
+              <a:gd name="connsiteX11" fmla="*/ 875345 w 1496809"/>
+              <a:gd name="connsiteY11" fmla="*/ 1849187 h 1876794"/>
+              <a:gd name="connsiteX12" fmla="*/ 1047474 w 1496809"/>
+              <a:gd name="connsiteY12" fmla="*/ 1607887 h 1876794"/>
+              <a:gd name="connsiteX0" fmla="*/ 1047474 w 1496809"/>
+              <a:gd name="connsiteY0" fmla="*/ 1607887 h 1866876"/>
+              <a:gd name="connsiteX1" fmla="*/ 1496510 w 1496809"/>
+              <a:gd name="connsiteY1" fmla="*/ 881945 h 1866876"/>
+              <a:gd name="connsiteX2" fmla="*/ 1104624 w 1496809"/>
+              <a:gd name="connsiteY2" fmla="*/ 54858 h 1866876"/>
+              <a:gd name="connsiteX3" fmla="*/ 403175 w 1496809"/>
+              <a:gd name="connsiteY3" fmla="*/ 134233 h 1866876"/>
+              <a:gd name="connsiteX4" fmla="*/ 7208 w 1496809"/>
+              <a:gd name="connsiteY4" fmla="*/ 592341 h 1866876"/>
+              <a:gd name="connsiteX5" fmla="*/ 160970 w 1496809"/>
+              <a:gd name="connsiteY5" fmla="*/ 669675 h 1866876"/>
+              <a:gd name="connsiteX6" fmla="*/ 522920 w 1496809"/>
+              <a:gd name="connsiteY6" fmla="*/ 314075 h 1866876"/>
+              <a:gd name="connsiteX7" fmla="*/ 1005519 w 1496809"/>
+              <a:gd name="connsiteY7" fmla="*/ 274387 h 1866876"/>
+              <a:gd name="connsiteX8" fmla="*/ 1289682 w 1496809"/>
+              <a:gd name="connsiteY8" fmla="*/ 861762 h 1866876"/>
+              <a:gd name="connsiteX9" fmla="*/ 834070 w 1496809"/>
+              <a:gd name="connsiteY9" fmla="*/ 1512637 h 1866876"/>
+              <a:gd name="connsiteX10" fmla="*/ 699132 w 1496809"/>
+              <a:gd name="connsiteY10" fmla="*/ 1811088 h 1866876"/>
+              <a:gd name="connsiteX11" fmla="*/ 875345 w 1496809"/>
+              <a:gd name="connsiteY11" fmla="*/ 1849187 h 1866876"/>
+              <a:gd name="connsiteX12" fmla="*/ 1047474 w 1496809"/>
+              <a:gd name="connsiteY12" fmla="*/ 1607887 h 1866876"/>
+              <a:gd name="connsiteX0" fmla="*/ 1047474 w 1496809"/>
+              <a:gd name="connsiteY0" fmla="*/ 1607887 h 1866876"/>
+              <a:gd name="connsiteX1" fmla="*/ 1496510 w 1496809"/>
+              <a:gd name="connsiteY1" fmla="*/ 881945 h 1866876"/>
+              <a:gd name="connsiteX2" fmla="*/ 1104624 w 1496809"/>
+              <a:gd name="connsiteY2" fmla="*/ 54858 h 1866876"/>
+              <a:gd name="connsiteX3" fmla="*/ 403175 w 1496809"/>
+              <a:gd name="connsiteY3" fmla="*/ 134233 h 1866876"/>
+              <a:gd name="connsiteX4" fmla="*/ 7208 w 1496809"/>
+              <a:gd name="connsiteY4" fmla="*/ 592341 h 1866876"/>
+              <a:gd name="connsiteX5" fmla="*/ 160970 w 1496809"/>
+              <a:gd name="connsiteY5" fmla="*/ 669675 h 1866876"/>
+              <a:gd name="connsiteX6" fmla="*/ 522920 w 1496809"/>
+              <a:gd name="connsiteY6" fmla="*/ 314075 h 1866876"/>
+              <a:gd name="connsiteX7" fmla="*/ 1005519 w 1496809"/>
+              <a:gd name="connsiteY7" fmla="*/ 274387 h 1866876"/>
+              <a:gd name="connsiteX8" fmla="*/ 1289682 w 1496809"/>
+              <a:gd name="connsiteY8" fmla="*/ 861762 h 1866876"/>
+              <a:gd name="connsiteX9" fmla="*/ 834070 w 1496809"/>
+              <a:gd name="connsiteY9" fmla="*/ 1512637 h 1866876"/>
+              <a:gd name="connsiteX10" fmla="*/ 699132 w 1496809"/>
+              <a:gd name="connsiteY10" fmla="*/ 1811088 h 1866876"/>
+              <a:gd name="connsiteX11" fmla="*/ 875345 w 1496809"/>
+              <a:gd name="connsiteY11" fmla="*/ 1849187 h 1866876"/>
+              <a:gd name="connsiteX12" fmla="*/ 1047474 w 1496809"/>
+              <a:gd name="connsiteY12" fmla="*/ 1607887 h 1866876"/>
+              <a:gd name="connsiteX0" fmla="*/ 1047474 w 1525356"/>
+              <a:gd name="connsiteY0" fmla="*/ 1607887 h 1866876"/>
+              <a:gd name="connsiteX1" fmla="*/ 1525085 w 1525356"/>
+              <a:gd name="connsiteY1" fmla="*/ 881945 h 1866876"/>
+              <a:gd name="connsiteX2" fmla="*/ 1104624 w 1525356"/>
+              <a:gd name="connsiteY2" fmla="*/ 54858 h 1866876"/>
+              <a:gd name="connsiteX3" fmla="*/ 403175 w 1525356"/>
+              <a:gd name="connsiteY3" fmla="*/ 134233 h 1866876"/>
+              <a:gd name="connsiteX4" fmla="*/ 7208 w 1525356"/>
+              <a:gd name="connsiteY4" fmla="*/ 592341 h 1866876"/>
+              <a:gd name="connsiteX5" fmla="*/ 160970 w 1525356"/>
+              <a:gd name="connsiteY5" fmla="*/ 669675 h 1866876"/>
+              <a:gd name="connsiteX6" fmla="*/ 522920 w 1525356"/>
+              <a:gd name="connsiteY6" fmla="*/ 314075 h 1866876"/>
+              <a:gd name="connsiteX7" fmla="*/ 1005519 w 1525356"/>
+              <a:gd name="connsiteY7" fmla="*/ 274387 h 1866876"/>
+              <a:gd name="connsiteX8" fmla="*/ 1289682 w 1525356"/>
+              <a:gd name="connsiteY8" fmla="*/ 861762 h 1866876"/>
+              <a:gd name="connsiteX9" fmla="*/ 834070 w 1525356"/>
+              <a:gd name="connsiteY9" fmla="*/ 1512637 h 1866876"/>
+              <a:gd name="connsiteX10" fmla="*/ 699132 w 1525356"/>
+              <a:gd name="connsiteY10" fmla="*/ 1811088 h 1866876"/>
+              <a:gd name="connsiteX11" fmla="*/ 875345 w 1525356"/>
+              <a:gd name="connsiteY11" fmla="*/ 1849187 h 1866876"/>
+              <a:gd name="connsiteX12" fmla="*/ 1047474 w 1525356"/>
+              <a:gd name="connsiteY12" fmla="*/ 1607887 h 1866876"/>
+              <a:gd name="connsiteX0" fmla="*/ 1047474 w 1525261"/>
+              <a:gd name="connsiteY0" fmla="*/ 1607887 h 1866876"/>
+              <a:gd name="connsiteX1" fmla="*/ 1525085 w 1525261"/>
+              <a:gd name="connsiteY1" fmla="*/ 881945 h 1866876"/>
+              <a:gd name="connsiteX2" fmla="*/ 1104624 w 1525261"/>
+              <a:gd name="connsiteY2" fmla="*/ 54858 h 1866876"/>
+              <a:gd name="connsiteX3" fmla="*/ 403175 w 1525261"/>
+              <a:gd name="connsiteY3" fmla="*/ 134233 h 1866876"/>
+              <a:gd name="connsiteX4" fmla="*/ 7208 w 1525261"/>
+              <a:gd name="connsiteY4" fmla="*/ 592341 h 1866876"/>
+              <a:gd name="connsiteX5" fmla="*/ 160970 w 1525261"/>
+              <a:gd name="connsiteY5" fmla="*/ 669675 h 1866876"/>
+              <a:gd name="connsiteX6" fmla="*/ 522920 w 1525261"/>
+              <a:gd name="connsiteY6" fmla="*/ 314075 h 1866876"/>
+              <a:gd name="connsiteX7" fmla="*/ 1005519 w 1525261"/>
+              <a:gd name="connsiteY7" fmla="*/ 274387 h 1866876"/>
+              <a:gd name="connsiteX8" fmla="*/ 1289682 w 1525261"/>
+              <a:gd name="connsiteY8" fmla="*/ 861762 h 1866876"/>
+              <a:gd name="connsiteX9" fmla="*/ 834070 w 1525261"/>
+              <a:gd name="connsiteY9" fmla="*/ 1512637 h 1866876"/>
+              <a:gd name="connsiteX10" fmla="*/ 699132 w 1525261"/>
+              <a:gd name="connsiteY10" fmla="*/ 1811088 h 1866876"/>
+              <a:gd name="connsiteX11" fmla="*/ 875345 w 1525261"/>
+              <a:gd name="connsiteY11" fmla="*/ 1849187 h 1866876"/>
+              <a:gd name="connsiteX12" fmla="*/ 1047474 w 1525261"/>
+              <a:gd name="connsiteY12" fmla="*/ 1607887 h 1866876"/>
+              <a:gd name="connsiteX0" fmla="*/ 1091924 w 1525099"/>
+              <a:gd name="connsiteY0" fmla="*/ 1630112 h 1865234"/>
+              <a:gd name="connsiteX1" fmla="*/ 1525085 w 1525099"/>
+              <a:gd name="connsiteY1" fmla="*/ 881945 h 1865234"/>
+              <a:gd name="connsiteX2" fmla="*/ 1104624 w 1525099"/>
+              <a:gd name="connsiteY2" fmla="*/ 54858 h 1865234"/>
+              <a:gd name="connsiteX3" fmla="*/ 403175 w 1525099"/>
+              <a:gd name="connsiteY3" fmla="*/ 134233 h 1865234"/>
+              <a:gd name="connsiteX4" fmla="*/ 7208 w 1525099"/>
+              <a:gd name="connsiteY4" fmla="*/ 592341 h 1865234"/>
+              <a:gd name="connsiteX5" fmla="*/ 160970 w 1525099"/>
+              <a:gd name="connsiteY5" fmla="*/ 669675 h 1865234"/>
+              <a:gd name="connsiteX6" fmla="*/ 522920 w 1525099"/>
+              <a:gd name="connsiteY6" fmla="*/ 314075 h 1865234"/>
+              <a:gd name="connsiteX7" fmla="*/ 1005519 w 1525099"/>
+              <a:gd name="connsiteY7" fmla="*/ 274387 h 1865234"/>
+              <a:gd name="connsiteX8" fmla="*/ 1289682 w 1525099"/>
+              <a:gd name="connsiteY8" fmla="*/ 861762 h 1865234"/>
+              <a:gd name="connsiteX9" fmla="*/ 834070 w 1525099"/>
+              <a:gd name="connsiteY9" fmla="*/ 1512637 h 1865234"/>
+              <a:gd name="connsiteX10" fmla="*/ 699132 w 1525099"/>
+              <a:gd name="connsiteY10" fmla="*/ 1811088 h 1865234"/>
+              <a:gd name="connsiteX11" fmla="*/ 875345 w 1525099"/>
+              <a:gd name="connsiteY11" fmla="*/ 1849187 h 1865234"/>
+              <a:gd name="connsiteX12" fmla="*/ 1091924 w 1525099"/>
+              <a:gd name="connsiteY12" fmla="*/ 1630112 h 1865234"/>
+              <a:gd name="connsiteX0" fmla="*/ 1091924 w 1525099"/>
+              <a:gd name="connsiteY0" fmla="*/ 1630112 h 1888628"/>
+              <a:gd name="connsiteX1" fmla="*/ 1525085 w 1525099"/>
+              <a:gd name="connsiteY1" fmla="*/ 881945 h 1888628"/>
+              <a:gd name="connsiteX2" fmla="*/ 1104624 w 1525099"/>
+              <a:gd name="connsiteY2" fmla="*/ 54858 h 1888628"/>
+              <a:gd name="connsiteX3" fmla="*/ 403175 w 1525099"/>
+              <a:gd name="connsiteY3" fmla="*/ 134233 h 1888628"/>
+              <a:gd name="connsiteX4" fmla="*/ 7208 w 1525099"/>
+              <a:gd name="connsiteY4" fmla="*/ 592341 h 1888628"/>
+              <a:gd name="connsiteX5" fmla="*/ 160970 w 1525099"/>
+              <a:gd name="connsiteY5" fmla="*/ 669675 h 1888628"/>
+              <a:gd name="connsiteX6" fmla="*/ 522920 w 1525099"/>
+              <a:gd name="connsiteY6" fmla="*/ 314075 h 1888628"/>
+              <a:gd name="connsiteX7" fmla="*/ 1005519 w 1525099"/>
+              <a:gd name="connsiteY7" fmla="*/ 274387 h 1888628"/>
+              <a:gd name="connsiteX8" fmla="*/ 1289682 w 1525099"/>
+              <a:gd name="connsiteY8" fmla="*/ 861762 h 1888628"/>
+              <a:gd name="connsiteX9" fmla="*/ 834070 w 1525099"/>
+              <a:gd name="connsiteY9" fmla="*/ 1512637 h 1888628"/>
+              <a:gd name="connsiteX10" fmla="*/ 699132 w 1525099"/>
+              <a:gd name="connsiteY10" fmla="*/ 1811088 h 1888628"/>
+              <a:gd name="connsiteX11" fmla="*/ 910270 w 1525099"/>
+              <a:gd name="connsiteY11" fmla="*/ 1877762 h 1888628"/>
+              <a:gd name="connsiteX12" fmla="*/ 1091924 w 1525099"/>
+              <a:gd name="connsiteY12" fmla="*/ 1630112 h 1888628"/>
+              <a:gd name="connsiteX0" fmla="*/ 1091924 w 1525099"/>
+              <a:gd name="connsiteY0" fmla="*/ 1630112 h 1907217"/>
+              <a:gd name="connsiteX1" fmla="*/ 1525085 w 1525099"/>
+              <a:gd name="connsiteY1" fmla="*/ 881945 h 1907217"/>
+              <a:gd name="connsiteX2" fmla="*/ 1104624 w 1525099"/>
+              <a:gd name="connsiteY2" fmla="*/ 54858 h 1907217"/>
+              <a:gd name="connsiteX3" fmla="*/ 403175 w 1525099"/>
+              <a:gd name="connsiteY3" fmla="*/ 134233 h 1907217"/>
+              <a:gd name="connsiteX4" fmla="*/ 7208 w 1525099"/>
+              <a:gd name="connsiteY4" fmla="*/ 592341 h 1907217"/>
+              <a:gd name="connsiteX5" fmla="*/ 160970 w 1525099"/>
+              <a:gd name="connsiteY5" fmla="*/ 669675 h 1907217"/>
+              <a:gd name="connsiteX6" fmla="*/ 522920 w 1525099"/>
+              <a:gd name="connsiteY6" fmla="*/ 314075 h 1907217"/>
+              <a:gd name="connsiteX7" fmla="*/ 1005519 w 1525099"/>
+              <a:gd name="connsiteY7" fmla="*/ 274387 h 1907217"/>
+              <a:gd name="connsiteX8" fmla="*/ 1289682 w 1525099"/>
+              <a:gd name="connsiteY8" fmla="*/ 861762 h 1907217"/>
+              <a:gd name="connsiteX9" fmla="*/ 834070 w 1525099"/>
+              <a:gd name="connsiteY9" fmla="*/ 1512637 h 1907217"/>
+              <a:gd name="connsiteX10" fmla="*/ 702307 w 1525099"/>
+              <a:gd name="connsiteY10" fmla="*/ 1861888 h 1907217"/>
+              <a:gd name="connsiteX11" fmla="*/ 910270 w 1525099"/>
+              <a:gd name="connsiteY11" fmla="*/ 1877762 h 1907217"/>
+              <a:gd name="connsiteX12" fmla="*/ 1091924 w 1525099"/>
+              <a:gd name="connsiteY12" fmla="*/ 1630112 h 1907217"/>
+              <a:gd name="connsiteX0" fmla="*/ 1091924 w 1525099"/>
+              <a:gd name="connsiteY0" fmla="*/ 1630112 h 1905366"/>
+              <a:gd name="connsiteX1" fmla="*/ 1525085 w 1525099"/>
+              <a:gd name="connsiteY1" fmla="*/ 881945 h 1905366"/>
+              <a:gd name="connsiteX2" fmla="*/ 1104624 w 1525099"/>
+              <a:gd name="connsiteY2" fmla="*/ 54858 h 1905366"/>
+              <a:gd name="connsiteX3" fmla="*/ 403175 w 1525099"/>
+              <a:gd name="connsiteY3" fmla="*/ 134233 h 1905366"/>
+              <a:gd name="connsiteX4" fmla="*/ 7208 w 1525099"/>
+              <a:gd name="connsiteY4" fmla="*/ 592341 h 1905366"/>
+              <a:gd name="connsiteX5" fmla="*/ 160970 w 1525099"/>
+              <a:gd name="connsiteY5" fmla="*/ 669675 h 1905366"/>
+              <a:gd name="connsiteX6" fmla="*/ 522920 w 1525099"/>
+              <a:gd name="connsiteY6" fmla="*/ 314075 h 1905366"/>
+              <a:gd name="connsiteX7" fmla="*/ 1005519 w 1525099"/>
+              <a:gd name="connsiteY7" fmla="*/ 274387 h 1905366"/>
+              <a:gd name="connsiteX8" fmla="*/ 1289682 w 1525099"/>
+              <a:gd name="connsiteY8" fmla="*/ 861762 h 1905366"/>
+              <a:gd name="connsiteX9" fmla="*/ 757870 w 1525099"/>
+              <a:gd name="connsiteY9" fmla="*/ 1544387 h 1905366"/>
+              <a:gd name="connsiteX10" fmla="*/ 702307 w 1525099"/>
+              <a:gd name="connsiteY10" fmla="*/ 1861888 h 1905366"/>
+              <a:gd name="connsiteX11" fmla="*/ 910270 w 1525099"/>
+              <a:gd name="connsiteY11" fmla="*/ 1877762 h 1905366"/>
+              <a:gd name="connsiteX12" fmla="*/ 1091924 w 1525099"/>
+              <a:gd name="connsiteY12" fmla="*/ 1630112 h 1905366"/>
+              <a:gd name="connsiteX0" fmla="*/ 1091924 w 1525099"/>
+              <a:gd name="connsiteY0" fmla="*/ 1630112 h 1905366"/>
+              <a:gd name="connsiteX1" fmla="*/ 1525085 w 1525099"/>
+              <a:gd name="connsiteY1" fmla="*/ 881945 h 1905366"/>
+              <a:gd name="connsiteX2" fmla="*/ 1104624 w 1525099"/>
+              <a:gd name="connsiteY2" fmla="*/ 54858 h 1905366"/>
+              <a:gd name="connsiteX3" fmla="*/ 403175 w 1525099"/>
+              <a:gd name="connsiteY3" fmla="*/ 134233 h 1905366"/>
+              <a:gd name="connsiteX4" fmla="*/ 7208 w 1525099"/>
+              <a:gd name="connsiteY4" fmla="*/ 592341 h 1905366"/>
+              <a:gd name="connsiteX5" fmla="*/ 160970 w 1525099"/>
+              <a:gd name="connsiteY5" fmla="*/ 669675 h 1905366"/>
+              <a:gd name="connsiteX6" fmla="*/ 522920 w 1525099"/>
+              <a:gd name="connsiteY6" fmla="*/ 314075 h 1905366"/>
+              <a:gd name="connsiteX7" fmla="*/ 1005519 w 1525099"/>
+              <a:gd name="connsiteY7" fmla="*/ 274387 h 1905366"/>
+              <a:gd name="connsiteX8" fmla="*/ 1289682 w 1525099"/>
+              <a:gd name="connsiteY8" fmla="*/ 861762 h 1905366"/>
+              <a:gd name="connsiteX9" fmla="*/ 757870 w 1525099"/>
+              <a:gd name="connsiteY9" fmla="*/ 1544387 h 1905366"/>
+              <a:gd name="connsiteX10" fmla="*/ 702307 w 1525099"/>
+              <a:gd name="connsiteY10" fmla="*/ 1861888 h 1905366"/>
+              <a:gd name="connsiteX11" fmla="*/ 910270 w 1525099"/>
+              <a:gd name="connsiteY11" fmla="*/ 1877762 h 1905366"/>
+              <a:gd name="connsiteX12" fmla="*/ 1091924 w 1525099"/>
+              <a:gd name="connsiteY12" fmla="*/ 1630112 h 1905366"/>
+              <a:gd name="connsiteX0" fmla="*/ 1091924 w 1525976"/>
+              <a:gd name="connsiteY0" fmla="*/ 1637774 h 1913028"/>
+              <a:gd name="connsiteX1" fmla="*/ 1525085 w 1525976"/>
+              <a:gd name="connsiteY1" fmla="*/ 889607 h 1913028"/>
+              <a:gd name="connsiteX2" fmla="*/ 1180824 w 1525976"/>
+              <a:gd name="connsiteY2" fmla="*/ 52995 h 1913028"/>
+              <a:gd name="connsiteX3" fmla="*/ 403175 w 1525976"/>
+              <a:gd name="connsiteY3" fmla="*/ 141895 h 1913028"/>
+              <a:gd name="connsiteX4" fmla="*/ 7208 w 1525976"/>
+              <a:gd name="connsiteY4" fmla="*/ 600003 h 1913028"/>
+              <a:gd name="connsiteX5" fmla="*/ 160970 w 1525976"/>
+              <a:gd name="connsiteY5" fmla="*/ 677337 h 1913028"/>
+              <a:gd name="connsiteX6" fmla="*/ 522920 w 1525976"/>
+              <a:gd name="connsiteY6" fmla="*/ 321737 h 1913028"/>
+              <a:gd name="connsiteX7" fmla="*/ 1005519 w 1525976"/>
+              <a:gd name="connsiteY7" fmla="*/ 282049 h 1913028"/>
+              <a:gd name="connsiteX8" fmla="*/ 1289682 w 1525976"/>
+              <a:gd name="connsiteY8" fmla="*/ 869424 h 1913028"/>
+              <a:gd name="connsiteX9" fmla="*/ 757870 w 1525976"/>
+              <a:gd name="connsiteY9" fmla="*/ 1552049 h 1913028"/>
+              <a:gd name="connsiteX10" fmla="*/ 702307 w 1525976"/>
+              <a:gd name="connsiteY10" fmla="*/ 1869550 h 1913028"/>
+              <a:gd name="connsiteX11" fmla="*/ 910270 w 1525976"/>
+              <a:gd name="connsiteY11" fmla="*/ 1885424 h 1913028"/>
+              <a:gd name="connsiteX12" fmla="*/ 1091924 w 1525976"/>
+              <a:gd name="connsiteY12" fmla="*/ 1637774 h 1913028"/>
+              <a:gd name="connsiteX0" fmla="*/ 1091924 w 1529850"/>
+              <a:gd name="connsiteY0" fmla="*/ 1675733 h 1950987"/>
+              <a:gd name="connsiteX1" fmla="*/ 1525085 w 1529850"/>
+              <a:gd name="connsiteY1" fmla="*/ 927566 h 1950987"/>
+              <a:gd name="connsiteX2" fmla="*/ 1180824 w 1529850"/>
+              <a:gd name="connsiteY2" fmla="*/ 90954 h 1950987"/>
+              <a:gd name="connsiteX3" fmla="*/ 403175 w 1529850"/>
+              <a:gd name="connsiteY3" fmla="*/ 179854 h 1950987"/>
+              <a:gd name="connsiteX4" fmla="*/ 7208 w 1529850"/>
+              <a:gd name="connsiteY4" fmla="*/ 637962 h 1950987"/>
+              <a:gd name="connsiteX5" fmla="*/ 160970 w 1529850"/>
+              <a:gd name="connsiteY5" fmla="*/ 715296 h 1950987"/>
+              <a:gd name="connsiteX6" fmla="*/ 522920 w 1529850"/>
+              <a:gd name="connsiteY6" fmla="*/ 359696 h 1950987"/>
+              <a:gd name="connsiteX7" fmla="*/ 1005519 w 1529850"/>
+              <a:gd name="connsiteY7" fmla="*/ 320008 h 1950987"/>
+              <a:gd name="connsiteX8" fmla="*/ 1289682 w 1529850"/>
+              <a:gd name="connsiteY8" fmla="*/ 907383 h 1950987"/>
+              <a:gd name="connsiteX9" fmla="*/ 757870 w 1529850"/>
+              <a:gd name="connsiteY9" fmla="*/ 1590008 h 1950987"/>
+              <a:gd name="connsiteX10" fmla="*/ 702307 w 1529850"/>
+              <a:gd name="connsiteY10" fmla="*/ 1907509 h 1950987"/>
+              <a:gd name="connsiteX11" fmla="*/ 910270 w 1529850"/>
+              <a:gd name="connsiteY11" fmla="*/ 1923383 h 1950987"/>
+              <a:gd name="connsiteX12" fmla="*/ 1091924 w 1529850"/>
+              <a:gd name="connsiteY12" fmla="*/ 1675733 h 1950987"/>
+              <a:gd name="connsiteX0" fmla="*/ 1091924 w 1525976"/>
+              <a:gd name="connsiteY0" fmla="*/ 1648087 h 1923341"/>
+              <a:gd name="connsiteX1" fmla="*/ 1525085 w 1525976"/>
+              <a:gd name="connsiteY1" fmla="*/ 899920 h 1923341"/>
+              <a:gd name="connsiteX2" fmla="*/ 1180824 w 1525976"/>
+              <a:gd name="connsiteY2" fmla="*/ 63308 h 1923341"/>
+              <a:gd name="connsiteX3" fmla="*/ 403175 w 1525976"/>
+              <a:gd name="connsiteY3" fmla="*/ 120458 h 1923341"/>
+              <a:gd name="connsiteX4" fmla="*/ 7208 w 1525976"/>
+              <a:gd name="connsiteY4" fmla="*/ 610316 h 1923341"/>
+              <a:gd name="connsiteX5" fmla="*/ 160970 w 1525976"/>
+              <a:gd name="connsiteY5" fmla="*/ 687650 h 1923341"/>
+              <a:gd name="connsiteX6" fmla="*/ 522920 w 1525976"/>
+              <a:gd name="connsiteY6" fmla="*/ 332050 h 1923341"/>
+              <a:gd name="connsiteX7" fmla="*/ 1005519 w 1525976"/>
+              <a:gd name="connsiteY7" fmla="*/ 292362 h 1923341"/>
+              <a:gd name="connsiteX8" fmla="*/ 1289682 w 1525976"/>
+              <a:gd name="connsiteY8" fmla="*/ 879737 h 1923341"/>
+              <a:gd name="connsiteX9" fmla="*/ 757870 w 1525976"/>
+              <a:gd name="connsiteY9" fmla="*/ 1562362 h 1923341"/>
+              <a:gd name="connsiteX10" fmla="*/ 702307 w 1525976"/>
+              <a:gd name="connsiteY10" fmla="*/ 1879863 h 1923341"/>
+              <a:gd name="connsiteX11" fmla="*/ 910270 w 1525976"/>
+              <a:gd name="connsiteY11" fmla="*/ 1895737 h 1923341"/>
+              <a:gd name="connsiteX12" fmla="*/ 1091924 w 1525976"/>
+              <a:gd name="connsiteY12" fmla="*/ 1648087 h 1923341"/>
+              <a:gd name="connsiteX0" fmla="*/ 1091924 w 1525976"/>
+              <a:gd name="connsiteY0" fmla="*/ 1654530 h 1929784"/>
+              <a:gd name="connsiteX1" fmla="*/ 1525085 w 1525976"/>
+              <a:gd name="connsiteY1" fmla="*/ 906363 h 1929784"/>
+              <a:gd name="connsiteX2" fmla="*/ 1180824 w 1525976"/>
+              <a:gd name="connsiteY2" fmla="*/ 69751 h 1929784"/>
+              <a:gd name="connsiteX3" fmla="*/ 403175 w 1525976"/>
+              <a:gd name="connsiteY3" fmla="*/ 126901 h 1929784"/>
+              <a:gd name="connsiteX4" fmla="*/ 7208 w 1525976"/>
+              <a:gd name="connsiteY4" fmla="*/ 616759 h 1929784"/>
+              <a:gd name="connsiteX5" fmla="*/ 160970 w 1525976"/>
+              <a:gd name="connsiteY5" fmla="*/ 694093 h 1929784"/>
+              <a:gd name="connsiteX6" fmla="*/ 522920 w 1525976"/>
+              <a:gd name="connsiteY6" fmla="*/ 338493 h 1929784"/>
+              <a:gd name="connsiteX7" fmla="*/ 1005519 w 1525976"/>
+              <a:gd name="connsiteY7" fmla="*/ 298805 h 1929784"/>
+              <a:gd name="connsiteX8" fmla="*/ 1289682 w 1525976"/>
+              <a:gd name="connsiteY8" fmla="*/ 886180 h 1929784"/>
+              <a:gd name="connsiteX9" fmla="*/ 757870 w 1525976"/>
+              <a:gd name="connsiteY9" fmla="*/ 1568805 h 1929784"/>
+              <a:gd name="connsiteX10" fmla="*/ 702307 w 1525976"/>
+              <a:gd name="connsiteY10" fmla="*/ 1886306 h 1929784"/>
+              <a:gd name="connsiteX11" fmla="*/ 910270 w 1525976"/>
+              <a:gd name="connsiteY11" fmla="*/ 1902180 h 1929784"/>
+              <a:gd name="connsiteX12" fmla="*/ 1091924 w 1525976"/>
+              <a:gd name="connsiteY12" fmla="*/ 1654530 h 1929784"/>
+              <a:gd name="connsiteX0" fmla="*/ 1093431 w 1527483"/>
+              <a:gd name="connsiteY0" fmla="*/ 1654530 h 1929784"/>
+              <a:gd name="connsiteX1" fmla="*/ 1526592 w 1527483"/>
+              <a:gd name="connsiteY1" fmla="*/ 906363 h 1929784"/>
+              <a:gd name="connsiteX2" fmla="*/ 1182331 w 1527483"/>
+              <a:gd name="connsiteY2" fmla="*/ 69751 h 1929784"/>
+              <a:gd name="connsiteX3" fmla="*/ 404682 w 1527483"/>
+              <a:gd name="connsiteY3" fmla="*/ 126901 h 1929784"/>
+              <a:gd name="connsiteX4" fmla="*/ 8715 w 1527483"/>
+              <a:gd name="connsiteY4" fmla="*/ 616759 h 1929784"/>
+              <a:gd name="connsiteX5" fmla="*/ 162477 w 1527483"/>
+              <a:gd name="connsiteY5" fmla="*/ 694093 h 1929784"/>
+              <a:gd name="connsiteX6" fmla="*/ 524427 w 1527483"/>
+              <a:gd name="connsiteY6" fmla="*/ 332143 h 1929784"/>
+              <a:gd name="connsiteX7" fmla="*/ 1007026 w 1527483"/>
+              <a:gd name="connsiteY7" fmla="*/ 298805 h 1929784"/>
+              <a:gd name="connsiteX8" fmla="*/ 1291189 w 1527483"/>
+              <a:gd name="connsiteY8" fmla="*/ 886180 h 1929784"/>
+              <a:gd name="connsiteX9" fmla="*/ 759377 w 1527483"/>
+              <a:gd name="connsiteY9" fmla="*/ 1568805 h 1929784"/>
+              <a:gd name="connsiteX10" fmla="*/ 703814 w 1527483"/>
+              <a:gd name="connsiteY10" fmla="*/ 1886306 h 1929784"/>
+              <a:gd name="connsiteX11" fmla="*/ 911777 w 1527483"/>
+              <a:gd name="connsiteY11" fmla="*/ 1902180 h 1929784"/>
+              <a:gd name="connsiteX12" fmla="*/ 1093431 w 1527483"/>
+              <a:gd name="connsiteY12" fmla="*/ 1654530 h 1929784"/>
+              <a:gd name="connsiteX0" fmla="*/ 1093431 w 1527483"/>
+              <a:gd name="connsiteY0" fmla="*/ 1654530 h 1929784"/>
+              <a:gd name="connsiteX1" fmla="*/ 1526592 w 1527483"/>
+              <a:gd name="connsiteY1" fmla="*/ 906363 h 1929784"/>
+              <a:gd name="connsiteX2" fmla="*/ 1182331 w 1527483"/>
+              <a:gd name="connsiteY2" fmla="*/ 69751 h 1929784"/>
+              <a:gd name="connsiteX3" fmla="*/ 404682 w 1527483"/>
+              <a:gd name="connsiteY3" fmla="*/ 126901 h 1929784"/>
+              <a:gd name="connsiteX4" fmla="*/ 8715 w 1527483"/>
+              <a:gd name="connsiteY4" fmla="*/ 616759 h 1929784"/>
+              <a:gd name="connsiteX5" fmla="*/ 162477 w 1527483"/>
+              <a:gd name="connsiteY5" fmla="*/ 694093 h 1929784"/>
+              <a:gd name="connsiteX6" fmla="*/ 524427 w 1527483"/>
+              <a:gd name="connsiteY6" fmla="*/ 332143 h 1929784"/>
+              <a:gd name="connsiteX7" fmla="*/ 1032426 w 1527483"/>
+              <a:gd name="connsiteY7" fmla="*/ 282930 h 1929784"/>
+              <a:gd name="connsiteX8" fmla="*/ 1291189 w 1527483"/>
+              <a:gd name="connsiteY8" fmla="*/ 886180 h 1929784"/>
+              <a:gd name="connsiteX9" fmla="*/ 759377 w 1527483"/>
+              <a:gd name="connsiteY9" fmla="*/ 1568805 h 1929784"/>
+              <a:gd name="connsiteX10" fmla="*/ 703814 w 1527483"/>
+              <a:gd name="connsiteY10" fmla="*/ 1886306 h 1929784"/>
+              <a:gd name="connsiteX11" fmla="*/ 911777 w 1527483"/>
+              <a:gd name="connsiteY11" fmla="*/ 1902180 h 1929784"/>
+              <a:gd name="connsiteX12" fmla="*/ 1093431 w 1527483"/>
+              <a:gd name="connsiteY12" fmla="*/ 1654530 h 1929784"/>
+              <a:gd name="connsiteX0" fmla="*/ 1151493 w 1585545"/>
+              <a:gd name="connsiteY0" fmla="*/ 1647708 h 1922962"/>
+              <a:gd name="connsiteX1" fmla="*/ 1584654 w 1585545"/>
+              <a:gd name="connsiteY1" fmla="*/ 899541 h 1922962"/>
+              <a:gd name="connsiteX2" fmla="*/ 1240393 w 1585545"/>
+              <a:gd name="connsiteY2" fmla="*/ 62929 h 1922962"/>
+              <a:gd name="connsiteX3" fmla="*/ 462744 w 1585545"/>
+              <a:gd name="connsiteY3" fmla="*/ 120079 h 1922962"/>
+              <a:gd name="connsiteX4" fmla="*/ 6452 w 1585545"/>
+              <a:gd name="connsiteY4" fmla="*/ 600412 h 1922962"/>
+              <a:gd name="connsiteX5" fmla="*/ 220539 w 1585545"/>
+              <a:gd name="connsiteY5" fmla="*/ 687271 h 1922962"/>
+              <a:gd name="connsiteX6" fmla="*/ 582489 w 1585545"/>
+              <a:gd name="connsiteY6" fmla="*/ 325321 h 1922962"/>
+              <a:gd name="connsiteX7" fmla="*/ 1090488 w 1585545"/>
+              <a:gd name="connsiteY7" fmla="*/ 276108 h 1922962"/>
+              <a:gd name="connsiteX8" fmla="*/ 1349251 w 1585545"/>
+              <a:gd name="connsiteY8" fmla="*/ 879358 h 1922962"/>
+              <a:gd name="connsiteX9" fmla="*/ 817439 w 1585545"/>
+              <a:gd name="connsiteY9" fmla="*/ 1561983 h 1922962"/>
+              <a:gd name="connsiteX10" fmla="*/ 761876 w 1585545"/>
+              <a:gd name="connsiteY10" fmla="*/ 1879484 h 1922962"/>
+              <a:gd name="connsiteX11" fmla="*/ 969839 w 1585545"/>
+              <a:gd name="connsiteY11" fmla="*/ 1895358 h 1922962"/>
+              <a:gd name="connsiteX12" fmla="*/ 1151493 w 1585545"/>
+              <a:gd name="connsiteY12" fmla="*/ 1647708 h 1922962"/>
+              <a:gd name="connsiteX0" fmla="*/ 1151356 w 1585411"/>
+              <a:gd name="connsiteY0" fmla="*/ 1658706 h 1933960"/>
+              <a:gd name="connsiteX1" fmla="*/ 1584517 w 1585411"/>
+              <a:gd name="connsiteY1" fmla="*/ 910539 h 1933960"/>
+              <a:gd name="connsiteX2" fmla="*/ 1240256 w 1585411"/>
+              <a:gd name="connsiteY2" fmla="*/ 73927 h 1933960"/>
+              <a:gd name="connsiteX3" fmla="*/ 459432 w 1585411"/>
+              <a:gd name="connsiteY3" fmla="*/ 102502 h 1933960"/>
+              <a:gd name="connsiteX4" fmla="*/ 6315 w 1585411"/>
+              <a:gd name="connsiteY4" fmla="*/ 611410 h 1933960"/>
+              <a:gd name="connsiteX5" fmla="*/ 220402 w 1585411"/>
+              <a:gd name="connsiteY5" fmla="*/ 698269 h 1933960"/>
+              <a:gd name="connsiteX6" fmla="*/ 582352 w 1585411"/>
+              <a:gd name="connsiteY6" fmla="*/ 336319 h 1933960"/>
+              <a:gd name="connsiteX7" fmla="*/ 1090351 w 1585411"/>
+              <a:gd name="connsiteY7" fmla="*/ 287106 h 1933960"/>
+              <a:gd name="connsiteX8" fmla="*/ 1349114 w 1585411"/>
+              <a:gd name="connsiteY8" fmla="*/ 890356 h 1933960"/>
+              <a:gd name="connsiteX9" fmla="*/ 817302 w 1585411"/>
+              <a:gd name="connsiteY9" fmla="*/ 1572981 h 1933960"/>
+              <a:gd name="connsiteX10" fmla="*/ 761739 w 1585411"/>
+              <a:gd name="connsiteY10" fmla="*/ 1890482 h 1933960"/>
+              <a:gd name="connsiteX11" fmla="*/ 969702 w 1585411"/>
+              <a:gd name="connsiteY11" fmla="*/ 1906356 h 1933960"/>
+              <a:gd name="connsiteX12" fmla="*/ 1151356 w 1585411"/>
+              <a:gd name="connsiteY12" fmla="*/ 1658706 h 1933960"/>
+              <a:gd name="connsiteX0" fmla="*/ 1151356 w 1585742"/>
+              <a:gd name="connsiteY0" fmla="*/ 1674782 h 1950036"/>
+              <a:gd name="connsiteX1" fmla="*/ 1584517 w 1585742"/>
+              <a:gd name="connsiteY1" fmla="*/ 926615 h 1950036"/>
+              <a:gd name="connsiteX2" fmla="*/ 1252956 w 1585742"/>
+              <a:gd name="connsiteY2" fmla="*/ 67778 h 1950036"/>
+              <a:gd name="connsiteX3" fmla="*/ 459432 w 1585742"/>
+              <a:gd name="connsiteY3" fmla="*/ 118578 h 1950036"/>
+              <a:gd name="connsiteX4" fmla="*/ 6315 w 1585742"/>
+              <a:gd name="connsiteY4" fmla="*/ 627486 h 1950036"/>
+              <a:gd name="connsiteX5" fmla="*/ 220402 w 1585742"/>
+              <a:gd name="connsiteY5" fmla="*/ 714345 h 1950036"/>
+              <a:gd name="connsiteX6" fmla="*/ 582352 w 1585742"/>
+              <a:gd name="connsiteY6" fmla="*/ 352395 h 1950036"/>
+              <a:gd name="connsiteX7" fmla="*/ 1090351 w 1585742"/>
+              <a:gd name="connsiteY7" fmla="*/ 303182 h 1950036"/>
+              <a:gd name="connsiteX8" fmla="*/ 1349114 w 1585742"/>
+              <a:gd name="connsiteY8" fmla="*/ 906432 h 1950036"/>
+              <a:gd name="connsiteX9" fmla="*/ 817302 w 1585742"/>
+              <a:gd name="connsiteY9" fmla="*/ 1589057 h 1950036"/>
+              <a:gd name="connsiteX10" fmla="*/ 761739 w 1585742"/>
+              <a:gd name="connsiteY10" fmla="*/ 1906558 h 1950036"/>
+              <a:gd name="connsiteX11" fmla="*/ 969702 w 1585742"/>
+              <a:gd name="connsiteY11" fmla="*/ 1922432 h 1950036"/>
+              <a:gd name="connsiteX12" fmla="*/ 1151356 w 1585742"/>
+              <a:gd name="connsiteY12" fmla="*/ 1674782 h 1950036"/>
+              <a:gd name="connsiteX0" fmla="*/ 1151356 w 1587069"/>
+              <a:gd name="connsiteY0" fmla="*/ 1684613 h 1959867"/>
+              <a:gd name="connsiteX1" fmla="*/ 1584517 w 1587069"/>
+              <a:gd name="connsiteY1" fmla="*/ 936446 h 1959867"/>
+              <a:gd name="connsiteX2" fmla="*/ 1252956 w 1587069"/>
+              <a:gd name="connsiteY2" fmla="*/ 77609 h 1959867"/>
+              <a:gd name="connsiteX3" fmla="*/ 459432 w 1587069"/>
+              <a:gd name="connsiteY3" fmla="*/ 128409 h 1959867"/>
+              <a:gd name="connsiteX4" fmla="*/ 6315 w 1587069"/>
+              <a:gd name="connsiteY4" fmla="*/ 637317 h 1959867"/>
+              <a:gd name="connsiteX5" fmla="*/ 220402 w 1587069"/>
+              <a:gd name="connsiteY5" fmla="*/ 724176 h 1959867"/>
+              <a:gd name="connsiteX6" fmla="*/ 582352 w 1587069"/>
+              <a:gd name="connsiteY6" fmla="*/ 362226 h 1959867"/>
+              <a:gd name="connsiteX7" fmla="*/ 1090351 w 1587069"/>
+              <a:gd name="connsiteY7" fmla="*/ 313013 h 1959867"/>
+              <a:gd name="connsiteX8" fmla="*/ 1349114 w 1587069"/>
+              <a:gd name="connsiteY8" fmla="*/ 916263 h 1959867"/>
+              <a:gd name="connsiteX9" fmla="*/ 817302 w 1587069"/>
+              <a:gd name="connsiteY9" fmla="*/ 1598888 h 1959867"/>
+              <a:gd name="connsiteX10" fmla="*/ 761739 w 1587069"/>
+              <a:gd name="connsiteY10" fmla="*/ 1916389 h 1959867"/>
+              <a:gd name="connsiteX11" fmla="*/ 969702 w 1587069"/>
+              <a:gd name="connsiteY11" fmla="*/ 1932263 h 1959867"/>
+              <a:gd name="connsiteX12" fmla="*/ 1151356 w 1587069"/>
+              <a:gd name="connsiteY12" fmla="*/ 1684613 h 1959867"/>
+              <a:gd name="connsiteX0" fmla="*/ 1151356 w 1587069"/>
+              <a:gd name="connsiteY0" fmla="*/ 1698437 h 1973691"/>
+              <a:gd name="connsiteX1" fmla="*/ 1584517 w 1587069"/>
+              <a:gd name="connsiteY1" fmla="*/ 950270 h 1973691"/>
+              <a:gd name="connsiteX2" fmla="*/ 1252956 w 1587069"/>
+              <a:gd name="connsiteY2" fmla="*/ 91433 h 1973691"/>
+              <a:gd name="connsiteX3" fmla="*/ 459432 w 1587069"/>
+              <a:gd name="connsiteY3" fmla="*/ 142233 h 1973691"/>
+              <a:gd name="connsiteX4" fmla="*/ 6315 w 1587069"/>
+              <a:gd name="connsiteY4" fmla="*/ 651141 h 1973691"/>
+              <a:gd name="connsiteX5" fmla="*/ 220402 w 1587069"/>
+              <a:gd name="connsiteY5" fmla="*/ 738000 h 1973691"/>
+              <a:gd name="connsiteX6" fmla="*/ 582352 w 1587069"/>
+              <a:gd name="connsiteY6" fmla="*/ 376050 h 1973691"/>
+              <a:gd name="connsiteX7" fmla="*/ 1090351 w 1587069"/>
+              <a:gd name="connsiteY7" fmla="*/ 326837 h 1973691"/>
+              <a:gd name="connsiteX8" fmla="*/ 1349114 w 1587069"/>
+              <a:gd name="connsiteY8" fmla="*/ 930087 h 1973691"/>
+              <a:gd name="connsiteX9" fmla="*/ 817302 w 1587069"/>
+              <a:gd name="connsiteY9" fmla="*/ 1612712 h 1973691"/>
+              <a:gd name="connsiteX10" fmla="*/ 761739 w 1587069"/>
+              <a:gd name="connsiteY10" fmla="*/ 1930213 h 1973691"/>
+              <a:gd name="connsiteX11" fmla="*/ 969702 w 1587069"/>
+              <a:gd name="connsiteY11" fmla="*/ 1946087 h 1973691"/>
+              <a:gd name="connsiteX12" fmla="*/ 1151356 w 1587069"/>
+              <a:gd name="connsiteY12" fmla="*/ 1698437 h 1973691"/>
+              <a:gd name="connsiteX0" fmla="*/ 1151356 w 1587069"/>
+              <a:gd name="connsiteY0" fmla="*/ 1698437 h 1973691"/>
+              <a:gd name="connsiteX1" fmla="*/ 1584517 w 1587069"/>
+              <a:gd name="connsiteY1" fmla="*/ 950270 h 1973691"/>
+              <a:gd name="connsiteX2" fmla="*/ 1252956 w 1587069"/>
+              <a:gd name="connsiteY2" fmla="*/ 91433 h 1973691"/>
+              <a:gd name="connsiteX3" fmla="*/ 459432 w 1587069"/>
+              <a:gd name="connsiteY3" fmla="*/ 142233 h 1973691"/>
+              <a:gd name="connsiteX4" fmla="*/ 6315 w 1587069"/>
+              <a:gd name="connsiteY4" fmla="*/ 651141 h 1973691"/>
+              <a:gd name="connsiteX5" fmla="*/ 220402 w 1587069"/>
+              <a:gd name="connsiteY5" fmla="*/ 738000 h 1973691"/>
+              <a:gd name="connsiteX6" fmla="*/ 582352 w 1587069"/>
+              <a:gd name="connsiteY6" fmla="*/ 376050 h 1973691"/>
+              <a:gd name="connsiteX7" fmla="*/ 1090351 w 1587069"/>
+              <a:gd name="connsiteY7" fmla="*/ 326837 h 1973691"/>
+              <a:gd name="connsiteX8" fmla="*/ 1349114 w 1587069"/>
+              <a:gd name="connsiteY8" fmla="*/ 930087 h 1973691"/>
+              <a:gd name="connsiteX9" fmla="*/ 817302 w 1587069"/>
+              <a:gd name="connsiteY9" fmla="*/ 1612712 h 1973691"/>
+              <a:gd name="connsiteX10" fmla="*/ 761739 w 1587069"/>
+              <a:gd name="connsiteY10" fmla="*/ 1930213 h 1973691"/>
+              <a:gd name="connsiteX11" fmla="*/ 969702 w 1587069"/>
+              <a:gd name="connsiteY11" fmla="*/ 1946087 h 1973691"/>
+              <a:gd name="connsiteX12" fmla="*/ 1151356 w 1587069"/>
+              <a:gd name="connsiteY12" fmla="*/ 1698437 h 1973691"/>
+              <a:gd name="connsiteX0" fmla="*/ 1151274 w 1586987"/>
+              <a:gd name="connsiteY0" fmla="*/ 1698437 h 1973691"/>
+              <a:gd name="connsiteX1" fmla="*/ 1584435 w 1586987"/>
+              <a:gd name="connsiteY1" fmla="*/ 950270 h 1973691"/>
+              <a:gd name="connsiteX2" fmla="*/ 1252874 w 1586987"/>
+              <a:gd name="connsiteY2" fmla="*/ 91433 h 1973691"/>
+              <a:gd name="connsiteX3" fmla="*/ 459350 w 1586987"/>
+              <a:gd name="connsiteY3" fmla="*/ 142233 h 1973691"/>
+              <a:gd name="connsiteX4" fmla="*/ 6233 w 1586987"/>
+              <a:gd name="connsiteY4" fmla="*/ 651141 h 1973691"/>
+              <a:gd name="connsiteX5" fmla="*/ 220320 w 1586987"/>
+              <a:gd name="connsiteY5" fmla="*/ 738000 h 1973691"/>
+              <a:gd name="connsiteX6" fmla="*/ 566395 w 1586987"/>
+              <a:gd name="connsiteY6" fmla="*/ 385575 h 1973691"/>
+              <a:gd name="connsiteX7" fmla="*/ 1090269 w 1586987"/>
+              <a:gd name="connsiteY7" fmla="*/ 326837 h 1973691"/>
+              <a:gd name="connsiteX8" fmla="*/ 1349032 w 1586987"/>
+              <a:gd name="connsiteY8" fmla="*/ 930087 h 1973691"/>
+              <a:gd name="connsiteX9" fmla="*/ 817220 w 1586987"/>
+              <a:gd name="connsiteY9" fmla="*/ 1612712 h 1973691"/>
+              <a:gd name="connsiteX10" fmla="*/ 761657 w 1586987"/>
+              <a:gd name="connsiteY10" fmla="*/ 1930213 h 1973691"/>
+              <a:gd name="connsiteX11" fmla="*/ 969620 w 1586987"/>
+              <a:gd name="connsiteY11" fmla="*/ 1946087 h 1973691"/>
+              <a:gd name="connsiteX12" fmla="*/ 1151274 w 1586987"/>
+              <a:gd name="connsiteY12" fmla="*/ 1698437 h 1973691"/>
+              <a:gd name="connsiteX0" fmla="*/ 1151274 w 1586987"/>
+              <a:gd name="connsiteY0" fmla="*/ 1698437 h 1973691"/>
+              <a:gd name="connsiteX1" fmla="*/ 1584435 w 1586987"/>
+              <a:gd name="connsiteY1" fmla="*/ 950270 h 1973691"/>
+              <a:gd name="connsiteX2" fmla="*/ 1252874 w 1586987"/>
+              <a:gd name="connsiteY2" fmla="*/ 91433 h 1973691"/>
+              <a:gd name="connsiteX3" fmla="*/ 459350 w 1586987"/>
+              <a:gd name="connsiteY3" fmla="*/ 142233 h 1973691"/>
+              <a:gd name="connsiteX4" fmla="*/ 6233 w 1586987"/>
+              <a:gd name="connsiteY4" fmla="*/ 651141 h 1973691"/>
+              <a:gd name="connsiteX5" fmla="*/ 220320 w 1586987"/>
+              <a:gd name="connsiteY5" fmla="*/ 738000 h 1973691"/>
+              <a:gd name="connsiteX6" fmla="*/ 566395 w 1586987"/>
+              <a:gd name="connsiteY6" fmla="*/ 385575 h 1973691"/>
+              <a:gd name="connsiteX7" fmla="*/ 1090269 w 1586987"/>
+              <a:gd name="connsiteY7" fmla="*/ 326837 h 1973691"/>
+              <a:gd name="connsiteX8" fmla="*/ 1349032 w 1586987"/>
+              <a:gd name="connsiteY8" fmla="*/ 930087 h 1973691"/>
+              <a:gd name="connsiteX9" fmla="*/ 817220 w 1586987"/>
+              <a:gd name="connsiteY9" fmla="*/ 1612712 h 1973691"/>
+              <a:gd name="connsiteX10" fmla="*/ 761657 w 1586987"/>
+              <a:gd name="connsiteY10" fmla="*/ 1930213 h 1973691"/>
+              <a:gd name="connsiteX11" fmla="*/ 969620 w 1586987"/>
+              <a:gd name="connsiteY11" fmla="*/ 1946087 h 1973691"/>
+              <a:gd name="connsiteX12" fmla="*/ 1151274 w 1586987"/>
+              <a:gd name="connsiteY12" fmla="*/ 1698437 h 1973691"/>
+              <a:gd name="connsiteX0" fmla="*/ 1151274 w 1617251"/>
+              <a:gd name="connsiteY0" fmla="*/ 1688957 h 1964211"/>
+              <a:gd name="connsiteX1" fmla="*/ 1616185 w 1617251"/>
+              <a:gd name="connsiteY1" fmla="*/ 940790 h 1964211"/>
+              <a:gd name="connsiteX2" fmla="*/ 1252874 w 1617251"/>
+              <a:gd name="connsiteY2" fmla="*/ 81953 h 1964211"/>
+              <a:gd name="connsiteX3" fmla="*/ 459350 w 1617251"/>
+              <a:gd name="connsiteY3" fmla="*/ 132753 h 1964211"/>
+              <a:gd name="connsiteX4" fmla="*/ 6233 w 1617251"/>
+              <a:gd name="connsiteY4" fmla="*/ 641661 h 1964211"/>
+              <a:gd name="connsiteX5" fmla="*/ 220320 w 1617251"/>
+              <a:gd name="connsiteY5" fmla="*/ 728520 h 1964211"/>
+              <a:gd name="connsiteX6" fmla="*/ 566395 w 1617251"/>
+              <a:gd name="connsiteY6" fmla="*/ 376095 h 1964211"/>
+              <a:gd name="connsiteX7" fmla="*/ 1090269 w 1617251"/>
+              <a:gd name="connsiteY7" fmla="*/ 317357 h 1964211"/>
+              <a:gd name="connsiteX8" fmla="*/ 1349032 w 1617251"/>
+              <a:gd name="connsiteY8" fmla="*/ 920607 h 1964211"/>
+              <a:gd name="connsiteX9" fmla="*/ 817220 w 1617251"/>
+              <a:gd name="connsiteY9" fmla="*/ 1603232 h 1964211"/>
+              <a:gd name="connsiteX10" fmla="*/ 761657 w 1617251"/>
+              <a:gd name="connsiteY10" fmla="*/ 1920733 h 1964211"/>
+              <a:gd name="connsiteX11" fmla="*/ 969620 w 1617251"/>
+              <a:gd name="connsiteY11" fmla="*/ 1936607 h 1964211"/>
+              <a:gd name="connsiteX12" fmla="*/ 1151274 w 1617251"/>
+              <a:gd name="connsiteY12" fmla="*/ 1688957 h 1964211"/>
+              <a:gd name="connsiteX0" fmla="*/ 1151274 w 1639387"/>
+              <a:gd name="connsiteY0" fmla="*/ 1688957 h 1964211"/>
+              <a:gd name="connsiteX1" fmla="*/ 1638410 w 1639387"/>
+              <a:gd name="connsiteY1" fmla="*/ 940790 h 1964211"/>
+              <a:gd name="connsiteX2" fmla="*/ 1252874 w 1639387"/>
+              <a:gd name="connsiteY2" fmla="*/ 81953 h 1964211"/>
+              <a:gd name="connsiteX3" fmla="*/ 459350 w 1639387"/>
+              <a:gd name="connsiteY3" fmla="*/ 132753 h 1964211"/>
+              <a:gd name="connsiteX4" fmla="*/ 6233 w 1639387"/>
+              <a:gd name="connsiteY4" fmla="*/ 641661 h 1964211"/>
+              <a:gd name="connsiteX5" fmla="*/ 220320 w 1639387"/>
+              <a:gd name="connsiteY5" fmla="*/ 728520 h 1964211"/>
+              <a:gd name="connsiteX6" fmla="*/ 566395 w 1639387"/>
+              <a:gd name="connsiteY6" fmla="*/ 376095 h 1964211"/>
+              <a:gd name="connsiteX7" fmla="*/ 1090269 w 1639387"/>
+              <a:gd name="connsiteY7" fmla="*/ 317357 h 1964211"/>
+              <a:gd name="connsiteX8" fmla="*/ 1349032 w 1639387"/>
+              <a:gd name="connsiteY8" fmla="*/ 920607 h 1964211"/>
+              <a:gd name="connsiteX9" fmla="*/ 817220 w 1639387"/>
+              <a:gd name="connsiteY9" fmla="*/ 1603232 h 1964211"/>
+              <a:gd name="connsiteX10" fmla="*/ 761657 w 1639387"/>
+              <a:gd name="connsiteY10" fmla="*/ 1920733 h 1964211"/>
+              <a:gd name="connsiteX11" fmla="*/ 969620 w 1639387"/>
+              <a:gd name="connsiteY11" fmla="*/ 1936607 h 1964211"/>
+              <a:gd name="connsiteX12" fmla="*/ 1151274 w 1639387"/>
+              <a:gd name="connsiteY12" fmla="*/ 1688957 h 1964211"/>
+              <a:gd name="connsiteX0" fmla="*/ 1151274 w 1640167"/>
+              <a:gd name="connsiteY0" fmla="*/ 1688957 h 1964211"/>
+              <a:gd name="connsiteX1" fmla="*/ 1638410 w 1640167"/>
+              <a:gd name="connsiteY1" fmla="*/ 940790 h 1964211"/>
+              <a:gd name="connsiteX2" fmla="*/ 1252874 w 1640167"/>
+              <a:gd name="connsiteY2" fmla="*/ 81953 h 1964211"/>
+              <a:gd name="connsiteX3" fmla="*/ 459350 w 1640167"/>
+              <a:gd name="connsiteY3" fmla="*/ 132753 h 1964211"/>
+              <a:gd name="connsiteX4" fmla="*/ 6233 w 1640167"/>
+              <a:gd name="connsiteY4" fmla="*/ 641661 h 1964211"/>
+              <a:gd name="connsiteX5" fmla="*/ 220320 w 1640167"/>
+              <a:gd name="connsiteY5" fmla="*/ 728520 h 1964211"/>
+              <a:gd name="connsiteX6" fmla="*/ 566395 w 1640167"/>
+              <a:gd name="connsiteY6" fmla="*/ 376095 h 1964211"/>
+              <a:gd name="connsiteX7" fmla="*/ 1090269 w 1640167"/>
+              <a:gd name="connsiteY7" fmla="*/ 317357 h 1964211"/>
+              <a:gd name="connsiteX8" fmla="*/ 1349032 w 1640167"/>
+              <a:gd name="connsiteY8" fmla="*/ 920607 h 1964211"/>
+              <a:gd name="connsiteX9" fmla="*/ 817220 w 1640167"/>
+              <a:gd name="connsiteY9" fmla="*/ 1603232 h 1964211"/>
+              <a:gd name="connsiteX10" fmla="*/ 761657 w 1640167"/>
+              <a:gd name="connsiteY10" fmla="*/ 1920733 h 1964211"/>
+              <a:gd name="connsiteX11" fmla="*/ 969620 w 1640167"/>
+              <a:gd name="connsiteY11" fmla="*/ 1936607 h 1964211"/>
+              <a:gd name="connsiteX12" fmla="*/ 1151274 w 1640167"/>
+              <a:gd name="connsiteY12" fmla="*/ 1688957 h 1964211"/>
+            </a:gdLst>
+            <a:ahLst/>
+            <a:cxnLst>
+              <a:cxn ang="0">
+                <a:pos x="connsiteX0" y="connsiteY0"/>
+              </a:cxn>
+              <a:cxn ang="0">
+                <a:pos x="connsiteX1" y="connsiteY1"/>
+              </a:cxn>
+              <a:cxn ang="0">
+                <a:pos x="connsiteX2" y="connsiteY2"/>
+              </a:cxn>
+              <a:cxn ang="0">
+                <a:pos x="connsiteX3" y="connsiteY3"/>
+              </a:cxn>
+              <a:cxn ang="0">
+                <a:pos x="connsiteX4" y="connsiteY4"/>
+              </a:cxn>
+              <a:cxn ang="0">
+                <a:pos x="connsiteX5" y="connsiteY5"/>
+              </a:cxn>
+              <a:cxn ang="0">
+                <a:pos x="connsiteX6" y="connsiteY6"/>
+              </a:cxn>
+              <a:cxn ang="0">
+                <a:pos x="connsiteX7" y="connsiteY7"/>
+              </a:cxn>
+              <a:cxn ang="0">
+                <a:pos x="connsiteX8" y="connsiteY8"/>
+              </a:cxn>
+              <a:cxn ang="0">
+                <a:pos x="connsiteX9" y="connsiteY9"/>
+              </a:cxn>
+              <a:cxn ang="0">
+                <a:pos x="connsiteX10" y="connsiteY10"/>
+              </a:cxn>
+              <a:cxn ang="0">
+                <a:pos x="connsiteX11" y="connsiteY11"/>
+              </a:cxn>
+              <a:cxn ang="0">
+                <a:pos x="connsiteX12" y="connsiteY12"/>
+              </a:cxn>
+            </a:cxnLst>
+            <a:rect l="l" t="t" r="r" b="b"/>
+            <a:pathLst>
+              <a:path w="1640167" h="1964211">
+                <a:moveTo>
+                  <a:pt x="1151274" y="1688957"/>
+                </a:moveTo>
+                <a:cubicBezTo>
+                  <a:pt x="1262739" y="1522988"/>
+                  <a:pt x="1615127" y="1329274"/>
+                  <a:pt x="1638410" y="940790"/>
+                </a:cubicBezTo>
+                <a:cubicBezTo>
+                  <a:pt x="1661693" y="552306"/>
+                  <a:pt x="1449384" y="216626"/>
+                  <a:pt x="1252874" y="81953"/>
+                </a:cubicBezTo>
+                <a:cubicBezTo>
+                  <a:pt x="1056364" y="-52720"/>
+                  <a:pt x="787773" y="-11332"/>
+                  <a:pt x="459350" y="132753"/>
+                </a:cubicBezTo>
+                <a:cubicBezTo>
+                  <a:pt x="130927" y="276838"/>
+                  <a:pt x="46071" y="542367"/>
+                  <a:pt x="6233" y="641661"/>
+                </a:cubicBezTo>
+                <a:cubicBezTo>
+                  <a:pt x="-33605" y="740955"/>
+                  <a:pt x="126960" y="772781"/>
+                  <a:pt x="220320" y="728520"/>
+                </a:cubicBezTo>
+                <a:cubicBezTo>
+                  <a:pt x="313680" y="684259"/>
+                  <a:pt x="364254" y="495422"/>
+                  <a:pt x="566395" y="376095"/>
+                </a:cubicBezTo>
+                <a:cubicBezTo>
+                  <a:pt x="768536" y="256768"/>
+                  <a:pt x="959830" y="226605"/>
+                  <a:pt x="1090269" y="317357"/>
+                </a:cubicBezTo>
+                <a:cubicBezTo>
+                  <a:pt x="1220709" y="408109"/>
+                  <a:pt x="1394540" y="706295"/>
+                  <a:pt x="1349032" y="920607"/>
+                </a:cubicBezTo>
+                <a:cubicBezTo>
+                  <a:pt x="1303524" y="1134919"/>
+                  <a:pt x="937341" y="1465119"/>
+                  <a:pt x="817220" y="1603232"/>
+                </a:cubicBezTo>
+                <a:cubicBezTo>
+                  <a:pt x="697099" y="1741345"/>
+                  <a:pt x="736257" y="1865171"/>
+                  <a:pt x="761657" y="1920733"/>
+                </a:cubicBezTo>
+                <a:cubicBezTo>
+                  <a:pt x="787057" y="1976296"/>
+                  <a:pt x="904684" y="1975236"/>
+                  <a:pt x="969620" y="1936607"/>
+                </a:cubicBezTo>
+                <a:cubicBezTo>
+                  <a:pt x="1034556" y="1897978"/>
+                  <a:pt x="1039809" y="1854926"/>
+                  <a:pt x="1151274" y="1688957"/>
+                </a:cubicBezTo>
+                <a:close/>
+              </a:path>
+            </a:pathLst>
+          </a:custGeom>
+          <a:solidFill>
+            <a:schemeClr val="bg1"/>
+          </a:solidFill>
+          <a:ln>
+            <a:noFill/>
+          </a:ln>
+        </p:spPr>
+        <p:style>
+          <a:lnRef idx="2">
+            <a:schemeClr val="accent1">
+              <a:shade val="50000"/>
+            </a:schemeClr>
+          </a:lnRef>
+          <a:fillRef idx="1">
+            <a:schemeClr val="accent1"/>
+          </a:fillRef>
+          <a:effectRef idx="0">
+            <a:schemeClr val="accent1"/>
+          </a:effectRef>
+          <a:fontRef idx="minor">
+            <a:schemeClr val="lt1"/>
+          </a:fontRef>
+        </p:style>
+        <p:txBody>
+          <a:bodyPr rtlCol="0" anchor="ctr"/>
+          <a:lstStyle/>
+          <a:p>
+            <a:pPr algn="ctr"/>
+            <a:endParaRPr lang="en-US"/>
+          </a:p>
+        </p:txBody>
+      </p:sp>
+      <p:pic>
+        <p:nvPicPr>
+          <p:cNvPr id="12" name="Picture 11">
+            <a:extLst>
+              <a:ext uri="{FF2B5EF4-FFF2-40B4-BE49-F238E27FC236}">
+                <a16:creationId xmlns:a16="http://schemas.microsoft.com/office/drawing/2014/main" id="{CBE02FB5-4127-4402-8B93-4CFF2B568A0E}"/>
+              </a:ext>
+            </a:extLst>
+          </p:cNvPr>
+          <p:cNvPicPr>
+            <a:picLocks noChangeAspect="1"/>
+          </p:cNvPicPr>
+          <p:nvPr/>
+        </p:nvPicPr>
+        <p:blipFill>
+          <a:blip r:embed="rId2"/>
+          <a:stretch>
+            <a:fillRect/>
+          </a:stretch>
+        </p:blipFill>
+        <p:spPr>
+          <a:xfrm>
+            <a:off x="7018364" y="1680832"/>
+            <a:ext cx="199949" cy="201168"/>
+          </a:xfrm>
+          <a:prstGeom prst="rect">
+            <a:avLst/>
+          </a:prstGeom>
+        </p:spPr>
+      </p:pic>
+    </p:spTree>
+    <p:extLst>
+      <p:ext uri="{BB962C8B-B14F-4D97-AF65-F5344CB8AC3E}">
+        <p14:creationId xmlns:p14="http://schemas.microsoft.com/office/powerpoint/2010/main" val="1894831275"/>
       </p:ext>
     </p:extLst>
   </p:cSld>
